--- a/OME/ENTREPRENEURSHIP 1 unit4.pptx
+++ b/OME/ENTREPRENEURSHIP 1 unit4.pptx
@@ -2,8 +2,11 @@
 <file path=ppt/presentation.xml><?xml version="1.0" encoding="utf-8"?>
 <p:presentation xmlns:a="http://schemas.openxmlformats.org/drawingml/2006/main" xmlns:r="http://schemas.openxmlformats.org/officeDocument/2006/relationships" xmlns:p="http://schemas.openxmlformats.org/presentationml/2006/main" saveSubsetFonts="1">
   <p:sldMasterIdLst>
-    <p:sldMasterId id="2147483792" r:id="rId1"/>
+    <p:sldMasterId id="2147483804" r:id="rId1"/>
   </p:sldMasterIdLst>
+  <p:notesMasterIdLst>
+    <p:notesMasterId r:id="rId21"/>
+  </p:notesMasterIdLst>
   <p:sldIdLst>
     <p:sldId id="256" r:id="rId2"/>
     <p:sldId id="257" r:id="rId3"/>
@@ -122,7 +125,372 @@
       </a:defRPr>
     </a:lvl9pPr>
   </p:defaultTextStyle>
+  <p:extLst>
+    <p:ext uri="{EFAFB233-063F-42B5-8137-9DF3F51BA10A}">
+      <p15:sldGuideLst xmlns:p15="http://schemas.microsoft.com/office/powerpoint/2012/main">
+        <p15:guide id="1" orient="horz" pos="2160">
+          <p15:clr>
+            <a:srgbClr val="A4A3A4"/>
+          </p15:clr>
+        </p15:guide>
+        <p15:guide id="2" pos="2880">
+          <p15:clr>
+            <a:srgbClr val="A4A3A4"/>
+          </p15:clr>
+        </p15:guide>
+      </p15:sldGuideLst>
+    </p:ext>
+  </p:extLst>
 </p:presentation>
+</file>
+
+<file path=ppt/notesMasters/notesMaster1.xml><?xml version="1.0" encoding="utf-8"?>
+<p:notesMaster xmlns:a="http://schemas.openxmlformats.org/drawingml/2006/main" xmlns:r="http://schemas.openxmlformats.org/officeDocument/2006/relationships" xmlns:p="http://schemas.openxmlformats.org/presentationml/2006/main">
+  <p:cSld>
+    <p:bg>
+      <p:bgRef idx="1001">
+        <a:schemeClr val="bg1"/>
+      </p:bgRef>
+    </p:bg>
+    <p:spTree>
+      <p:nvGrpSpPr>
+        <p:cNvPr id="1" name=""/>
+        <p:cNvGrpSpPr/>
+        <p:nvPr/>
+      </p:nvGrpSpPr>
+      <p:grpSpPr>
+        <a:xfrm>
+          <a:off x="0" y="0"/>
+          <a:ext cx="0" cy="0"/>
+          <a:chOff x="0" y="0"/>
+          <a:chExt cx="0" cy="0"/>
+        </a:xfrm>
+      </p:grpSpPr>
+      <p:sp>
+        <p:nvSpPr>
+          <p:cNvPr id="2" name="Header Placeholder 1"/>
+          <p:cNvSpPr>
+            <a:spLocks noGrp="1"/>
+          </p:cNvSpPr>
+          <p:nvPr>
+            <p:ph type="hdr" sz="quarter"/>
+          </p:nvPr>
+        </p:nvSpPr>
+        <p:spPr>
+          <a:xfrm>
+            <a:off x="0" y="0"/>
+            <a:ext cx="2971800" cy="458788"/>
+          </a:xfrm>
+          <a:prstGeom prst="rect">
+            <a:avLst/>
+          </a:prstGeom>
+        </p:spPr>
+        <p:txBody>
+          <a:bodyPr vert="horz" lIns="91440" tIns="45720" rIns="91440" bIns="45720" rtlCol="0"/>
+          <a:lstStyle>
+            <a:lvl1pPr algn="l">
+              <a:defRPr sz="1200"/>
+            </a:lvl1pPr>
+          </a:lstStyle>
+          <a:p>
+            <a:endParaRPr lang="en-US"/>
+          </a:p>
+        </p:txBody>
+      </p:sp>
+      <p:sp>
+        <p:nvSpPr>
+          <p:cNvPr id="3" name="Date Placeholder 2"/>
+          <p:cNvSpPr>
+            <a:spLocks noGrp="1"/>
+          </p:cNvSpPr>
+          <p:nvPr>
+            <p:ph type="dt" idx="1"/>
+          </p:nvPr>
+        </p:nvSpPr>
+        <p:spPr>
+          <a:xfrm>
+            <a:off x="3884613" y="0"/>
+            <a:ext cx="2971800" cy="458788"/>
+          </a:xfrm>
+          <a:prstGeom prst="rect">
+            <a:avLst/>
+          </a:prstGeom>
+        </p:spPr>
+        <p:txBody>
+          <a:bodyPr vert="horz" lIns="91440" tIns="45720" rIns="91440" bIns="45720" rtlCol="0"/>
+          <a:lstStyle>
+            <a:lvl1pPr algn="r">
+              <a:defRPr sz="1200"/>
+            </a:lvl1pPr>
+          </a:lstStyle>
+          <a:p>
+            <a:fld id="{329EA5C4-136C-F642-8625-494415659805}" type="datetimeFigureOut">
+              <a:rPr lang="en-US" smtClean="0"/>
+              <a:t>3/13/19</a:t>
+            </a:fld>
+            <a:endParaRPr lang="en-US"/>
+          </a:p>
+        </p:txBody>
+      </p:sp>
+      <p:sp>
+        <p:nvSpPr>
+          <p:cNvPr id="4" name="Slide Image Placeholder 3"/>
+          <p:cNvSpPr>
+            <a:spLocks noGrp="1" noRot="1" noChangeAspect="1"/>
+          </p:cNvSpPr>
+          <p:nvPr>
+            <p:ph type="sldImg" idx="2"/>
+          </p:nvPr>
+        </p:nvSpPr>
+        <p:spPr>
+          <a:xfrm>
+            <a:off x="1371600" y="1143000"/>
+            <a:ext cx="4114800" cy="3086100"/>
+          </a:xfrm>
+          <a:prstGeom prst="rect">
+            <a:avLst/>
+          </a:prstGeom>
+          <a:noFill/>
+          <a:ln w="12700">
+            <a:solidFill>
+              <a:prstClr val="black"/>
+            </a:solidFill>
+          </a:ln>
+        </p:spPr>
+        <p:txBody>
+          <a:bodyPr vert="horz" lIns="91440" tIns="45720" rIns="91440" bIns="45720" rtlCol="0" anchor="ctr"/>
+          <a:lstStyle/>
+          <a:p>
+            <a:endParaRPr lang="en-US"/>
+          </a:p>
+        </p:txBody>
+      </p:sp>
+      <p:sp>
+        <p:nvSpPr>
+          <p:cNvPr id="5" name="Notes Placeholder 4"/>
+          <p:cNvSpPr>
+            <a:spLocks noGrp="1"/>
+          </p:cNvSpPr>
+          <p:nvPr>
+            <p:ph type="body" sz="quarter" idx="3"/>
+          </p:nvPr>
+        </p:nvSpPr>
+        <p:spPr>
+          <a:xfrm>
+            <a:off x="685800" y="4400550"/>
+            <a:ext cx="5486400" cy="3600450"/>
+          </a:xfrm>
+          <a:prstGeom prst="rect">
+            <a:avLst/>
+          </a:prstGeom>
+        </p:spPr>
+        <p:txBody>
+          <a:bodyPr vert="horz" lIns="91440" tIns="45720" rIns="91440" bIns="45720" rtlCol="0"/>
+          <a:lstStyle/>
+          <a:p>
+            <a:pPr lvl="0"/>
+            <a:r>
+              <a:rPr lang="en-US"/>
+              <a:t>Click to edit Master text styles</a:t>
+            </a:r>
+          </a:p>
+          <a:p>
+            <a:pPr lvl="1"/>
+            <a:r>
+              <a:rPr lang="en-US"/>
+              <a:t>Second level</a:t>
+            </a:r>
+          </a:p>
+          <a:p>
+            <a:pPr lvl="2"/>
+            <a:r>
+              <a:rPr lang="en-US"/>
+              <a:t>Third level</a:t>
+            </a:r>
+          </a:p>
+          <a:p>
+            <a:pPr lvl="3"/>
+            <a:r>
+              <a:rPr lang="en-US"/>
+              <a:t>Fourth level</a:t>
+            </a:r>
+          </a:p>
+          <a:p>
+            <a:pPr lvl="4"/>
+            <a:r>
+              <a:rPr lang="en-US"/>
+              <a:t>Fifth level</a:t>
+            </a:r>
+          </a:p>
+        </p:txBody>
+      </p:sp>
+      <p:sp>
+        <p:nvSpPr>
+          <p:cNvPr id="6" name="Footer Placeholder 5"/>
+          <p:cNvSpPr>
+            <a:spLocks noGrp="1"/>
+          </p:cNvSpPr>
+          <p:nvPr>
+            <p:ph type="ftr" sz="quarter" idx="4"/>
+          </p:nvPr>
+        </p:nvSpPr>
+        <p:spPr>
+          <a:xfrm>
+            <a:off x="0" y="8685213"/>
+            <a:ext cx="2971800" cy="458787"/>
+          </a:xfrm>
+          <a:prstGeom prst="rect">
+            <a:avLst/>
+          </a:prstGeom>
+        </p:spPr>
+        <p:txBody>
+          <a:bodyPr vert="horz" lIns="91440" tIns="45720" rIns="91440" bIns="45720" rtlCol="0" anchor="b"/>
+          <a:lstStyle>
+            <a:lvl1pPr algn="l">
+              <a:defRPr sz="1200"/>
+            </a:lvl1pPr>
+          </a:lstStyle>
+          <a:p>
+            <a:endParaRPr lang="en-US"/>
+          </a:p>
+        </p:txBody>
+      </p:sp>
+      <p:sp>
+        <p:nvSpPr>
+          <p:cNvPr id="7" name="Slide Number Placeholder 6"/>
+          <p:cNvSpPr>
+            <a:spLocks noGrp="1"/>
+          </p:cNvSpPr>
+          <p:nvPr>
+            <p:ph type="sldNum" sz="quarter" idx="5"/>
+          </p:nvPr>
+        </p:nvSpPr>
+        <p:spPr>
+          <a:xfrm>
+            <a:off x="3884613" y="8685213"/>
+            <a:ext cx="2971800" cy="458787"/>
+          </a:xfrm>
+          <a:prstGeom prst="rect">
+            <a:avLst/>
+          </a:prstGeom>
+        </p:spPr>
+        <p:txBody>
+          <a:bodyPr vert="horz" lIns="91440" tIns="45720" rIns="91440" bIns="45720" rtlCol="0" anchor="b"/>
+          <a:lstStyle>
+            <a:lvl1pPr algn="r">
+              <a:defRPr sz="1200"/>
+            </a:lvl1pPr>
+          </a:lstStyle>
+          <a:p>
+            <a:fld id="{4A1B9068-B36E-E641-86B7-B9DC5CA8741E}" type="slidenum">
+              <a:rPr lang="en-US" smtClean="0"/>
+              <a:t>‹#›</a:t>
+            </a:fld>
+            <a:endParaRPr lang="en-US"/>
+          </a:p>
+        </p:txBody>
+      </p:sp>
+    </p:spTree>
+    <p:extLst>
+      <p:ext uri="{BB962C8B-B14F-4D97-AF65-F5344CB8AC3E}">
+        <p14:creationId xmlns:p14="http://schemas.microsoft.com/office/powerpoint/2010/main" val="1365045060"/>
+      </p:ext>
+    </p:extLst>
+  </p:cSld>
+  <p:clrMap bg1="lt1" tx1="dk1" bg2="lt2" tx2="dk2" accent1="accent1" accent2="accent2" accent3="accent3" accent4="accent4" accent5="accent5" accent6="accent6" hlink="hlink" folHlink="folHlink"/>
+  <p:notesStyle>
+    <a:lvl1pPr marL="0" algn="l" defTabSz="914400" rtl="0" eaLnBrk="1" latinLnBrk="0" hangingPunct="1">
+      <a:defRPr sz="1200" kern="1200">
+        <a:solidFill>
+          <a:schemeClr val="tx1"/>
+        </a:solidFill>
+        <a:latin typeface="+mn-lt"/>
+        <a:ea typeface="+mn-ea"/>
+        <a:cs typeface="+mn-cs"/>
+      </a:defRPr>
+    </a:lvl1pPr>
+    <a:lvl2pPr marL="457200" algn="l" defTabSz="914400" rtl="0" eaLnBrk="1" latinLnBrk="0" hangingPunct="1">
+      <a:defRPr sz="1200" kern="1200">
+        <a:solidFill>
+          <a:schemeClr val="tx1"/>
+        </a:solidFill>
+        <a:latin typeface="+mn-lt"/>
+        <a:ea typeface="+mn-ea"/>
+        <a:cs typeface="+mn-cs"/>
+      </a:defRPr>
+    </a:lvl2pPr>
+    <a:lvl3pPr marL="914400" algn="l" defTabSz="914400" rtl="0" eaLnBrk="1" latinLnBrk="0" hangingPunct="1">
+      <a:defRPr sz="1200" kern="1200">
+        <a:solidFill>
+          <a:schemeClr val="tx1"/>
+        </a:solidFill>
+        <a:latin typeface="+mn-lt"/>
+        <a:ea typeface="+mn-ea"/>
+        <a:cs typeface="+mn-cs"/>
+      </a:defRPr>
+    </a:lvl3pPr>
+    <a:lvl4pPr marL="1371600" algn="l" defTabSz="914400" rtl="0" eaLnBrk="1" latinLnBrk="0" hangingPunct="1">
+      <a:defRPr sz="1200" kern="1200">
+        <a:solidFill>
+          <a:schemeClr val="tx1"/>
+        </a:solidFill>
+        <a:latin typeface="+mn-lt"/>
+        <a:ea typeface="+mn-ea"/>
+        <a:cs typeface="+mn-cs"/>
+      </a:defRPr>
+    </a:lvl4pPr>
+    <a:lvl5pPr marL="1828800" algn="l" defTabSz="914400" rtl="0" eaLnBrk="1" latinLnBrk="0" hangingPunct="1">
+      <a:defRPr sz="1200" kern="1200">
+        <a:solidFill>
+          <a:schemeClr val="tx1"/>
+        </a:solidFill>
+        <a:latin typeface="+mn-lt"/>
+        <a:ea typeface="+mn-ea"/>
+        <a:cs typeface="+mn-cs"/>
+      </a:defRPr>
+    </a:lvl5pPr>
+    <a:lvl6pPr marL="2286000" algn="l" defTabSz="914400" rtl="0" eaLnBrk="1" latinLnBrk="0" hangingPunct="1">
+      <a:defRPr sz="1200" kern="1200">
+        <a:solidFill>
+          <a:schemeClr val="tx1"/>
+        </a:solidFill>
+        <a:latin typeface="+mn-lt"/>
+        <a:ea typeface="+mn-ea"/>
+        <a:cs typeface="+mn-cs"/>
+      </a:defRPr>
+    </a:lvl6pPr>
+    <a:lvl7pPr marL="2743200" algn="l" defTabSz="914400" rtl="0" eaLnBrk="1" latinLnBrk="0" hangingPunct="1">
+      <a:defRPr sz="1200" kern="1200">
+        <a:solidFill>
+          <a:schemeClr val="tx1"/>
+        </a:solidFill>
+        <a:latin typeface="+mn-lt"/>
+        <a:ea typeface="+mn-ea"/>
+        <a:cs typeface="+mn-cs"/>
+      </a:defRPr>
+    </a:lvl7pPr>
+    <a:lvl8pPr marL="3200400" algn="l" defTabSz="914400" rtl="0" eaLnBrk="1" latinLnBrk="0" hangingPunct="1">
+      <a:defRPr sz="1200" kern="1200">
+        <a:solidFill>
+          <a:schemeClr val="tx1"/>
+        </a:solidFill>
+        <a:latin typeface="+mn-lt"/>
+        <a:ea typeface="+mn-ea"/>
+        <a:cs typeface="+mn-cs"/>
+      </a:defRPr>
+    </a:lvl8pPr>
+    <a:lvl9pPr marL="3657600" algn="l" defTabSz="914400" rtl="0" eaLnBrk="1" latinLnBrk="0" hangingPunct="1">
+      <a:defRPr sz="1200" kern="1200">
+        <a:solidFill>
+          <a:schemeClr val="tx1"/>
+        </a:solidFill>
+        <a:latin typeface="+mn-lt"/>
+        <a:ea typeface="+mn-ea"/>
+        <a:cs typeface="+mn-cs"/>
+      </a:defRPr>
+    </a:lvl9pPr>
+  </p:notesStyle>
+</p:notesMaster>
 </file>
 
 <file path=ppt/slideLayouts/slideLayout1.xml><?xml version="1.0" encoding="utf-8"?>
@@ -144,7 +512,13 @@
       </p:grpSpPr>
       <p:sp>
         <p:nvSpPr>
-          <p:cNvPr id="9" name="Title 8"/>
+          <p:cNvPr id="2" name="Title 1">
+            <a:extLst>
+              <a:ext uri="{FF2B5EF4-FFF2-40B4-BE49-F238E27FC236}">
+                <a16:creationId xmlns:a16="http://schemas.microsoft.com/office/drawing/2014/main" id="{5EDE7E27-FCAC-5946-9170-AAEFC5FAFE2B}"/>
+              </a:ext>
+            </a:extLst>
+          </p:cNvPr>
           <p:cNvSpPr>
             <a:spLocks noGrp="1"/>
           </p:cNvSpPr>
@@ -154,70 +528,34 @@
         </p:nvSpPr>
         <p:spPr>
           <a:xfrm>
-            <a:off x="533400" y="1371600"/>
-            <a:ext cx="7851648" cy="1828800"/>
+            <a:off x="1143000" y="1122363"/>
+            <a:ext cx="6858000" cy="2387600"/>
           </a:xfrm>
-          <a:ln>
-            <a:noFill/>
-          </a:ln>
         </p:spPr>
         <p:txBody>
-          <a:bodyPr vert="horz" tIns="0" rIns="18288" bIns="0" anchor="b">
-            <a:normAutofit/>
-            <a:scene3d>
-              <a:camera prst="orthographicFront"/>
-              <a:lightRig rig="freezing" dir="t">
-                <a:rot lat="0" lon="0" rev="5640000"/>
-              </a:lightRig>
-            </a:scene3d>
-            <a:sp3d prstMaterial="flat">
-              <a:bevelT w="38100" h="38100"/>
-              <a:contourClr>
-                <a:schemeClr val="tx2"/>
-              </a:contourClr>
-            </a:sp3d>
-          </a:bodyPr>
+          <a:bodyPr anchor="b"/>
           <a:lstStyle>
-            <a:lvl1pPr algn="r" rtl="0">
-              <a:spcBef>
-                <a:spcPct val="0"/>
-              </a:spcBef>
-              <a:buNone/>
-              <a:defRPr sz="5600" b="1">
-                <a:ln>
-                  <a:noFill/>
-                </a:ln>
-                <a:solidFill>
-                  <a:schemeClr val="accent3">
-                    <a:tint val="90000"/>
-                    <a:satMod val="120000"/>
-                  </a:schemeClr>
-                </a:solidFill>
-                <a:effectLst>
-                  <a:outerShdw blurRad="38100" dist="25400" dir="5400000" algn="tl" rotWithShape="0">
-                    <a:srgbClr val="000000">
-                      <a:alpha val="43000"/>
-                    </a:srgbClr>
-                  </a:outerShdw>
-                </a:effectLst>
-                <a:latin typeface="+mj-lt"/>
-                <a:ea typeface="+mj-ea"/>
-                <a:cs typeface="+mj-cs"/>
-              </a:defRPr>
+            <a:lvl1pPr algn="ctr">
+              <a:defRPr sz="4500"/>
             </a:lvl1pPr>
           </a:lstStyle>
           <a:p>
             <a:r>
-              <a:rPr kumimoji="0" lang="en-US" smtClean="0"/>
+              <a:rPr lang="en-US"/>
               <a:t>Click to edit Master title style</a:t>
             </a:r>
-            <a:endParaRPr kumimoji="0" lang="en-US"/>
-          </a:p>
-        </p:txBody>
-      </p:sp>
-      <p:sp>
-        <p:nvSpPr>
-          <p:cNvPr id="17" name="Subtitle 16"/>
+          </a:p>
+        </p:txBody>
+      </p:sp>
+      <p:sp>
+        <p:nvSpPr>
+          <p:cNvPr id="3" name="Subtitle 2">
+            <a:extLst>
+              <a:ext uri="{FF2B5EF4-FFF2-40B4-BE49-F238E27FC236}">
+                <a16:creationId xmlns:a16="http://schemas.microsoft.com/office/drawing/2014/main" id="{0B9C5BC4-364C-0948-96B8-644A18C10BF7}"/>
+              </a:ext>
+            </a:extLst>
+          </p:cNvPr>
           <p:cNvSpPr>
             <a:spLocks noGrp="1"/>
           </p:cNvSpPr>
@@ -227,58 +565,67 @@
         </p:nvSpPr>
         <p:spPr>
           <a:xfrm>
-            <a:off x="533400" y="3228536"/>
-            <a:ext cx="7854696" cy="1752600"/>
+            <a:off x="1143000" y="3602038"/>
+            <a:ext cx="6858000" cy="1655762"/>
           </a:xfrm>
         </p:spPr>
         <p:txBody>
-          <a:bodyPr lIns="0" rIns="18288"/>
+          <a:bodyPr/>
           <a:lstStyle>
-            <a:lvl1pPr marL="0" marR="45720" indent="0" algn="r">
-              <a:buNone/>
-              <a:defRPr>
-                <a:solidFill>
-                  <a:schemeClr val="tx1"/>
-                </a:solidFill>
-              </a:defRPr>
+            <a:lvl1pPr marL="0" indent="0" algn="ctr">
+              <a:buNone/>
+              <a:defRPr sz="1800"/>
             </a:lvl1pPr>
-            <a:lvl2pPr marL="457200" indent="0" algn="ctr">
-              <a:buNone/>
+            <a:lvl2pPr marL="342900" indent="0" algn="ctr">
+              <a:buNone/>
+              <a:defRPr sz="1500"/>
             </a:lvl2pPr>
-            <a:lvl3pPr marL="914400" indent="0" algn="ctr">
-              <a:buNone/>
+            <a:lvl3pPr marL="685800" indent="0" algn="ctr">
+              <a:buNone/>
+              <a:defRPr sz="1350"/>
             </a:lvl3pPr>
-            <a:lvl4pPr marL="1371600" indent="0" algn="ctr">
-              <a:buNone/>
+            <a:lvl4pPr marL="1028700" indent="0" algn="ctr">
+              <a:buNone/>
+              <a:defRPr sz="1200"/>
             </a:lvl4pPr>
-            <a:lvl5pPr marL="1828800" indent="0" algn="ctr">
-              <a:buNone/>
+            <a:lvl5pPr marL="1371600" indent="0" algn="ctr">
+              <a:buNone/>
+              <a:defRPr sz="1200"/>
             </a:lvl5pPr>
-            <a:lvl6pPr marL="2286000" indent="0" algn="ctr">
-              <a:buNone/>
+            <a:lvl6pPr marL="1714500" indent="0" algn="ctr">
+              <a:buNone/>
+              <a:defRPr sz="1200"/>
             </a:lvl6pPr>
-            <a:lvl7pPr marL="2743200" indent="0" algn="ctr">
-              <a:buNone/>
+            <a:lvl7pPr marL="2057400" indent="0" algn="ctr">
+              <a:buNone/>
+              <a:defRPr sz="1200"/>
             </a:lvl7pPr>
-            <a:lvl8pPr marL="3200400" indent="0" algn="ctr">
-              <a:buNone/>
+            <a:lvl8pPr marL="2400300" indent="0" algn="ctr">
+              <a:buNone/>
+              <a:defRPr sz="1200"/>
             </a:lvl8pPr>
-            <a:lvl9pPr marL="3657600" indent="0" algn="ctr">
-              <a:buNone/>
+            <a:lvl9pPr marL="2743200" indent="0" algn="ctr">
+              <a:buNone/>
+              <a:defRPr sz="1200"/>
             </a:lvl9pPr>
           </a:lstStyle>
           <a:p>
             <a:r>
-              <a:rPr kumimoji="0" lang="en-US" smtClean="0"/>
+              <a:rPr lang="en-US"/>
               <a:t>Click to edit Master subtitle style</a:t>
             </a:r>
-            <a:endParaRPr kumimoji="0" lang="en-US"/>
-          </a:p>
-        </p:txBody>
-      </p:sp>
-      <p:sp>
-        <p:nvSpPr>
-          <p:cNvPr id="30" name="Date Placeholder 29"/>
+          </a:p>
+        </p:txBody>
+      </p:sp>
+      <p:sp>
+        <p:nvSpPr>
+          <p:cNvPr id="4" name="Date Placeholder 3">
+            <a:extLst>
+              <a:ext uri="{FF2B5EF4-FFF2-40B4-BE49-F238E27FC236}">
+                <a16:creationId xmlns:a16="http://schemas.microsoft.com/office/drawing/2014/main" id="{D3FCAB04-108E-334A-9A4F-16809EC6FCCF}"/>
+              </a:ext>
+            </a:extLst>
+          </p:cNvPr>
           <p:cNvSpPr>
             <a:spLocks noGrp="1"/>
           </p:cNvSpPr>
@@ -291,10 +638,9 @@
           <a:bodyPr/>
           <a:lstStyle/>
           <a:p>
-            <a:fld id="{1D8BD707-D9CF-40AE-B4C6-C98DA3205C09}" type="datetimeFigureOut">
-              <a:rPr lang="en-US" smtClean="0"/>
-              <a:pPr/>
-              <a:t>10/7/2015</a:t>
+            <a:fld id="{63C03B21-7DFA-FA41-8F7F-66875003093E}" type="datetime1">
+              <a:rPr lang="en-IN" smtClean="0"/>
+              <a:t>13/03/19</a:t>
             </a:fld>
             <a:endParaRPr lang="en-US"/>
           </a:p>
@@ -302,7 +648,13 @@
       </p:sp>
       <p:sp>
         <p:nvSpPr>
-          <p:cNvPr id="19" name="Footer Placeholder 18"/>
+          <p:cNvPr id="5" name="Footer Placeholder 4">
+            <a:extLst>
+              <a:ext uri="{FF2B5EF4-FFF2-40B4-BE49-F238E27FC236}">
+                <a16:creationId xmlns:a16="http://schemas.microsoft.com/office/drawing/2014/main" id="{22AEBA7A-F315-5D4A-9CDE-A6C55668D782}"/>
+              </a:ext>
+            </a:extLst>
+          </p:cNvPr>
           <p:cNvSpPr>
             <a:spLocks noGrp="1"/>
           </p:cNvSpPr>
@@ -321,7 +673,13 @@
       </p:sp>
       <p:sp>
         <p:nvSpPr>
-          <p:cNvPr id="27" name="Slide Number Placeholder 26"/>
+          <p:cNvPr id="6" name="Slide Number Placeholder 5">
+            <a:extLst>
+              <a:ext uri="{FF2B5EF4-FFF2-40B4-BE49-F238E27FC236}">
+                <a16:creationId xmlns:a16="http://schemas.microsoft.com/office/drawing/2014/main" id="{A7032BD1-C70A-164E-9B55-C85DB827B201}"/>
+              </a:ext>
+            </a:extLst>
+          </p:cNvPr>
           <p:cNvSpPr>
             <a:spLocks noGrp="1"/>
           </p:cNvSpPr>
@@ -344,6 +702,11 @@
         </p:txBody>
       </p:sp>
     </p:spTree>
+    <p:extLst>
+      <p:ext uri="{BB962C8B-B14F-4D97-AF65-F5344CB8AC3E}">
+        <p14:creationId xmlns:p14="http://schemas.microsoft.com/office/powerpoint/2010/main" val="888610716"/>
+      </p:ext>
+    </p:extLst>
   </p:cSld>
   <p:clrMapOvr>
     <a:masterClrMapping/>
@@ -370,7 +733,13 @@
       </p:grpSpPr>
       <p:sp>
         <p:nvSpPr>
-          <p:cNvPr id="2" name="Title 1"/>
+          <p:cNvPr id="2" name="Title 1">
+            <a:extLst>
+              <a:ext uri="{FF2B5EF4-FFF2-40B4-BE49-F238E27FC236}">
+                <a16:creationId xmlns:a16="http://schemas.microsoft.com/office/drawing/2014/main" id="{93F62B43-69AE-0947-B99B-9D51EC47D7F2}"/>
+              </a:ext>
+            </a:extLst>
+          </p:cNvPr>
           <p:cNvSpPr>
             <a:spLocks noGrp="1"/>
           </p:cNvSpPr>
@@ -384,16 +753,21 @@
           <a:lstStyle/>
           <a:p>
             <a:r>
-              <a:rPr kumimoji="0" lang="en-US" smtClean="0"/>
+              <a:rPr lang="en-US"/>
               <a:t>Click to edit Master title style</a:t>
             </a:r>
-            <a:endParaRPr kumimoji="0" lang="en-US"/>
-          </a:p>
-        </p:txBody>
-      </p:sp>
-      <p:sp>
-        <p:nvSpPr>
-          <p:cNvPr id="3" name="Vertical Text Placeholder 2"/>
+          </a:p>
+        </p:txBody>
+      </p:sp>
+      <p:sp>
+        <p:nvSpPr>
+          <p:cNvPr id="3" name="Vertical Text Placeholder 2">
+            <a:extLst>
+              <a:ext uri="{FF2B5EF4-FFF2-40B4-BE49-F238E27FC236}">
+                <a16:creationId xmlns:a16="http://schemas.microsoft.com/office/drawing/2014/main" id="{66B0C448-573A-D840-AB3F-E15B66FD118D}"/>
+              </a:ext>
+            </a:extLst>
+          </p:cNvPr>
           <p:cNvSpPr>
             <a:spLocks noGrp="1"/>
           </p:cNvSpPr>
@@ -406,46 +780,51 @@
           <a:bodyPr vert="eaVert"/>
           <a:lstStyle/>
           <a:p>
-            <a:pPr lvl="0" eaLnBrk="1" latinLnBrk="0" hangingPunct="1"/>
-            <a:r>
-              <a:rPr lang="en-US" smtClean="0"/>
+            <a:pPr lvl="0"/>
+            <a:r>
+              <a:rPr lang="en-US"/>
               <a:t>Click to edit Master text styles</a:t>
             </a:r>
           </a:p>
           <a:p>
-            <a:pPr lvl="1" eaLnBrk="1" latinLnBrk="0" hangingPunct="1"/>
-            <a:r>
-              <a:rPr lang="en-US" smtClean="0"/>
+            <a:pPr lvl="1"/>
+            <a:r>
+              <a:rPr lang="en-US"/>
               <a:t>Second level</a:t>
             </a:r>
           </a:p>
           <a:p>
-            <a:pPr lvl="2" eaLnBrk="1" latinLnBrk="0" hangingPunct="1"/>
-            <a:r>
-              <a:rPr lang="en-US" smtClean="0"/>
+            <a:pPr lvl="2"/>
+            <a:r>
+              <a:rPr lang="en-US"/>
               <a:t>Third level</a:t>
             </a:r>
           </a:p>
           <a:p>
-            <a:pPr lvl="3" eaLnBrk="1" latinLnBrk="0" hangingPunct="1"/>
-            <a:r>
-              <a:rPr lang="en-US" smtClean="0"/>
+            <a:pPr lvl="3"/>
+            <a:r>
+              <a:rPr lang="en-US"/>
               <a:t>Fourth level</a:t>
             </a:r>
           </a:p>
           <a:p>
-            <a:pPr lvl="4" eaLnBrk="1" latinLnBrk="0" hangingPunct="1"/>
-            <a:r>
-              <a:rPr lang="en-US" smtClean="0"/>
+            <a:pPr lvl="4"/>
+            <a:r>
+              <a:rPr lang="en-US"/>
               <a:t>Fifth level</a:t>
             </a:r>
-            <a:endParaRPr kumimoji="0" lang="en-US"/>
-          </a:p>
-        </p:txBody>
-      </p:sp>
-      <p:sp>
-        <p:nvSpPr>
-          <p:cNvPr id="4" name="Date Placeholder 3"/>
+          </a:p>
+        </p:txBody>
+      </p:sp>
+      <p:sp>
+        <p:nvSpPr>
+          <p:cNvPr id="4" name="Date Placeholder 3">
+            <a:extLst>
+              <a:ext uri="{FF2B5EF4-FFF2-40B4-BE49-F238E27FC236}">
+                <a16:creationId xmlns:a16="http://schemas.microsoft.com/office/drawing/2014/main" id="{402B63B9-0017-4F4C-AFE5-3C6739FD51FC}"/>
+              </a:ext>
+            </a:extLst>
+          </p:cNvPr>
           <p:cNvSpPr>
             <a:spLocks noGrp="1"/>
           </p:cNvSpPr>
@@ -458,10 +837,9 @@
           <a:bodyPr/>
           <a:lstStyle/>
           <a:p>
-            <a:fld id="{1D8BD707-D9CF-40AE-B4C6-C98DA3205C09}" type="datetimeFigureOut">
-              <a:rPr lang="en-US" smtClean="0"/>
-              <a:pPr/>
-              <a:t>10/7/2015</a:t>
+            <a:fld id="{C8AFDE0C-05E7-7944-BF76-D0898C9A4E63}" type="datetime1">
+              <a:rPr lang="en-IN" smtClean="0"/>
+              <a:t>13/03/19</a:t>
             </a:fld>
             <a:endParaRPr lang="en-US"/>
           </a:p>
@@ -469,7 +847,13 @@
       </p:sp>
       <p:sp>
         <p:nvSpPr>
-          <p:cNvPr id="5" name="Footer Placeholder 4"/>
+          <p:cNvPr id="5" name="Footer Placeholder 4">
+            <a:extLst>
+              <a:ext uri="{FF2B5EF4-FFF2-40B4-BE49-F238E27FC236}">
+                <a16:creationId xmlns:a16="http://schemas.microsoft.com/office/drawing/2014/main" id="{D3796D74-55AA-C94A-88C3-7A092221F4CD}"/>
+              </a:ext>
+            </a:extLst>
+          </p:cNvPr>
           <p:cNvSpPr>
             <a:spLocks noGrp="1"/>
           </p:cNvSpPr>
@@ -488,7 +872,13 @@
       </p:sp>
       <p:sp>
         <p:nvSpPr>
-          <p:cNvPr id="6" name="Slide Number Placeholder 5"/>
+          <p:cNvPr id="6" name="Slide Number Placeholder 5">
+            <a:extLst>
+              <a:ext uri="{FF2B5EF4-FFF2-40B4-BE49-F238E27FC236}">
+                <a16:creationId xmlns:a16="http://schemas.microsoft.com/office/drawing/2014/main" id="{889E7CBF-9919-794A-A4C8-01145AC78FD2}"/>
+              </a:ext>
+            </a:extLst>
+          </p:cNvPr>
           <p:cNvSpPr>
             <a:spLocks noGrp="1"/>
           </p:cNvSpPr>
@@ -511,6 +901,11 @@
         </p:txBody>
       </p:sp>
     </p:spTree>
+    <p:extLst>
+      <p:ext uri="{BB962C8B-B14F-4D97-AF65-F5344CB8AC3E}">
+        <p14:creationId xmlns:p14="http://schemas.microsoft.com/office/powerpoint/2010/main" val="788640536"/>
+      </p:ext>
+    </p:extLst>
   </p:cSld>
   <p:clrMapOvr>
     <a:masterClrMapping/>
@@ -537,7 +932,13 @@
       </p:grpSpPr>
       <p:sp>
         <p:nvSpPr>
-          <p:cNvPr id="2" name="Vertical Title 1"/>
+          <p:cNvPr id="2" name="Vertical Title 1">
+            <a:extLst>
+              <a:ext uri="{FF2B5EF4-FFF2-40B4-BE49-F238E27FC236}">
+                <a16:creationId xmlns:a16="http://schemas.microsoft.com/office/drawing/2014/main" id="{65F0F587-0425-9346-AC92-4856C5522B80}"/>
+              </a:ext>
+            </a:extLst>
+          </p:cNvPr>
           <p:cNvSpPr>
             <a:spLocks noGrp="1"/>
           </p:cNvSpPr>
@@ -547,8 +948,8 @@
         </p:nvSpPr>
         <p:spPr>
           <a:xfrm>
-            <a:off x="6629400" y="914401"/>
-            <a:ext cx="2057400" cy="5211763"/>
+            <a:off x="6543675" y="365125"/>
+            <a:ext cx="1971675" cy="5811838"/>
           </a:xfrm>
         </p:spPr>
         <p:txBody>
@@ -556,16 +957,21 @@
           <a:lstStyle/>
           <a:p>
             <a:r>
-              <a:rPr kumimoji="0" lang="en-US" smtClean="0"/>
+              <a:rPr lang="en-US"/>
               <a:t>Click to edit Master title style</a:t>
             </a:r>
-            <a:endParaRPr kumimoji="0" lang="en-US"/>
-          </a:p>
-        </p:txBody>
-      </p:sp>
-      <p:sp>
-        <p:nvSpPr>
-          <p:cNvPr id="3" name="Vertical Text Placeholder 2"/>
+          </a:p>
+        </p:txBody>
+      </p:sp>
+      <p:sp>
+        <p:nvSpPr>
+          <p:cNvPr id="3" name="Vertical Text Placeholder 2">
+            <a:extLst>
+              <a:ext uri="{FF2B5EF4-FFF2-40B4-BE49-F238E27FC236}">
+                <a16:creationId xmlns:a16="http://schemas.microsoft.com/office/drawing/2014/main" id="{3080F0C8-9CCD-F74A-9985-BDF554A0739D}"/>
+              </a:ext>
+            </a:extLst>
+          </p:cNvPr>
           <p:cNvSpPr>
             <a:spLocks noGrp="1"/>
           </p:cNvSpPr>
@@ -575,54 +981,59 @@
         </p:nvSpPr>
         <p:spPr>
           <a:xfrm>
-            <a:off x="457200" y="914401"/>
-            <a:ext cx="6019800" cy="5211763"/>
+            <a:off x="628650" y="365125"/>
+            <a:ext cx="5800725" cy="5811838"/>
           </a:xfrm>
         </p:spPr>
         <p:txBody>
           <a:bodyPr vert="eaVert"/>
           <a:lstStyle/>
           <a:p>
-            <a:pPr lvl="0" eaLnBrk="1" latinLnBrk="0" hangingPunct="1"/>
-            <a:r>
-              <a:rPr lang="en-US" smtClean="0"/>
+            <a:pPr lvl="0"/>
+            <a:r>
+              <a:rPr lang="en-US"/>
               <a:t>Click to edit Master text styles</a:t>
             </a:r>
           </a:p>
           <a:p>
-            <a:pPr lvl="1" eaLnBrk="1" latinLnBrk="0" hangingPunct="1"/>
-            <a:r>
-              <a:rPr lang="en-US" smtClean="0"/>
+            <a:pPr lvl="1"/>
+            <a:r>
+              <a:rPr lang="en-US"/>
               <a:t>Second level</a:t>
             </a:r>
           </a:p>
           <a:p>
-            <a:pPr lvl="2" eaLnBrk="1" latinLnBrk="0" hangingPunct="1"/>
-            <a:r>
-              <a:rPr lang="en-US" smtClean="0"/>
+            <a:pPr lvl="2"/>
+            <a:r>
+              <a:rPr lang="en-US"/>
               <a:t>Third level</a:t>
             </a:r>
           </a:p>
           <a:p>
-            <a:pPr lvl="3" eaLnBrk="1" latinLnBrk="0" hangingPunct="1"/>
-            <a:r>
-              <a:rPr lang="en-US" smtClean="0"/>
+            <a:pPr lvl="3"/>
+            <a:r>
+              <a:rPr lang="en-US"/>
               <a:t>Fourth level</a:t>
             </a:r>
           </a:p>
           <a:p>
-            <a:pPr lvl="4" eaLnBrk="1" latinLnBrk="0" hangingPunct="1"/>
-            <a:r>
-              <a:rPr lang="en-US" smtClean="0"/>
+            <a:pPr lvl="4"/>
+            <a:r>
+              <a:rPr lang="en-US"/>
               <a:t>Fifth level</a:t>
             </a:r>
-            <a:endParaRPr kumimoji="0" lang="en-US"/>
-          </a:p>
-        </p:txBody>
-      </p:sp>
-      <p:sp>
-        <p:nvSpPr>
-          <p:cNvPr id="4" name="Date Placeholder 3"/>
+          </a:p>
+        </p:txBody>
+      </p:sp>
+      <p:sp>
+        <p:nvSpPr>
+          <p:cNvPr id="4" name="Date Placeholder 3">
+            <a:extLst>
+              <a:ext uri="{FF2B5EF4-FFF2-40B4-BE49-F238E27FC236}">
+                <a16:creationId xmlns:a16="http://schemas.microsoft.com/office/drawing/2014/main" id="{43A9764A-2B29-6D4F-B9AC-4FEB5463E5B0}"/>
+              </a:ext>
+            </a:extLst>
+          </p:cNvPr>
           <p:cNvSpPr>
             <a:spLocks noGrp="1"/>
           </p:cNvSpPr>
@@ -635,10 +1046,9 @@
           <a:bodyPr/>
           <a:lstStyle/>
           <a:p>
-            <a:fld id="{1D8BD707-D9CF-40AE-B4C6-C98DA3205C09}" type="datetimeFigureOut">
-              <a:rPr lang="en-US" smtClean="0"/>
-              <a:pPr/>
-              <a:t>10/7/2015</a:t>
+            <a:fld id="{091C68CD-6A44-C14A-BBFA-CD1054B6E21F}" type="datetime1">
+              <a:rPr lang="en-IN" smtClean="0"/>
+              <a:t>13/03/19</a:t>
             </a:fld>
             <a:endParaRPr lang="en-US"/>
           </a:p>
@@ -646,7 +1056,13 @@
       </p:sp>
       <p:sp>
         <p:nvSpPr>
-          <p:cNvPr id="5" name="Footer Placeholder 4"/>
+          <p:cNvPr id="5" name="Footer Placeholder 4">
+            <a:extLst>
+              <a:ext uri="{FF2B5EF4-FFF2-40B4-BE49-F238E27FC236}">
+                <a16:creationId xmlns:a16="http://schemas.microsoft.com/office/drawing/2014/main" id="{896CA3DE-7F81-B44F-A4D6-F0C03C17C2B1}"/>
+              </a:ext>
+            </a:extLst>
+          </p:cNvPr>
           <p:cNvSpPr>
             <a:spLocks noGrp="1"/>
           </p:cNvSpPr>
@@ -665,7 +1081,13 @@
       </p:sp>
       <p:sp>
         <p:nvSpPr>
-          <p:cNvPr id="6" name="Slide Number Placeholder 5"/>
+          <p:cNvPr id="6" name="Slide Number Placeholder 5">
+            <a:extLst>
+              <a:ext uri="{FF2B5EF4-FFF2-40B4-BE49-F238E27FC236}">
+                <a16:creationId xmlns:a16="http://schemas.microsoft.com/office/drawing/2014/main" id="{F79D7CF6-86FC-A643-9CC4-C6E3E1F73734}"/>
+              </a:ext>
+            </a:extLst>
+          </p:cNvPr>
           <p:cNvSpPr>
             <a:spLocks noGrp="1"/>
           </p:cNvSpPr>
@@ -688,6 +1110,11 @@
         </p:txBody>
       </p:sp>
     </p:spTree>
+    <p:extLst>
+      <p:ext uri="{BB962C8B-B14F-4D97-AF65-F5344CB8AC3E}">
+        <p14:creationId xmlns:p14="http://schemas.microsoft.com/office/powerpoint/2010/main" val="203492821"/>
+      </p:ext>
+    </p:extLst>
   </p:cSld>
   <p:clrMapOvr>
     <a:masterClrMapping/>
@@ -714,7 +1141,13 @@
       </p:grpSpPr>
       <p:sp>
         <p:nvSpPr>
-          <p:cNvPr id="2" name="Title 1"/>
+          <p:cNvPr id="2" name="Title 1">
+            <a:extLst>
+              <a:ext uri="{FF2B5EF4-FFF2-40B4-BE49-F238E27FC236}">
+                <a16:creationId xmlns:a16="http://schemas.microsoft.com/office/drawing/2014/main" id="{F2614DA6-D847-E648-8C29-7E431043DF56}"/>
+              </a:ext>
+            </a:extLst>
+          </p:cNvPr>
           <p:cNvSpPr>
             <a:spLocks noGrp="1"/>
           </p:cNvSpPr>
@@ -728,16 +1161,21 @@
           <a:lstStyle/>
           <a:p>
             <a:r>
-              <a:rPr kumimoji="0" lang="en-US" smtClean="0"/>
+              <a:rPr lang="en-US"/>
               <a:t>Click to edit Master title style</a:t>
             </a:r>
-            <a:endParaRPr kumimoji="0" lang="en-US"/>
-          </a:p>
-        </p:txBody>
-      </p:sp>
-      <p:sp>
-        <p:nvSpPr>
-          <p:cNvPr id="3" name="Content Placeholder 2"/>
+          </a:p>
+        </p:txBody>
+      </p:sp>
+      <p:sp>
+        <p:nvSpPr>
+          <p:cNvPr id="3" name="Content Placeholder 2">
+            <a:extLst>
+              <a:ext uri="{FF2B5EF4-FFF2-40B4-BE49-F238E27FC236}">
+                <a16:creationId xmlns:a16="http://schemas.microsoft.com/office/drawing/2014/main" id="{8520F842-CFF6-E24E-8547-18850292D583}"/>
+              </a:ext>
+            </a:extLst>
+          </p:cNvPr>
           <p:cNvSpPr>
             <a:spLocks noGrp="1"/>
           </p:cNvSpPr>
@@ -750,46 +1188,51 @@
           <a:bodyPr/>
           <a:lstStyle/>
           <a:p>
-            <a:pPr lvl="0" eaLnBrk="1" latinLnBrk="0" hangingPunct="1"/>
-            <a:r>
-              <a:rPr lang="en-US" smtClean="0"/>
+            <a:pPr lvl="0"/>
+            <a:r>
+              <a:rPr lang="en-US"/>
               <a:t>Click to edit Master text styles</a:t>
             </a:r>
           </a:p>
           <a:p>
-            <a:pPr lvl="1" eaLnBrk="1" latinLnBrk="0" hangingPunct="1"/>
-            <a:r>
-              <a:rPr lang="en-US" smtClean="0"/>
+            <a:pPr lvl="1"/>
+            <a:r>
+              <a:rPr lang="en-US"/>
               <a:t>Second level</a:t>
             </a:r>
           </a:p>
           <a:p>
-            <a:pPr lvl="2" eaLnBrk="1" latinLnBrk="0" hangingPunct="1"/>
-            <a:r>
-              <a:rPr lang="en-US" smtClean="0"/>
+            <a:pPr lvl="2"/>
+            <a:r>
+              <a:rPr lang="en-US"/>
               <a:t>Third level</a:t>
             </a:r>
           </a:p>
           <a:p>
-            <a:pPr lvl="3" eaLnBrk="1" latinLnBrk="0" hangingPunct="1"/>
-            <a:r>
-              <a:rPr lang="en-US" smtClean="0"/>
+            <a:pPr lvl="3"/>
+            <a:r>
+              <a:rPr lang="en-US"/>
               <a:t>Fourth level</a:t>
             </a:r>
           </a:p>
           <a:p>
-            <a:pPr lvl="4" eaLnBrk="1" latinLnBrk="0" hangingPunct="1"/>
-            <a:r>
-              <a:rPr lang="en-US" smtClean="0"/>
+            <a:pPr lvl="4"/>
+            <a:r>
+              <a:rPr lang="en-US"/>
               <a:t>Fifth level</a:t>
             </a:r>
-            <a:endParaRPr kumimoji="0" lang="en-US"/>
-          </a:p>
-        </p:txBody>
-      </p:sp>
-      <p:sp>
-        <p:nvSpPr>
-          <p:cNvPr id="4" name="Date Placeholder 3"/>
+          </a:p>
+        </p:txBody>
+      </p:sp>
+      <p:sp>
+        <p:nvSpPr>
+          <p:cNvPr id="4" name="Date Placeholder 3">
+            <a:extLst>
+              <a:ext uri="{FF2B5EF4-FFF2-40B4-BE49-F238E27FC236}">
+                <a16:creationId xmlns:a16="http://schemas.microsoft.com/office/drawing/2014/main" id="{6441EC33-61D4-474A-B5D7-2066483F34E0}"/>
+              </a:ext>
+            </a:extLst>
+          </p:cNvPr>
           <p:cNvSpPr>
             <a:spLocks noGrp="1"/>
           </p:cNvSpPr>
@@ -802,10 +1245,9 @@
           <a:bodyPr/>
           <a:lstStyle/>
           <a:p>
-            <a:fld id="{1D8BD707-D9CF-40AE-B4C6-C98DA3205C09}" type="datetimeFigureOut">
-              <a:rPr lang="en-US" smtClean="0"/>
-              <a:pPr/>
-              <a:t>10/7/2015</a:t>
+            <a:fld id="{EFD28F53-77E5-AC4B-BE54-7173AA59D1DB}" type="datetime1">
+              <a:rPr lang="en-IN" smtClean="0"/>
+              <a:t>13/03/19</a:t>
             </a:fld>
             <a:endParaRPr lang="en-US"/>
           </a:p>
@@ -813,7 +1255,13 @@
       </p:sp>
       <p:sp>
         <p:nvSpPr>
-          <p:cNvPr id="5" name="Footer Placeholder 4"/>
+          <p:cNvPr id="5" name="Footer Placeholder 4">
+            <a:extLst>
+              <a:ext uri="{FF2B5EF4-FFF2-40B4-BE49-F238E27FC236}">
+                <a16:creationId xmlns:a16="http://schemas.microsoft.com/office/drawing/2014/main" id="{FE2253EB-2C3C-3340-B81E-BDA32FD01AEF}"/>
+              </a:ext>
+            </a:extLst>
+          </p:cNvPr>
           <p:cNvSpPr>
             <a:spLocks noGrp="1"/>
           </p:cNvSpPr>
@@ -832,7 +1280,13 @@
       </p:sp>
       <p:sp>
         <p:nvSpPr>
-          <p:cNvPr id="6" name="Slide Number Placeholder 5"/>
+          <p:cNvPr id="6" name="Slide Number Placeholder 5">
+            <a:extLst>
+              <a:ext uri="{FF2B5EF4-FFF2-40B4-BE49-F238E27FC236}">
+                <a16:creationId xmlns:a16="http://schemas.microsoft.com/office/drawing/2014/main" id="{C971A961-458A-DC48-AD2A-9E59DCE3705F}"/>
+              </a:ext>
+            </a:extLst>
+          </p:cNvPr>
           <p:cNvSpPr>
             <a:spLocks noGrp="1"/>
           </p:cNvSpPr>
@@ -855,6 +1309,11 @@
         </p:txBody>
       </p:sp>
     </p:spTree>
+    <p:extLst>
+      <p:ext uri="{BB962C8B-B14F-4D97-AF65-F5344CB8AC3E}">
+        <p14:creationId xmlns:p14="http://schemas.microsoft.com/office/powerpoint/2010/main" val="3854353785"/>
+      </p:ext>
+    </p:extLst>
   </p:cSld>
   <p:clrMapOvr>
     <a:masterClrMapping/>
@@ -881,7 +1340,13 @@
       </p:grpSpPr>
       <p:sp>
         <p:nvSpPr>
-          <p:cNvPr id="2" name="Title 1"/>
+          <p:cNvPr id="2" name="Title 1">
+            <a:extLst>
+              <a:ext uri="{FF2B5EF4-FFF2-40B4-BE49-F238E27FC236}">
+                <a16:creationId xmlns:a16="http://schemas.microsoft.com/office/drawing/2014/main" id="{E1220F4D-0FCC-0C4C-842D-08763717E9D2}"/>
+              </a:ext>
+            </a:extLst>
+          </p:cNvPr>
           <p:cNvSpPr>
             <a:spLocks noGrp="1"/>
           </p:cNvSpPr>
@@ -891,67 +1356,34 @@
         </p:nvSpPr>
         <p:spPr>
           <a:xfrm>
-            <a:off x="530352" y="1316736"/>
-            <a:ext cx="7772400" cy="1362456"/>
+            <a:off x="623888" y="1709739"/>
+            <a:ext cx="7886700" cy="2852737"/>
           </a:xfrm>
-          <a:ln>
-            <a:noFill/>
-          </a:ln>
         </p:spPr>
         <p:txBody>
-          <a:bodyPr vert="horz" tIns="0" bIns="0" anchor="b">
-            <a:noAutofit/>
-            <a:scene3d>
-              <a:camera prst="orthographicFront"/>
-              <a:lightRig rig="freezing" dir="t">
-                <a:rot lat="0" lon="0" rev="5640000"/>
-              </a:lightRig>
-            </a:scene3d>
-            <a:sp3d prstMaterial="flat">
-              <a:bevelT w="38100" h="38100"/>
-            </a:sp3d>
-          </a:bodyPr>
+          <a:bodyPr anchor="b"/>
           <a:lstStyle>
-            <a:lvl1pPr algn="l" rtl="0">
-              <a:spcBef>
-                <a:spcPct val="0"/>
-              </a:spcBef>
-              <a:buNone/>
-              <a:defRPr lang="en-US" sz="5600" b="1" cap="none" baseline="0" dirty="0">
-                <a:ln w="635">
-                  <a:noFill/>
-                </a:ln>
-                <a:solidFill>
-                  <a:schemeClr val="accent4">
-                    <a:tint val="90000"/>
-                    <a:satMod val="125000"/>
-                  </a:schemeClr>
-                </a:solidFill>
-                <a:effectLst>
-                  <a:outerShdw blurRad="38100" dist="25400" dir="5400000" algn="tl" rotWithShape="0">
-                    <a:srgbClr val="000000">
-                      <a:alpha val="43000"/>
-                    </a:srgbClr>
-                  </a:outerShdw>
-                </a:effectLst>
-                <a:latin typeface="+mj-lt"/>
-                <a:ea typeface="+mj-ea"/>
-                <a:cs typeface="+mj-cs"/>
-              </a:defRPr>
+            <a:lvl1pPr>
+              <a:defRPr sz="4500"/>
             </a:lvl1pPr>
           </a:lstStyle>
           <a:p>
             <a:r>
-              <a:rPr kumimoji="0" lang="en-US" smtClean="0"/>
+              <a:rPr lang="en-US"/>
               <a:t>Click to edit Master title style</a:t>
             </a:r>
-            <a:endParaRPr kumimoji="0" lang="en-US"/>
-          </a:p>
-        </p:txBody>
-      </p:sp>
-      <p:sp>
-        <p:nvSpPr>
-          <p:cNvPr id="3" name="Text Placeholder 2"/>
+          </a:p>
+        </p:txBody>
+      </p:sp>
+      <p:sp>
+        <p:nvSpPr>
+          <p:cNvPr id="3" name="Text Placeholder 2">
+            <a:extLst>
+              <a:ext uri="{FF2B5EF4-FFF2-40B4-BE49-F238E27FC236}">
+                <a16:creationId xmlns:a16="http://schemas.microsoft.com/office/drawing/2014/main" id="{ECB13710-D1A0-9D41-B8AC-B1F7D13F430F}"/>
+              </a:ext>
+            </a:extLst>
+          </p:cNvPr>
           <p:cNvSpPr>
             <a:spLocks noGrp="1"/>
           </p:cNvSpPr>
@@ -961,22 +1393,14 @@
         </p:nvSpPr>
         <p:spPr>
           <a:xfrm>
-            <a:off x="530352" y="2704664"/>
-            <a:ext cx="7772400" cy="1509712"/>
+            <a:off x="623888" y="4589464"/>
+            <a:ext cx="7886700" cy="1500187"/>
           </a:xfrm>
         </p:spPr>
         <p:txBody>
-          <a:bodyPr lIns="45720" rIns="45720" anchor="t"/>
+          <a:bodyPr/>
           <a:lstStyle>
             <a:lvl1pPr marL="0" indent="0">
-              <a:buNone/>
-              <a:defRPr sz="2200">
-                <a:solidFill>
-                  <a:schemeClr val="tx1"/>
-                </a:solidFill>
-              </a:defRPr>
-            </a:lvl1pPr>
-            <a:lvl2pPr>
               <a:buNone/>
               <a:defRPr sz="1800">
                 <a:solidFill>
@@ -985,10 +1409,20 @@
                   </a:schemeClr>
                 </a:solidFill>
               </a:defRPr>
+            </a:lvl1pPr>
+            <a:lvl2pPr marL="342900" indent="0">
+              <a:buNone/>
+              <a:defRPr sz="1500">
+                <a:solidFill>
+                  <a:schemeClr val="tx1">
+                    <a:tint val="75000"/>
+                  </a:schemeClr>
+                </a:solidFill>
+              </a:defRPr>
             </a:lvl2pPr>
-            <a:lvl3pPr>
-              <a:buNone/>
-              <a:defRPr sz="1600">
+            <a:lvl3pPr marL="685800" indent="0">
+              <a:buNone/>
+              <a:defRPr sz="1350">
                 <a:solidFill>
                   <a:schemeClr val="tx1">
                     <a:tint val="75000"/>
@@ -996,9 +1430,9 @@
                 </a:solidFill>
               </a:defRPr>
             </a:lvl3pPr>
-            <a:lvl4pPr>
-              <a:buNone/>
-              <a:defRPr sz="1400">
+            <a:lvl4pPr marL="1028700" indent="0">
+              <a:buNone/>
+              <a:defRPr sz="1200">
                 <a:solidFill>
                   <a:schemeClr val="tx1">
                     <a:tint val="75000"/>
@@ -1006,9 +1440,9 @@
                 </a:solidFill>
               </a:defRPr>
             </a:lvl4pPr>
-            <a:lvl5pPr>
-              <a:buNone/>
-              <a:defRPr sz="1400">
+            <a:lvl5pPr marL="1371600" indent="0">
+              <a:buNone/>
+              <a:defRPr sz="1200">
                 <a:solidFill>
                   <a:schemeClr val="tx1">
                     <a:tint val="75000"/>
@@ -1016,11 +1450,51 @@
                 </a:solidFill>
               </a:defRPr>
             </a:lvl5pPr>
+            <a:lvl6pPr marL="1714500" indent="0">
+              <a:buNone/>
+              <a:defRPr sz="1200">
+                <a:solidFill>
+                  <a:schemeClr val="tx1">
+                    <a:tint val="75000"/>
+                  </a:schemeClr>
+                </a:solidFill>
+              </a:defRPr>
+            </a:lvl6pPr>
+            <a:lvl7pPr marL="2057400" indent="0">
+              <a:buNone/>
+              <a:defRPr sz="1200">
+                <a:solidFill>
+                  <a:schemeClr val="tx1">
+                    <a:tint val="75000"/>
+                  </a:schemeClr>
+                </a:solidFill>
+              </a:defRPr>
+            </a:lvl7pPr>
+            <a:lvl8pPr marL="2400300" indent="0">
+              <a:buNone/>
+              <a:defRPr sz="1200">
+                <a:solidFill>
+                  <a:schemeClr val="tx1">
+                    <a:tint val="75000"/>
+                  </a:schemeClr>
+                </a:solidFill>
+              </a:defRPr>
+            </a:lvl8pPr>
+            <a:lvl9pPr marL="2743200" indent="0">
+              <a:buNone/>
+              <a:defRPr sz="1200">
+                <a:solidFill>
+                  <a:schemeClr val="tx1">
+                    <a:tint val="75000"/>
+                  </a:schemeClr>
+                </a:solidFill>
+              </a:defRPr>
+            </a:lvl9pPr>
           </a:lstStyle>
           <a:p>
-            <a:pPr lvl="0" eaLnBrk="1" latinLnBrk="0" hangingPunct="1"/>
-            <a:r>
-              <a:rPr kumimoji="0" lang="en-US" smtClean="0"/>
+            <a:pPr lvl="0"/>
+            <a:r>
+              <a:rPr lang="en-US"/>
               <a:t>Click to edit Master text styles</a:t>
             </a:r>
           </a:p>
@@ -1028,7 +1502,13 @@
       </p:sp>
       <p:sp>
         <p:nvSpPr>
-          <p:cNvPr id="4" name="Date Placeholder 3"/>
+          <p:cNvPr id="4" name="Date Placeholder 3">
+            <a:extLst>
+              <a:ext uri="{FF2B5EF4-FFF2-40B4-BE49-F238E27FC236}">
+                <a16:creationId xmlns:a16="http://schemas.microsoft.com/office/drawing/2014/main" id="{DE37D05C-B107-B648-B898-DD6B1A5D182F}"/>
+              </a:ext>
+            </a:extLst>
+          </p:cNvPr>
           <p:cNvSpPr>
             <a:spLocks noGrp="1"/>
           </p:cNvSpPr>
@@ -1041,10 +1521,9 @@
           <a:bodyPr/>
           <a:lstStyle/>
           <a:p>
-            <a:fld id="{1D8BD707-D9CF-40AE-B4C6-C98DA3205C09}" type="datetimeFigureOut">
-              <a:rPr lang="en-US" smtClean="0"/>
-              <a:pPr/>
-              <a:t>10/7/2015</a:t>
+            <a:fld id="{796B214C-497D-9648-9708-9456F05041B0}" type="datetime1">
+              <a:rPr lang="en-IN" smtClean="0"/>
+              <a:t>13/03/19</a:t>
             </a:fld>
             <a:endParaRPr lang="en-US"/>
           </a:p>
@@ -1052,7 +1531,13 @@
       </p:sp>
       <p:sp>
         <p:nvSpPr>
-          <p:cNvPr id="5" name="Footer Placeholder 4"/>
+          <p:cNvPr id="5" name="Footer Placeholder 4">
+            <a:extLst>
+              <a:ext uri="{FF2B5EF4-FFF2-40B4-BE49-F238E27FC236}">
+                <a16:creationId xmlns:a16="http://schemas.microsoft.com/office/drawing/2014/main" id="{CF71056E-0C45-664F-85E5-35D0BCD8F8A8}"/>
+              </a:ext>
+            </a:extLst>
+          </p:cNvPr>
           <p:cNvSpPr>
             <a:spLocks noGrp="1"/>
           </p:cNvSpPr>
@@ -1071,7 +1556,13 @@
       </p:sp>
       <p:sp>
         <p:nvSpPr>
-          <p:cNvPr id="6" name="Slide Number Placeholder 5"/>
+          <p:cNvPr id="6" name="Slide Number Placeholder 5">
+            <a:extLst>
+              <a:ext uri="{FF2B5EF4-FFF2-40B4-BE49-F238E27FC236}">
+                <a16:creationId xmlns:a16="http://schemas.microsoft.com/office/drawing/2014/main" id="{ECBB0629-8741-024D-9772-8C883F8FA9E6}"/>
+              </a:ext>
+            </a:extLst>
+          </p:cNvPr>
           <p:cNvSpPr>
             <a:spLocks noGrp="1"/>
           </p:cNvSpPr>
@@ -1094,6 +1585,11 @@
         </p:txBody>
       </p:sp>
     </p:spTree>
+    <p:extLst>
+      <p:ext uri="{BB962C8B-B14F-4D97-AF65-F5344CB8AC3E}">
+        <p14:creationId xmlns:p14="http://schemas.microsoft.com/office/powerpoint/2010/main" val="850807571"/>
+      </p:ext>
+    </p:extLst>
   </p:cSld>
   <p:clrMapOvr>
     <a:masterClrMapping/>
@@ -1120,181 +1616,165 @@
       </p:grpSpPr>
       <p:sp>
         <p:nvSpPr>
-          <p:cNvPr id="2" name="Title 1"/>
+          <p:cNvPr id="2" name="Title 1">
+            <a:extLst>
+              <a:ext uri="{FF2B5EF4-FFF2-40B4-BE49-F238E27FC236}">
+                <a16:creationId xmlns:a16="http://schemas.microsoft.com/office/drawing/2014/main" id="{5B225CE0-8E1E-684A-97A6-24366B748736}"/>
+              </a:ext>
+            </a:extLst>
+          </p:cNvPr>
           <p:cNvSpPr>
             <a:spLocks noGrp="1"/>
           </p:cNvSpPr>
           <p:nvPr>
             <p:ph type="title"/>
+          </p:nvPr>
+        </p:nvSpPr>
+        <p:spPr/>
+        <p:txBody>
+          <a:bodyPr/>
+          <a:lstStyle/>
+          <a:p>
+            <a:r>
+              <a:rPr lang="en-US"/>
+              <a:t>Click to edit Master title style</a:t>
+            </a:r>
+          </a:p>
+        </p:txBody>
+      </p:sp>
+      <p:sp>
+        <p:nvSpPr>
+          <p:cNvPr id="3" name="Content Placeholder 2">
+            <a:extLst>
+              <a:ext uri="{FF2B5EF4-FFF2-40B4-BE49-F238E27FC236}">
+                <a16:creationId xmlns:a16="http://schemas.microsoft.com/office/drawing/2014/main" id="{CF93BD92-3A9E-594F-BD1E-FBEC2D1560DE}"/>
+              </a:ext>
+            </a:extLst>
+          </p:cNvPr>
+          <p:cNvSpPr>
+            <a:spLocks noGrp="1"/>
+          </p:cNvSpPr>
+          <p:nvPr>
+            <p:ph sz="half" idx="1"/>
           </p:nvPr>
         </p:nvSpPr>
         <p:spPr>
           <a:xfrm>
-            <a:off x="457200" y="704088"/>
-            <a:ext cx="8229600" cy="1143000"/>
+            <a:off x="628650" y="1825625"/>
+            <a:ext cx="3886200" cy="4351338"/>
           </a:xfrm>
         </p:spPr>
         <p:txBody>
           <a:bodyPr/>
           <a:lstStyle/>
           <a:p>
-            <a:r>
-              <a:rPr kumimoji="0" lang="en-US" smtClean="0"/>
-              <a:t>Click to edit Master title style</a:t>
-            </a:r>
-            <a:endParaRPr kumimoji="0" lang="en-US"/>
-          </a:p>
-        </p:txBody>
-      </p:sp>
-      <p:sp>
-        <p:nvSpPr>
-          <p:cNvPr id="3" name="Content Placeholder 2"/>
-          <p:cNvSpPr>
-            <a:spLocks noGrp="1"/>
-          </p:cNvSpPr>
-          <p:nvPr>
-            <p:ph sz="half" idx="1"/>
+            <a:pPr lvl="0"/>
+            <a:r>
+              <a:rPr lang="en-US"/>
+              <a:t>Click to edit Master text styles</a:t>
+            </a:r>
+          </a:p>
+          <a:p>
+            <a:pPr lvl="1"/>
+            <a:r>
+              <a:rPr lang="en-US"/>
+              <a:t>Second level</a:t>
+            </a:r>
+          </a:p>
+          <a:p>
+            <a:pPr lvl="2"/>
+            <a:r>
+              <a:rPr lang="en-US"/>
+              <a:t>Third level</a:t>
+            </a:r>
+          </a:p>
+          <a:p>
+            <a:pPr lvl="3"/>
+            <a:r>
+              <a:rPr lang="en-US"/>
+              <a:t>Fourth level</a:t>
+            </a:r>
+          </a:p>
+          <a:p>
+            <a:pPr lvl="4"/>
+            <a:r>
+              <a:rPr lang="en-US"/>
+              <a:t>Fifth level</a:t>
+            </a:r>
+          </a:p>
+        </p:txBody>
+      </p:sp>
+      <p:sp>
+        <p:nvSpPr>
+          <p:cNvPr id="4" name="Content Placeholder 3">
+            <a:extLst>
+              <a:ext uri="{FF2B5EF4-FFF2-40B4-BE49-F238E27FC236}">
+                <a16:creationId xmlns:a16="http://schemas.microsoft.com/office/drawing/2014/main" id="{EBAA7628-DF29-BD44-97C6-E49118E0C9EB}"/>
+              </a:ext>
+            </a:extLst>
+          </p:cNvPr>
+          <p:cNvSpPr>
+            <a:spLocks noGrp="1"/>
+          </p:cNvSpPr>
+          <p:nvPr>
+            <p:ph sz="half" idx="2"/>
           </p:nvPr>
         </p:nvSpPr>
         <p:spPr>
           <a:xfrm>
-            <a:off x="457200" y="1920085"/>
-            <a:ext cx="4038600" cy="4434840"/>
+            <a:off x="4629150" y="1825625"/>
+            <a:ext cx="3886200" cy="4351338"/>
           </a:xfrm>
         </p:spPr>
         <p:txBody>
           <a:bodyPr/>
-          <a:lstStyle>
-            <a:lvl1pPr>
-              <a:defRPr sz="2600"/>
-            </a:lvl1pPr>
-            <a:lvl2pPr>
-              <a:defRPr sz="2400"/>
-            </a:lvl2pPr>
-            <a:lvl3pPr>
-              <a:defRPr sz="2000"/>
-            </a:lvl3pPr>
-            <a:lvl4pPr>
-              <a:defRPr sz="1800"/>
-            </a:lvl4pPr>
-            <a:lvl5pPr>
-              <a:defRPr sz="1800"/>
-            </a:lvl5pPr>
-          </a:lstStyle>
-          <a:p>
-            <a:pPr lvl="0" eaLnBrk="1" latinLnBrk="0" hangingPunct="1"/>
-            <a:r>
-              <a:rPr lang="en-US" smtClean="0"/>
+          <a:lstStyle/>
+          <a:p>
+            <a:pPr lvl="0"/>
+            <a:r>
+              <a:rPr lang="en-US"/>
               <a:t>Click to edit Master text styles</a:t>
             </a:r>
           </a:p>
           <a:p>
-            <a:pPr lvl="1" eaLnBrk="1" latinLnBrk="0" hangingPunct="1"/>
-            <a:r>
-              <a:rPr lang="en-US" smtClean="0"/>
+            <a:pPr lvl="1"/>
+            <a:r>
+              <a:rPr lang="en-US"/>
               <a:t>Second level</a:t>
             </a:r>
           </a:p>
           <a:p>
-            <a:pPr lvl="2" eaLnBrk="1" latinLnBrk="0" hangingPunct="1"/>
-            <a:r>
-              <a:rPr lang="en-US" smtClean="0"/>
+            <a:pPr lvl="2"/>
+            <a:r>
+              <a:rPr lang="en-US"/>
               <a:t>Third level</a:t>
             </a:r>
           </a:p>
           <a:p>
-            <a:pPr lvl="3" eaLnBrk="1" latinLnBrk="0" hangingPunct="1"/>
-            <a:r>
-              <a:rPr lang="en-US" smtClean="0"/>
+            <a:pPr lvl="3"/>
+            <a:r>
+              <a:rPr lang="en-US"/>
               <a:t>Fourth level</a:t>
             </a:r>
           </a:p>
           <a:p>
-            <a:pPr lvl="4" eaLnBrk="1" latinLnBrk="0" hangingPunct="1"/>
-            <a:r>
-              <a:rPr lang="en-US" smtClean="0"/>
+            <a:pPr lvl="4"/>
+            <a:r>
+              <a:rPr lang="en-US"/>
               <a:t>Fifth level</a:t>
             </a:r>
-            <a:endParaRPr kumimoji="0" lang="en-US"/>
-          </a:p>
-        </p:txBody>
-      </p:sp>
-      <p:sp>
-        <p:nvSpPr>
-          <p:cNvPr id="4" name="Content Placeholder 3"/>
-          <p:cNvSpPr>
-            <a:spLocks noGrp="1"/>
-          </p:cNvSpPr>
-          <p:nvPr>
-            <p:ph sz="half" idx="2"/>
-          </p:nvPr>
-        </p:nvSpPr>
-        <p:spPr>
-          <a:xfrm>
-            <a:off x="4648200" y="1920085"/>
-            <a:ext cx="4038600" cy="4434840"/>
-          </a:xfrm>
-        </p:spPr>
-        <p:txBody>
-          <a:bodyPr/>
-          <a:lstStyle>
-            <a:lvl1pPr>
-              <a:defRPr sz="2600"/>
-            </a:lvl1pPr>
-            <a:lvl2pPr>
-              <a:defRPr sz="2400"/>
-            </a:lvl2pPr>
-            <a:lvl3pPr>
-              <a:defRPr sz="2000"/>
-            </a:lvl3pPr>
-            <a:lvl4pPr>
-              <a:defRPr sz="1800"/>
-            </a:lvl4pPr>
-            <a:lvl5pPr>
-              <a:defRPr sz="1800"/>
-            </a:lvl5pPr>
-          </a:lstStyle>
-          <a:p>
-            <a:pPr lvl="0" eaLnBrk="1" latinLnBrk="0" hangingPunct="1"/>
-            <a:r>
-              <a:rPr lang="en-US" smtClean="0"/>
-              <a:t>Click to edit Master text styles</a:t>
-            </a:r>
-          </a:p>
-          <a:p>
-            <a:pPr lvl="1" eaLnBrk="1" latinLnBrk="0" hangingPunct="1"/>
-            <a:r>
-              <a:rPr lang="en-US" smtClean="0"/>
-              <a:t>Second level</a:t>
-            </a:r>
-          </a:p>
-          <a:p>
-            <a:pPr lvl="2" eaLnBrk="1" latinLnBrk="0" hangingPunct="1"/>
-            <a:r>
-              <a:rPr lang="en-US" smtClean="0"/>
-              <a:t>Third level</a:t>
-            </a:r>
-          </a:p>
-          <a:p>
-            <a:pPr lvl="3" eaLnBrk="1" latinLnBrk="0" hangingPunct="1"/>
-            <a:r>
-              <a:rPr lang="en-US" smtClean="0"/>
-              <a:t>Fourth level</a:t>
-            </a:r>
-          </a:p>
-          <a:p>
-            <a:pPr lvl="4" eaLnBrk="1" latinLnBrk="0" hangingPunct="1"/>
-            <a:r>
-              <a:rPr lang="en-US" smtClean="0"/>
-              <a:t>Fifth level</a:t>
-            </a:r>
-            <a:endParaRPr kumimoji="0" lang="en-US"/>
-          </a:p>
-        </p:txBody>
-      </p:sp>
-      <p:sp>
-        <p:nvSpPr>
-          <p:cNvPr id="5" name="Date Placeholder 4"/>
+          </a:p>
+        </p:txBody>
+      </p:sp>
+      <p:sp>
+        <p:nvSpPr>
+          <p:cNvPr id="5" name="Date Placeholder 4">
+            <a:extLst>
+              <a:ext uri="{FF2B5EF4-FFF2-40B4-BE49-F238E27FC236}">
+                <a16:creationId xmlns:a16="http://schemas.microsoft.com/office/drawing/2014/main" id="{A0BAC7A4-5B3E-5849-9FBE-1946057F6E4F}"/>
+              </a:ext>
+            </a:extLst>
+          </p:cNvPr>
           <p:cNvSpPr>
             <a:spLocks noGrp="1"/>
           </p:cNvSpPr>
@@ -1307,10 +1787,9 @@
           <a:bodyPr/>
           <a:lstStyle/>
           <a:p>
-            <a:fld id="{1D8BD707-D9CF-40AE-B4C6-C98DA3205C09}" type="datetimeFigureOut">
-              <a:rPr lang="en-US" smtClean="0"/>
-              <a:pPr/>
-              <a:t>10/7/2015</a:t>
+            <a:fld id="{B9ECEB9D-5170-5A44-A6DB-B1B77F5D2D9E}" type="datetime1">
+              <a:rPr lang="en-IN" smtClean="0"/>
+              <a:t>13/03/19</a:t>
             </a:fld>
             <a:endParaRPr lang="en-US"/>
           </a:p>
@@ -1318,7 +1797,13 @@
       </p:sp>
       <p:sp>
         <p:nvSpPr>
-          <p:cNvPr id="6" name="Footer Placeholder 5"/>
+          <p:cNvPr id="6" name="Footer Placeholder 5">
+            <a:extLst>
+              <a:ext uri="{FF2B5EF4-FFF2-40B4-BE49-F238E27FC236}">
+                <a16:creationId xmlns:a16="http://schemas.microsoft.com/office/drawing/2014/main" id="{C65B1D10-177D-764A-B707-F1AEB035158A}"/>
+              </a:ext>
+            </a:extLst>
+          </p:cNvPr>
           <p:cNvSpPr>
             <a:spLocks noGrp="1"/>
           </p:cNvSpPr>
@@ -1337,7 +1822,13 @@
       </p:sp>
       <p:sp>
         <p:nvSpPr>
-          <p:cNvPr id="7" name="Slide Number Placeholder 6"/>
+          <p:cNvPr id="7" name="Slide Number Placeholder 6">
+            <a:extLst>
+              <a:ext uri="{FF2B5EF4-FFF2-40B4-BE49-F238E27FC236}">
+                <a16:creationId xmlns:a16="http://schemas.microsoft.com/office/drawing/2014/main" id="{82EE903D-9FF0-E540-93C3-47D0BEB3062A}"/>
+              </a:ext>
+            </a:extLst>
+          </p:cNvPr>
           <p:cNvSpPr>
             <a:spLocks noGrp="1"/>
           </p:cNvSpPr>
@@ -1360,6 +1851,11 @@
         </p:txBody>
       </p:sp>
     </p:spTree>
+    <p:extLst>
+      <p:ext uri="{BB962C8B-B14F-4D97-AF65-F5344CB8AC3E}">
+        <p14:creationId xmlns:p14="http://schemas.microsoft.com/office/powerpoint/2010/main" val="3448833207"/>
+      </p:ext>
+    </p:extLst>
   </p:cSld>
   <p:clrMapOvr>
     <a:masterClrMapping/>
@@ -1386,7 +1882,13 @@
       </p:grpSpPr>
       <p:sp>
         <p:nvSpPr>
-          <p:cNvPr id="2" name="Title 1"/>
+          <p:cNvPr id="2" name="Title 1">
+            <a:extLst>
+              <a:ext uri="{FF2B5EF4-FFF2-40B4-BE49-F238E27FC236}">
+                <a16:creationId xmlns:a16="http://schemas.microsoft.com/office/drawing/2014/main" id="{29B14145-3737-5347-B42F-88C636A79D2A}"/>
+              </a:ext>
+            </a:extLst>
+          </p:cNvPr>
           <p:cNvSpPr>
             <a:spLocks noGrp="1"/>
           </p:cNvSpPr>
@@ -1396,29 +1898,30 @@
         </p:nvSpPr>
         <p:spPr>
           <a:xfrm>
-            <a:off x="457200" y="704088"/>
-            <a:ext cx="8229600" cy="1143000"/>
+            <a:off x="629841" y="365126"/>
+            <a:ext cx="7886700" cy="1325563"/>
           </a:xfrm>
         </p:spPr>
         <p:txBody>
-          <a:bodyPr tIns="45720" anchor="b"/>
-          <a:lstStyle>
-            <a:lvl1pPr>
-              <a:defRPr/>
-            </a:lvl1pPr>
-          </a:lstStyle>
-          <a:p>
-            <a:r>
-              <a:rPr kumimoji="0" lang="en-US" smtClean="0"/>
+          <a:bodyPr/>
+          <a:lstStyle/>
+          <a:p>
+            <a:r>
+              <a:rPr lang="en-US"/>
               <a:t>Click to edit Master title style</a:t>
             </a:r>
-            <a:endParaRPr kumimoji="0" lang="en-US"/>
-          </a:p>
-        </p:txBody>
-      </p:sp>
-      <p:sp>
-        <p:nvSpPr>
-          <p:cNvPr id="3" name="Text Placeholder 2"/>
+          </a:p>
+        </p:txBody>
+      </p:sp>
+      <p:sp>
+        <p:nvSpPr>
+          <p:cNvPr id="3" name="Text Placeholder 2">
+            <a:extLst>
+              <a:ext uri="{FF2B5EF4-FFF2-40B4-BE49-F238E27FC236}">
+                <a16:creationId xmlns:a16="http://schemas.microsoft.com/office/drawing/2014/main" id="{B659716B-1B69-3241-98F7-728A48F02309}"/>
+              </a:ext>
+            </a:extLst>
+          </p:cNvPr>
           <p:cNvSpPr>
             <a:spLocks noGrp="1"/>
           </p:cNvSpPr>
@@ -1428,45 +1931,54 @@
         </p:nvSpPr>
         <p:spPr>
           <a:xfrm>
-            <a:off x="457200" y="1855248"/>
-            <a:ext cx="4040188" cy="659352"/>
+            <a:off x="629842" y="1681163"/>
+            <a:ext cx="3868340" cy="823912"/>
           </a:xfrm>
         </p:spPr>
         <p:txBody>
-          <a:bodyPr lIns="45720" tIns="0" rIns="45720" bIns="0" anchor="ctr">
-            <a:noAutofit/>
-          </a:bodyPr>
+          <a:bodyPr anchor="b"/>
           <a:lstStyle>
             <a:lvl1pPr marL="0" indent="0">
               <a:buNone/>
-              <a:defRPr sz="2400" b="1" cap="none" baseline="0">
-                <a:solidFill>
-                  <a:schemeClr val="tx2"/>
-                </a:solidFill>
-                <a:effectLst/>
-              </a:defRPr>
+              <a:defRPr sz="1800" b="1"/>
             </a:lvl1pPr>
-            <a:lvl2pPr>
-              <a:buNone/>
-              <a:defRPr sz="2000" b="1"/>
+            <a:lvl2pPr marL="342900" indent="0">
+              <a:buNone/>
+              <a:defRPr sz="1500" b="1"/>
             </a:lvl2pPr>
-            <a:lvl3pPr>
-              <a:buNone/>
-              <a:defRPr sz="1800" b="1"/>
+            <a:lvl3pPr marL="685800" indent="0">
+              <a:buNone/>
+              <a:defRPr sz="1350" b="1"/>
             </a:lvl3pPr>
-            <a:lvl4pPr>
-              <a:buNone/>
-              <a:defRPr sz="1600" b="1"/>
+            <a:lvl4pPr marL="1028700" indent="0">
+              <a:buNone/>
+              <a:defRPr sz="1200" b="1"/>
             </a:lvl4pPr>
-            <a:lvl5pPr>
-              <a:buNone/>
-              <a:defRPr sz="1600" b="1"/>
+            <a:lvl5pPr marL="1371600" indent="0">
+              <a:buNone/>
+              <a:defRPr sz="1200" b="1"/>
             </a:lvl5pPr>
+            <a:lvl6pPr marL="1714500" indent="0">
+              <a:buNone/>
+              <a:defRPr sz="1200" b="1"/>
+            </a:lvl6pPr>
+            <a:lvl7pPr marL="2057400" indent="0">
+              <a:buNone/>
+              <a:defRPr sz="1200" b="1"/>
+            </a:lvl7pPr>
+            <a:lvl8pPr marL="2400300" indent="0">
+              <a:buNone/>
+              <a:defRPr sz="1200" b="1"/>
+            </a:lvl8pPr>
+            <a:lvl9pPr marL="2743200" indent="0">
+              <a:buNone/>
+              <a:defRPr sz="1200" b="1"/>
+            </a:lvl9pPr>
           </a:lstStyle>
           <a:p>
-            <a:pPr lvl="0" eaLnBrk="1" latinLnBrk="0" hangingPunct="1"/>
-            <a:r>
-              <a:rPr kumimoji="0" lang="en-US" smtClean="0"/>
+            <a:pPr lvl="0"/>
+            <a:r>
+              <a:rPr lang="en-US"/>
               <a:t>Click to edit Master text styles</a:t>
             </a:r>
           </a:p>
@@ -1474,53 +1986,132 @@
       </p:sp>
       <p:sp>
         <p:nvSpPr>
-          <p:cNvPr id="4" name="Text Placeholder 3"/>
-          <p:cNvSpPr>
-            <a:spLocks noGrp="1"/>
-          </p:cNvSpPr>
-          <p:nvPr>
-            <p:ph type="body" sz="half" idx="3"/>
+          <p:cNvPr id="4" name="Content Placeholder 3">
+            <a:extLst>
+              <a:ext uri="{FF2B5EF4-FFF2-40B4-BE49-F238E27FC236}">
+                <a16:creationId xmlns:a16="http://schemas.microsoft.com/office/drawing/2014/main" id="{71E9216A-3373-044B-AF96-C3B958852C75}"/>
+              </a:ext>
+            </a:extLst>
+          </p:cNvPr>
+          <p:cNvSpPr>
+            <a:spLocks noGrp="1"/>
+          </p:cNvSpPr>
+          <p:nvPr>
+            <p:ph sz="half" idx="2"/>
           </p:nvPr>
         </p:nvSpPr>
         <p:spPr>
           <a:xfrm>
-            <a:off x="4645025" y="1859757"/>
-            <a:ext cx="4041775" cy="654843"/>
+            <a:off x="629842" y="2505075"/>
+            <a:ext cx="3868340" cy="3684588"/>
           </a:xfrm>
         </p:spPr>
         <p:txBody>
-          <a:bodyPr lIns="45720" tIns="0" rIns="45720" bIns="0" anchor="ctr"/>
+          <a:bodyPr/>
+          <a:lstStyle/>
+          <a:p>
+            <a:pPr lvl="0"/>
+            <a:r>
+              <a:rPr lang="en-US"/>
+              <a:t>Click to edit Master text styles</a:t>
+            </a:r>
+          </a:p>
+          <a:p>
+            <a:pPr lvl="1"/>
+            <a:r>
+              <a:rPr lang="en-US"/>
+              <a:t>Second level</a:t>
+            </a:r>
+          </a:p>
+          <a:p>
+            <a:pPr lvl="2"/>
+            <a:r>
+              <a:rPr lang="en-US"/>
+              <a:t>Third level</a:t>
+            </a:r>
+          </a:p>
+          <a:p>
+            <a:pPr lvl="3"/>
+            <a:r>
+              <a:rPr lang="en-US"/>
+              <a:t>Fourth level</a:t>
+            </a:r>
+          </a:p>
+          <a:p>
+            <a:pPr lvl="4"/>
+            <a:r>
+              <a:rPr lang="en-US"/>
+              <a:t>Fifth level</a:t>
+            </a:r>
+          </a:p>
+        </p:txBody>
+      </p:sp>
+      <p:sp>
+        <p:nvSpPr>
+          <p:cNvPr id="5" name="Text Placeholder 4">
+            <a:extLst>
+              <a:ext uri="{FF2B5EF4-FFF2-40B4-BE49-F238E27FC236}">
+                <a16:creationId xmlns:a16="http://schemas.microsoft.com/office/drawing/2014/main" id="{269000EE-4CF1-D84D-BD32-5D1C0B55573A}"/>
+              </a:ext>
+            </a:extLst>
+          </p:cNvPr>
+          <p:cNvSpPr>
+            <a:spLocks noGrp="1"/>
+          </p:cNvSpPr>
+          <p:nvPr>
+            <p:ph type="body" sz="quarter" idx="3"/>
+          </p:nvPr>
+        </p:nvSpPr>
+        <p:spPr>
+          <a:xfrm>
+            <a:off x="4629150" y="1681163"/>
+            <a:ext cx="3887391" cy="823912"/>
+          </a:xfrm>
+        </p:spPr>
+        <p:txBody>
+          <a:bodyPr anchor="b"/>
           <a:lstStyle>
             <a:lvl1pPr marL="0" indent="0">
               <a:buNone/>
-              <a:defRPr sz="2400" b="1" cap="none" baseline="0">
-                <a:solidFill>
-                  <a:schemeClr val="tx2"/>
-                </a:solidFill>
-                <a:effectLst/>
-              </a:defRPr>
+              <a:defRPr sz="1800" b="1"/>
             </a:lvl1pPr>
-            <a:lvl2pPr>
-              <a:buNone/>
-              <a:defRPr sz="2000" b="1"/>
+            <a:lvl2pPr marL="342900" indent="0">
+              <a:buNone/>
+              <a:defRPr sz="1500" b="1"/>
             </a:lvl2pPr>
-            <a:lvl3pPr>
-              <a:buNone/>
-              <a:defRPr sz="1800" b="1"/>
+            <a:lvl3pPr marL="685800" indent="0">
+              <a:buNone/>
+              <a:defRPr sz="1350" b="1"/>
             </a:lvl3pPr>
-            <a:lvl4pPr>
-              <a:buNone/>
-              <a:defRPr sz="1600" b="1"/>
+            <a:lvl4pPr marL="1028700" indent="0">
+              <a:buNone/>
+              <a:defRPr sz="1200" b="1"/>
             </a:lvl4pPr>
-            <a:lvl5pPr>
-              <a:buNone/>
-              <a:defRPr sz="1600" b="1"/>
+            <a:lvl5pPr marL="1371600" indent="0">
+              <a:buNone/>
+              <a:defRPr sz="1200" b="1"/>
             </a:lvl5pPr>
+            <a:lvl6pPr marL="1714500" indent="0">
+              <a:buNone/>
+              <a:defRPr sz="1200" b="1"/>
+            </a:lvl6pPr>
+            <a:lvl7pPr marL="2057400" indent="0">
+              <a:buNone/>
+              <a:defRPr sz="1200" b="1"/>
+            </a:lvl7pPr>
+            <a:lvl8pPr marL="2400300" indent="0">
+              <a:buNone/>
+              <a:defRPr sz="1200" b="1"/>
+            </a:lvl8pPr>
+            <a:lvl9pPr marL="2743200" indent="0">
+              <a:buNone/>
+              <a:defRPr sz="1200" b="1"/>
+            </a:lvl9pPr>
           </a:lstStyle>
           <a:p>
-            <a:pPr lvl="0" eaLnBrk="1" latinLnBrk="0" hangingPunct="1"/>
-            <a:r>
-              <a:rPr kumimoji="0" lang="en-US" smtClean="0"/>
+            <a:pPr lvl="0"/>
+            <a:r>
+              <a:rPr lang="en-US"/>
               <a:t>Click to edit Master text styles</a:t>
             </a:r>
           </a:p>
@@ -1528,169 +2119,90 @@
       </p:sp>
       <p:sp>
         <p:nvSpPr>
-          <p:cNvPr id="5" name="Content Placeholder 4"/>
-          <p:cNvSpPr>
-            <a:spLocks noGrp="1"/>
-          </p:cNvSpPr>
-          <p:nvPr>
-            <p:ph sz="quarter" idx="2"/>
+          <p:cNvPr id="6" name="Content Placeholder 5">
+            <a:extLst>
+              <a:ext uri="{FF2B5EF4-FFF2-40B4-BE49-F238E27FC236}">
+                <a16:creationId xmlns:a16="http://schemas.microsoft.com/office/drawing/2014/main" id="{4B10E91F-E04C-A84E-803C-EB12CD7F29CD}"/>
+              </a:ext>
+            </a:extLst>
+          </p:cNvPr>
+          <p:cNvSpPr>
+            <a:spLocks noGrp="1"/>
+          </p:cNvSpPr>
+          <p:nvPr>
+            <p:ph sz="quarter" idx="4"/>
           </p:nvPr>
         </p:nvSpPr>
         <p:spPr>
           <a:xfrm>
-            <a:off x="457200" y="2514600"/>
-            <a:ext cx="4040188" cy="3845720"/>
+            <a:off x="4629150" y="2505075"/>
+            <a:ext cx="3887391" cy="3684588"/>
           </a:xfrm>
         </p:spPr>
         <p:txBody>
-          <a:bodyPr tIns="0"/>
-          <a:lstStyle>
-            <a:lvl1pPr>
-              <a:defRPr sz="2200"/>
-            </a:lvl1pPr>
-            <a:lvl2pPr>
-              <a:defRPr sz="2000"/>
-            </a:lvl2pPr>
-            <a:lvl3pPr>
-              <a:defRPr sz="1800"/>
-            </a:lvl3pPr>
-            <a:lvl4pPr>
-              <a:defRPr sz="1600"/>
-            </a:lvl4pPr>
-            <a:lvl5pPr>
-              <a:defRPr sz="1600"/>
-            </a:lvl5pPr>
-          </a:lstStyle>
-          <a:p>
-            <a:pPr lvl="0" eaLnBrk="1" latinLnBrk="0" hangingPunct="1"/>
-            <a:r>
-              <a:rPr lang="en-US" smtClean="0"/>
-              <a:t>Click to edit Master text styles</a:t>
-            </a:r>
-          </a:p>
-          <a:p>
-            <a:pPr lvl="1" eaLnBrk="1" latinLnBrk="0" hangingPunct="1"/>
-            <a:r>
-              <a:rPr lang="en-US" smtClean="0"/>
-              <a:t>Second level</a:t>
-            </a:r>
-          </a:p>
-          <a:p>
-            <a:pPr lvl="2" eaLnBrk="1" latinLnBrk="0" hangingPunct="1"/>
-            <a:r>
-              <a:rPr lang="en-US" smtClean="0"/>
-              <a:t>Third level</a:t>
-            </a:r>
-          </a:p>
-          <a:p>
-            <a:pPr lvl="3" eaLnBrk="1" latinLnBrk="0" hangingPunct="1"/>
-            <a:r>
-              <a:rPr lang="en-US" smtClean="0"/>
-              <a:t>Fourth level</a:t>
-            </a:r>
-          </a:p>
-          <a:p>
-            <a:pPr lvl="4" eaLnBrk="1" latinLnBrk="0" hangingPunct="1"/>
-            <a:r>
-              <a:rPr lang="en-US" smtClean="0"/>
-              <a:t>Fifth level</a:t>
-            </a:r>
-            <a:endParaRPr kumimoji="0" lang="en-US"/>
-          </a:p>
-        </p:txBody>
-      </p:sp>
-      <p:sp>
-        <p:nvSpPr>
-          <p:cNvPr id="6" name="Content Placeholder 5"/>
-          <p:cNvSpPr>
-            <a:spLocks noGrp="1"/>
-          </p:cNvSpPr>
-          <p:nvPr>
-            <p:ph sz="quarter" idx="4"/>
-          </p:nvPr>
-        </p:nvSpPr>
-        <p:spPr>
-          <a:xfrm>
-            <a:off x="4645025" y="2514600"/>
-            <a:ext cx="4041775" cy="3845720"/>
-          </a:xfrm>
-        </p:spPr>
-        <p:txBody>
-          <a:bodyPr tIns="0"/>
-          <a:lstStyle>
-            <a:lvl1pPr>
-              <a:defRPr sz="2200"/>
-            </a:lvl1pPr>
-            <a:lvl2pPr>
-              <a:defRPr sz="2000"/>
-            </a:lvl2pPr>
-            <a:lvl3pPr>
-              <a:defRPr sz="1800"/>
-            </a:lvl3pPr>
-            <a:lvl4pPr>
-              <a:defRPr sz="1600"/>
-            </a:lvl4pPr>
-            <a:lvl5pPr>
-              <a:defRPr sz="1600"/>
-            </a:lvl5pPr>
-          </a:lstStyle>
-          <a:p>
-            <a:pPr lvl="0" eaLnBrk="1" latinLnBrk="0" hangingPunct="1"/>
-            <a:r>
-              <a:rPr lang="en-US" smtClean="0"/>
-              <a:t>Click to edit Master text styles</a:t>
-            </a:r>
-          </a:p>
-          <a:p>
-            <a:pPr lvl="1" eaLnBrk="1" latinLnBrk="0" hangingPunct="1"/>
-            <a:r>
-              <a:rPr lang="en-US" smtClean="0"/>
-              <a:t>Second level</a:t>
-            </a:r>
-          </a:p>
-          <a:p>
-            <a:pPr lvl="2" eaLnBrk="1" latinLnBrk="0" hangingPunct="1"/>
-            <a:r>
-              <a:rPr lang="en-US" smtClean="0"/>
-              <a:t>Third level</a:t>
-            </a:r>
-          </a:p>
-          <a:p>
-            <a:pPr lvl="3" eaLnBrk="1" latinLnBrk="0" hangingPunct="1"/>
-            <a:r>
-              <a:rPr lang="en-US" smtClean="0"/>
-              <a:t>Fourth level</a:t>
-            </a:r>
-          </a:p>
-          <a:p>
-            <a:pPr lvl="4" eaLnBrk="1" latinLnBrk="0" hangingPunct="1"/>
-            <a:r>
-              <a:rPr lang="en-US" smtClean="0"/>
-              <a:t>Fifth level</a:t>
-            </a:r>
-            <a:endParaRPr kumimoji="0" lang="en-US"/>
-          </a:p>
-        </p:txBody>
-      </p:sp>
-      <p:sp>
-        <p:nvSpPr>
-          <p:cNvPr id="7" name="Date Placeholder 6"/>
-          <p:cNvSpPr>
-            <a:spLocks noGrp="1"/>
-          </p:cNvSpPr>
-          <p:nvPr>
-            <p:ph type="dt" sz="half" idx="10"/>
-          </p:nvPr>
-        </p:nvSpPr>
-        <p:spPr/>
-        <p:txBody>
           <a:bodyPr/>
           <a:lstStyle/>
           <a:p>
-            <a:fld id="{1D8BD707-D9CF-40AE-B4C6-C98DA3205C09}" type="datetimeFigureOut">
-              <a:rPr lang="en-US" smtClean="0"/>
-              <a:pPr/>
-              <a:t>10/7/2015</a:t>
+            <a:pPr lvl="0"/>
+            <a:r>
+              <a:rPr lang="en-US"/>
+              <a:t>Click to edit Master text styles</a:t>
+            </a:r>
+          </a:p>
+          <a:p>
+            <a:pPr lvl="1"/>
+            <a:r>
+              <a:rPr lang="en-US"/>
+              <a:t>Second level</a:t>
+            </a:r>
+          </a:p>
+          <a:p>
+            <a:pPr lvl="2"/>
+            <a:r>
+              <a:rPr lang="en-US"/>
+              <a:t>Third level</a:t>
+            </a:r>
+          </a:p>
+          <a:p>
+            <a:pPr lvl="3"/>
+            <a:r>
+              <a:rPr lang="en-US"/>
+              <a:t>Fourth level</a:t>
+            </a:r>
+          </a:p>
+          <a:p>
+            <a:pPr lvl="4"/>
+            <a:r>
+              <a:rPr lang="en-US"/>
+              <a:t>Fifth level</a:t>
+            </a:r>
+          </a:p>
+        </p:txBody>
+      </p:sp>
+      <p:sp>
+        <p:nvSpPr>
+          <p:cNvPr id="7" name="Date Placeholder 6">
+            <a:extLst>
+              <a:ext uri="{FF2B5EF4-FFF2-40B4-BE49-F238E27FC236}">
+                <a16:creationId xmlns:a16="http://schemas.microsoft.com/office/drawing/2014/main" id="{3E3D8D68-225F-1848-983E-C0D309D2F0EF}"/>
+              </a:ext>
+            </a:extLst>
+          </p:cNvPr>
+          <p:cNvSpPr>
+            <a:spLocks noGrp="1"/>
+          </p:cNvSpPr>
+          <p:nvPr>
+            <p:ph type="dt" sz="half" idx="10"/>
+          </p:nvPr>
+        </p:nvSpPr>
+        <p:spPr/>
+        <p:txBody>
+          <a:bodyPr/>
+          <a:lstStyle/>
+          <a:p>
+            <a:fld id="{19D5B4B6-A242-314D-839C-A1EBF3E9EDA4}" type="datetime1">
+              <a:rPr lang="en-IN" smtClean="0"/>
+              <a:t>13/03/19</a:t>
             </a:fld>
             <a:endParaRPr lang="en-US"/>
           </a:p>
@@ -1698,7 +2210,13 @@
       </p:sp>
       <p:sp>
         <p:nvSpPr>
-          <p:cNvPr id="8" name="Footer Placeholder 7"/>
+          <p:cNvPr id="8" name="Footer Placeholder 7">
+            <a:extLst>
+              <a:ext uri="{FF2B5EF4-FFF2-40B4-BE49-F238E27FC236}">
+                <a16:creationId xmlns:a16="http://schemas.microsoft.com/office/drawing/2014/main" id="{BAC37748-5BBB-8543-9CE0-35763538D552}"/>
+              </a:ext>
+            </a:extLst>
+          </p:cNvPr>
           <p:cNvSpPr>
             <a:spLocks noGrp="1"/>
           </p:cNvSpPr>
@@ -1717,7 +2235,13 @@
       </p:sp>
       <p:sp>
         <p:nvSpPr>
-          <p:cNvPr id="9" name="Slide Number Placeholder 8"/>
+          <p:cNvPr id="9" name="Slide Number Placeholder 8">
+            <a:extLst>
+              <a:ext uri="{FF2B5EF4-FFF2-40B4-BE49-F238E27FC236}">
+                <a16:creationId xmlns:a16="http://schemas.microsoft.com/office/drawing/2014/main" id="{F1E84320-B118-D84B-9136-71FDEF97FFCA}"/>
+              </a:ext>
+            </a:extLst>
+          </p:cNvPr>
           <p:cNvSpPr>
             <a:spLocks noGrp="1"/>
           </p:cNvSpPr>
@@ -1740,6 +2264,11 @@
         </p:txBody>
       </p:sp>
     </p:spTree>
+    <p:extLst>
+      <p:ext uri="{BB962C8B-B14F-4D97-AF65-F5344CB8AC3E}">
+        <p14:creationId xmlns:p14="http://schemas.microsoft.com/office/powerpoint/2010/main" val="1317092472"/>
+      </p:ext>
+    </p:extLst>
   </p:cSld>
   <p:clrMapOvr>
     <a:masterClrMapping/>
@@ -1766,72 +2295,18 @@
       </p:grpSpPr>
       <p:sp>
         <p:nvSpPr>
-          <p:cNvPr id="2" name="Title 1"/>
+          <p:cNvPr id="2" name="Title 1">
+            <a:extLst>
+              <a:ext uri="{FF2B5EF4-FFF2-40B4-BE49-F238E27FC236}">
+                <a16:creationId xmlns:a16="http://schemas.microsoft.com/office/drawing/2014/main" id="{0659B211-B223-3A49-A7A2-7FCCE65B4CF6}"/>
+              </a:ext>
+            </a:extLst>
+          </p:cNvPr>
           <p:cNvSpPr>
             <a:spLocks noGrp="1"/>
           </p:cNvSpPr>
           <p:nvPr>
             <p:ph type="title"/>
-          </p:nvPr>
-        </p:nvSpPr>
-        <p:spPr>
-          <a:xfrm>
-            <a:off x="457200" y="704088"/>
-            <a:ext cx="8305800" cy="1143000"/>
-          </a:xfrm>
-        </p:spPr>
-        <p:txBody>
-          <a:bodyPr vert="horz" tIns="45720" bIns="0" anchor="b">
-            <a:normAutofit/>
-            <a:scene3d>
-              <a:camera prst="orthographicFront"/>
-              <a:lightRig rig="freezing" dir="t">
-                <a:rot lat="0" lon="0" rev="5640000"/>
-              </a:lightRig>
-            </a:scene3d>
-            <a:sp3d prstMaterial="flat">
-              <a:contourClr>
-                <a:schemeClr val="tx2"/>
-              </a:contourClr>
-            </a:sp3d>
-          </a:bodyPr>
-          <a:lstStyle>
-            <a:lvl1pPr algn="l" rtl="0">
-              <a:spcBef>
-                <a:spcPct val="0"/>
-              </a:spcBef>
-              <a:buNone/>
-              <a:defRPr sz="5000" b="0">
-                <a:ln>
-                  <a:noFill/>
-                </a:ln>
-                <a:solidFill>
-                  <a:schemeClr val="tx2"/>
-                </a:solidFill>
-                <a:effectLst/>
-                <a:latin typeface="+mj-lt"/>
-                <a:ea typeface="+mj-ea"/>
-                <a:cs typeface="+mj-cs"/>
-              </a:defRPr>
-            </a:lvl1pPr>
-          </a:lstStyle>
-          <a:p>
-            <a:r>
-              <a:rPr kumimoji="0" lang="en-US" smtClean="0"/>
-              <a:t>Click to edit Master title style</a:t>
-            </a:r>
-            <a:endParaRPr kumimoji="0" lang="en-US"/>
-          </a:p>
-        </p:txBody>
-      </p:sp>
-      <p:sp>
-        <p:nvSpPr>
-          <p:cNvPr id="3" name="Date Placeholder 2"/>
-          <p:cNvSpPr>
-            <a:spLocks noGrp="1"/>
-          </p:cNvSpPr>
-          <p:nvPr>
-            <p:ph type="dt" sz="half" idx="10"/>
           </p:nvPr>
         </p:nvSpPr>
         <p:spPr/>
@@ -1839,10 +2314,37 @@
           <a:bodyPr/>
           <a:lstStyle/>
           <a:p>
-            <a:fld id="{1D8BD707-D9CF-40AE-B4C6-C98DA3205C09}" type="datetimeFigureOut">
-              <a:rPr lang="en-US" smtClean="0"/>
-              <a:pPr/>
-              <a:t>10/7/2015</a:t>
+            <a:r>
+              <a:rPr lang="en-US"/>
+              <a:t>Click to edit Master title style</a:t>
+            </a:r>
+          </a:p>
+        </p:txBody>
+      </p:sp>
+      <p:sp>
+        <p:nvSpPr>
+          <p:cNvPr id="3" name="Date Placeholder 2">
+            <a:extLst>
+              <a:ext uri="{FF2B5EF4-FFF2-40B4-BE49-F238E27FC236}">
+                <a16:creationId xmlns:a16="http://schemas.microsoft.com/office/drawing/2014/main" id="{DB89A417-C8F0-B64D-9E8D-BB19DBB8C657}"/>
+              </a:ext>
+            </a:extLst>
+          </p:cNvPr>
+          <p:cNvSpPr>
+            <a:spLocks noGrp="1"/>
+          </p:cNvSpPr>
+          <p:nvPr>
+            <p:ph type="dt" sz="half" idx="10"/>
+          </p:nvPr>
+        </p:nvSpPr>
+        <p:spPr/>
+        <p:txBody>
+          <a:bodyPr/>
+          <a:lstStyle/>
+          <a:p>
+            <a:fld id="{28503FEF-11DA-5644-936F-B6C6DA7F6911}" type="datetime1">
+              <a:rPr lang="en-IN" smtClean="0"/>
+              <a:t>13/03/19</a:t>
             </a:fld>
             <a:endParaRPr lang="en-US"/>
           </a:p>
@@ -1850,7 +2352,13 @@
       </p:sp>
       <p:sp>
         <p:nvSpPr>
-          <p:cNvPr id="4" name="Footer Placeholder 3"/>
+          <p:cNvPr id="4" name="Footer Placeholder 3">
+            <a:extLst>
+              <a:ext uri="{FF2B5EF4-FFF2-40B4-BE49-F238E27FC236}">
+                <a16:creationId xmlns:a16="http://schemas.microsoft.com/office/drawing/2014/main" id="{B331DE80-A507-FB42-A3B6-0F6AEF911465}"/>
+              </a:ext>
+            </a:extLst>
+          </p:cNvPr>
           <p:cNvSpPr>
             <a:spLocks noGrp="1"/>
           </p:cNvSpPr>
@@ -1869,7 +2377,13 @@
       </p:sp>
       <p:sp>
         <p:nvSpPr>
-          <p:cNvPr id="5" name="Slide Number Placeholder 4"/>
+          <p:cNvPr id="5" name="Slide Number Placeholder 4">
+            <a:extLst>
+              <a:ext uri="{FF2B5EF4-FFF2-40B4-BE49-F238E27FC236}">
+                <a16:creationId xmlns:a16="http://schemas.microsoft.com/office/drawing/2014/main" id="{D315A0A8-3111-A44E-9D05-B7214311F147}"/>
+              </a:ext>
+            </a:extLst>
+          </p:cNvPr>
           <p:cNvSpPr>
             <a:spLocks noGrp="1"/>
           </p:cNvSpPr>
@@ -1892,6 +2406,11 @@
         </p:txBody>
       </p:sp>
     </p:spTree>
+    <p:extLst>
+      <p:ext uri="{BB962C8B-B14F-4D97-AF65-F5344CB8AC3E}">
+        <p14:creationId xmlns:p14="http://schemas.microsoft.com/office/powerpoint/2010/main" val="3352153153"/>
+      </p:ext>
+    </p:extLst>
   </p:cSld>
   <p:clrMapOvr>
     <a:masterClrMapping/>
@@ -1918,7 +2437,13 @@
       </p:grpSpPr>
       <p:sp>
         <p:nvSpPr>
-          <p:cNvPr id="2" name="Date Placeholder 1"/>
+          <p:cNvPr id="2" name="Date Placeholder 1">
+            <a:extLst>
+              <a:ext uri="{FF2B5EF4-FFF2-40B4-BE49-F238E27FC236}">
+                <a16:creationId xmlns:a16="http://schemas.microsoft.com/office/drawing/2014/main" id="{6F73543B-8391-034D-88FC-A97B0A0463D3}"/>
+              </a:ext>
+            </a:extLst>
+          </p:cNvPr>
           <p:cNvSpPr>
             <a:spLocks noGrp="1"/>
           </p:cNvSpPr>
@@ -1931,10 +2456,9 @@
           <a:bodyPr/>
           <a:lstStyle/>
           <a:p>
-            <a:fld id="{1D8BD707-D9CF-40AE-B4C6-C98DA3205C09}" type="datetimeFigureOut">
-              <a:rPr lang="en-US" smtClean="0"/>
-              <a:pPr/>
-              <a:t>10/7/2015</a:t>
+            <a:fld id="{2D0A86E4-FFF9-3F4B-933A-4C8F19485EB0}" type="datetime1">
+              <a:rPr lang="en-IN" smtClean="0"/>
+              <a:t>13/03/19</a:t>
             </a:fld>
             <a:endParaRPr lang="en-US"/>
           </a:p>
@@ -1942,7 +2466,13 @@
       </p:sp>
       <p:sp>
         <p:nvSpPr>
-          <p:cNvPr id="3" name="Footer Placeholder 2"/>
+          <p:cNvPr id="3" name="Footer Placeholder 2">
+            <a:extLst>
+              <a:ext uri="{FF2B5EF4-FFF2-40B4-BE49-F238E27FC236}">
+                <a16:creationId xmlns:a16="http://schemas.microsoft.com/office/drawing/2014/main" id="{9FB612DF-6559-D241-BF83-D70BC2E404EE}"/>
+              </a:ext>
+            </a:extLst>
+          </p:cNvPr>
           <p:cNvSpPr>
             <a:spLocks noGrp="1"/>
           </p:cNvSpPr>
@@ -1961,7 +2491,13 @@
       </p:sp>
       <p:sp>
         <p:nvSpPr>
-          <p:cNvPr id="4" name="Slide Number Placeholder 3"/>
+          <p:cNvPr id="4" name="Slide Number Placeholder 3">
+            <a:extLst>
+              <a:ext uri="{FF2B5EF4-FFF2-40B4-BE49-F238E27FC236}">
+                <a16:creationId xmlns:a16="http://schemas.microsoft.com/office/drawing/2014/main" id="{2E8B2CDD-6F6F-C343-B62A-4EF89C0119D0}"/>
+              </a:ext>
+            </a:extLst>
+          </p:cNvPr>
           <p:cNvSpPr>
             <a:spLocks noGrp="1"/>
           </p:cNvSpPr>
@@ -1984,6 +2520,11 @@
         </p:txBody>
       </p:sp>
     </p:spTree>
+    <p:extLst>
+      <p:ext uri="{BB962C8B-B14F-4D97-AF65-F5344CB8AC3E}">
+        <p14:creationId xmlns:p14="http://schemas.microsoft.com/office/powerpoint/2010/main" val="2158668156"/>
+      </p:ext>
+    </p:extLst>
   </p:cSld>
   <p:clrMapOvr>
     <a:masterClrMapping/>
@@ -2010,7 +2551,13 @@
       </p:grpSpPr>
       <p:sp>
         <p:nvSpPr>
-          <p:cNvPr id="2" name="Title 1"/>
+          <p:cNvPr id="2" name="Title 1">
+            <a:extLst>
+              <a:ext uri="{FF2B5EF4-FFF2-40B4-BE49-F238E27FC236}">
+                <a16:creationId xmlns:a16="http://schemas.microsoft.com/office/drawing/2014/main" id="{F45EB4E3-2D1E-8041-8A7E-C52E36EF487E}"/>
+              </a:ext>
+            </a:extLst>
+          </p:cNvPr>
           <p:cNvSpPr>
             <a:spLocks noGrp="1"/>
           </p:cNvSpPr>
@@ -2020,168 +2567,195 @@
         </p:nvSpPr>
         <p:spPr>
           <a:xfrm>
-            <a:off x="685800" y="514352"/>
-            <a:ext cx="2743200" cy="1162050"/>
+            <a:off x="629841" y="457200"/>
+            <a:ext cx="2949178" cy="1600200"/>
           </a:xfrm>
         </p:spPr>
         <p:txBody>
-          <a:bodyPr lIns="0" anchor="b">
-            <a:noAutofit/>
-          </a:bodyPr>
+          <a:bodyPr anchor="b"/>
           <a:lstStyle>
-            <a:lvl1pPr algn="l" rtl="0">
-              <a:spcBef>
-                <a:spcPct val="0"/>
-              </a:spcBef>
-              <a:buNone/>
-              <a:defRPr sz="2600" b="0">
-                <a:ln>
-                  <a:noFill/>
-                </a:ln>
-                <a:solidFill>
-                  <a:schemeClr val="tx2"/>
-                </a:solidFill>
-                <a:effectLst/>
-                <a:latin typeface="+mj-lt"/>
-                <a:ea typeface="+mj-ea"/>
-                <a:cs typeface="+mj-cs"/>
-              </a:defRPr>
+            <a:lvl1pPr>
+              <a:defRPr sz="2400"/>
             </a:lvl1pPr>
           </a:lstStyle>
           <a:p>
             <a:r>
-              <a:rPr kumimoji="0" lang="en-US" smtClean="0"/>
+              <a:rPr lang="en-US"/>
               <a:t>Click to edit Master title style</a:t>
             </a:r>
-            <a:endParaRPr kumimoji="0" lang="en-US"/>
-          </a:p>
-        </p:txBody>
-      </p:sp>
-      <p:sp>
-        <p:nvSpPr>
-          <p:cNvPr id="3" name="Text Placeholder 2"/>
-          <p:cNvSpPr>
-            <a:spLocks noGrp="1"/>
-          </p:cNvSpPr>
-          <p:nvPr>
-            <p:ph type="body" idx="2"/>
+          </a:p>
+        </p:txBody>
+      </p:sp>
+      <p:sp>
+        <p:nvSpPr>
+          <p:cNvPr id="3" name="Content Placeholder 2">
+            <a:extLst>
+              <a:ext uri="{FF2B5EF4-FFF2-40B4-BE49-F238E27FC236}">
+                <a16:creationId xmlns:a16="http://schemas.microsoft.com/office/drawing/2014/main" id="{EADFED41-83D4-C344-9D9F-FF8F05D7B18F}"/>
+              </a:ext>
+            </a:extLst>
+          </p:cNvPr>
+          <p:cNvSpPr>
+            <a:spLocks noGrp="1"/>
+          </p:cNvSpPr>
+          <p:nvPr>
+            <p:ph idx="1"/>
           </p:nvPr>
         </p:nvSpPr>
         <p:spPr>
           <a:xfrm>
-            <a:off x="685800" y="1676400"/>
-            <a:ext cx="2743200" cy="4572000"/>
+            <a:off x="3887391" y="987426"/>
+            <a:ext cx="4629150" cy="4873625"/>
           </a:xfrm>
         </p:spPr>
         <p:txBody>
-          <a:bodyPr lIns="18288" rIns="18288"/>
+          <a:bodyPr/>
           <a:lstStyle>
-            <a:lvl1pPr marL="0" indent="0" algn="l">
-              <a:buNone/>
-              <a:defRPr sz="1400"/>
+            <a:lvl1pPr>
+              <a:defRPr sz="2400"/>
             </a:lvl1pPr>
-            <a:lvl2pPr indent="0" algn="l">
-              <a:buNone/>
-              <a:defRPr sz="1200"/>
+            <a:lvl2pPr>
+              <a:defRPr sz="2100"/>
             </a:lvl2pPr>
-            <a:lvl3pPr indent="0" algn="l">
-              <a:buNone/>
-              <a:defRPr sz="1000"/>
+            <a:lvl3pPr>
+              <a:defRPr sz="1800"/>
             </a:lvl3pPr>
-            <a:lvl4pPr indent="0" algn="l">
-              <a:buNone/>
-              <a:defRPr sz="900"/>
+            <a:lvl4pPr>
+              <a:defRPr sz="1500"/>
             </a:lvl4pPr>
-            <a:lvl5pPr indent="0" algn="l">
-              <a:buNone/>
-              <a:defRPr sz="900"/>
+            <a:lvl5pPr>
+              <a:defRPr sz="1500"/>
             </a:lvl5pPr>
+            <a:lvl6pPr>
+              <a:defRPr sz="1500"/>
+            </a:lvl6pPr>
+            <a:lvl7pPr>
+              <a:defRPr sz="1500"/>
+            </a:lvl7pPr>
+            <a:lvl8pPr>
+              <a:defRPr sz="1500"/>
+            </a:lvl8pPr>
+            <a:lvl9pPr>
+              <a:defRPr sz="1500"/>
+            </a:lvl9pPr>
           </a:lstStyle>
           <a:p>
-            <a:pPr lvl="0" eaLnBrk="1" latinLnBrk="0" hangingPunct="1"/>
-            <a:r>
-              <a:rPr kumimoji="0" lang="en-US" smtClean="0"/>
+            <a:pPr lvl="0"/>
+            <a:r>
+              <a:rPr lang="en-US"/>
               <a:t>Click to edit Master text styles</a:t>
             </a:r>
           </a:p>
-        </p:txBody>
-      </p:sp>
-      <p:sp>
-        <p:nvSpPr>
-          <p:cNvPr id="4" name="Content Placeholder 3"/>
-          <p:cNvSpPr>
-            <a:spLocks noGrp="1"/>
-          </p:cNvSpPr>
-          <p:nvPr>
-            <p:ph sz="half" idx="1"/>
+          <a:p>
+            <a:pPr lvl="1"/>
+            <a:r>
+              <a:rPr lang="en-US"/>
+              <a:t>Second level</a:t>
+            </a:r>
+          </a:p>
+          <a:p>
+            <a:pPr lvl="2"/>
+            <a:r>
+              <a:rPr lang="en-US"/>
+              <a:t>Third level</a:t>
+            </a:r>
+          </a:p>
+          <a:p>
+            <a:pPr lvl="3"/>
+            <a:r>
+              <a:rPr lang="en-US"/>
+              <a:t>Fourth level</a:t>
+            </a:r>
+          </a:p>
+          <a:p>
+            <a:pPr lvl="4"/>
+            <a:r>
+              <a:rPr lang="en-US"/>
+              <a:t>Fifth level</a:t>
+            </a:r>
+          </a:p>
+        </p:txBody>
+      </p:sp>
+      <p:sp>
+        <p:nvSpPr>
+          <p:cNvPr id="4" name="Text Placeholder 3">
+            <a:extLst>
+              <a:ext uri="{FF2B5EF4-FFF2-40B4-BE49-F238E27FC236}">
+                <a16:creationId xmlns:a16="http://schemas.microsoft.com/office/drawing/2014/main" id="{3E8EB09E-0B13-AF47-88EE-4B0C2F7A2FF1}"/>
+              </a:ext>
+            </a:extLst>
+          </p:cNvPr>
+          <p:cNvSpPr>
+            <a:spLocks noGrp="1"/>
+          </p:cNvSpPr>
+          <p:nvPr>
+            <p:ph type="body" sz="half" idx="2"/>
           </p:nvPr>
         </p:nvSpPr>
         <p:spPr>
           <a:xfrm>
-            <a:off x="3575050" y="1676400"/>
-            <a:ext cx="5111750" cy="4572000"/>
+            <a:off x="629841" y="2057400"/>
+            <a:ext cx="2949178" cy="3811588"/>
           </a:xfrm>
         </p:spPr>
         <p:txBody>
-          <a:bodyPr tIns="0"/>
+          <a:bodyPr/>
           <a:lstStyle>
-            <a:lvl1pPr>
-              <a:defRPr sz="2800"/>
+            <a:lvl1pPr marL="0" indent="0">
+              <a:buNone/>
+              <a:defRPr sz="1200"/>
             </a:lvl1pPr>
-            <a:lvl2pPr>
-              <a:defRPr sz="2600"/>
+            <a:lvl2pPr marL="342900" indent="0">
+              <a:buNone/>
+              <a:defRPr sz="1050"/>
             </a:lvl2pPr>
-            <a:lvl3pPr>
-              <a:defRPr sz="2400"/>
+            <a:lvl3pPr marL="685800" indent="0">
+              <a:buNone/>
+              <a:defRPr sz="900"/>
             </a:lvl3pPr>
-            <a:lvl4pPr>
-              <a:defRPr sz="2000"/>
+            <a:lvl4pPr marL="1028700" indent="0">
+              <a:buNone/>
+              <a:defRPr sz="750"/>
             </a:lvl4pPr>
-            <a:lvl5pPr>
-              <a:defRPr sz="1800"/>
+            <a:lvl5pPr marL="1371600" indent="0">
+              <a:buNone/>
+              <a:defRPr sz="750"/>
             </a:lvl5pPr>
+            <a:lvl6pPr marL="1714500" indent="0">
+              <a:buNone/>
+              <a:defRPr sz="750"/>
+            </a:lvl6pPr>
+            <a:lvl7pPr marL="2057400" indent="0">
+              <a:buNone/>
+              <a:defRPr sz="750"/>
+            </a:lvl7pPr>
+            <a:lvl8pPr marL="2400300" indent="0">
+              <a:buNone/>
+              <a:defRPr sz="750"/>
+            </a:lvl8pPr>
+            <a:lvl9pPr marL="2743200" indent="0">
+              <a:buNone/>
+              <a:defRPr sz="750"/>
+            </a:lvl9pPr>
           </a:lstStyle>
           <a:p>
-            <a:pPr lvl="0" eaLnBrk="1" latinLnBrk="0" hangingPunct="1"/>
-            <a:r>
-              <a:rPr lang="en-US" smtClean="0"/>
+            <a:pPr lvl="0"/>
+            <a:r>
+              <a:rPr lang="en-US"/>
               <a:t>Click to edit Master text styles</a:t>
             </a:r>
           </a:p>
-          <a:p>
-            <a:pPr lvl="1" eaLnBrk="1" latinLnBrk="0" hangingPunct="1"/>
-            <a:r>
-              <a:rPr lang="en-US" smtClean="0"/>
-              <a:t>Second level</a:t>
-            </a:r>
-          </a:p>
-          <a:p>
-            <a:pPr lvl="2" eaLnBrk="1" latinLnBrk="0" hangingPunct="1"/>
-            <a:r>
-              <a:rPr lang="en-US" smtClean="0"/>
-              <a:t>Third level</a:t>
-            </a:r>
-          </a:p>
-          <a:p>
-            <a:pPr lvl="3" eaLnBrk="1" latinLnBrk="0" hangingPunct="1"/>
-            <a:r>
-              <a:rPr lang="en-US" smtClean="0"/>
-              <a:t>Fourth level</a:t>
-            </a:r>
-          </a:p>
-          <a:p>
-            <a:pPr lvl="4" eaLnBrk="1" latinLnBrk="0" hangingPunct="1"/>
-            <a:r>
-              <a:rPr lang="en-US" smtClean="0"/>
-              <a:t>Fifth level</a:t>
-            </a:r>
-            <a:endParaRPr kumimoji="0" lang="en-US"/>
-          </a:p>
-        </p:txBody>
-      </p:sp>
-      <p:sp>
-        <p:nvSpPr>
-          <p:cNvPr id="5" name="Date Placeholder 4"/>
+        </p:txBody>
+      </p:sp>
+      <p:sp>
+        <p:nvSpPr>
+          <p:cNvPr id="5" name="Date Placeholder 4">
+            <a:extLst>
+              <a:ext uri="{FF2B5EF4-FFF2-40B4-BE49-F238E27FC236}">
+                <a16:creationId xmlns:a16="http://schemas.microsoft.com/office/drawing/2014/main" id="{C9A7F54A-A2AE-6C4D-9241-CF9C3CBF3D14}"/>
+              </a:ext>
+            </a:extLst>
+          </p:cNvPr>
           <p:cNvSpPr>
             <a:spLocks noGrp="1"/>
           </p:cNvSpPr>
@@ -2194,10 +2768,9 @@
           <a:bodyPr/>
           <a:lstStyle/>
           <a:p>
-            <a:fld id="{1D8BD707-D9CF-40AE-B4C6-C98DA3205C09}" type="datetimeFigureOut">
-              <a:rPr lang="en-US" smtClean="0"/>
-              <a:pPr/>
-              <a:t>10/7/2015</a:t>
+            <a:fld id="{1CC9B6B7-0A2C-524D-BA55-FDA653D0D870}" type="datetime1">
+              <a:rPr lang="en-IN" smtClean="0"/>
+              <a:t>13/03/19</a:t>
             </a:fld>
             <a:endParaRPr lang="en-US"/>
           </a:p>
@@ -2205,7 +2778,13 @@
       </p:sp>
       <p:sp>
         <p:nvSpPr>
-          <p:cNvPr id="6" name="Footer Placeholder 5"/>
+          <p:cNvPr id="6" name="Footer Placeholder 5">
+            <a:extLst>
+              <a:ext uri="{FF2B5EF4-FFF2-40B4-BE49-F238E27FC236}">
+                <a16:creationId xmlns:a16="http://schemas.microsoft.com/office/drawing/2014/main" id="{FC55DD98-BDD0-D146-A52F-C6BD08817947}"/>
+              </a:ext>
+            </a:extLst>
+          </p:cNvPr>
           <p:cNvSpPr>
             <a:spLocks noGrp="1"/>
           </p:cNvSpPr>
@@ -2224,7 +2803,13 @@
       </p:sp>
       <p:sp>
         <p:nvSpPr>
-          <p:cNvPr id="7" name="Slide Number Placeholder 6"/>
+          <p:cNvPr id="7" name="Slide Number Placeholder 6">
+            <a:extLst>
+              <a:ext uri="{FF2B5EF4-FFF2-40B4-BE49-F238E27FC236}">
+                <a16:creationId xmlns:a16="http://schemas.microsoft.com/office/drawing/2014/main" id="{3084195A-91BC-CC45-AFA2-A10915B8B629}"/>
+              </a:ext>
+            </a:extLst>
+          </p:cNvPr>
           <p:cNvSpPr>
             <a:spLocks noGrp="1"/>
           </p:cNvSpPr>
@@ -2247,6 +2832,11 @@
         </p:txBody>
       </p:sp>
     </p:spTree>
+    <p:extLst>
+      <p:ext uri="{BB962C8B-B14F-4D97-AF65-F5344CB8AC3E}">
+        <p14:creationId xmlns:p14="http://schemas.microsoft.com/office/powerpoint/2010/main" val="666309650"/>
+      </p:ext>
+    </p:extLst>
   </p:cSld>
   <p:clrMapOvr>
     <a:masterClrMapping/>
@@ -2255,7 +2845,7 @@
 </file>
 
 <file path=ppt/slideLayouts/slideLayout9.xml><?xml version="1.0" encoding="utf-8"?>
-<p:sldLayout xmlns:a="http://schemas.openxmlformats.org/drawingml/2006/main" xmlns:r="http://schemas.openxmlformats.org/officeDocument/2006/relationships" xmlns:p="http://schemas.openxmlformats.org/presentationml/2006/main" showMasterSp="0" type="picTx" preserve="1">
+<p:sldLayout xmlns:a="http://schemas.openxmlformats.org/drawingml/2006/main" xmlns:r="http://schemas.openxmlformats.org/officeDocument/2006/relationships" xmlns:p="http://schemas.openxmlformats.org/presentationml/2006/main" type="picTx" preserve="1">
   <p:cSld name="Picture with Caption">
     <p:spTree>
       <p:nvGrpSpPr>
@@ -2273,119 +2863,13 @@
       </p:grpSpPr>
       <p:sp>
         <p:nvSpPr>
-          <p:cNvPr id="9" name="Snip and Round Single Corner Rectangle 8"/>
-          <p:cNvSpPr/>
-          <p:nvPr/>
-        </p:nvSpPr>
-        <p:spPr>
-          <a:xfrm rot="420000" flipV="1">
-            <a:off x="3165753" y="1108077"/>
-            <a:ext cx="5257800" cy="4114800"/>
-          </a:xfrm>
-          <a:prstGeom prst="snipRoundRect">
-            <a:avLst>
-              <a:gd name="adj1" fmla="val 0"/>
-              <a:gd name="adj2" fmla="val 3646"/>
-            </a:avLst>
-          </a:prstGeom>
-          <a:solidFill>
-            <a:srgbClr val="FFFFFF"/>
-          </a:solidFill>
-          <a:ln w="3175" cap="rnd" cmpd="sng" algn="ctr">
-            <a:solidFill>
-              <a:srgbClr val="C0C0C0"/>
-            </a:solidFill>
-            <a:prstDash val="solid"/>
-          </a:ln>
-          <a:effectLst>
-            <a:outerShdw blurRad="63500" dist="38500" dir="7500000" sx="98500" sy="100080" kx="100000" algn="tl" rotWithShape="0">
-              <a:srgbClr val="000000">
-                <a:alpha val="25000"/>
-              </a:srgbClr>
-            </a:outerShdw>
-          </a:effectLst>
-        </p:spPr>
-        <p:style>
-          <a:lnRef idx="2">
-            <a:schemeClr val="accent1"/>
-          </a:lnRef>
-          <a:fillRef idx="1">
-            <a:schemeClr val="accent1"/>
-          </a:fillRef>
-          <a:effectRef idx="0">
-            <a:schemeClr val="accent1"/>
-          </a:effectRef>
-          <a:fontRef idx="minor">
-            <a:schemeClr val="lt1"/>
-          </a:fontRef>
-        </p:style>
-        <p:txBody>
-          <a:bodyPr rtlCol="0" anchor="ctr"/>
-          <a:lstStyle/>
-          <a:p>
-            <a:pPr algn="ctr" eaLnBrk="1" latinLnBrk="0" hangingPunct="1"/>
-            <a:endParaRPr kumimoji="0" lang="en-US"/>
-          </a:p>
-        </p:txBody>
-      </p:sp>
-      <p:sp>
-        <p:nvSpPr>
-          <p:cNvPr id="12" name="Right Triangle 11"/>
-          <p:cNvSpPr/>
-          <p:nvPr/>
-        </p:nvSpPr>
-        <p:spPr>
-          <a:xfrm rot="420000" flipV="1">
-            <a:off x="8004134" y="5359769"/>
-            <a:ext cx="155448" cy="155448"/>
-          </a:xfrm>
-          <a:prstGeom prst="rtTriangle">
-            <a:avLst/>
-          </a:prstGeom>
-          <a:solidFill>
-            <a:srgbClr val="FFFFFF"/>
-          </a:solidFill>
-          <a:ln w="12700" cap="flat" cmpd="sng" algn="ctr">
-            <a:solidFill>
-              <a:srgbClr val="FFFFFF"/>
-            </a:solidFill>
-            <a:prstDash val="solid"/>
-            <a:bevel/>
-          </a:ln>
-          <a:effectLst>
-            <a:outerShdw blurRad="19685" dist="6350" dir="12900000" algn="tl" rotWithShape="0">
-              <a:srgbClr val="000000">
-                <a:alpha val="47000"/>
-              </a:srgbClr>
-            </a:outerShdw>
-          </a:effectLst>
-        </p:spPr>
-        <p:style>
-          <a:lnRef idx="2">
-            <a:schemeClr val="accent1"/>
-          </a:lnRef>
-          <a:fillRef idx="1">
-            <a:schemeClr val="accent1"/>
-          </a:fillRef>
-          <a:effectRef idx="0">
-            <a:schemeClr val="accent1"/>
-          </a:effectRef>
-          <a:fontRef idx="minor">
-            <a:schemeClr val="lt1"/>
-          </a:fontRef>
-        </p:style>
-        <p:txBody>
-          <a:bodyPr rtlCol="0" anchor="ctr"/>
-          <a:lstStyle/>
-          <a:p>
-            <a:pPr algn="ctr" eaLnBrk="1" latinLnBrk="0" hangingPunct="1"/>
-            <a:endParaRPr kumimoji="0" lang="en-US"/>
-          </a:p>
-        </p:txBody>
-      </p:sp>
-      <p:sp>
-        <p:nvSpPr>
-          <p:cNvPr id="2" name="Title 1"/>
+          <p:cNvPr id="2" name="Title 1">
+            <a:extLst>
+              <a:ext uri="{FF2B5EF4-FFF2-40B4-BE49-F238E27FC236}">
+                <a16:creationId xmlns:a16="http://schemas.microsoft.com/office/drawing/2014/main" id="{7608C0A7-E7A3-7748-9624-749C5240681C}"/>
+              </a:ext>
+            </a:extLst>
+          </p:cNvPr>
           <p:cNvSpPr>
             <a:spLocks noGrp="1"/>
           </p:cNvSpPr>
@@ -2395,75 +2879,158 @@
         </p:nvSpPr>
         <p:spPr>
           <a:xfrm>
-            <a:off x="609600" y="1176996"/>
-            <a:ext cx="2212848" cy="1582621"/>
+            <a:off x="629841" y="457200"/>
+            <a:ext cx="2949178" cy="1600200"/>
           </a:xfrm>
         </p:spPr>
         <p:txBody>
-          <a:bodyPr vert="horz" lIns="45720" tIns="45720" rIns="45720" bIns="45720" anchor="b"/>
+          <a:bodyPr anchor="b"/>
           <a:lstStyle>
-            <a:lvl1pPr algn="l">
-              <a:buNone/>
-              <a:defRPr sz="2000" b="1">
-                <a:solidFill>
-                  <a:schemeClr val="tx2"/>
-                </a:solidFill>
-              </a:defRPr>
+            <a:lvl1pPr>
+              <a:defRPr sz="2400"/>
             </a:lvl1pPr>
           </a:lstStyle>
           <a:p>
             <a:r>
-              <a:rPr kumimoji="0" lang="en-US" smtClean="0"/>
+              <a:rPr lang="en-US"/>
               <a:t>Click to edit Master title style</a:t>
             </a:r>
-            <a:endParaRPr kumimoji="0" lang="en-US"/>
-          </a:p>
-        </p:txBody>
-      </p:sp>
-      <p:sp>
-        <p:nvSpPr>
-          <p:cNvPr id="4" name="Text Placeholder 3"/>
-          <p:cNvSpPr>
-            <a:spLocks noGrp="1"/>
-          </p:cNvSpPr>
-          <p:nvPr>
-            <p:ph type="body" sz="half" idx="2"/>
+          </a:p>
+        </p:txBody>
+      </p:sp>
+      <p:sp>
+        <p:nvSpPr>
+          <p:cNvPr id="3" name="Picture Placeholder 2">
+            <a:extLst>
+              <a:ext uri="{FF2B5EF4-FFF2-40B4-BE49-F238E27FC236}">
+                <a16:creationId xmlns:a16="http://schemas.microsoft.com/office/drawing/2014/main" id="{AA6E5F4E-9465-3E4C-BDE2-63B167F37745}"/>
+              </a:ext>
+            </a:extLst>
+          </p:cNvPr>
+          <p:cNvSpPr>
+            <a:spLocks noGrp="1"/>
+          </p:cNvSpPr>
+          <p:nvPr>
+            <p:ph type="pic" idx="1"/>
           </p:nvPr>
         </p:nvSpPr>
         <p:spPr>
           <a:xfrm>
-            <a:off x="609600" y="2828785"/>
-            <a:ext cx="2209800" cy="2179320"/>
+            <a:off x="3887391" y="987426"/>
+            <a:ext cx="4629150" cy="4873625"/>
           </a:xfrm>
         </p:spPr>
         <p:txBody>
-          <a:bodyPr lIns="64008" rIns="45720" bIns="45720" anchor="t"/>
+          <a:bodyPr/>
           <a:lstStyle>
-            <a:lvl1pPr marL="0" indent="0" algn="l">
-              <a:spcBef>
-                <a:spcPts val="250"/>
-              </a:spcBef>
-              <a:buFontTx/>
-              <a:buNone/>
-              <a:defRPr sz="1300"/>
+            <a:lvl1pPr marL="0" indent="0">
+              <a:buNone/>
+              <a:defRPr sz="2400"/>
             </a:lvl1pPr>
-            <a:lvl2pPr>
+            <a:lvl2pPr marL="342900" indent="0">
+              <a:buNone/>
+              <a:defRPr sz="2100"/>
+            </a:lvl2pPr>
+            <a:lvl3pPr marL="685800" indent="0">
+              <a:buNone/>
+              <a:defRPr sz="1800"/>
+            </a:lvl3pPr>
+            <a:lvl4pPr marL="1028700" indent="0">
+              <a:buNone/>
+              <a:defRPr sz="1500"/>
+            </a:lvl4pPr>
+            <a:lvl5pPr marL="1371600" indent="0">
+              <a:buNone/>
+              <a:defRPr sz="1500"/>
+            </a:lvl5pPr>
+            <a:lvl6pPr marL="1714500" indent="0">
+              <a:buNone/>
+              <a:defRPr sz="1500"/>
+            </a:lvl6pPr>
+            <a:lvl7pPr marL="2057400" indent="0">
+              <a:buNone/>
+              <a:defRPr sz="1500"/>
+            </a:lvl7pPr>
+            <a:lvl8pPr marL="2400300" indent="0">
+              <a:buNone/>
+              <a:defRPr sz="1500"/>
+            </a:lvl8pPr>
+            <a:lvl9pPr marL="2743200" indent="0">
+              <a:buNone/>
+              <a:defRPr sz="1500"/>
+            </a:lvl9pPr>
+          </a:lstStyle>
+          <a:p>
+            <a:endParaRPr lang="en-US"/>
+          </a:p>
+        </p:txBody>
+      </p:sp>
+      <p:sp>
+        <p:nvSpPr>
+          <p:cNvPr id="4" name="Text Placeholder 3">
+            <a:extLst>
+              <a:ext uri="{FF2B5EF4-FFF2-40B4-BE49-F238E27FC236}">
+                <a16:creationId xmlns:a16="http://schemas.microsoft.com/office/drawing/2014/main" id="{1B546A2C-F0E5-174C-B17F-0CEFEBEB9C04}"/>
+              </a:ext>
+            </a:extLst>
+          </p:cNvPr>
+          <p:cNvSpPr>
+            <a:spLocks noGrp="1"/>
+          </p:cNvSpPr>
+          <p:nvPr>
+            <p:ph type="body" sz="half" idx="2"/>
+          </p:nvPr>
+        </p:nvSpPr>
+        <p:spPr>
+          <a:xfrm>
+            <a:off x="629841" y="2057400"/>
+            <a:ext cx="2949178" cy="3811588"/>
+          </a:xfrm>
+        </p:spPr>
+        <p:txBody>
+          <a:bodyPr/>
+          <a:lstStyle>
+            <a:lvl1pPr marL="0" indent="0">
+              <a:buNone/>
               <a:defRPr sz="1200"/>
+            </a:lvl1pPr>
+            <a:lvl2pPr marL="342900" indent="0">
+              <a:buNone/>
+              <a:defRPr sz="1050"/>
             </a:lvl2pPr>
-            <a:lvl3pPr>
-              <a:defRPr sz="1000"/>
+            <a:lvl3pPr marL="685800" indent="0">
+              <a:buNone/>
+              <a:defRPr sz="900"/>
             </a:lvl3pPr>
-            <a:lvl4pPr>
-              <a:defRPr sz="900"/>
+            <a:lvl4pPr marL="1028700" indent="0">
+              <a:buNone/>
+              <a:defRPr sz="750"/>
             </a:lvl4pPr>
-            <a:lvl5pPr>
-              <a:defRPr sz="900"/>
+            <a:lvl5pPr marL="1371600" indent="0">
+              <a:buNone/>
+              <a:defRPr sz="750"/>
             </a:lvl5pPr>
+            <a:lvl6pPr marL="1714500" indent="0">
+              <a:buNone/>
+              <a:defRPr sz="750"/>
+            </a:lvl6pPr>
+            <a:lvl7pPr marL="2057400" indent="0">
+              <a:buNone/>
+              <a:defRPr sz="750"/>
+            </a:lvl7pPr>
+            <a:lvl8pPr marL="2400300" indent="0">
+              <a:buNone/>
+              <a:defRPr sz="750"/>
+            </a:lvl8pPr>
+            <a:lvl9pPr marL="2743200" indent="0">
+              <a:buNone/>
+              <a:defRPr sz="750"/>
+            </a:lvl9pPr>
           </a:lstStyle>
           <a:p>
-            <a:pPr lvl="0" eaLnBrk="1" latinLnBrk="0" hangingPunct="1"/>
-            <a:r>
-              <a:rPr kumimoji="0" lang="en-US" smtClean="0"/>
+            <a:pPr lvl="0"/>
+            <a:r>
+              <a:rPr lang="en-US"/>
               <a:t>Click to edit Master text styles</a:t>
             </a:r>
           </a:p>
@@ -2471,7 +3038,13 @@
       </p:sp>
       <p:sp>
         <p:nvSpPr>
-          <p:cNvPr id="5" name="Date Placeholder 4"/>
+          <p:cNvPr id="5" name="Date Placeholder 4">
+            <a:extLst>
+              <a:ext uri="{FF2B5EF4-FFF2-40B4-BE49-F238E27FC236}">
+                <a16:creationId xmlns:a16="http://schemas.microsoft.com/office/drawing/2014/main" id="{820E0F62-F353-D94E-A36F-214B85505B36}"/>
+              </a:ext>
+            </a:extLst>
+          </p:cNvPr>
           <p:cNvSpPr>
             <a:spLocks noGrp="1"/>
           </p:cNvSpPr>
@@ -2484,10 +3057,9 @@
           <a:bodyPr/>
           <a:lstStyle/>
           <a:p>
-            <a:fld id="{1D8BD707-D9CF-40AE-B4C6-C98DA3205C09}" type="datetimeFigureOut">
-              <a:rPr lang="en-US" smtClean="0"/>
-              <a:pPr/>
-              <a:t>10/7/2015</a:t>
+            <a:fld id="{927175C8-1868-0548-A4FA-403A937AD51B}" type="datetime1">
+              <a:rPr lang="en-IN" smtClean="0"/>
+              <a:t>13/03/19</a:t>
             </a:fld>
             <a:endParaRPr lang="en-US"/>
           </a:p>
@@ -2495,7 +3067,13 @@
       </p:sp>
       <p:sp>
         <p:nvSpPr>
-          <p:cNvPr id="6" name="Footer Placeholder 5"/>
+          <p:cNvPr id="6" name="Footer Placeholder 5">
+            <a:extLst>
+              <a:ext uri="{FF2B5EF4-FFF2-40B4-BE49-F238E27FC236}">
+                <a16:creationId xmlns:a16="http://schemas.microsoft.com/office/drawing/2014/main" id="{5BD21D01-B1B8-0E4D-AC3C-94C3DC5FE05F}"/>
+              </a:ext>
+            </a:extLst>
+          </p:cNvPr>
           <p:cNvSpPr>
             <a:spLocks noGrp="1"/>
           </p:cNvSpPr>
@@ -2514,7 +3092,13 @@
       </p:sp>
       <p:sp>
         <p:nvSpPr>
-          <p:cNvPr id="7" name="Slide Number Placeholder 6"/>
+          <p:cNvPr id="7" name="Slide Number Placeholder 6">
+            <a:extLst>
+              <a:ext uri="{FF2B5EF4-FFF2-40B4-BE49-F238E27FC236}">
+                <a16:creationId xmlns:a16="http://schemas.microsoft.com/office/drawing/2014/main" id="{C70F2423-707F-0C4C-AD1F-0ED933C45849}"/>
+              </a:ext>
+            </a:extLst>
+          </p:cNvPr>
           <p:cNvSpPr>
             <a:spLocks noGrp="1"/>
           </p:cNvSpPr>
@@ -2522,12 +3106,7 @@
             <p:ph type="sldNum" sz="quarter" idx="12"/>
           </p:nvPr>
         </p:nvSpPr>
-        <p:spPr>
-          <a:xfrm>
-            <a:off x="8077200" y="6356350"/>
-            <a:ext cx="609600" cy="365125"/>
-          </a:xfrm>
-        </p:spPr>
+        <p:spPr/>
         <p:txBody>
           <a:bodyPr/>
           <a:lstStyle/>
@@ -2541,309 +3120,12 @@
           </a:p>
         </p:txBody>
       </p:sp>
-      <p:sp>
-        <p:nvSpPr>
-          <p:cNvPr id="3" name="Picture Placeholder 2"/>
-          <p:cNvSpPr>
-            <a:spLocks noGrp="1"/>
-          </p:cNvSpPr>
-          <p:nvPr>
-            <p:ph type="pic" idx="1"/>
-          </p:nvPr>
-        </p:nvSpPr>
-        <p:spPr>
-          <a:xfrm rot="420000">
-            <a:off x="3485793" y="1199517"/>
-            <a:ext cx="4617720" cy="3931920"/>
-          </a:xfrm>
-          <a:prstGeom prst="rect">
-            <a:avLst/>
-          </a:prstGeom>
-          <a:solidFill>
-            <a:schemeClr val="bg2"/>
-          </a:solidFill>
-          <a:ln w="3000" cap="rnd">
-            <a:solidFill>
-              <a:srgbClr val="C0C0C0"/>
-            </a:solidFill>
-            <a:round/>
-          </a:ln>
-          <a:effectLst/>
-        </p:spPr>
-        <p:txBody>
-          <a:bodyPr/>
-          <a:lstStyle>
-            <a:lvl1pPr marL="0" indent="0">
-              <a:buNone/>
-              <a:defRPr sz="3200"/>
-            </a:lvl1pPr>
-          </a:lstStyle>
-          <a:p>
-            <a:r>
-              <a:rPr kumimoji="0" lang="en-US" smtClean="0"/>
-              <a:t>Click icon to add picture</a:t>
-            </a:r>
-            <a:endParaRPr kumimoji="0" lang="en-US" dirty="0"/>
-          </a:p>
-        </p:txBody>
-      </p:sp>
-      <p:sp>
-        <p:nvSpPr>
-          <p:cNvPr id="10" name="Freeform 9"/>
-          <p:cNvSpPr>
-            <a:spLocks/>
-          </p:cNvSpPr>
-          <p:nvPr/>
-        </p:nvSpPr>
-        <p:spPr bwMode="auto">
-          <a:xfrm flipV="1">
-            <a:off x="-9525" y="5816600"/>
-            <a:ext cx="9163050" cy="1041400"/>
-          </a:xfrm>
-          <a:custGeom>
-            <a:avLst>
-              <a:gd name="A1" fmla="val 0"/>
-              <a:gd name="A2" fmla="val 0"/>
-              <a:gd name="A3" fmla="val 0"/>
-              <a:gd name="A4" fmla="val 0"/>
-              <a:gd name="A5" fmla="val 0"/>
-              <a:gd name="A6" fmla="val 0"/>
-              <a:gd name="A7" fmla="val 0"/>
-              <a:gd name="A8" fmla="val 0"/>
-            </a:avLst>
-            <a:gdLst/>
-            <a:ahLst/>
-            <a:cxnLst>
-              <a:cxn ang="0">
-                <a:pos x="6" y="2"/>
-              </a:cxn>
-              <a:cxn ang="0">
-                <a:pos x="2542" y="0"/>
-              </a:cxn>
-              <a:cxn ang="0">
-                <a:pos x="4374" y="367"/>
-              </a:cxn>
-              <a:cxn ang="0">
-                <a:pos x="5766" y="55"/>
-              </a:cxn>
-              <a:cxn ang="0">
-                <a:pos x="5772" y="213"/>
-              </a:cxn>
-              <a:cxn ang="0">
-                <a:pos x="4302" y="439"/>
-              </a:cxn>
-              <a:cxn ang="0">
-                <a:pos x="1488" y="201"/>
-              </a:cxn>
-              <a:cxn ang="0">
-                <a:pos x="0" y="656"/>
-              </a:cxn>
-              <a:cxn ang="0">
-                <a:pos x="6" y="2"/>
-              </a:cxn>
-            </a:cxnLst>
-            <a:rect l="0" t="0" r="0" b="0"/>
-            <a:pathLst>
-              <a:path w="5772" h="656">
-                <a:moveTo>
-                  <a:pt x="6" y="2"/>
-                </a:moveTo>
-                <a:lnTo>
-                  <a:pt x="2542" y="0"/>
-                </a:lnTo>
-                <a:cubicBezTo>
-                  <a:pt x="2746" y="101"/>
-                  <a:pt x="3828" y="367"/>
-                  <a:pt x="4374" y="367"/>
-                </a:cubicBezTo>
-                <a:cubicBezTo>
-                  <a:pt x="4920" y="367"/>
-                  <a:pt x="5526" y="152"/>
-                  <a:pt x="5766" y="55"/>
-                </a:cubicBezTo>
-                <a:lnTo>
-                  <a:pt x="5772" y="213"/>
-                </a:lnTo>
-                <a:cubicBezTo>
-                  <a:pt x="5670" y="257"/>
-                  <a:pt x="5016" y="441"/>
-                  <a:pt x="4302" y="439"/>
-                </a:cubicBezTo>
-                <a:cubicBezTo>
-                  <a:pt x="3588" y="437"/>
-                  <a:pt x="2205" y="165"/>
-                  <a:pt x="1488" y="201"/>
-                </a:cubicBezTo>
-                <a:cubicBezTo>
-                  <a:pt x="750" y="209"/>
-                  <a:pt x="270" y="482"/>
-                  <a:pt x="0" y="656"/>
-                </a:cubicBezTo>
-                <a:lnTo>
-                  <a:pt x="6" y="2"/>
-                </a:lnTo>
-                <a:close/>
-              </a:path>
-            </a:pathLst>
-          </a:custGeom>
-          <a:gradFill>
-            <a:gsLst>
-              <a:gs pos="0">
-                <a:schemeClr val="accent2">
-                  <a:shade val="50000"/>
-                  <a:alpha val="45000"/>
-                  <a:satMod val="120000"/>
-                </a:schemeClr>
-              </a:gs>
-              <a:gs pos="100000">
-                <a:schemeClr val="accent3">
-                  <a:shade val="80000"/>
-                  <a:alpha val="55000"/>
-                  <a:satMod val="155000"/>
-                </a:schemeClr>
-              </a:gs>
-            </a:gsLst>
-            <a:lin ang="5400000" scaled="1"/>
-          </a:gradFill>
-          <a:ln w="9525" cap="flat" cmpd="sng" algn="ctr">
-            <a:noFill/>
-            <a:prstDash val="solid"/>
-            <a:round/>
-            <a:headEnd type="none" w="med" len="med"/>
-            <a:tailEnd type="none" w="med" len="med"/>
-          </a:ln>
-          <a:effectLst/>
-        </p:spPr>
-        <p:txBody>
-          <a:bodyPr vert="horz" wrap="square" lIns="91440" tIns="45720" rIns="91440" bIns="45720" anchor="t" compatLnSpc="1"/>
-          <a:lstStyle/>
-          <a:p>
-            <a:pPr marL="0" algn="l" rtl="0" eaLnBrk="1" latinLnBrk="0" hangingPunct="1"/>
-            <a:endParaRPr kumimoji="0" lang="en-US">
-              <a:solidFill>
-                <a:schemeClr val="tx1"/>
-              </a:solidFill>
-              <a:latin typeface="+mn-lt"/>
-              <a:ea typeface="+mn-ea"/>
-              <a:cs typeface="+mn-cs"/>
-            </a:endParaRPr>
-          </a:p>
-        </p:txBody>
-      </p:sp>
-      <p:sp>
-        <p:nvSpPr>
-          <p:cNvPr id="11" name="Freeform 10"/>
-          <p:cNvSpPr>
-            <a:spLocks/>
-          </p:cNvSpPr>
-          <p:nvPr/>
-        </p:nvSpPr>
-        <p:spPr bwMode="auto">
-          <a:xfrm flipV="1">
-            <a:off x="4381500" y="6219825"/>
-            <a:ext cx="4762500" cy="638175"/>
-          </a:xfrm>
-          <a:custGeom>
-            <a:avLst>
-              <a:gd name="A1" fmla="val 0"/>
-              <a:gd name="A2" fmla="val 0"/>
-              <a:gd name="A3" fmla="val 0"/>
-              <a:gd name="A4" fmla="val 0"/>
-              <a:gd name="A5" fmla="val 0"/>
-              <a:gd name="A6" fmla="val 0"/>
-              <a:gd name="A7" fmla="val 0"/>
-              <a:gd name="A8" fmla="val 0"/>
-            </a:avLst>
-            <a:gdLst/>
-            <a:ahLst/>
-            <a:cxnLst>
-              <a:cxn ang="0">
-                <a:pos x="0" y="0"/>
-              </a:cxn>
-              <a:cxn ang="0">
-                <a:pos x="1668" y="564"/>
-              </a:cxn>
-              <a:cxn ang="0">
-                <a:pos x="3000" y="186"/>
-              </a:cxn>
-              <a:cxn ang="0">
-                <a:pos x="3000" y="6"/>
-              </a:cxn>
-              <a:cxn ang="0">
-                <a:pos x="0" y="0"/>
-              </a:cxn>
-            </a:cxnLst>
-            <a:rect l="0" t="0" r="0" b="0"/>
-            <a:pathLst>
-              <a:path w="3000" h="595">
-                <a:moveTo>
-                  <a:pt x="0" y="0"/>
-                </a:moveTo>
-                <a:cubicBezTo>
-                  <a:pt x="174" y="102"/>
-                  <a:pt x="1168" y="533"/>
-                  <a:pt x="1668" y="564"/>
-                </a:cubicBezTo>
-                <a:cubicBezTo>
-                  <a:pt x="2168" y="595"/>
-                  <a:pt x="2778" y="279"/>
-                  <a:pt x="3000" y="186"/>
-                </a:cubicBezTo>
-                <a:lnTo>
-                  <a:pt x="3000" y="6"/>
-                </a:lnTo>
-                <a:lnTo>
-                  <a:pt x="0" y="0"/>
-                </a:lnTo>
-                <a:close/>
-              </a:path>
-            </a:pathLst>
-          </a:custGeom>
-          <a:gradFill>
-            <a:gsLst>
-              <a:gs pos="0">
-                <a:schemeClr val="accent3">
-                  <a:shade val="50000"/>
-                  <a:alpha val="30000"/>
-                  <a:satMod val="130000"/>
-                </a:schemeClr>
-              </a:gs>
-              <a:gs pos="80000">
-                <a:schemeClr val="accent2">
-                  <a:shade val="75000"/>
-                  <a:alpha val="45000"/>
-                  <a:satMod val="140000"/>
-                </a:schemeClr>
-              </a:gs>
-            </a:gsLst>
-            <a:lin ang="5400000" scaled="1"/>
-          </a:gradFill>
-          <a:ln w="9525" cap="flat" cmpd="sng" algn="ctr">
-            <a:noFill/>
-            <a:prstDash val="solid"/>
-            <a:round/>
-            <a:headEnd type="none" w="med" len="med"/>
-            <a:tailEnd type="none" w="med" len="med"/>
-          </a:ln>
-          <a:effectLst/>
-        </p:spPr>
-        <p:txBody>
-          <a:bodyPr vert="horz" wrap="square" lIns="91440" tIns="45720" rIns="91440" bIns="45720" anchor="t" compatLnSpc="1"/>
-          <a:lstStyle/>
-          <a:p>
-            <a:pPr marL="0" algn="l" rtl="0" eaLnBrk="1" latinLnBrk="0" hangingPunct="1"/>
-            <a:endParaRPr kumimoji="0" lang="en-US">
-              <a:solidFill>
-                <a:schemeClr val="tx1"/>
-              </a:solidFill>
-              <a:latin typeface="+mn-lt"/>
-              <a:ea typeface="+mn-ea"/>
-              <a:cs typeface="+mn-cs"/>
-            </a:endParaRPr>
-          </a:p>
-        </p:txBody>
-      </p:sp>
     </p:spTree>
+    <p:extLst>
+      <p:ext uri="{BB962C8B-B14F-4D97-AF65-F5344CB8AC3E}">
+        <p14:creationId xmlns:p14="http://schemas.microsoft.com/office/powerpoint/2010/main" val="2423070279"/>
+      </p:ext>
+    </p:extLst>
   </p:cSld>
   <p:clrMapOvr>
     <a:masterClrMapping/>
@@ -2855,8 +3137,8 @@
 <p:sldMaster xmlns:a="http://schemas.openxmlformats.org/drawingml/2006/main" xmlns:r="http://schemas.openxmlformats.org/officeDocument/2006/relationships" xmlns:p="http://schemas.openxmlformats.org/presentationml/2006/main">
   <p:cSld>
     <p:bg>
-      <p:bgRef idx="1002">
-        <a:schemeClr val="bg2"/>
+      <p:bgRef idx="1001">
+        <a:schemeClr val="bg1"/>
       </p:bgRef>
     </p:bg>
     <p:spTree>
@@ -2875,263 +3157,13 @@
       </p:grpSpPr>
       <p:sp>
         <p:nvSpPr>
-          <p:cNvPr id="7" name="Freeform 6"/>
-          <p:cNvSpPr>
-            <a:spLocks/>
-          </p:cNvSpPr>
-          <p:nvPr/>
-        </p:nvSpPr>
-        <p:spPr bwMode="auto">
-          <a:xfrm>
-            <a:off x="-9525" y="-7144"/>
-            <a:ext cx="9163050" cy="1041400"/>
-          </a:xfrm>
-          <a:custGeom>
-            <a:avLst>
-              <a:gd name="A1" fmla="val 0"/>
-              <a:gd name="A2" fmla="val 0"/>
-              <a:gd name="A3" fmla="val 0"/>
-              <a:gd name="A4" fmla="val 0"/>
-              <a:gd name="A5" fmla="val 0"/>
-              <a:gd name="A6" fmla="val 0"/>
-              <a:gd name="A7" fmla="val 0"/>
-              <a:gd name="A8" fmla="val 0"/>
-            </a:avLst>
-            <a:gdLst/>
-            <a:ahLst/>
-            <a:cxnLst>
-              <a:cxn ang="0">
-                <a:pos x="6" y="2"/>
-              </a:cxn>
-              <a:cxn ang="0">
-                <a:pos x="2542" y="0"/>
-              </a:cxn>
-              <a:cxn ang="0">
-                <a:pos x="4374" y="367"/>
-              </a:cxn>
-              <a:cxn ang="0">
-                <a:pos x="5766" y="55"/>
-              </a:cxn>
-              <a:cxn ang="0">
-                <a:pos x="5772" y="213"/>
-              </a:cxn>
-              <a:cxn ang="0">
-                <a:pos x="4302" y="439"/>
-              </a:cxn>
-              <a:cxn ang="0">
-                <a:pos x="1488" y="201"/>
-              </a:cxn>
-              <a:cxn ang="0">
-                <a:pos x="0" y="656"/>
-              </a:cxn>
-              <a:cxn ang="0">
-                <a:pos x="6" y="2"/>
-              </a:cxn>
-            </a:cxnLst>
-            <a:rect l="0" t="0" r="0" b="0"/>
-            <a:pathLst>
-              <a:path w="5772" h="656">
-                <a:moveTo>
-                  <a:pt x="6" y="2"/>
-                </a:moveTo>
-                <a:lnTo>
-                  <a:pt x="2542" y="0"/>
-                </a:lnTo>
-                <a:cubicBezTo>
-                  <a:pt x="2746" y="101"/>
-                  <a:pt x="3828" y="367"/>
-                  <a:pt x="4374" y="367"/>
-                </a:cubicBezTo>
-                <a:cubicBezTo>
-                  <a:pt x="4920" y="367"/>
-                  <a:pt x="5526" y="152"/>
-                  <a:pt x="5766" y="55"/>
-                </a:cubicBezTo>
-                <a:lnTo>
-                  <a:pt x="5772" y="213"/>
-                </a:lnTo>
-                <a:cubicBezTo>
-                  <a:pt x="5670" y="257"/>
-                  <a:pt x="5016" y="441"/>
-                  <a:pt x="4302" y="439"/>
-                </a:cubicBezTo>
-                <a:cubicBezTo>
-                  <a:pt x="3588" y="437"/>
-                  <a:pt x="2205" y="165"/>
-                  <a:pt x="1488" y="201"/>
-                </a:cubicBezTo>
-                <a:cubicBezTo>
-                  <a:pt x="750" y="209"/>
-                  <a:pt x="270" y="482"/>
-                  <a:pt x="0" y="656"/>
-                </a:cubicBezTo>
-                <a:lnTo>
-                  <a:pt x="6" y="2"/>
-                </a:lnTo>
-                <a:close/>
-              </a:path>
-            </a:pathLst>
-          </a:custGeom>
-          <a:gradFill>
-            <a:gsLst>
-              <a:gs pos="0">
-                <a:schemeClr val="accent2">
-                  <a:shade val="50000"/>
-                  <a:alpha val="45000"/>
-                  <a:satMod val="120000"/>
-                </a:schemeClr>
-              </a:gs>
-              <a:gs pos="100000">
-                <a:schemeClr val="accent3">
-                  <a:shade val="80000"/>
-                  <a:alpha val="55000"/>
-                  <a:satMod val="155000"/>
-                </a:schemeClr>
-              </a:gs>
-            </a:gsLst>
-            <a:lin ang="5400000" scaled="1"/>
-          </a:gradFill>
-          <a:ln w="9525" cap="flat" cmpd="sng" algn="ctr">
-            <a:noFill/>
-            <a:prstDash val="solid"/>
-            <a:round/>
-            <a:headEnd type="none" w="med" len="med"/>
-            <a:tailEnd type="none" w="med" len="med"/>
-          </a:ln>
-          <a:effectLst/>
-        </p:spPr>
-        <p:txBody>
-          <a:bodyPr vert="horz" wrap="square" lIns="91440" tIns="45720" rIns="91440" bIns="45720" anchor="t" compatLnSpc="1"/>
-          <a:lstStyle/>
-          <a:p>
-            <a:pPr marL="0" algn="l" rtl="0" eaLnBrk="1" latinLnBrk="0" hangingPunct="1"/>
-            <a:endParaRPr kumimoji="0" lang="en-US">
-              <a:solidFill>
-                <a:schemeClr val="tx1"/>
-              </a:solidFill>
-              <a:latin typeface="+mn-lt"/>
-              <a:ea typeface="+mn-ea"/>
-              <a:cs typeface="+mn-cs"/>
-            </a:endParaRPr>
-          </a:p>
-        </p:txBody>
-      </p:sp>
-      <p:sp>
-        <p:nvSpPr>
-          <p:cNvPr id="8" name="Freeform 7"/>
-          <p:cNvSpPr>
-            <a:spLocks/>
-          </p:cNvSpPr>
-          <p:nvPr/>
-        </p:nvSpPr>
-        <p:spPr bwMode="auto">
-          <a:xfrm>
-            <a:off x="4381500" y="-7144"/>
-            <a:ext cx="4762500" cy="638175"/>
-          </a:xfrm>
-          <a:custGeom>
-            <a:avLst>
-              <a:gd name="A1" fmla="val 0"/>
-              <a:gd name="A2" fmla="val 0"/>
-              <a:gd name="A3" fmla="val 0"/>
-              <a:gd name="A4" fmla="val 0"/>
-              <a:gd name="A5" fmla="val 0"/>
-              <a:gd name="A6" fmla="val 0"/>
-              <a:gd name="A7" fmla="val 0"/>
-              <a:gd name="A8" fmla="val 0"/>
-            </a:avLst>
-            <a:gdLst/>
-            <a:ahLst/>
-            <a:cxnLst>
-              <a:cxn ang="0">
-                <a:pos x="0" y="0"/>
-              </a:cxn>
-              <a:cxn ang="0">
-                <a:pos x="1668" y="564"/>
-              </a:cxn>
-              <a:cxn ang="0">
-                <a:pos x="3000" y="186"/>
-              </a:cxn>
-              <a:cxn ang="0">
-                <a:pos x="3000" y="6"/>
-              </a:cxn>
-              <a:cxn ang="0">
-                <a:pos x="0" y="0"/>
-              </a:cxn>
-            </a:cxnLst>
-            <a:rect l="0" t="0" r="0" b="0"/>
-            <a:pathLst>
-              <a:path w="3000" h="595">
-                <a:moveTo>
-                  <a:pt x="0" y="0"/>
-                </a:moveTo>
-                <a:cubicBezTo>
-                  <a:pt x="174" y="102"/>
-                  <a:pt x="1168" y="533"/>
-                  <a:pt x="1668" y="564"/>
-                </a:cubicBezTo>
-                <a:cubicBezTo>
-                  <a:pt x="2168" y="595"/>
-                  <a:pt x="2778" y="279"/>
-                  <a:pt x="3000" y="186"/>
-                </a:cubicBezTo>
-                <a:lnTo>
-                  <a:pt x="3000" y="6"/>
-                </a:lnTo>
-                <a:lnTo>
-                  <a:pt x="0" y="0"/>
-                </a:lnTo>
-                <a:close/>
-              </a:path>
-            </a:pathLst>
-          </a:custGeom>
-          <a:gradFill>
-            <a:gsLst>
-              <a:gs pos="0">
-                <a:schemeClr val="accent3">
-                  <a:shade val="50000"/>
-                  <a:alpha val="30000"/>
-                  <a:satMod val="130000"/>
-                </a:schemeClr>
-              </a:gs>
-              <a:gs pos="80000">
-                <a:schemeClr val="accent2">
-                  <a:shade val="75000"/>
-                  <a:alpha val="45000"/>
-                  <a:satMod val="140000"/>
-                </a:schemeClr>
-              </a:gs>
-            </a:gsLst>
-            <a:lin ang="5400000" scaled="1"/>
-          </a:gradFill>
-          <a:ln w="9525" cap="flat" cmpd="sng" algn="ctr">
-            <a:noFill/>
-            <a:prstDash val="solid"/>
-            <a:round/>
-            <a:headEnd type="none" w="med" len="med"/>
-            <a:tailEnd type="none" w="med" len="med"/>
-          </a:ln>
-          <a:effectLst/>
-        </p:spPr>
-        <p:txBody>
-          <a:bodyPr vert="horz" wrap="square" lIns="91440" tIns="45720" rIns="91440" bIns="45720" anchor="t" compatLnSpc="1"/>
-          <a:lstStyle/>
-          <a:p>
-            <a:pPr marL="0" algn="l" rtl="0" eaLnBrk="1" latinLnBrk="0" hangingPunct="1"/>
-            <a:endParaRPr kumimoji="0" lang="en-US">
-              <a:solidFill>
-                <a:schemeClr val="tx1"/>
-              </a:solidFill>
-              <a:latin typeface="+mn-lt"/>
-              <a:ea typeface="+mn-ea"/>
-              <a:cs typeface="+mn-cs"/>
-            </a:endParaRPr>
-          </a:p>
-        </p:txBody>
-      </p:sp>
-      <p:sp>
-        <p:nvSpPr>
-          <p:cNvPr id="9" name="Title Placeholder 8"/>
+          <p:cNvPr id="2" name="Title Placeholder 1">
+            <a:extLst>
+              <a:ext uri="{FF2B5EF4-FFF2-40B4-BE49-F238E27FC236}">
+                <a16:creationId xmlns:a16="http://schemas.microsoft.com/office/drawing/2014/main" id="{BD673C5D-53AA-214D-B0B0-3BACD569EED6}"/>
+              </a:ext>
+            </a:extLst>
+          </p:cNvPr>
           <p:cNvSpPr>
             <a:spLocks noGrp="1"/>
           </p:cNvSpPr>
@@ -3141,30 +3173,35 @@
         </p:nvSpPr>
         <p:spPr>
           <a:xfrm>
-            <a:off x="457200" y="704088"/>
-            <a:ext cx="8229600" cy="1143000"/>
+            <a:off x="628650" y="365126"/>
+            <a:ext cx="7886700" cy="1325563"/>
           </a:xfrm>
           <a:prstGeom prst="rect">
             <a:avLst/>
           </a:prstGeom>
         </p:spPr>
         <p:txBody>
-          <a:bodyPr vert="horz" lIns="0" rIns="0" bIns="0" anchor="b">
+          <a:bodyPr vert="horz" lIns="91440" tIns="45720" rIns="91440" bIns="45720" rtlCol="0" anchor="ctr">
             <a:normAutofit/>
           </a:bodyPr>
           <a:lstStyle/>
           <a:p>
             <a:r>
-              <a:rPr kumimoji="0" lang="en-US" smtClean="0"/>
+              <a:rPr lang="en-US"/>
               <a:t>Click to edit Master title style</a:t>
             </a:r>
-            <a:endParaRPr kumimoji="0" lang="en-US"/>
-          </a:p>
-        </p:txBody>
-      </p:sp>
-      <p:sp>
-        <p:nvSpPr>
-          <p:cNvPr id="30" name="Text Placeholder 29"/>
+          </a:p>
+        </p:txBody>
+      </p:sp>
+      <p:sp>
+        <p:nvSpPr>
+          <p:cNvPr id="3" name="Text Placeholder 2">
+            <a:extLst>
+              <a:ext uri="{FF2B5EF4-FFF2-40B4-BE49-F238E27FC236}">
+                <a16:creationId xmlns:a16="http://schemas.microsoft.com/office/drawing/2014/main" id="{E12348F3-E879-A046-BA89-AB897188ABE8}"/>
+              </a:ext>
+            </a:extLst>
+          </p:cNvPr>
           <p:cNvSpPr>
             <a:spLocks noGrp="1"/>
           </p:cNvSpPr>
@@ -3174,59 +3211,64 @@
         </p:nvSpPr>
         <p:spPr>
           <a:xfrm>
-            <a:off x="457200" y="1935480"/>
-            <a:ext cx="8229600" cy="4389120"/>
+            <a:off x="628650" y="1825625"/>
+            <a:ext cx="7886700" cy="4351338"/>
           </a:xfrm>
           <a:prstGeom prst="rect">
             <a:avLst/>
           </a:prstGeom>
         </p:spPr>
         <p:txBody>
-          <a:bodyPr vert="horz">
+          <a:bodyPr vert="horz" lIns="91440" tIns="45720" rIns="91440" bIns="45720" rtlCol="0">
             <a:normAutofit/>
           </a:bodyPr>
           <a:lstStyle/>
           <a:p>
-            <a:pPr lvl="0" eaLnBrk="1" latinLnBrk="0" hangingPunct="1"/>
-            <a:r>
-              <a:rPr kumimoji="0" lang="en-US" smtClean="0"/>
+            <a:pPr lvl="0"/>
+            <a:r>
+              <a:rPr lang="en-US"/>
               <a:t>Click to edit Master text styles</a:t>
             </a:r>
           </a:p>
           <a:p>
-            <a:pPr lvl="1" eaLnBrk="1" latinLnBrk="0" hangingPunct="1"/>
-            <a:r>
-              <a:rPr kumimoji="0" lang="en-US" smtClean="0"/>
+            <a:pPr lvl="1"/>
+            <a:r>
+              <a:rPr lang="en-US"/>
               <a:t>Second level</a:t>
             </a:r>
           </a:p>
           <a:p>
-            <a:pPr lvl="2" eaLnBrk="1" latinLnBrk="0" hangingPunct="1"/>
-            <a:r>
-              <a:rPr kumimoji="0" lang="en-US" smtClean="0"/>
+            <a:pPr lvl="2"/>
+            <a:r>
+              <a:rPr lang="en-US"/>
               <a:t>Third level</a:t>
             </a:r>
           </a:p>
           <a:p>
-            <a:pPr lvl="3" eaLnBrk="1" latinLnBrk="0" hangingPunct="1"/>
-            <a:r>
-              <a:rPr kumimoji="0" lang="en-US" smtClean="0"/>
+            <a:pPr lvl="3"/>
+            <a:r>
+              <a:rPr lang="en-US"/>
               <a:t>Fourth level</a:t>
             </a:r>
           </a:p>
           <a:p>
-            <a:pPr lvl="4" eaLnBrk="1" latinLnBrk="0" hangingPunct="1"/>
-            <a:r>
-              <a:rPr kumimoji="0" lang="en-US" smtClean="0"/>
+            <a:pPr lvl="4"/>
+            <a:r>
+              <a:rPr lang="en-US"/>
               <a:t>Fifth level</a:t>
             </a:r>
-            <a:endParaRPr kumimoji="0" lang="en-US"/>
-          </a:p>
-        </p:txBody>
-      </p:sp>
-      <p:sp>
-        <p:nvSpPr>
-          <p:cNvPr id="10" name="Date Placeholder 9"/>
+          </a:p>
+        </p:txBody>
+      </p:sp>
+      <p:sp>
+        <p:nvSpPr>
+          <p:cNvPr id="4" name="Date Placeholder 3">
+            <a:extLst>
+              <a:ext uri="{FF2B5EF4-FFF2-40B4-BE49-F238E27FC236}">
+                <a16:creationId xmlns:a16="http://schemas.microsoft.com/office/drawing/2014/main" id="{90FD1B87-A4B1-4A41-9789-3FB14429E0E6}"/>
+              </a:ext>
+            </a:extLst>
+          </p:cNvPr>
           <p:cNvSpPr>
             <a:spLocks noGrp="1"/>
           </p:cNvSpPr>
@@ -3236,31 +3278,30 @@
         </p:nvSpPr>
         <p:spPr>
           <a:xfrm>
-            <a:off x="457200" y="6356350"/>
-            <a:ext cx="2133600" cy="365125"/>
+            <a:off x="628650" y="6356351"/>
+            <a:ext cx="2057400" cy="365125"/>
           </a:xfrm>
           <a:prstGeom prst="rect">
             <a:avLst/>
           </a:prstGeom>
         </p:spPr>
         <p:txBody>
-          <a:bodyPr vert="horz" lIns="0" tIns="0" rIns="0" bIns="0" anchor="b"/>
+          <a:bodyPr vert="horz" lIns="91440" tIns="45720" rIns="91440" bIns="45720" rtlCol="0" anchor="ctr"/>
           <a:lstStyle>
-            <a:lvl1pPr algn="l" eaLnBrk="1" latinLnBrk="0" hangingPunct="1">
-              <a:defRPr kumimoji="0" sz="1200">
+            <a:lvl1pPr algn="l">
+              <a:defRPr sz="900">
                 <a:solidFill>
-                  <a:schemeClr val="tx2">
-                    <a:shade val="90000"/>
+                  <a:schemeClr val="tx1">
+                    <a:tint val="75000"/>
                   </a:schemeClr>
                 </a:solidFill>
               </a:defRPr>
             </a:lvl1pPr>
           </a:lstStyle>
           <a:p>
-            <a:fld id="{1D8BD707-D9CF-40AE-B4C6-C98DA3205C09}" type="datetimeFigureOut">
-              <a:rPr lang="en-US" smtClean="0"/>
-              <a:pPr/>
-              <a:t>10/7/2015</a:t>
+            <a:fld id="{27A46077-CF4B-D844-B00A-AA3507723E87}" type="datetime1">
+              <a:rPr lang="en-IN" smtClean="0"/>
+              <a:t>13/03/19</a:t>
             </a:fld>
             <a:endParaRPr lang="en-US"/>
           </a:p>
@@ -3268,7 +3309,13 @@
       </p:sp>
       <p:sp>
         <p:nvSpPr>
-          <p:cNvPr id="22" name="Footer Placeholder 21"/>
+          <p:cNvPr id="5" name="Footer Placeholder 4">
+            <a:extLst>
+              <a:ext uri="{FF2B5EF4-FFF2-40B4-BE49-F238E27FC236}">
+                <a16:creationId xmlns:a16="http://schemas.microsoft.com/office/drawing/2014/main" id="{12A0B0D4-6FCE-7C46-BFF0-03F31F903F3A}"/>
+              </a:ext>
+            </a:extLst>
+          </p:cNvPr>
           <p:cNvSpPr>
             <a:spLocks noGrp="1"/>
           </p:cNvSpPr>
@@ -3278,21 +3325,21 @@
         </p:nvSpPr>
         <p:spPr>
           <a:xfrm>
-            <a:off x="2667000" y="6356350"/>
-            <a:ext cx="3352800" cy="365125"/>
+            <a:off x="3028950" y="6356351"/>
+            <a:ext cx="3086100" cy="365125"/>
           </a:xfrm>
           <a:prstGeom prst="rect">
             <a:avLst/>
           </a:prstGeom>
         </p:spPr>
         <p:txBody>
-          <a:bodyPr vert="horz" lIns="0" tIns="0" rIns="0" bIns="0" anchor="b"/>
+          <a:bodyPr vert="horz" lIns="91440" tIns="45720" rIns="91440" bIns="45720" rtlCol="0" anchor="ctr"/>
           <a:lstStyle>
-            <a:lvl1pPr algn="l" eaLnBrk="1" latinLnBrk="0" hangingPunct="1">
-              <a:defRPr kumimoji="0" sz="1200">
+            <a:lvl1pPr algn="ctr">
+              <a:defRPr sz="900">
                 <a:solidFill>
-                  <a:schemeClr val="tx2">
-                    <a:shade val="90000"/>
+                  <a:schemeClr val="tx1">
+                    <a:tint val="75000"/>
                   </a:schemeClr>
                 </a:solidFill>
               </a:defRPr>
@@ -3305,7 +3352,13 @@
       </p:sp>
       <p:sp>
         <p:nvSpPr>
-          <p:cNvPr id="18" name="Slide Number Placeholder 17"/>
+          <p:cNvPr id="6" name="Slide Number Placeholder 5">
+            <a:extLst>
+              <a:ext uri="{FF2B5EF4-FFF2-40B4-BE49-F238E27FC236}">
+                <a16:creationId xmlns:a16="http://schemas.microsoft.com/office/drawing/2014/main" id="{687FC316-DD53-8142-8A9E-F8971AB728A2}"/>
+              </a:ext>
+            </a:extLst>
+          </p:cNvPr>
           <p:cNvSpPr>
             <a:spLocks noGrp="1"/>
           </p:cNvSpPr>
@@ -3315,21 +3368,21 @@
         </p:nvSpPr>
         <p:spPr>
           <a:xfrm>
-            <a:off x="7924800" y="6356350"/>
-            <a:ext cx="762000" cy="365125"/>
+            <a:off x="6457950" y="6356351"/>
+            <a:ext cx="2057400" cy="365125"/>
           </a:xfrm>
           <a:prstGeom prst="rect">
             <a:avLst/>
           </a:prstGeom>
         </p:spPr>
         <p:txBody>
-          <a:bodyPr vert="horz" lIns="0" tIns="0" rIns="0" bIns="0" anchor="b"/>
+          <a:bodyPr vert="horz" lIns="91440" tIns="45720" rIns="91440" bIns="45720" rtlCol="0" anchor="ctr"/>
           <a:lstStyle>
-            <a:lvl1pPr algn="r" eaLnBrk="1" latinLnBrk="0" hangingPunct="1">
-              <a:defRPr kumimoji="0" sz="1200">
+            <a:lvl1pPr algn="r">
+              <a:defRPr sz="900">
                 <a:solidFill>
-                  <a:schemeClr val="tx2">
-                    <a:shade val="90000"/>
+                  <a:schemeClr val="tx1">
+                    <a:tint val="75000"/>
                   </a:schemeClr>
                 </a:solidFill>
               </a:defRPr>
@@ -3345,251 +3398,42 @@
           </a:p>
         </p:txBody>
       </p:sp>
-      <p:grpSp>
-        <p:nvGrpSpPr>
-          <p:cNvPr id="2" name="Group 1"/>
-          <p:cNvGrpSpPr/>
-          <p:nvPr/>
-        </p:nvGrpSpPr>
-        <p:grpSpPr>
-          <a:xfrm>
-            <a:off x="-19017" y="202408"/>
-            <a:ext cx="9180548" cy="649224"/>
-            <a:chOff x="-19045" y="216550"/>
-            <a:chExt cx="9180548" cy="649224"/>
-          </a:xfrm>
-        </p:grpSpPr>
-        <p:sp>
-          <p:nvSpPr>
-            <p:cNvPr id="12" name="Freeform 11"/>
-            <p:cNvSpPr>
-              <a:spLocks/>
-            </p:cNvSpPr>
-            <p:nvPr/>
-          </p:nvSpPr>
-          <p:spPr bwMode="auto">
-            <a:xfrm rot="21435692">
-              <a:off x="-19045" y="216550"/>
-              <a:ext cx="9163050" cy="649224"/>
-            </a:xfrm>
-            <a:custGeom>
-              <a:avLst>
-                <a:gd name="A1" fmla="val 0"/>
-                <a:gd name="A2" fmla="val 0"/>
-                <a:gd name="A3" fmla="val 0"/>
-                <a:gd name="A4" fmla="val 0"/>
-                <a:gd name="A5" fmla="val 0"/>
-                <a:gd name="A6" fmla="val 0"/>
-                <a:gd name="A7" fmla="val 0"/>
-                <a:gd name="A8" fmla="val 0"/>
-              </a:avLst>
-              <a:gdLst/>
-              <a:ahLst/>
-              <a:cxnLst>
-                <a:cxn ang="0">
-                  <a:pos x="0" y="966"/>
-                </a:cxn>
-                <a:cxn ang="0">
-                  <a:pos x="1608" y="282"/>
-                </a:cxn>
-                <a:cxn ang="0">
-                  <a:pos x="4110" y="1008"/>
-                </a:cxn>
-                <a:cxn ang="0">
-                  <a:pos x="5772" y="0"/>
-                </a:cxn>
-              </a:cxnLst>
-              <a:rect l="0" t="0" r="0" b="0"/>
-              <a:pathLst>
-                <a:path w="5772" h="1055">
-                  <a:moveTo>
-                    <a:pt x="0" y="966"/>
-                  </a:moveTo>
-                  <a:cubicBezTo>
-                    <a:pt x="282" y="738"/>
-                    <a:pt x="923" y="275"/>
-                    <a:pt x="1608" y="282"/>
-                  </a:cubicBezTo>
-                  <a:cubicBezTo>
-                    <a:pt x="2293" y="289"/>
-                    <a:pt x="3416" y="1055"/>
-                    <a:pt x="4110" y="1008"/>
-                  </a:cubicBezTo>
-                  <a:cubicBezTo>
-                    <a:pt x="4804" y="961"/>
-                    <a:pt x="5426" y="210"/>
-                    <a:pt x="5772" y="0"/>
-                  </a:cubicBezTo>
-                </a:path>
-              </a:pathLst>
-            </a:custGeom>
-            <a:noFill/>
-            <a:ln w="10795" cap="flat" cmpd="sng" algn="ctr">
-              <a:gradFill>
-                <a:gsLst>
-                  <a:gs pos="74000">
-                    <a:schemeClr val="accent3">
-                      <a:shade val="75000"/>
-                    </a:schemeClr>
-                  </a:gs>
-                  <a:gs pos="86000">
-                    <a:schemeClr val="tx1">
-                      <a:alpha val="29000"/>
-                    </a:schemeClr>
-                  </a:gs>
-                  <a:gs pos="16000">
-                    <a:schemeClr val="accent2">
-                      <a:shade val="75000"/>
-                      <a:alpha val="56000"/>
-                    </a:schemeClr>
-                  </a:gs>
-                </a:gsLst>
-                <a:lin ang="5400000" scaled="1"/>
-              </a:gradFill>
-              <a:prstDash val="solid"/>
-              <a:round/>
-              <a:headEnd type="none" w="med" len="med"/>
-              <a:tailEnd type="none" w="med" len="med"/>
-            </a:ln>
-            <a:effectLst/>
-          </p:spPr>
-          <p:txBody>
-            <a:bodyPr vert="horz" wrap="square" lIns="91440" tIns="45720" rIns="91440" bIns="45720" anchor="t" compatLnSpc="1"/>
-            <a:lstStyle/>
-            <a:p>
-              <a:endParaRPr kumimoji="0" lang="en-US"/>
-            </a:p>
-          </p:txBody>
-        </p:sp>
-        <p:sp>
-          <p:nvSpPr>
-            <p:cNvPr id="13" name="Freeform 12"/>
-            <p:cNvSpPr>
-              <a:spLocks/>
-            </p:cNvSpPr>
-            <p:nvPr/>
-          </p:nvSpPr>
-          <p:spPr bwMode="auto">
-            <a:xfrm rot="21435692">
-              <a:off x="-14309" y="290003"/>
-              <a:ext cx="9175812" cy="530352"/>
-            </a:xfrm>
-            <a:custGeom>
-              <a:avLst>
-                <a:gd name="A1" fmla="val 0"/>
-                <a:gd name="A2" fmla="val 0"/>
-                <a:gd name="A3" fmla="val 0"/>
-                <a:gd name="A4" fmla="val 0"/>
-                <a:gd name="A5" fmla="val 0"/>
-                <a:gd name="A6" fmla="val 0"/>
-                <a:gd name="A7" fmla="val 0"/>
-                <a:gd name="A8" fmla="val 0"/>
-              </a:avLst>
-              <a:gdLst/>
-              <a:ahLst/>
-              <a:cxnLst>
-                <a:cxn ang="0">
-                  <a:pos x="0" y="732"/>
-                </a:cxn>
-                <a:cxn ang="0">
-                  <a:pos x="1638" y="228"/>
-                </a:cxn>
-                <a:cxn ang="0">
-                  <a:pos x="4122" y="816"/>
-                </a:cxn>
-                <a:cxn ang="0">
-                  <a:pos x="5766" y="0"/>
-                </a:cxn>
-              </a:cxnLst>
-              <a:rect l="0" t="0" r="0" b="0"/>
-              <a:pathLst>
-                <a:path w="5766" h="854">
-                  <a:moveTo>
-                    <a:pt x="0" y="732"/>
-                  </a:moveTo>
-                  <a:cubicBezTo>
-                    <a:pt x="273" y="647"/>
-                    <a:pt x="951" y="214"/>
-                    <a:pt x="1638" y="228"/>
-                  </a:cubicBezTo>
-                  <a:cubicBezTo>
-                    <a:pt x="2325" y="242"/>
-                    <a:pt x="3434" y="854"/>
-                    <a:pt x="4122" y="816"/>
-                  </a:cubicBezTo>
-                  <a:cubicBezTo>
-                    <a:pt x="4810" y="778"/>
-                    <a:pt x="5424" y="170"/>
-                    <a:pt x="5766" y="0"/>
-                  </a:cubicBezTo>
-                </a:path>
-              </a:pathLst>
-            </a:custGeom>
-            <a:noFill/>
-            <a:ln w="9525" cap="flat" cmpd="sng" algn="ctr">
-              <a:gradFill>
-                <a:gsLst>
-                  <a:gs pos="74000">
-                    <a:schemeClr val="accent4"/>
-                  </a:gs>
-                  <a:gs pos="44000">
-                    <a:schemeClr val="accent1"/>
-                  </a:gs>
-                  <a:gs pos="33000">
-                    <a:schemeClr val="accent2">
-                      <a:alpha val="56000"/>
-                    </a:schemeClr>
-                  </a:gs>
-                </a:gsLst>
-                <a:lin ang="5400000" scaled="1"/>
-              </a:gradFill>
-              <a:prstDash val="solid"/>
-              <a:round/>
-              <a:headEnd type="none" w="med" len="med"/>
-              <a:tailEnd type="none" w="med" len="med"/>
-            </a:ln>
-            <a:effectLst/>
-          </p:spPr>
-          <p:txBody>
-            <a:bodyPr vert="horz" wrap="square" lIns="91440" tIns="45720" rIns="91440" bIns="45720" anchor="t" compatLnSpc="1"/>
-            <a:lstStyle/>
-            <a:p>
-              <a:endParaRPr kumimoji="0" lang="en-US"/>
-            </a:p>
-          </p:txBody>
-        </p:sp>
-      </p:grpSp>
     </p:spTree>
+    <p:extLst>
+      <p:ext uri="{BB962C8B-B14F-4D97-AF65-F5344CB8AC3E}">
+        <p14:creationId xmlns:p14="http://schemas.microsoft.com/office/powerpoint/2010/main" val="1447122648"/>
+      </p:ext>
+    </p:extLst>
   </p:cSld>
-  <p:clrMap bg1="dk1" tx1="lt1" bg2="dk2" tx2="lt2" accent1="accent1" accent2="accent2" accent3="accent3" accent4="accent4" accent5="accent5" accent6="accent6" hlink="hlink" folHlink="folHlink"/>
+  <p:clrMap bg1="lt1" tx1="dk1" bg2="lt2" tx2="dk2" accent1="accent1" accent2="accent2" accent3="accent3" accent4="accent4" accent5="accent5" accent6="accent6" hlink="hlink" folHlink="folHlink"/>
   <p:sldLayoutIdLst>
-    <p:sldLayoutId id="2147483793" r:id="rId1"/>
-    <p:sldLayoutId id="2147483794" r:id="rId2"/>
-    <p:sldLayoutId id="2147483795" r:id="rId3"/>
-    <p:sldLayoutId id="2147483796" r:id="rId4"/>
-    <p:sldLayoutId id="2147483797" r:id="rId5"/>
-    <p:sldLayoutId id="2147483798" r:id="rId6"/>
-    <p:sldLayoutId id="2147483799" r:id="rId7"/>
-    <p:sldLayoutId id="2147483800" r:id="rId8"/>
-    <p:sldLayoutId id="2147483801" r:id="rId9"/>
-    <p:sldLayoutId id="2147483802" r:id="rId10"/>
-    <p:sldLayoutId id="2147483803" r:id="rId11"/>
+    <p:sldLayoutId id="2147483805" r:id="rId1"/>
+    <p:sldLayoutId id="2147483806" r:id="rId2"/>
+    <p:sldLayoutId id="2147483807" r:id="rId3"/>
+    <p:sldLayoutId id="2147483808" r:id="rId4"/>
+    <p:sldLayoutId id="2147483809" r:id="rId5"/>
+    <p:sldLayoutId id="2147483810" r:id="rId6"/>
+    <p:sldLayoutId id="2147483811" r:id="rId7"/>
+    <p:sldLayoutId id="2147483812" r:id="rId8"/>
+    <p:sldLayoutId id="2147483813" r:id="rId9"/>
+    <p:sldLayoutId id="2147483814" r:id="rId10"/>
+    <p:sldLayoutId id="2147483815" r:id="rId11"/>
   </p:sldLayoutIdLst>
+  <p:hf hdr="0" ftr="0" dt="0"/>
   <p:txStyles>
     <p:titleStyle>
-      <a:lvl1pPr algn="l" rtl="0" eaLnBrk="1" latinLnBrk="0" hangingPunct="1">
+      <a:lvl1pPr algn="l" defTabSz="685800" rtl="0" eaLnBrk="1" latinLnBrk="0" hangingPunct="1">
+        <a:lnSpc>
+          <a:spcPct val="90000"/>
+        </a:lnSpc>
         <a:spcBef>
           <a:spcPct val="0"/>
         </a:spcBef>
         <a:buNone/>
-        <a:defRPr kumimoji="0" sz="5000" b="0" kern="1200">
-          <a:ln>
-            <a:noFill/>
-          </a:ln>
+        <a:defRPr sz="3300" kern="1200">
           <a:solidFill>
-            <a:schemeClr val="tx2"/>
+            <a:schemeClr val="tx1"/>
           </a:solidFill>
-          <a:effectLst/>
           <a:latin typeface="+mj-lt"/>
           <a:ea typeface="+mj-ea"/>
           <a:cs typeface="+mj-cs"/>
@@ -3597,17 +3441,16 @@
       </a:lvl1pPr>
     </p:titleStyle>
     <p:bodyStyle>
-      <a:lvl1pPr marL="274320" indent="-274320" algn="l" rtl="0" eaLnBrk="1" latinLnBrk="0" hangingPunct="1">
+      <a:lvl1pPr marL="171450" indent="-171450" algn="l" defTabSz="685800" rtl="0" eaLnBrk="1" latinLnBrk="0" hangingPunct="1">
+        <a:lnSpc>
+          <a:spcPct val="90000"/>
+        </a:lnSpc>
         <a:spcBef>
-          <a:spcPct val="20000"/>
+          <a:spcPts val="750"/>
         </a:spcBef>
-        <a:buClr>
-          <a:schemeClr val="accent3"/>
-        </a:buClr>
-        <a:buSzPct val="95000"/>
-        <a:buFont typeface="Wingdings 2"/>
-        <a:buChar char=""/>
-        <a:defRPr kumimoji="0" sz="2600" kern="1200">
+        <a:buFont typeface="Arial" panose="020B0604020202020204" pitchFamily="34" charset="0"/>
+        <a:buChar char="•"/>
+        <a:defRPr sz="2100" kern="1200">
           <a:solidFill>
             <a:schemeClr val="tx1"/>
           </a:solidFill>
@@ -3616,17 +3459,16 @@
           <a:cs typeface="+mn-cs"/>
         </a:defRPr>
       </a:lvl1pPr>
-      <a:lvl2pPr marL="640080" indent="-246888" algn="l" rtl="0" eaLnBrk="1" latinLnBrk="0" hangingPunct="1">
+      <a:lvl2pPr marL="514350" indent="-171450" algn="l" defTabSz="685800" rtl="0" eaLnBrk="1" latinLnBrk="0" hangingPunct="1">
+        <a:lnSpc>
+          <a:spcPct val="90000"/>
+        </a:lnSpc>
         <a:spcBef>
-          <a:spcPct val="20000"/>
+          <a:spcPts val="375"/>
         </a:spcBef>
-        <a:buClr>
-          <a:schemeClr val="accent1"/>
-        </a:buClr>
-        <a:buSzPct val="85000"/>
-        <a:buFont typeface="Wingdings 2"/>
-        <a:buChar char=""/>
-        <a:defRPr kumimoji="0" sz="2400" kern="1200">
+        <a:buFont typeface="Arial" panose="020B0604020202020204" pitchFamily="34" charset="0"/>
+        <a:buChar char="•"/>
+        <a:defRPr sz="1800" kern="1200">
           <a:solidFill>
             <a:schemeClr val="tx1"/>
           </a:solidFill>
@@ -3635,17 +3477,16 @@
           <a:cs typeface="+mn-cs"/>
         </a:defRPr>
       </a:lvl2pPr>
-      <a:lvl3pPr marL="914400" indent="-246888" algn="l" rtl="0" eaLnBrk="1" latinLnBrk="0" hangingPunct="1">
+      <a:lvl3pPr marL="857250" indent="-171450" algn="l" defTabSz="685800" rtl="0" eaLnBrk="1" latinLnBrk="0" hangingPunct="1">
+        <a:lnSpc>
+          <a:spcPct val="90000"/>
+        </a:lnSpc>
         <a:spcBef>
-          <a:spcPct val="20000"/>
+          <a:spcPts val="375"/>
         </a:spcBef>
-        <a:buClr>
-          <a:schemeClr val="accent2"/>
-        </a:buClr>
-        <a:buSzPct val="70000"/>
-        <a:buFont typeface="Wingdings 2"/>
-        <a:buChar char=""/>
-        <a:defRPr kumimoji="0" sz="2100" kern="1200">
+        <a:buFont typeface="Arial" panose="020B0604020202020204" pitchFamily="34" charset="0"/>
+        <a:buChar char="•"/>
+        <a:defRPr sz="1500" kern="1200">
           <a:solidFill>
             <a:schemeClr val="tx1"/>
           </a:solidFill>
@@ -3654,17 +3495,16 @@
           <a:cs typeface="+mn-cs"/>
         </a:defRPr>
       </a:lvl3pPr>
-      <a:lvl4pPr marL="1188720" indent="-210312" algn="l" rtl="0" eaLnBrk="1" latinLnBrk="0" hangingPunct="1">
+      <a:lvl4pPr marL="1200150" indent="-171450" algn="l" defTabSz="685800" rtl="0" eaLnBrk="1" latinLnBrk="0" hangingPunct="1">
+        <a:lnSpc>
+          <a:spcPct val="90000"/>
+        </a:lnSpc>
         <a:spcBef>
-          <a:spcPct val="20000"/>
+          <a:spcPts val="375"/>
         </a:spcBef>
-        <a:buClr>
-          <a:schemeClr val="accent3"/>
-        </a:buClr>
-        <a:buSzPct val="65000"/>
-        <a:buFont typeface="Wingdings 2"/>
-        <a:buChar char=""/>
-        <a:defRPr kumimoji="0" sz="2000" kern="1200">
+        <a:buFont typeface="Arial" panose="020B0604020202020204" pitchFamily="34" charset="0"/>
+        <a:buChar char="•"/>
+        <a:defRPr sz="1350" kern="1200">
           <a:solidFill>
             <a:schemeClr val="tx1"/>
           </a:solidFill>
@@ -3673,17 +3513,16 @@
           <a:cs typeface="+mn-cs"/>
         </a:defRPr>
       </a:lvl4pPr>
-      <a:lvl5pPr marL="1463040" indent="-210312" algn="l" rtl="0" eaLnBrk="1" latinLnBrk="0" hangingPunct="1">
+      <a:lvl5pPr marL="1543050" indent="-171450" algn="l" defTabSz="685800" rtl="0" eaLnBrk="1" latinLnBrk="0" hangingPunct="1">
+        <a:lnSpc>
+          <a:spcPct val="90000"/>
+        </a:lnSpc>
         <a:spcBef>
-          <a:spcPct val="20000"/>
+          <a:spcPts val="375"/>
         </a:spcBef>
-        <a:buClr>
-          <a:schemeClr val="accent4"/>
-        </a:buClr>
-        <a:buSzPct val="65000"/>
-        <a:buFont typeface="Wingdings 2"/>
-        <a:buChar char=""/>
-        <a:defRPr kumimoji="0" sz="2000" kern="1200">
+        <a:buFont typeface="Arial" panose="020B0604020202020204" pitchFamily="34" charset="0"/>
+        <a:buChar char="•"/>
+        <a:defRPr sz="1350" kern="1200">
           <a:solidFill>
             <a:schemeClr val="tx1"/>
           </a:solidFill>
@@ -3692,17 +3531,16 @@
           <a:cs typeface="+mn-cs"/>
         </a:defRPr>
       </a:lvl5pPr>
-      <a:lvl6pPr marL="1737360" indent="-210312" algn="l" rtl="0" eaLnBrk="1" latinLnBrk="0" hangingPunct="1">
+      <a:lvl6pPr marL="1885950" indent="-171450" algn="l" defTabSz="685800" rtl="0" eaLnBrk="1" latinLnBrk="0" hangingPunct="1">
+        <a:lnSpc>
+          <a:spcPct val="90000"/>
+        </a:lnSpc>
         <a:spcBef>
-          <a:spcPct val="20000"/>
+          <a:spcPts val="375"/>
         </a:spcBef>
-        <a:buClr>
-          <a:schemeClr val="accent5"/>
-        </a:buClr>
-        <a:buSzPct val="80000"/>
-        <a:buFont typeface="Wingdings 2"/>
-        <a:buChar char=""/>
-        <a:defRPr kumimoji="0" sz="1800" kern="1200">
+        <a:buFont typeface="Arial" panose="020B0604020202020204" pitchFamily="34" charset="0"/>
+        <a:buChar char="•"/>
+        <a:defRPr sz="1350" kern="1200">
           <a:solidFill>
             <a:schemeClr val="tx1"/>
           </a:solidFill>
@@ -3711,17 +3549,16 @@
           <a:cs typeface="+mn-cs"/>
         </a:defRPr>
       </a:lvl6pPr>
-      <a:lvl7pPr marL="1920240" indent="-182880" algn="l" rtl="0" eaLnBrk="1" latinLnBrk="0" hangingPunct="1">
+      <a:lvl7pPr marL="2228850" indent="-171450" algn="l" defTabSz="685800" rtl="0" eaLnBrk="1" latinLnBrk="0" hangingPunct="1">
+        <a:lnSpc>
+          <a:spcPct val="90000"/>
+        </a:lnSpc>
         <a:spcBef>
-          <a:spcPct val="20000"/>
+          <a:spcPts val="375"/>
         </a:spcBef>
-        <a:buClr>
-          <a:schemeClr val="accent6"/>
-        </a:buClr>
-        <a:buSzPct val="80000"/>
-        <a:buFont typeface="Wingdings 2"/>
-        <a:buChar char=""/>
-        <a:defRPr kumimoji="0" sz="1600" kern="1200" baseline="0">
+        <a:buFont typeface="Arial" panose="020B0604020202020204" pitchFamily="34" charset="0"/>
+        <a:buChar char="•"/>
+        <a:defRPr sz="1350" kern="1200">
           <a:solidFill>
             <a:schemeClr val="tx1"/>
           </a:solidFill>
@@ -3730,15 +3567,16 @@
           <a:cs typeface="+mn-cs"/>
         </a:defRPr>
       </a:lvl7pPr>
-      <a:lvl8pPr marL="2194560" indent="-182880" algn="l" rtl="0" eaLnBrk="1" latinLnBrk="0" hangingPunct="1">
+      <a:lvl8pPr marL="2571750" indent="-171450" algn="l" defTabSz="685800" rtl="0" eaLnBrk="1" latinLnBrk="0" hangingPunct="1">
+        <a:lnSpc>
+          <a:spcPct val="90000"/>
+        </a:lnSpc>
         <a:spcBef>
-          <a:spcPct val="20000"/>
+          <a:spcPts val="375"/>
         </a:spcBef>
-        <a:buClr>
-          <a:schemeClr val="tx2"/>
-        </a:buClr>
+        <a:buFont typeface="Arial" panose="020B0604020202020204" pitchFamily="34" charset="0"/>
         <a:buChar char="•"/>
-        <a:defRPr kumimoji="0" sz="1600" kern="1200">
+        <a:defRPr sz="1350" kern="1200">
           <a:solidFill>
             <a:schemeClr val="tx1"/>
           </a:solidFill>
@@ -3747,16 +3585,16 @@
           <a:cs typeface="+mn-cs"/>
         </a:defRPr>
       </a:lvl8pPr>
-      <a:lvl9pPr marL="2468880" indent="-182880" algn="l" rtl="0" eaLnBrk="1" latinLnBrk="0" hangingPunct="1">
+      <a:lvl9pPr marL="2914650" indent="-171450" algn="l" defTabSz="685800" rtl="0" eaLnBrk="1" latinLnBrk="0" hangingPunct="1">
+        <a:lnSpc>
+          <a:spcPct val="90000"/>
+        </a:lnSpc>
         <a:spcBef>
-          <a:spcPct val="20000"/>
+          <a:spcPts val="375"/>
         </a:spcBef>
-        <a:buClr>
-          <a:schemeClr val="tx2"/>
-        </a:buClr>
-        <a:buFontTx/>
+        <a:buFont typeface="Arial" panose="020B0604020202020204" pitchFamily="34" charset="0"/>
         <a:buChar char="•"/>
-        <a:defRPr kumimoji="0" sz="1400" kern="1200" baseline="0">
+        <a:defRPr sz="1350" kern="1200">
           <a:solidFill>
             <a:schemeClr val="tx1"/>
           </a:solidFill>
@@ -3767,8 +3605,11 @@
       </a:lvl9pPr>
     </p:bodyStyle>
     <p:otherStyle>
-      <a:lvl1pPr marL="0" algn="l" rtl="0" eaLnBrk="1" latinLnBrk="0" hangingPunct="1">
-        <a:defRPr kumimoji="0" kern="1200">
+      <a:defPPr>
+        <a:defRPr lang="en-US"/>
+      </a:defPPr>
+      <a:lvl1pPr marL="0" algn="l" defTabSz="685800" rtl="0" eaLnBrk="1" latinLnBrk="0" hangingPunct="1">
+        <a:defRPr sz="1350" kern="1200">
           <a:solidFill>
             <a:schemeClr val="tx1"/>
           </a:solidFill>
@@ -3777,8 +3618,8 @@
           <a:cs typeface="+mn-cs"/>
         </a:defRPr>
       </a:lvl1pPr>
-      <a:lvl2pPr marL="457200" algn="l" rtl="0" eaLnBrk="1" latinLnBrk="0" hangingPunct="1">
-        <a:defRPr kumimoji="0" kern="1200">
+      <a:lvl2pPr marL="342900" algn="l" defTabSz="685800" rtl="0" eaLnBrk="1" latinLnBrk="0" hangingPunct="1">
+        <a:defRPr sz="1350" kern="1200">
           <a:solidFill>
             <a:schemeClr val="tx1"/>
           </a:solidFill>
@@ -3787,8 +3628,8 @@
           <a:cs typeface="+mn-cs"/>
         </a:defRPr>
       </a:lvl2pPr>
-      <a:lvl3pPr marL="914400" algn="l" rtl="0" eaLnBrk="1" latinLnBrk="0" hangingPunct="1">
-        <a:defRPr kumimoji="0" kern="1200">
+      <a:lvl3pPr marL="685800" algn="l" defTabSz="685800" rtl="0" eaLnBrk="1" latinLnBrk="0" hangingPunct="1">
+        <a:defRPr sz="1350" kern="1200">
           <a:solidFill>
             <a:schemeClr val="tx1"/>
           </a:solidFill>
@@ -3797,8 +3638,8 @@
           <a:cs typeface="+mn-cs"/>
         </a:defRPr>
       </a:lvl3pPr>
-      <a:lvl4pPr marL="1371600" algn="l" rtl="0" eaLnBrk="1" latinLnBrk="0" hangingPunct="1">
-        <a:defRPr kumimoji="0" kern="1200">
+      <a:lvl4pPr marL="1028700" algn="l" defTabSz="685800" rtl="0" eaLnBrk="1" latinLnBrk="0" hangingPunct="1">
+        <a:defRPr sz="1350" kern="1200">
           <a:solidFill>
             <a:schemeClr val="tx1"/>
           </a:solidFill>
@@ -3807,8 +3648,8 @@
           <a:cs typeface="+mn-cs"/>
         </a:defRPr>
       </a:lvl4pPr>
-      <a:lvl5pPr marL="1828800" algn="l" rtl="0" eaLnBrk="1" latinLnBrk="0" hangingPunct="1">
-        <a:defRPr kumimoji="0" kern="1200">
+      <a:lvl5pPr marL="1371600" algn="l" defTabSz="685800" rtl="0" eaLnBrk="1" latinLnBrk="0" hangingPunct="1">
+        <a:defRPr sz="1350" kern="1200">
           <a:solidFill>
             <a:schemeClr val="tx1"/>
           </a:solidFill>
@@ -3817,8 +3658,8 @@
           <a:cs typeface="+mn-cs"/>
         </a:defRPr>
       </a:lvl5pPr>
-      <a:lvl6pPr marL="2286000" algn="l" rtl="0" eaLnBrk="1" latinLnBrk="0" hangingPunct="1">
-        <a:defRPr kumimoji="0" kern="1200">
+      <a:lvl6pPr marL="1714500" algn="l" defTabSz="685800" rtl="0" eaLnBrk="1" latinLnBrk="0" hangingPunct="1">
+        <a:defRPr sz="1350" kern="1200">
           <a:solidFill>
             <a:schemeClr val="tx1"/>
           </a:solidFill>
@@ -3827,8 +3668,8 @@
           <a:cs typeface="+mn-cs"/>
         </a:defRPr>
       </a:lvl6pPr>
-      <a:lvl7pPr marL="2743200" algn="l" rtl="0" eaLnBrk="1" latinLnBrk="0" hangingPunct="1">
-        <a:defRPr kumimoji="0" kern="1200">
+      <a:lvl7pPr marL="2057400" algn="l" defTabSz="685800" rtl="0" eaLnBrk="1" latinLnBrk="0" hangingPunct="1">
+        <a:defRPr sz="1350" kern="1200">
           <a:solidFill>
             <a:schemeClr val="tx1"/>
           </a:solidFill>
@@ -3837,8 +3678,8 @@
           <a:cs typeface="+mn-cs"/>
         </a:defRPr>
       </a:lvl7pPr>
-      <a:lvl8pPr marL="3200400" algn="l" rtl="0" eaLnBrk="1" latinLnBrk="0" hangingPunct="1">
-        <a:defRPr kumimoji="0" kern="1200">
+      <a:lvl8pPr marL="2400300" algn="l" defTabSz="685800" rtl="0" eaLnBrk="1" latinLnBrk="0" hangingPunct="1">
+        <a:defRPr sz="1350" kern="1200">
           <a:solidFill>
             <a:schemeClr val="tx1"/>
           </a:solidFill>
@@ -3847,8 +3688,8 @@
           <a:cs typeface="+mn-cs"/>
         </a:defRPr>
       </a:lvl8pPr>
-      <a:lvl9pPr marL="3657600" algn="l" rtl="0" eaLnBrk="1" latinLnBrk="0" hangingPunct="1">
-        <a:defRPr kumimoji="0" kern="1200">
+      <a:lvl9pPr marL="2743200" algn="l" defTabSz="685800" rtl="0" eaLnBrk="1" latinLnBrk="0" hangingPunct="1">
+        <a:defRPr sz="1350" kern="1200">
           <a:solidFill>
             <a:schemeClr val="tx1"/>
           </a:solidFill>
@@ -3901,29 +3742,16 @@
           </a:bodyPr>
           <a:lstStyle/>
           <a:p>
-            <a:r>
-              <a:rPr lang="en-US" dirty="0" smtClean="0">
-                <a:solidFill>
-                  <a:srgbClr val="FFFF00"/>
-                </a:solidFill>
-                <a:latin typeface="Arial Rounded MT Bold" pitchFamily="34" charset="0"/>
-              </a:rPr>
-              <a:t/>
-            </a:r>
             <a:br>
-              <a:rPr lang="en-US" dirty="0" smtClean="0">
+              <a:rPr lang="en-US" dirty="0">
                 <a:solidFill>
                   <a:srgbClr val="FFFF00"/>
                 </a:solidFill>
                 <a:latin typeface="Arial Rounded MT Bold" pitchFamily="34" charset="0"/>
               </a:rPr>
             </a:br>
-            <a:r>
-              <a:rPr lang="en-US" dirty="0" smtClean="0"/>
-              <a:t/>
-            </a:r>
             <a:br>
-              <a:rPr lang="en-US" dirty="0" smtClean="0"/>
+              <a:rPr lang="en-US" dirty="0"/>
             </a:br>
             <a:endParaRPr lang="en-US" dirty="0"/>
           </a:p>
@@ -3947,13 +3775,13 @@
         </p:spPr>
         <p:txBody>
           <a:bodyPr>
-            <a:normAutofit fontScale="92500" lnSpcReduction="10000"/>
+            <a:normAutofit lnSpcReduction="10000"/>
           </a:bodyPr>
           <a:lstStyle/>
           <a:p>
             <a:pPr algn="just"/>
             <a:r>
-              <a:rPr lang="en-US" sz="5200" dirty="0" smtClean="0">
+              <a:rPr lang="en-US" sz="5200" dirty="0">
                 <a:solidFill>
                   <a:srgbClr val="FFFF00"/>
                 </a:solidFill>
@@ -3962,7 +3790,7 @@
               <a:t>Unit 4: </a:t>
             </a:r>
             <a:r>
-              <a:rPr lang="en-US" sz="3900" b="1" dirty="0" smtClean="0">
+              <a:rPr lang="en-US" sz="3900" b="1" dirty="0">
                 <a:solidFill>
                   <a:srgbClr val="FFFF00"/>
                 </a:solidFill>
@@ -3970,7 +3798,7 @@
               <a:t>ENTREPRENEURSHIP </a:t>
             </a:r>
             <a:r>
-              <a:rPr lang="en-US" sz="1900" b="1" dirty="0" smtClean="0">
+              <a:rPr lang="en-US" sz="1900" b="1" dirty="0">
                 <a:solidFill>
                   <a:schemeClr val="accent6">
                     <a:lumMod val="40000"/>
@@ -3980,7 +3808,7 @@
               </a:rPr>
               <a:t>EVOLUTION OF CONCEPT OF ENTREPRENEUR</a:t>
             </a:r>
-            <a:endParaRPr lang="en-US" sz="2000" dirty="0" smtClean="0">
+            <a:endParaRPr lang="en-US" sz="2000" dirty="0">
               <a:solidFill>
                 <a:schemeClr val="accent6">
                   <a:lumMod val="40000"/>
@@ -3992,22 +3820,22 @@
           <a:p>
             <a:pPr algn="just"/>
             <a:r>
-              <a:rPr lang="en-US" sz="2000" dirty="0" smtClean="0"/>
+              <a:rPr lang="en-US" sz="2000" dirty="0"/>
               <a:t>The word ‘entrepreneur’ is derived from French word ‘</a:t>
             </a:r>
             <a:r>
-              <a:rPr lang="en-US" sz="2000" dirty="0" err="1" smtClean="0"/>
+              <a:rPr lang="en-US" sz="2000" dirty="0" err="1"/>
               <a:t>Entreprendre</a:t>
             </a:r>
             <a:r>
-              <a:rPr lang="en-US" sz="2000" dirty="0" smtClean="0"/>
+              <a:rPr lang="en-US" sz="2000" dirty="0"/>
               <a:t>’ which was used to designate an organizer of musical or other entertainments. Later in 16th century it was used for army leaders. It was extended to cover civil engineering activities such as construction in 17th century.</a:t>
             </a:r>
           </a:p>
           <a:p>
             <a:pPr algn="just"/>
             <a:r>
-              <a:rPr lang="en-US" sz="2000" b="1" dirty="0" smtClean="0">
+              <a:rPr lang="en-US" sz="2000" b="1" dirty="0">
                 <a:solidFill>
                   <a:schemeClr val="accent6">
                     <a:lumMod val="40000"/>
@@ -4017,7 +3845,7 @@
               </a:rPr>
               <a:t>CONCEPT OF ENTREPRENEUR</a:t>
             </a:r>
-            <a:endParaRPr lang="en-US" sz="2000" dirty="0" smtClean="0">
+            <a:endParaRPr lang="en-US" sz="2000" dirty="0">
               <a:solidFill>
                 <a:schemeClr val="accent6">
                   <a:lumMod val="40000"/>
@@ -4029,14 +3857,14 @@
           <a:p>
             <a:pPr algn="just"/>
             <a:r>
-              <a:rPr lang="en-US" sz="2000" dirty="0" smtClean="0"/>
+              <a:rPr lang="en-US" sz="2000" dirty="0"/>
               <a:t>As said above entrepreneur is used in various ways and various views. These views are broadly classified into three groups, namely risk bearer, organizer and innovator.</a:t>
             </a:r>
           </a:p>
           <a:p>
             <a:pPr algn="just"/>
             <a:r>
-              <a:rPr lang="en-US" sz="2000" b="1" i="1" dirty="0" smtClean="0">
+              <a:rPr lang="en-US" sz="2000" b="1" i="1" dirty="0">
                 <a:solidFill>
                   <a:schemeClr val="accent6">
                     <a:lumMod val="40000"/>
@@ -4047,7 +3875,7 @@
               <a:t>Entrepreneur as risk bearer</a:t>
             </a:r>
             <a:r>
-              <a:rPr lang="en-US" sz="2000" b="1" dirty="0" smtClean="0">
+              <a:rPr lang="en-US" sz="2000" b="1" dirty="0">
                 <a:solidFill>
                   <a:schemeClr val="accent6">
                     <a:lumMod val="40000"/>
@@ -4058,7 +3886,7 @@
               <a:t>:</a:t>
             </a:r>
             <a:r>
-              <a:rPr lang="en-US" sz="2000" dirty="0" smtClean="0">
+              <a:rPr lang="en-US" sz="2000" dirty="0">
                 <a:solidFill>
                   <a:schemeClr val="accent6">
                     <a:lumMod val="40000"/>
@@ -4069,14 +3897,14 @@
               <a:t>  </a:t>
             </a:r>
             <a:r>
-              <a:rPr lang="en-US" sz="2000" dirty="0" smtClean="0"/>
+              <a:rPr lang="en-US" sz="2000" dirty="0"/>
               <a:t>P.H. Knight described entrepreneur to be a specialized group of persons who bear uncertainty. Uncertainty is defined as risk, which cannot be insured against and is incalculable.</a:t>
             </a:r>
           </a:p>
           <a:p>
             <a:pPr algn="just"/>
             <a:r>
-              <a:rPr lang="en-US" sz="2000" b="1" i="1" dirty="0" smtClean="0">
+              <a:rPr lang="en-US" sz="2000" b="1" i="1" dirty="0">
                 <a:solidFill>
                   <a:schemeClr val="accent6">
                     <a:lumMod val="40000"/>
@@ -4087,7 +3915,7 @@
               <a:t>Entrepreneur as an organizer</a:t>
             </a:r>
             <a:r>
-              <a:rPr lang="en-US" sz="2000" b="1" dirty="0" smtClean="0">
+              <a:rPr lang="en-US" sz="2000" b="1" dirty="0">
                 <a:solidFill>
                   <a:schemeClr val="accent6">
                     <a:lumMod val="40000"/>
@@ -4098,21 +3926,51 @@
               <a:t>: </a:t>
             </a:r>
             <a:r>
-              <a:rPr lang="en-US" sz="2000" dirty="0" smtClean="0"/>
+              <a:rPr lang="en-US" sz="2000" dirty="0"/>
               <a:t>According to J Baptist Say “an entrepreneur is one who combines the land of one, the labor of another and capital of yet another, and thus produces a product.</a:t>
             </a:r>
           </a:p>
           <a:p>
             <a:pPr algn="just"/>
-            <a:endParaRPr lang="en-US" sz="2000" dirty="0" smtClean="0"/>
+            <a:endParaRPr lang="en-US" sz="2000" dirty="0"/>
           </a:p>
           <a:p>
             <a:pPr algn="just"/>
-            <a:endParaRPr lang="en-US" sz="2000" dirty="0" smtClean="0"/>
+            <a:endParaRPr lang="en-US" sz="2000" dirty="0"/>
           </a:p>
           <a:p>
             <a:pPr algn="l"/>
-            <a:endParaRPr lang="en-US" sz="3200" dirty="0" smtClean="0"/>
+            <a:endParaRPr lang="en-US" sz="3200" dirty="0"/>
+          </a:p>
+        </p:txBody>
+      </p:sp>
+      <p:sp>
+        <p:nvSpPr>
+          <p:cNvPr id="4" name="Slide Number Placeholder 3">
+            <a:extLst>
+              <a:ext uri="{FF2B5EF4-FFF2-40B4-BE49-F238E27FC236}">
+                <a16:creationId xmlns:a16="http://schemas.microsoft.com/office/drawing/2014/main" id="{AA580254-7E4E-1741-8CEC-6EDD960B415D}"/>
+              </a:ext>
+            </a:extLst>
+          </p:cNvPr>
+          <p:cNvSpPr>
+            <a:spLocks noGrp="1"/>
+          </p:cNvSpPr>
+          <p:nvPr>
+            <p:ph type="sldNum" sz="quarter" idx="12"/>
+          </p:nvPr>
+        </p:nvSpPr>
+        <p:spPr/>
+        <p:txBody>
+          <a:bodyPr/>
+          <a:lstStyle/>
+          <a:p>
+            <a:fld id="{B6F15528-21DE-4FAA-801E-634DDDAF4B2B}" type="slidenum">
+              <a:rPr lang="en-US" smtClean="0"/>
+              <a:pPr/>
+              <a:t>1</a:t>
+            </a:fld>
+            <a:endParaRPr lang="en-US"/>
           </a:p>
         </p:txBody>
       </p:sp>
@@ -4121,13 +3979,6 @@
   <p:clrMapOvr>
     <a:masterClrMapping/>
   </p:clrMapOvr>
-  <p:timing>
-    <p:tnLst>
-      <p:par>
-        <p:cTn id="1" dur="indefinite" restart="never" nodeType="tmRoot"/>
-      </p:par>
-    </p:tnLst>
-  </p:timing>
 </p:sld>
 </file>
 
@@ -4166,7 +4017,7 @@
         </p:spPr>
         <p:txBody>
           <a:bodyPr>
-            <a:normAutofit fontScale="92500"/>
+            <a:normAutofit/>
           </a:bodyPr>
           <a:lstStyle/>
           <a:p>
@@ -4174,7 +4025,7 @@
               <a:buNone/>
             </a:pPr>
             <a:r>
-              <a:rPr lang="en-US" b="1" dirty="0" smtClean="0">
+              <a:rPr lang="en-US" b="1" dirty="0">
                 <a:solidFill>
                   <a:schemeClr val="accent6">
                     <a:lumMod val="60000"/>
@@ -4185,7 +4036,7 @@
               <a:t> </a:t>
             </a:r>
             <a:r>
-              <a:rPr lang="en-US" sz="3000" b="1" dirty="0" smtClean="0">
+              <a:rPr lang="en-US" sz="3000" b="1" dirty="0">
                 <a:solidFill>
                   <a:schemeClr val="accent6">
                     <a:lumMod val="60000"/>
@@ -4195,7 +4046,7 @@
               </a:rPr>
               <a:t>TYPES OF ENTREPRENEUR</a:t>
             </a:r>
-            <a:endParaRPr lang="en-US" dirty="0" smtClean="0">
+            <a:endParaRPr lang="en-US" dirty="0">
               <a:solidFill>
                 <a:schemeClr val="accent6">
                   <a:lumMod val="60000"/>
@@ -4209,7 +4060,7 @@
               <a:buNone/>
             </a:pPr>
             <a:r>
-              <a:rPr lang="en-US" b="1" dirty="0" smtClean="0">
+              <a:rPr lang="en-US" b="1" dirty="0">
                 <a:solidFill>
                   <a:schemeClr val="accent5">
                     <a:lumMod val="40000"/>
@@ -4220,7 +4071,7 @@
               <a:t>Clearance </a:t>
             </a:r>
             <a:r>
-              <a:rPr lang="en-US" b="1" dirty="0" err="1" smtClean="0">
+              <a:rPr lang="en-US" b="1" dirty="0" err="1">
                 <a:solidFill>
                   <a:schemeClr val="accent5">
                     <a:lumMod val="40000"/>
@@ -4231,7 +4082,7 @@
               <a:t>Danhof’s</a:t>
             </a:r>
             <a:r>
-              <a:rPr lang="en-US" b="1" dirty="0" smtClean="0">
+              <a:rPr lang="en-US" b="1" dirty="0">
                 <a:solidFill>
                   <a:schemeClr val="accent5">
                     <a:lumMod val="40000"/>
@@ -4241,7 +4092,7 @@
               </a:rPr>
               <a:t> Classifications</a:t>
             </a:r>
-            <a:endParaRPr lang="en-US" dirty="0" smtClean="0">
+            <a:endParaRPr lang="en-US" dirty="0">
               <a:solidFill>
                 <a:schemeClr val="accent5">
                   <a:lumMod val="40000"/>
@@ -4255,11 +4106,11 @@
               <a:buNone/>
             </a:pPr>
             <a:r>
-              <a:rPr lang="en-US" dirty="0" err="1" smtClean="0"/>
+              <a:rPr lang="en-US" dirty="0" err="1"/>
               <a:t>Danhof</a:t>
             </a:r>
             <a:r>
-              <a:rPr lang="en-US" dirty="0" smtClean="0"/>
+              <a:rPr lang="en-US" dirty="0"/>
               <a:t> classifies Entrepreneur into four types</a:t>
             </a:r>
           </a:p>
@@ -4268,11 +4119,11 @@
               <a:buNone/>
             </a:pPr>
             <a:r>
-              <a:rPr lang="en-US" b="1" dirty="0" smtClean="0"/>
+              <a:rPr lang="en-US" b="1" dirty="0"/>
               <a:t>1. </a:t>
             </a:r>
             <a:r>
-              <a:rPr lang="en-US" b="1" i="1" dirty="0" smtClean="0">
+              <a:rPr lang="en-US" b="1" i="1" dirty="0">
                 <a:solidFill>
                   <a:srgbClr val="92D050"/>
                 </a:solidFill>
@@ -4280,7 +4131,7 @@
               <a:t>Innovative entrepreneur</a:t>
             </a:r>
             <a:r>
-              <a:rPr lang="en-US" b="1" dirty="0" smtClean="0">
+              <a:rPr lang="en-US" b="1" dirty="0">
                 <a:solidFill>
                   <a:srgbClr val="92D050"/>
                 </a:solidFill>
@@ -4288,7 +4139,7 @@
               <a:t>: </a:t>
             </a:r>
             <a:r>
-              <a:rPr lang="en-US" dirty="0" smtClean="0"/>
+              <a:rPr lang="en-US" dirty="0"/>
               <a:t>This category of Entrepreneur is characterized by smell of innovativeness.</a:t>
             </a:r>
           </a:p>
@@ -4297,11 +4148,11 @@
               <a:buNone/>
             </a:pPr>
             <a:r>
-              <a:rPr lang="en-US" b="1" dirty="0" smtClean="0"/>
+              <a:rPr lang="en-US" b="1" dirty="0"/>
               <a:t>2. </a:t>
             </a:r>
             <a:r>
-              <a:rPr lang="en-US" b="1" i="1" dirty="0" smtClean="0">
+              <a:rPr lang="en-US" b="1" i="1" dirty="0">
                 <a:solidFill>
                   <a:srgbClr val="92D050"/>
                 </a:solidFill>
@@ -4309,7 +4160,7 @@
               <a:t>Adoptive or imitative entrepreneur</a:t>
             </a:r>
             <a:r>
-              <a:rPr lang="en-US" b="1" dirty="0" smtClean="0">
+              <a:rPr lang="en-US" b="1" dirty="0">
                 <a:solidFill>
                   <a:srgbClr val="92D050"/>
                 </a:solidFill>
@@ -4317,7 +4168,7 @@
               <a:t>: </a:t>
             </a:r>
             <a:r>
-              <a:rPr lang="en-US" dirty="0" smtClean="0"/>
+              <a:rPr lang="en-US" dirty="0"/>
               <a:t>Such entrepreneurs imitate the existing</a:t>
             </a:r>
           </a:p>
@@ -4326,7 +4177,7 @@
               <a:buNone/>
             </a:pPr>
             <a:r>
-              <a:rPr lang="en-US" dirty="0" smtClean="0"/>
+              <a:rPr lang="en-US" dirty="0"/>
               <a:t>entrepreneur and set their enterprise in the same manner.</a:t>
             </a:r>
           </a:p>
@@ -4335,11 +4186,11 @@
               <a:buNone/>
             </a:pPr>
             <a:r>
-              <a:rPr lang="en-US" b="1" dirty="0" smtClean="0"/>
+              <a:rPr lang="en-US" b="1" dirty="0"/>
               <a:t>3. </a:t>
             </a:r>
             <a:r>
-              <a:rPr lang="en-US" b="1" i="1" dirty="0" smtClean="0">
+              <a:rPr lang="en-US" b="1" i="1" dirty="0">
                 <a:solidFill>
                   <a:srgbClr val="92D050"/>
                 </a:solidFill>
@@ -4347,7 +4198,7 @@
               <a:t>Fabian entrepreneurs</a:t>
             </a:r>
             <a:r>
-              <a:rPr lang="en-US" dirty="0" smtClean="0">
+              <a:rPr lang="en-US" dirty="0">
                 <a:solidFill>
                   <a:srgbClr val="92D050"/>
                 </a:solidFill>
@@ -4355,7 +4206,7 @@
               <a:t>: </a:t>
             </a:r>
             <a:r>
-              <a:rPr lang="en-US" dirty="0" smtClean="0"/>
+              <a:rPr lang="en-US" dirty="0"/>
               <a:t>Fabian entrepreneurs are characterized by great</a:t>
             </a:r>
           </a:p>
@@ -4364,7 +4215,7 @@
               <a:buNone/>
             </a:pPr>
             <a:r>
-              <a:rPr lang="en-US" dirty="0" smtClean="0"/>
+              <a:rPr lang="en-US" dirty="0"/>
               <a:t>caution and skepticism, in experimenting any change in their enterprises.</a:t>
             </a:r>
           </a:p>
@@ -4373,11 +4224,11 @@
               <a:buNone/>
             </a:pPr>
             <a:r>
-              <a:rPr lang="en-US" b="1" dirty="0" smtClean="0"/>
+              <a:rPr lang="en-US" b="1" dirty="0"/>
               <a:t>4</a:t>
             </a:r>
             <a:r>
-              <a:rPr lang="en-US" b="1" dirty="0" smtClean="0">
+              <a:rPr lang="en-US" b="1" dirty="0">
                 <a:solidFill>
                   <a:schemeClr val="accent3">
                     <a:lumMod val="40000"/>
@@ -4388,7 +4239,7 @@
               <a:t>. </a:t>
             </a:r>
             <a:r>
-              <a:rPr lang="en-US" b="1" i="1" dirty="0" smtClean="0">
+              <a:rPr lang="en-US" b="1" i="1" dirty="0">
                 <a:solidFill>
                   <a:srgbClr val="92D050"/>
                 </a:solidFill>
@@ -4396,7 +4247,7 @@
               <a:t>Drone entrepreneurs</a:t>
             </a:r>
             <a:r>
-              <a:rPr lang="en-US" dirty="0" smtClean="0">
+              <a:rPr lang="en-US" dirty="0">
                 <a:solidFill>
                   <a:srgbClr val="92D050"/>
                 </a:solidFill>
@@ -4404,10 +4255,39 @@
               <a:t>: </a:t>
             </a:r>
             <a:r>
-              <a:rPr lang="en-US" dirty="0" smtClean="0"/>
+              <a:rPr lang="en-US" dirty="0"/>
               <a:t>Such entrepreneurs are conservative or orthodox in outlook</a:t>
             </a:r>
-            <a:endParaRPr lang="en-US" dirty="0"/>
+          </a:p>
+        </p:txBody>
+      </p:sp>
+      <p:sp>
+        <p:nvSpPr>
+          <p:cNvPr id="2" name="Slide Number Placeholder 1">
+            <a:extLst>
+              <a:ext uri="{FF2B5EF4-FFF2-40B4-BE49-F238E27FC236}">
+                <a16:creationId xmlns:a16="http://schemas.microsoft.com/office/drawing/2014/main" id="{6CF72E9E-0C7B-5742-820A-556F16294ECE}"/>
+              </a:ext>
+            </a:extLst>
+          </p:cNvPr>
+          <p:cNvSpPr>
+            <a:spLocks noGrp="1"/>
+          </p:cNvSpPr>
+          <p:nvPr>
+            <p:ph type="sldNum" sz="quarter" idx="12"/>
+          </p:nvPr>
+        </p:nvSpPr>
+        <p:spPr/>
+        <p:txBody>
+          <a:bodyPr/>
+          <a:lstStyle/>
+          <a:p>
+            <a:fld id="{B6F15528-21DE-4FAA-801E-634DDDAF4B2B}" type="slidenum">
+              <a:rPr lang="en-US" smtClean="0"/>
+              <a:pPr/>
+              <a:t>10</a:t>
+            </a:fld>
+            <a:endParaRPr lang="en-US"/>
           </a:p>
         </p:txBody>
       </p:sp>
@@ -4416,13 +4296,6 @@
   <p:clrMapOvr>
     <a:masterClrMapping/>
   </p:clrMapOvr>
-  <p:timing>
-    <p:tnLst>
-      <p:par>
-        <p:cTn id="1" dur="indefinite" restart="never" nodeType="tmRoot"/>
-      </p:par>
-    </p:tnLst>
-  </p:timing>
 </p:sld>
 </file>
 
@@ -4466,11 +4339,11 @@
           <a:lstStyle/>
           <a:p>
             <a:r>
-              <a:rPr lang="en-US" sz="1800" b="1" dirty="0" smtClean="0"/>
+              <a:rPr lang="en-US" sz="1800" b="1" dirty="0"/>
               <a:t> </a:t>
             </a:r>
             <a:r>
-              <a:rPr lang="en-US" sz="2400" b="1" dirty="0" smtClean="0">
+              <a:rPr lang="en-US" sz="2400" b="1" dirty="0">
                 <a:solidFill>
                   <a:schemeClr val="accent6">
                     <a:lumMod val="60000"/>
@@ -4480,47 +4353,42 @@
               </a:rPr>
               <a:t>INTRAPRENEURS</a:t>
             </a:r>
-            <a:r>
-              <a:rPr lang="en-US" sz="1800" dirty="0" smtClean="0"/>
-              <a:t/>
-            </a:r>
             <a:br>
-              <a:rPr lang="en-US" sz="1800" dirty="0" smtClean="0"/>
+              <a:rPr lang="en-US" sz="1800" dirty="0"/>
             </a:br>
             <a:r>
-              <a:rPr lang="en-US" sz="1800" dirty="0" smtClean="0"/>
+              <a:rPr lang="en-US" sz="1800" dirty="0"/>
               <a:t>new breed of entrepreneurs is coming to the fore in large industrial organizations.</a:t>
             </a:r>
             <a:br>
-              <a:rPr lang="en-US" sz="1800" dirty="0" smtClean="0"/>
+              <a:rPr lang="en-US" sz="1800" dirty="0"/>
             </a:br>
             <a:r>
-              <a:rPr lang="en-US" sz="1800" dirty="0" smtClean="0"/>
+              <a:rPr lang="en-US" sz="1800" dirty="0"/>
               <a:t>They are called as ‘</a:t>
             </a:r>
             <a:r>
-              <a:rPr lang="en-US" sz="1800" dirty="0" err="1" smtClean="0"/>
+              <a:rPr lang="en-US" sz="1800" dirty="0" err="1"/>
               <a:t>Intrapreneurs</a:t>
             </a:r>
             <a:r>
-              <a:rPr lang="en-US" sz="1800" dirty="0" smtClean="0"/>
+              <a:rPr lang="en-US" sz="1800" dirty="0"/>
               <a:t>’. In large organizations, the top executives are</a:t>
             </a:r>
             <a:br>
-              <a:rPr lang="en-US" sz="1800" dirty="0" smtClean="0"/>
+              <a:rPr lang="en-US" sz="1800" dirty="0"/>
             </a:br>
             <a:r>
-              <a:rPr lang="en-US" sz="1800" dirty="0" smtClean="0"/>
+              <a:rPr lang="en-US" sz="1800" dirty="0"/>
               <a:t>encouraged to catch hold of new ideas and then convert them into products through</a:t>
             </a:r>
             <a:br>
-              <a:rPr lang="en-US" sz="1800" dirty="0" smtClean="0"/>
+              <a:rPr lang="en-US" sz="1800" dirty="0"/>
             </a:br>
             <a:r>
-              <a:rPr lang="en-US" sz="1800" dirty="0" smtClean="0"/>
+              <a:rPr lang="en-US" sz="1800" dirty="0"/>
               <a:t>R and D activities within the framework of organizations.</a:t>
             </a:r>
-            <a:endParaRPr lang="en-US" sz="1800" dirty="0"/>
           </a:p>
         </p:txBody>
       </p:sp>
@@ -4559,18 +4427,41 @@
           <a:effectLst/>
         </p:spPr>
       </p:pic>
+      <p:sp>
+        <p:nvSpPr>
+          <p:cNvPr id="3" name="Slide Number Placeholder 2">
+            <a:extLst>
+              <a:ext uri="{FF2B5EF4-FFF2-40B4-BE49-F238E27FC236}">
+                <a16:creationId xmlns:a16="http://schemas.microsoft.com/office/drawing/2014/main" id="{1A5F13DA-1051-0144-A2E4-CEA8091F9E6A}"/>
+              </a:ext>
+            </a:extLst>
+          </p:cNvPr>
+          <p:cNvSpPr>
+            <a:spLocks noGrp="1"/>
+          </p:cNvSpPr>
+          <p:nvPr>
+            <p:ph type="sldNum" sz="quarter" idx="12"/>
+          </p:nvPr>
+        </p:nvSpPr>
+        <p:spPr/>
+        <p:txBody>
+          <a:bodyPr/>
+          <a:lstStyle/>
+          <a:p>
+            <a:fld id="{B6F15528-21DE-4FAA-801E-634DDDAF4B2B}" type="slidenum">
+              <a:rPr lang="en-US" smtClean="0"/>
+              <a:pPr/>
+              <a:t>11</a:t>
+            </a:fld>
+            <a:endParaRPr lang="en-US"/>
+          </a:p>
+        </p:txBody>
+      </p:sp>
     </p:spTree>
   </p:cSld>
   <p:clrMapOvr>
     <a:masterClrMapping/>
   </p:clrMapOvr>
-  <p:timing>
-    <p:tnLst>
-      <p:par>
-        <p:cTn id="1" dur="indefinite" restart="never" nodeType="tmRoot"/>
-      </p:par>
-    </p:tnLst>
-  </p:timing>
 </p:sld>
 </file>
 
@@ -4626,18 +4517,41 @@
           <a:effectLst/>
         </p:spPr>
       </p:pic>
+      <p:sp>
+        <p:nvSpPr>
+          <p:cNvPr id="2" name="Slide Number Placeholder 1">
+            <a:extLst>
+              <a:ext uri="{FF2B5EF4-FFF2-40B4-BE49-F238E27FC236}">
+                <a16:creationId xmlns:a16="http://schemas.microsoft.com/office/drawing/2014/main" id="{DEC303A3-ACA1-9548-9168-C6D180136CCE}"/>
+              </a:ext>
+            </a:extLst>
+          </p:cNvPr>
+          <p:cNvSpPr>
+            <a:spLocks noGrp="1"/>
+          </p:cNvSpPr>
+          <p:nvPr>
+            <p:ph type="sldNum" sz="quarter" idx="12"/>
+          </p:nvPr>
+        </p:nvSpPr>
+        <p:spPr/>
+        <p:txBody>
+          <a:bodyPr/>
+          <a:lstStyle/>
+          <a:p>
+            <a:fld id="{B6F15528-21DE-4FAA-801E-634DDDAF4B2B}" type="slidenum">
+              <a:rPr lang="en-US" smtClean="0"/>
+              <a:pPr/>
+              <a:t>12</a:t>
+            </a:fld>
+            <a:endParaRPr lang="en-US"/>
+          </a:p>
+        </p:txBody>
+      </p:sp>
     </p:spTree>
   </p:cSld>
   <p:clrMapOvr>
     <a:masterClrMapping/>
   </p:clrMapOvr>
-  <p:timing>
-    <p:tnLst>
-      <p:par>
-        <p:cTn id="1" dur="indefinite" restart="never" nodeType="tmRoot"/>
-      </p:par>
-    </p:tnLst>
-  </p:timing>
 </p:sld>
 </file>
 
@@ -4676,7 +4590,7 @@
         </p:spPr>
         <p:txBody>
           <a:bodyPr>
-            <a:normAutofit fontScale="92500"/>
+            <a:normAutofit/>
           </a:bodyPr>
           <a:lstStyle/>
           <a:p>
@@ -4684,7 +4598,7 @@
               <a:buNone/>
             </a:pPr>
             <a:r>
-              <a:rPr lang="en-US" b="1" dirty="0" smtClean="0">
+              <a:rPr lang="en-US" b="1" dirty="0">
                 <a:solidFill>
                   <a:schemeClr val="accent6">
                     <a:lumMod val="60000"/>
@@ -4694,7 +4608,7 @@
               </a:rPr>
               <a:t>CONCEPT OF ENTREPRENEURSHIP</a:t>
             </a:r>
-            <a:endParaRPr lang="en-US" dirty="0" smtClean="0">
+            <a:endParaRPr lang="en-US" dirty="0">
               <a:solidFill>
                 <a:schemeClr val="accent6">
                   <a:lumMod val="60000"/>
@@ -4708,15 +4622,15 @@
               <a:buNone/>
             </a:pPr>
             <a:r>
-              <a:rPr lang="en-US" sz="2000" dirty="0" smtClean="0"/>
+              <a:rPr lang="en-US" sz="2000" dirty="0"/>
               <a:t>“</a:t>
             </a:r>
             <a:r>
-              <a:rPr lang="en-US" sz="2000" b="1" dirty="0" smtClean="0"/>
+              <a:rPr lang="en-US" sz="2000" b="1" dirty="0"/>
               <a:t>Entrepreneurship is the attempt to create value through recognition of business opportunity, the management of risk taking appropriate to the opportunity and through the communicative and management skills to mobilize human, financial and material resources necessary to bring a project to fruition</a:t>
             </a:r>
             <a:r>
-              <a:rPr lang="en-US" sz="2000" dirty="0" smtClean="0"/>
+              <a:rPr lang="en-US" sz="2000" dirty="0"/>
               <a:t>”.</a:t>
             </a:r>
           </a:p>
@@ -4725,7 +4639,7 @@
               <a:buNone/>
             </a:pPr>
             <a:r>
-              <a:rPr lang="en-US" dirty="0" smtClean="0">
+              <a:rPr lang="en-US" dirty="0">
                 <a:solidFill>
                   <a:srgbClr val="FFC000"/>
                 </a:solidFill>
@@ -4737,7 +4651,7 @@
             <a:pPr>
               <a:buNone/>
             </a:pPr>
-            <a:endParaRPr lang="en-US" sz="2000" dirty="0" smtClean="0"/>
+            <a:endParaRPr lang="en-US" sz="2000" dirty="0"/>
           </a:p>
           <a:p>
             <a:endParaRPr lang="en-US" dirty="0"/>
@@ -4777,18 +4691,41 @@
           <a:effectLst/>
         </p:spPr>
       </p:pic>
+      <p:sp>
+        <p:nvSpPr>
+          <p:cNvPr id="2" name="Slide Number Placeholder 1">
+            <a:extLst>
+              <a:ext uri="{FF2B5EF4-FFF2-40B4-BE49-F238E27FC236}">
+                <a16:creationId xmlns:a16="http://schemas.microsoft.com/office/drawing/2014/main" id="{49BD339D-8841-2848-9EFD-A6E56CF0247F}"/>
+              </a:ext>
+            </a:extLst>
+          </p:cNvPr>
+          <p:cNvSpPr>
+            <a:spLocks noGrp="1"/>
+          </p:cNvSpPr>
+          <p:nvPr>
+            <p:ph type="sldNum" sz="quarter" idx="12"/>
+          </p:nvPr>
+        </p:nvSpPr>
+        <p:spPr/>
+        <p:txBody>
+          <a:bodyPr/>
+          <a:lstStyle/>
+          <a:p>
+            <a:fld id="{B6F15528-21DE-4FAA-801E-634DDDAF4B2B}" type="slidenum">
+              <a:rPr lang="en-US" smtClean="0"/>
+              <a:pPr/>
+              <a:t>13</a:t>
+            </a:fld>
+            <a:endParaRPr lang="en-US"/>
+          </a:p>
+        </p:txBody>
+      </p:sp>
     </p:spTree>
   </p:cSld>
   <p:clrMapOvr>
     <a:masterClrMapping/>
   </p:clrMapOvr>
-  <p:timing>
-    <p:tnLst>
-      <p:par>
-        <p:cTn id="1" dur="indefinite" restart="never" nodeType="tmRoot"/>
-      </p:par>
-    </p:tnLst>
-  </p:timing>
 </p:sld>
 </file>
 
@@ -4827,7 +4764,7 @@
         </p:spPr>
         <p:txBody>
           <a:bodyPr>
-            <a:normAutofit fontScale="92500" lnSpcReduction="10000"/>
+            <a:normAutofit/>
           </a:bodyPr>
           <a:lstStyle/>
           <a:p>
@@ -4835,14 +4772,14 @@
               <a:buNone/>
             </a:pPr>
             <a:r>
-              <a:rPr lang="en-US" b="1" dirty="0" smtClean="0">
+              <a:rPr lang="en-US" b="1" dirty="0">
                 <a:solidFill>
                   <a:srgbClr val="FFC000"/>
                 </a:solidFill>
               </a:rPr>
               <a:t>EVOLUTION OF ENTREPRENEURSHIP</a:t>
             </a:r>
-            <a:endParaRPr lang="en-US" dirty="0" smtClean="0">
+            <a:endParaRPr lang="en-US" dirty="0">
               <a:solidFill>
                 <a:srgbClr val="FFC000"/>
               </a:solidFill>
@@ -4853,15 +4790,15 @@
               <a:buNone/>
             </a:pPr>
             <a:r>
-              <a:rPr lang="en-US" dirty="0" smtClean="0"/>
+              <a:rPr lang="en-US" dirty="0"/>
               <a:t>Emergence of entrepreneurial class is as old as our ancient history itself. It dates back to the Pre-Vedic period when </a:t>
             </a:r>
             <a:r>
-              <a:rPr lang="en-US" dirty="0" err="1" smtClean="0"/>
+              <a:rPr lang="en-US" dirty="0" err="1"/>
               <a:t>Harappan</a:t>
             </a:r>
             <a:r>
-              <a:rPr lang="en-US" dirty="0" smtClean="0"/>
+              <a:rPr lang="en-US" dirty="0"/>
               <a:t> culture flourished in India.</a:t>
             </a:r>
           </a:p>
@@ -4870,7 +4807,7 @@
               <a:buNone/>
             </a:pPr>
             <a:r>
-              <a:rPr lang="en-US" b="1" i="1" dirty="0" smtClean="0">
+              <a:rPr lang="en-US" b="1" i="1" dirty="0">
                 <a:solidFill>
                   <a:srgbClr val="FFC000"/>
                 </a:solidFill>
@@ -4878,7 +4815,7 @@
               <a:t>Entrepreneurship during pre-independence</a:t>
             </a:r>
             <a:r>
-              <a:rPr lang="en-US" b="1" dirty="0" smtClean="0">
+              <a:rPr lang="en-US" b="1" dirty="0">
                 <a:solidFill>
                   <a:srgbClr val="FFC000"/>
                 </a:solidFill>
@@ -4886,23 +4823,23 @@
               <a:t>: </a:t>
             </a:r>
             <a:r>
-              <a:rPr lang="en-US" dirty="0" smtClean="0"/>
+              <a:rPr lang="en-US" dirty="0"/>
               <a:t>In the excavation in </a:t>
             </a:r>
             <a:r>
-              <a:rPr lang="en-US" dirty="0" err="1" smtClean="0"/>
+              <a:rPr lang="en-US" dirty="0" err="1"/>
               <a:t>Harappan</a:t>
             </a:r>
             <a:r>
-              <a:rPr lang="en-US" dirty="0" smtClean="0"/>
+              <a:rPr lang="en-US" dirty="0"/>
               <a:t> and </a:t>
             </a:r>
             <a:r>
-              <a:rPr lang="en-US" dirty="0" err="1" smtClean="0"/>
+              <a:rPr lang="en-US" dirty="0" err="1"/>
               <a:t>Mohanjodaro</a:t>
             </a:r>
             <a:r>
-              <a:rPr lang="en-US" dirty="0" smtClean="0"/>
+              <a:rPr lang="en-US" dirty="0"/>
               <a:t> the handcraft items and metal molded items were found. Unfortunately the prestigious Indian handicrafts industries which were basically a cottage and tiny sector declined at the end of 18th century, because of the following reasons.</a:t>
             </a:r>
           </a:p>
@@ -4911,7 +4848,7 @@
               <a:buNone/>
             </a:pPr>
             <a:r>
-              <a:rPr lang="en-US" dirty="0" smtClean="0"/>
+              <a:rPr lang="en-US" dirty="0"/>
               <a:t>1. Disappearance of royal patronage to the handicrafts</a:t>
             </a:r>
           </a:p>
@@ -4920,7 +4857,7 @@
               <a:buNone/>
             </a:pPr>
             <a:r>
-              <a:rPr lang="en-US" dirty="0" smtClean="0"/>
+              <a:rPr lang="en-US" dirty="0"/>
               <a:t>2. Lukewarm attitude of British colonial towards Indian crafts</a:t>
             </a:r>
           </a:p>
@@ -4929,7 +4866,7 @@
               <a:buNone/>
             </a:pPr>
             <a:r>
-              <a:rPr lang="en-US" dirty="0" smtClean="0"/>
+              <a:rPr lang="en-US" dirty="0"/>
               <a:t>3. Imposition of heavy duty on imports of Indian crafts</a:t>
             </a:r>
           </a:p>
@@ -4938,7 +4875,7 @@
               <a:buNone/>
             </a:pPr>
             <a:r>
-              <a:rPr lang="en-US" dirty="0" smtClean="0"/>
+              <a:rPr lang="en-US" dirty="0"/>
               <a:t>4. Low priced British made goods</a:t>
             </a:r>
           </a:p>
@@ -4947,12 +4884,42 @@
               <a:buNone/>
             </a:pPr>
             <a:r>
-              <a:rPr lang="en-US" dirty="0" smtClean="0"/>
+              <a:rPr lang="en-US" dirty="0"/>
               <a:t>5. Changes in the tastes and habits of developing Indian citizens etc.</a:t>
             </a:r>
           </a:p>
           <a:p>
             <a:endParaRPr lang="en-US" dirty="0"/>
+          </a:p>
+        </p:txBody>
+      </p:sp>
+      <p:sp>
+        <p:nvSpPr>
+          <p:cNvPr id="2" name="Slide Number Placeholder 1">
+            <a:extLst>
+              <a:ext uri="{FF2B5EF4-FFF2-40B4-BE49-F238E27FC236}">
+                <a16:creationId xmlns:a16="http://schemas.microsoft.com/office/drawing/2014/main" id="{073CCB1A-E625-E140-B6F4-D353CFA5DF5A}"/>
+              </a:ext>
+            </a:extLst>
+          </p:cNvPr>
+          <p:cNvSpPr>
+            <a:spLocks noGrp="1"/>
+          </p:cNvSpPr>
+          <p:nvPr>
+            <p:ph type="sldNum" sz="quarter" idx="12"/>
+          </p:nvPr>
+        </p:nvSpPr>
+        <p:spPr/>
+        <p:txBody>
+          <a:bodyPr/>
+          <a:lstStyle/>
+          <a:p>
+            <a:fld id="{B6F15528-21DE-4FAA-801E-634DDDAF4B2B}" type="slidenum">
+              <a:rPr lang="en-US" smtClean="0"/>
+              <a:pPr/>
+              <a:t>14</a:t>
+            </a:fld>
+            <a:endParaRPr lang="en-US"/>
           </a:p>
         </p:txBody>
       </p:sp>
@@ -4961,13 +4928,6 @@
   <p:clrMapOvr>
     <a:masterClrMapping/>
   </p:clrMapOvr>
-  <p:timing>
-    <p:tnLst>
-      <p:par>
-        <p:cTn id="1" dur="indefinite" restart="never" nodeType="tmRoot"/>
-      </p:par>
-    </p:tnLst>
-  </p:timing>
 </p:sld>
 </file>
 
@@ -5011,7 +4971,7 @@
           <a:lstStyle/>
           <a:p>
             <a:r>
-              <a:rPr lang="en-US" b="1" i="1" dirty="0" smtClean="0">
+              <a:rPr lang="en-US" b="1" i="1" dirty="0">
                 <a:solidFill>
                   <a:srgbClr val="FFC000"/>
                 </a:solidFill>
@@ -5019,7 +4979,7 @@
               <a:t>Entrepreneurship during post-independence</a:t>
             </a:r>
             <a:r>
-              <a:rPr lang="en-US" b="1" dirty="0" smtClean="0">
+              <a:rPr lang="en-US" b="1" dirty="0">
                 <a:solidFill>
                   <a:srgbClr val="FFC000"/>
                 </a:solidFill>
@@ -5027,7 +4987,7 @@
               <a:t>: </a:t>
             </a:r>
             <a:r>
-              <a:rPr lang="en-US" dirty="0" smtClean="0"/>
+              <a:rPr lang="en-US" dirty="0"/>
               <a:t>In 1948 Indian government came forward with the first Industrial policy, which was revised from time to time </a:t>
             </a:r>
           </a:p>
@@ -5036,7 +4996,7 @@
               <a:buNone/>
             </a:pPr>
             <a:r>
-              <a:rPr lang="en-US" dirty="0" smtClean="0">
+              <a:rPr lang="en-US" dirty="0">
                 <a:solidFill>
                   <a:schemeClr val="accent5">
                     <a:lumMod val="40000"/>
@@ -5052,7 +5012,7 @@
               <a:buNone/>
             </a:pPr>
             <a:r>
-              <a:rPr lang="en-US" dirty="0" smtClean="0"/>
+              <a:rPr lang="en-US" dirty="0"/>
               <a:t>1. To maintain a proper distribution of economic power between private and public sector. </a:t>
             </a:r>
           </a:p>
@@ -5061,7 +5021,7 @@
               <a:buNone/>
             </a:pPr>
             <a:r>
-              <a:rPr lang="en-US" dirty="0" smtClean="0"/>
+              <a:rPr lang="en-US" dirty="0"/>
               <a:t>2. To encourage industrialization from existing centers to other cities, towns and villages.</a:t>
             </a:r>
           </a:p>
@@ -5070,10 +5030,39 @@
               <a:buNone/>
             </a:pPr>
             <a:r>
-              <a:rPr lang="en-US" dirty="0" smtClean="0"/>
+              <a:rPr lang="en-US" dirty="0"/>
               <a:t>3. To disseminate the entrepreneurship acumen concentrated in a few dominant communities to a large number of industrially potential people of varied social state.</a:t>
             </a:r>
-            <a:endParaRPr lang="en-US" dirty="0"/>
+          </a:p>
+        </p:txBody>
+      </p:sp>
+      <p:sp>
+        <p:nvSpPr>
+          <p:cNvPr id="2" name="Slide Number Placeholder 1">
+            <a:extLst>
+              <a:ext uri="{FF2B5EF4-FFF2-40B4-BE49-F238E27FC236}">
+                <a16:creationId xmlns:a16="http://schemas.microsoft.com/office/drawing/2014/main" id="{3745B971-F669-1646-A9E5-D6D55F62EA45}"/>
+              </a:ext>
+            </a:extLst>
+          </p:cNvPr>
+          <p:cNvSpPr>
+            <a:spLocks noGrp="1"/>
+          </p:cNvSpPr>
+          <p:nvPr>
+            <p:ph type="sldNum" sz="quarter" idx="12"/>
+          </p:nvPr>
+        </p:nvSpPr>
+        <p:spPr/>
+        <p:txBody>
+          <a:bodyPr/>
+          <a:lstStyle/>
+          <a:p>
+            <a:fld id="{B6F15528-21DE-4FAA-801E-634DDDAF4B2B}" type="slidenum">
+              <a:rPr lang="en-US" smtClean="0"/>
+              <a:pPr/>
+              <a:t>15</a:t>
+            </a:fld>
+            <a:endParaRPr lang="en-US"/>
           </a:p>
         </p:txBody>
       </p:sp>
@@ -5082,13 +5071,6 @@
   <p:clrMapOvr>
     <a:masterClrMapping/>
   </p:clrMapOvr>
-  <p:timing>
-    <p:tnLst>
-      <p:par>
-        <p:cTn id="1" dur="indefinite" restart="never" nodeType="tmRoot"/>
-      </p:par>
-    </p:tnLst>
-  </p:timing>
 </p:sld>
 </file>
 
@@ -5127,19 +5109,19 @@
         </p:spPr>
         <p:txBody>
           <a:bodyPr>
-            <a:normAutofit lnSpcReduction="10000"/>
+            <a:normAutofit/>
           </a:bodyPr>
           <a:lstStyle/>
           <a:p>
             <a:r>
-              <a:rPr lang="en-US" b="1" dirty="0" smtClean="0">
+              <a:rPr lang="en-US" b="1" dirty="0">
                 <a:solidFill>
                   <a:srgbClr val="FFC000"/>
                 </a:solidFill>
               </a:rPr>
               <a:t>ROLE OF ENTREPRENEURSHIP IN ECONOMIC DEVELOPMENT</a:t>
             </a:r>
-            <a:endParaRPr lang="en-US" dirty="0" smtClean="0">
+            <a:endParaRPr lang="en-US" dirty="0">
               <a:solidFill>
                 <a:srgbClr val="FFC000"/>
               </a:solidFill>
@@ -5150,7 +5132,7 @@
               <a:buNone/>
             </a:pPr>
             <a:r>
-              <a:rPr lang="en-US" dirty="0" smtClean="0"/>
+              <a:rPr lang="en-US" dirty="0"/>
               <a:t>Economic development essentially means a process of upward change whereby the real per capita income of a country increases for a long period of time. The economic history of the presently developed countries, for example, USA and Japan tends to support the facts that the economy is an effect for which the entrepreneurship is the cause.</a:t>
             </a:r>
           </a:p>
@@ -5159,7 +5141,7 @@
               <a:buNone/>
             </a:pPr>
             <a:r>
-              <a:rPr lang="en-US" dirty="0" smtClean="0"/>
+              <a:rPr lang="en-US" dirty="0"/>
               <a:t>1. Entrepreneurship promotes capital formation by mobilizing the idle saving of the public.</a:t>
             </a:r>
           </a:p>
@@ -5168,7 +5150,7 @@
               <a:buNone/>
             </a:pPr>
             <a:r>
-              <a:rPr lang="en-US" dirty="0" smtClean="0"/>
+              <a:rPr lang="en-US" dirty="0"/>
               <a:t>2. It provides immediate large-scale employment. Thus it helps to reduce unemployment in the country.</a:t>
             </a:r>
           </a:p>
@@ -5177,7 +5159,7 @@
               <a:buNone/>
             </a:pPr>
             <a:r>
-              <a:rPr lang="en-US" dirty="0" smtClean="0"/>
+              <a:rPr lang="en-US" dirty="0"/>
               <a:t>								Cont…..</a:t>
             </a:r>
           </a:p>
@@ -5185,10 +5167,40 @@
             <a:pPr marL="514350" indent="-514350">
               <a:buAutoNum type="arabicPeriod"/>
             </a:pPr>
-            <a:endParaRPr lang="en-US" dirty="0" smtClean="0"/>
-          </a:p>
-          <a:p>
             <a:endParaRPr lang="en-US" dirty="0"/>
+          </a:p>
+          <a:p>
+            <a:endParaRPr lang="en-US" dirty="0"/>
+          </a:p>
+        </p:txBody>
+      </p:sp>
+      <p:sp>
+        <p:nvSpPr>
+          <p:cNvPr id="2" name="Slide Number Placeholder 1">
+            <a:extLst>
+              <a:ext uri="{FF2B5EF4-FFF2-40B4-BE49-F238E27FC236}">
+                <a16:creationId xmlns:a16="http://schemas.microsoft.com/office/drawing/2014/main" id="{7570DCFE-4A86-A442-9829-0014B2787165}"/>
+              </a:ext>
+            </a:extLst>
+          </p:cNvPr>
+          <p:cNvSpPr>
+            <a:spLocks noGrp="1"/>
+          </p:cNvSpPr>
+          <p:nvPr>
+            <p:ph type="sldNum" sz="quarter" idx="12"/>
+          </p:nvPr>
+        </p:nvSpPr>
+        <p:spPr/>
+        <p:txBody>
+          <a:bodyPr/>
+          <a:lstStyle/>
+          <a:p>
+            <a:fld id="{B6F15528-21DE-4FAA-801E-634DDDAF4B2B}" type="slidenum">
+              <a:rPr lang="en-US" smtClean="0"/>
+              <a:pPr/>
+              <a:t>16</a:t>
+            </a:fld>
+            <a:endParaRPr lang="en-US"/>
           </a:p>
         </p:txBody>
       </p:sp>
@@ -5197,13 +5209,6 @@
   <p:clrMapOvr>
     <a:masterClrMapping/>
   </p:clrMapOvr>
-  <p:timing>
-    <p:tnLst>
-      <p:par>
-        <p:cTn id="1" dur="indefinite" restart="never" nodeType="tmRoot"/>
-      </p:par>
-    </p:tnLst>
-  </p:timing>
 </p:sld>
 </file>
 
@@ -5250,7 +5255,7 @@
               <a:buNone/>
             </a:pPr>
             <a:r>
-              <a:rPr lang="en-US" dirty="0" smtClean="0"/>
+              <a:rPr lang="en-US" dirty="0"/>
               <a:t>3. It provides balanced regional development.</a:t>
             </a:r>
           </a:p>
@@ -5259,7 +5264,7 @@
               <a:buNone/>
             </a:pPr>
             <a:r>
-              <a:rPr lang="en-US" dirty="0" smtClean="0"/>
+              <a:rPr lang="en-US" dirty="0"/>
               <a:t>4. It helps reduce the concentration of economic power.</a:t>
             </a:r>
           </a:p>
@@ -5268,7 +5273,7 @@
               <a:buNone/>
             </a:pPr>
             <a:r>
-              <a:rPr lang="en-US" dirty="0" smtClean="0"/>
+              <a:rPr lang="en-US" dirty="0"/>
               <a:t>5. It stimulates the equitable redistribution of wealth, income and even political power in the interest of the country.</a:t>
             </a:r>
           </a:p>
@@ -5277,7 +5282,7 @@
               <a:buNone/>
             </a:pPr>
             <a:r>
-              <a:rPr lang="en-US" dirty="0" smtClean="0"/>
+              <a:rPr lang="en-US" dirty="0"/>
               <a:t>6. It encourages effective resources mobilization of capital and skill which might otherwise remain unutilized and idle.</a:t>
             </a:r>
           </a:p>
@@ -5286,7 +5291,7 @@
               <a:buNone/>
             </a:pPr>
             <a:r>
-              <a:rPr lang="en-US" dirty="0" smtClean="0"/>
+              <a:rPr lang="en-US" dirty="0"/>
               <a:t>7. It also induces backward and forward linkages which stimulated the process of economic development in the country.</a:t>
             </a:r>
           </a:p>
@@ -5295,12 +5300,42 @@
               <a:buNone/>
             </a:pPr>
             <a:r>
-              <a:rPr lang="en-US" dirty="0" smtClean="0"/>
+              <a:rPr lang="en-US" dirty="0"/>
               <a:t>8. It promotes country’s export trade i.e. an important ingredient for economic development.</a:t>
             </a:r>
           </a:p>
           <a:p>
             <a:endParaRPr lang="en-US" dirty="0"/>
+          </a:p>
+        </p:txBody>
+      </p:sp>
+      <p:sp>
+        <p:nvSpPr>
+          <p:cNvPr id="2" name="Slide Number Placeholder 1">
+            <a:extLst>
+              <a:ext uri="{FF2B5EF4-FFF2-40B4-BE49-F238E27FC236}">
+                <a16:creationId xmlns:a16="http://schemas.microsoft.com/office/drawing/2014/main" id="{9A962B41-E282-F949-846A-34AA838A5812}"/>
+              </a:ext>
+            </a:extLst>
+          </p:cNvPr>
+          <p:cNvSpPr>
+            <a:spLocks noGrp="1"/>
+          </p:cNvSpPr>
+          <p:nvPr>
+            <p:ph type="sldNum" sz="quarter" idx="12"/>
+          </p:nvPr>
+        </p:nvSpPr>
+        <p:spPr/>
+        <p:txBody>
+          <a:bodyPr/>
+          <a:lstStyle/>
+          <a:p>
+            <a:fld id="{B6F15528-21DE-4FAA-801E-634DDDAF4B2B}" type="slidenum">
+              <a:rPr lang="en-US" smtClean="0"/>
+              <a:pPr/>
+              <a:t>17</a:t>
+            </a:fld>
+            <a:endParaRPr lang="en-US"/>
           </a:p>
         </p:txBody>
       </p:sp>
@@ -5309,13 +5344,6 @@
   <p:clrMapOvr>
     <a:masterClrMapping/>
   </p:clrMapOvr>
-  <p:timing>
-    <p:tnLst>
-      <p:par>
-        <p:cTn id="1" dur="indefinite" restart="never" nodeType="tmRoot"/>
-      </p:par>
-    </p:tnLst>
-  </p:timing>
 </p:sld>
 </file>
 
@@ -5360,18 +5388,18 @@
               <a:buNone/>
             </a:pPr>
             <a:r>
-              <a:rPr lang="en-US" b="1" dirty="0" smtClean="0"/>
+              <a:rPr lang="en-US" b="1" dirty="0"/>
               <a:t> </a:t>
             </a:r>
             <a:r>
-              <a:rPr lang="en-US" b="1" dirty="0" smtClean="0">
+              <a:rPr lang="en-US" b="1" dirty="0">
                 <a:solidFill>
                   <a:srgbClr val="FFC000"/>
                 </a:solidFill>
               </a:rPr>
               <a:t>STAGES IN THE ENTREPRENEURIAL PROCESS</a:t>
             </a:r>
-            <a:endParaRPr lang="en-US" dirty="0" smtClean="0">
+            <a:endParaRPr lang="en-US" dirty="0">
               <a:solidFill>
                 <a:srgbClr val="FFC000"/>
               </a:solidFill>
@@ -5382,12 +5410,42 @@
               <a:buNone/>
             </a:pPr>
             <a:r>
-              <a:rPr lang="en-US" dirty="0" smtClean="0"/>
+              <a:rPr lang="en-US" dirty="0"/>
               <a:t>Entrepreneurship is a process of comprising several distinct stages. The first stage in the entrepreneurial process is some change in the real world. For example, a war may destroy country’s manufacturing facilities but spare its trained work force that has happened in West Germany during Second World War. Such a change leads to changes in every aspect of life in the country. It creates needs for new goods and services.</a:t>
             </a:r>
           </a:p>
           <a:p>
             <a:endParaRPr lang="en-US" dirty="0"/>
+          </a:p>
+        </p:txBody>
+      </p:sp>
+      <p:sp>
+        <p:nvSpPr>
+          <p:cNvPr id="2" name="Slide Number Placeholder 1">
+            <a:extLst>
+              <a:ext uri="{FF2B5EF4-FFF2-40B4-BE49-F238E27FC236}">
+                <a16:creationId xmlns:a16="http://schemas.microsoft.com/office/drawing/2014/main" id="{F4701E7F-6ED2-BB42-A7AD-600ABEFF154F}"/>
+              </a:ext>
+            </a:extLst>
+          </p:cNvPr>
+          <p:cNvSpPr>
+            <a:spLocks noGrp="1"/>
+          </p:cNvSpPr>
+          <p:nvPr>
+            <p:ph type="sldNum" sz="quarter" idx="12"/>
+          </p:nvPr>
+        </p:nvSpPr>
+        <p:spPr/>
+        <p:txBody>
+          <a:bodyPr/>
+          <a:lstStyle/>
+          <a:p>
+            <a:fld id="{B6F15528-21DE-4FAA-801E-634DDDAF4B2B}" type="slidenum">
+              <a:rPr lang="en-US" smtClean="0"/>
+              <a:pPr/>
+              <a:t>18</a:t>
+            </a:fld>
+            <a:endParaRPr lang="en-US"/>
           </a:p>
         </p:txBody>
       </p:sp>
@@ -5396,13 +5454,6 @@
   <p:clrMapOvr>
     <a:masterClrMapping/>
   </p:clrMapOvr>
-  <p:timing>
-    <p:tnLst>
-      <p:par>
-        <p:cTn id="1" dur="indefinite" restart="never" nodeType="tmRoot"/>
-      </p:par>
-    </p:tnLst>
-  </p:timing>
 </p:sld>
 </file>
 
@@ -5447,14 +5498,14 @@
               <a:buNone/>
             </a:pPr>
             <a:r>
-              <a:rPr lang="en-US" b="1" dirty="0" smtClean="0">
+              <a:rPr lang="en-US" b="1" dirty="0">
                 <a:solidFill>
                   <a:srgbClr val="FFC000"/>
                 </a:solidFill>
               </a:rPr>
               <a:t> BARRIERS TO ENTREPRENEURSHIP</a:t>
             </a:r>
-            <a:endParaRPr lang="en-US" dirty="0" smtClean="0">
+            <a:endParaRPr lang="en-US" dirty="0">
               <a:solidFill>
                 <a:srgbClr val="FFC000"/>
               </a:solidFill>
@@ -5462,67 +5513,67 @@
           </a:p>
           <a:p>
             <a:r>
-              <a:rPr lang="en-US" dirty="0" smtClean="0"/>
+              <a:rPr lang="en-US" dirty="0"/>
               <a:t>1. Lack of a viable concept</a:t>
             </a:r>
           </a:p>
           <a:p>
             <a:r>
-              <a:rPr lang="en-US" dirty="0" smtClean="0"/>
+              <a:rPr lang="en-US" dirty="0"/>
               <a:t>2. Lack of market knowledge</a:t>
             </a:r>
           </a:p>
           <a:p>
             <a:r>
-              <a:rPr lang="en-US" dirty="0" smtClean="0"/>
+              <a:rPr lang="en-US" dirty="0"/>
               <a:t>3. Lack of technical skills</a:t>
             </a:r>
           </a:p>
           <a:p>
             <a:r>
-              <a:rPr lang="en-US" dirty="0" smtClean="0"/>
+              <a:rPr lang="en-US" dirty="0"/>
               <a:t>4. Lack of seed capital</a:t>
             </a:r>
           </a:p>
           <a:p>
             <a:r>
-              <a:rPr lang="en-US" dirty="0" smtClean="0"/>
+              <a:rPr lang="en-US" dirty="0"/>
               <a:t>5. Lack of business know how</a:t>
             </a:r>
           </a:p>
           <a:p>
             <a:r>
-              <a:rPr lang="en-US" dirty="0" smtClean="0"/>
+              <a:rPr lang="en-US" dirty="0"/>
               <a:t>6. Complacency—lack of motivation</a:t>
             </a:r>
           </a:p>
           <a:p>
             <a:r>
-              <a:rPr lang="en-US" dirty="0" smtClean="0"/>
+              <a:rPr lang="en-US" dirty="0"/>
               <a:t>7. Social stigma</a:t>
             </a:r>
           </a:p>
           <a:p>
             <a:r>
-              <a:rPr lang="en-US" dirty="0" smtClean="0"/>
+              <a:rPr lang="en-US" dirty="0"/>
               <a:t>8. Time presence and distractions</a:t>
             </a:r>
           </a:p>
           <a:p>
             <a:r>
-              <a:rPr lang="en-US" dirty="0" smtClean="0"/>
+              <a:rPr lang="en-US" dirty="0"/>
               <a:t>9. Legal constraints and regulations</a:t>
             </a:r>
           </a:p>
           <a:p>
             <a:r>
-              <a:rPr lang="en-US" dirty="0" smtClean="0"/>
+              <a:rPr lang="en-US" dirty="0"/>
               <a:t>10. Monopoly and protectionism</a:t>
             </a:r>
           </a:p>
           <a:p>
             <a:r>
-              <a:rPr lang="en-US" dirty="0" smtClean="0"/>
+              <a:rPr lang="en-US" dirty="0"/>
               <a:t>11. Inhibitions due to patents</a:t>
             </a:r>
           </a:p>
@@ -5530,10 +5581,40 @@
             <a:pPr>
               <a:buNone/>
             </a:pPr>
-            <a:endParaRPr lang="en-US" dirty="0" smtClean="0"/>
-          </a:p>
-          <a:p>
             <a:endParaRPr lang="en-US" dirty="0"/>
+          </a:p>
+          <a:p>
+            <a:endParaRPr lang="en-US" dirty="0"/>
+          </a:p>
+        </p:txBody>
+      </p:sp>
+      <p:sp>
+        <p:nvSpPr>
+          <p:cNvPr id="2" name="Slide Number Placeholder 1">
+            <a:extLst>
+              <a:ext uri="{FF2B5EF4-FFF2-40B4-BE49-F238E27FC236}">
+                <a16:creationId xmlns:a16="http://schemas.microsoft.com/office/drawing/2014/main" id="{ED0997CB-6F5F-6642-9C5C-D2FDF984DC5B}"/>
+              </a:ext>
+            </a:extLst>
+          </p:cNvPr>
+          <p:cNvSpPr>
+            <a:spLocks noGrp="1"/>
+          </p:cNvSpPr>
+          <p:nvPr>
+            <p:ph type="sldNum" sz="quarter" idx="12"/>
+          </p:nvPr>
+        </p:nvSpPr>
+        <p:spPr/>
+        <p:txBody>
+          <a:bodyPr/>
+          <a:lstStyle/>
+          <a:p>
+            <a:fld id="{B6F15528-21DE-4FAA-801E-634DDDAF4B2B}" type="slidenum">
+              <a:rPr lang="en-US" smtClean="0"/>
+              <a:pPr/>
+              <a:t>19</a:t>
+            </a:fld>
+            <a:endParaRPr lang="en-US"/>
           </a:p>
         </p:txBody>
       </p:sp>
@@ -5542,13 +5623,6 @@
   <p:clrMapOvr>
     <a:masterClrMapping/>
   </p:clrMapOvr>
-  <p:timing>
-    <p:tnLst>
-      <p:par>
-        <p:cTn id="1" dur="indefinite" restart="never" nodeType="tmRoot"/>
-      </p:par>
-    </p:tnLst>
-  </p:timing>
 </p:sld>
 </file>
 
@@ -5594,7 +5668,7 @@
             <a:pPr algn="just">
               <a:buNone/>
             </a:pPr>
-            <a:endParaRPr lang="en-US" dirty="0" smtClean="0"/>
+            <a:endParaRPr lang="en-US" dirty="0"/>
           </a:p>
           <a:p>
             <a:pPr>
@@ -5655,7 +5729,7 @@
               <a:tabLst/>
             </a:pPr>
             <a:r>
-              <a:rPr kumimoji="0" lang="en-US" sz="2400" b="1" i="1" u="none" strike="noStrike" cap="none" normalizeH="0" baseline="0" dirty="0" smtClean="0">
+              <a:rPr kumimoji="0" lang="en-US" sz="2400" b="1" i="1" u="none" strike="noStrike" cap="none" normalizeH="0" baseline="0" dirty="0">
                 <a:ln>
                   <a:noFill/>
                 </a:ln>
@@ -5673,7 +5747,7 @@
               <a:t>Entrepreneur as an innovator</a:t>
             </a:r>
             <a:r>
-              <a:rPr kumimoji="0" lang="en-US" sz="2400" b="1" i="0" u="none" strike="noStrike" cap="none" normalizeH="0" baseline="0" dirty="0" smtClean="0">
+              <a:rPr kumimoji="0" lang="en-US" sz="2400" b="1" i="0" u="none" strike="noStrike" cap="none" normalizeH="0" baseline="0" dirty="0">
                 <a:ln>
                   <a:noFill/>
                 </a:ln>
@@ -5691,7 +5765,7 @@
               <a:t>: </a:t>
             </a:r>
             <a:r>
-              <a:rPr kumimoji="0" lang="en-US" sz="2400" b="0" i="0" u="none" strike="noStrike" cap="none" normalizeH="0" baseline="0" dirty="0" smtClean="0">
+              <a:rPr kumimoji="0" lang="en-US" sz="2400" b="0" i="0" u="none" strike="noStrike" cap="none" normalizeH="0" baseline="0" dirty="0">
                 <a:ln>
                   <a:noFill/>
                 </a:ln>
@@ -5706,7 +5780,7 @@
               <a:t>Joseph A </a:t>
             </a:r>
             <a:r>
-              <a:rPr kumimoji="0" lang="en-US" sz="2400" b="0" i="0" u="none" strike="noStrike" cap="none" normalizeH="0" baseline="0" dirty="0" err="1" smtClean="0">
+              <a:rPr kumimoji="0" lang="en-US" sz="2400" b="0" i="0" u="none" strike="noStrike" cap="none" normalizeH="0" baseline="0" dirty="0" err="1">
                 <a:ln>
                   <a:noFill/>
                 </a:ln>
@@ -5721,7 +5795,7 @@
               <a:t>SchumPeter</a:t>
             </a:r>
             <a:r>
-              <a:rPr kumimoji="0" lang="en-US" sz="2400" b="0" i="0" u="none" strike="noStrike" cap="none" normalizeH="0" baseline="0" dirty="0" smtClean="0">
+              <a:rPr kumimoji="0" lang="en-US" sz="2400" b="0" i="0" u="none" strike="noStrike" cap="none" normalizeH="0" baseline="0" dirty="0">
                 <a:ln>
                   <a:noFill/>
                 </a:ln>
@@ -5754,7 +5828,7 @@
               <a:tabLst/>
             </a:pPr>
             <a:r>
-              <a:rPr kumimoji="0" lang="en-US" sz="2400" b="0" i="0" u="none" strike="noStrike" cap="none" normalizeH="0" baseline="0" dirty="0" smtClean="0">
+              <a:rPr kumimoji="0" lang="en-US" sz="2400" b="0" i="0" u="none" strike="noStrike" cap="none" normalizeH="0" baseline="0" dirty="0">
                 <a:ln>
                   <a:noFill/>
                 </a:ln>
@@ -5772,7 +5846,7 @@
               <a:t>Definition of </a:t>
             </a:r>
             <a:r>
-              <a:rPr kumimoji="0" lang="en-US" sz="2400" b="1" i="0" u="none" strike="noStrike" cap="none" normalizeH="0" baseline="0" dirty="0" smtClean="0">
+              <a:rPr kumimoji="0" lang="en-US" sz="2400" b="1" i="0" u="none" strike="noStrike" cap="none" normalizeH="0" baseline="0" dirty="0">
                 <a:ln>
                   <a:noFill/>
                 </a:ln>
@@ -5789,7 +5863,7 @@
               </a:rPr>
               <a:t>entrepreneur:</a:t>
             </a:r>
-            <a:endParaRPr kumimoji="0" lang="en-US" sz="1400" b="0" i="0" u="none" strike="noStrike" cap="none" normalizeH="0" baseline="0" dirty="0" smtClean="0">
+            <a:endParaRPr kumimoji="0" lang="en-US" sz="1400" b="0" i="0" u="none" strike="noStrike" cap="none" normalizeH="0" baseline="0" dirty="0">
               <a:ln>
                 <a:noFill/>
               </a:ln>
@@ -5821,7 +5895,7 @@
               <a:tabLst/>
             </a:pPr>
             <a:r>
-              <a:rPr kumimoji="0" lang="en-US" sz="2400" b="1" i="0" u="none" strike="noStrike" cap="none" normalizeH="0" baseline="0" dirty="0" smtClean="0">
+              <a:rPr kumimoji="0" lang="en-US" sz="2400" b="1" i="0" u="none" strike="noStrike" cap="none" normalizeH="0" baseline="0" dirty="0">
                 <a:ln>
                   <a:noFill/>
                 </a:ln>
@@ -5836,7 +5910,7 @@
               <a:t>an entrepreneur can be defined as a person who tries to create something new, organizes production and undertakes risks and handles economic uncertainty involved in enterprise</a:t>
             </a:r>
             <a:r>
-              <a:rPr kumimoji="0" lang="en-US" sz="2400" b="0" i="0" u="none" strike="noStrike" cap="none" normalizeH="0" baseline="0" dirty="0" smtClean="0">
+              <a:rPr kumimoji="0" lang="en-US" sz="2400" b="0" i="0" u="none" strike="noStrike" cap="none" normalizeH="0" baseline="0" dirty="0">
                 <a:ln>
                   <a:noFill/>
                 </a:ln>
@@ -5850,7 +5924,7 @@
               </a:rPr>
               <a:t>.</a:t>
             </a:r>
-            <a:endParaRPr kumimoji="0" lang="en-US" sz="1400" b="0" i="0" u="none" strike="noStrike" cap="none" normalizeH="0" baseline="0" dirty="0" smtClean="0">
+            <a:endParaRPr kumimoji="0" lang="en-US" sz="1400" b="0" i="0" u="none" strike="noStrike" cap="none" normalizeH="0" baseline="0" dirty="0">
               <a:ln>
                 <a:noFill/>
               </a:ln>
@@ -5879,7 +5953,7 @@
               <a:tabLst/>
             </a:pPr>
             <a:r>
-              <a:rPr kumimoji="0" lang="en-US" sz="2400" b="1" i="1" u="none" strike="noStrike" cap="none" normalizeH="0" baseline="0" dirty="0" smtClean="0">
+              <a:rPr kumimoji="0" lang="en-US" sz="2400" b="1" i="1" u="none" strike="noStrike" cap="none" normalizeH="0" baseline="0" dirty="0">
                 <a:ln>
                   <a:noFill/>
                 </a:ln>
@@ -5897,7 +5971,7 @@
               <a:t>Peter F. </a:t>
             </a:r>
             <a:r>
-              <a:rPr kumimoji="0" lang="en-US" sz="2400" b="1" i="1" u="none" strike="noStrike" cap="none" normalizeH="0" baseline="0" dirty="0" err="1" smtClean="0">
+              <a:rPr kumimoji="0" lang="en-US" sz="2400" b="1" i="1" u="none" strike="noStrike" cap="none" normalizeH="0" baseline="0" dirty="0" err="1">
                 <a:ln>
                   <a:noFill/>
                 </a:ln>
@@ -5915,7 +5989,7 @@
               <a:t>Drucker</a:t>
             </a:r>
             <a:r>
-              <a:rPr kumimoji="0" lang="en-US" sz="2400" b="1" i="1" u="none" strike="noStrike" cap="none" normalizeH="0" baseline="0" dirty="0" smtClean="0">
+              <a:rPr kumimoji="0" lang="en-US" sz="2400" b="1" i="1" u="none" strike="noStrike" cap="none" normalizeH="0" baseline="0" dirty="0">
                 <a:ln>
                   <a:noFill/>
                 </a:ln>
@@ -5933,7 +6007,7 @@
               <a:t> </a:t>
             </a:r>
             <a:r>
-              <a:rPr kumimoji="0" lang="en-US" sz="2400" b="0" i="0" u="none" strike="noStrike" cap="none" normalizeH="0" baseline="0" dirty="0" smtClean="0">
+              <a:rPr kumimoji="0" lang="en-US" sz="2400" b="0" i="0" u="none" strike="noStrike" cap="none" normalizeH="0" baseline="0" dirty="0">
                 <a:ln>
                   <a:noFill/>
                 </a:ln>
@@ -5947,7 +6021,7 @@
               </a:rPr>
               <a:t>defines an entrepreneur as one who always searches for change, responds to it and exploits it as an opportunity. Innovation is the basic tool of entrepreneurs, the means by which they exploit change as an opportunity for a different business or service.</a:t>
             </a:r>
-            <a:endParaRPr kumimoji="0" lang="en-US" sz="4000" b="0" i="0" u="none" strike="noStrike" cap="none" normalizeH="0" baseline="0" dirty="0" smtClean="0">
+            <a:endParaRPr kumimoji="0" lang="en-US" sz="4000" b="0" i="0" u="none" strike="noStrike" cap="none" normalizeH="0" baseline="0" dirty="0">
               <a:ln>
                 <a:noFill/>
               </a:ln>
@@ -5960,18 +6034,41 @@
           </a:p>
         </p:txBody>
       </p:sp>
+      <p:sp>
+        <p:nvSpPr>
+          <p:cNvPr id="2" name="Slide Number Placeholder 1">
+            <a:extLst>
+              <a:ext uri="{FF2B5EF4-FFF2-40B4-BE49-F238E27FC236}">
+                <a16:creationId xmlns:a16="http://schemas.microsoft.com/office/drawing/2014/main" id="{907126D4-4B41-2644-BDD6-23152DFAAD51}"/>
+              </a:ext>
+            </a:extLst>
+          </p:cNvPr>
+          <p:cNvSpPr>
+            <a:spLocks noGrp="1"/>
+          </p:cNvSpPr>
+          <p:nvPr>
+            <p:ph type="sldNum" sz="quarter" idx="12"/>
+          </p:nvPr>
+        </p:nvSpPr>
+        <p:spPr/>
+        <p:txBody>
+          <a:bodyPr/>
+          <a:lstStyle/>
+          <a:p>
+            <a:fld id="{B6F15528-21DE-4FAA-801E-634DDDAF4B2B}" type="slidenum">
+              <a:rPr lang="en-US" smtClean="0"/>
+              <a:pPr/>
+              <a:t>2</a:t>
+            </a:fld>
+            <a:endParaRPr lang="en-US"/>
+          </a:p>
+        </p:txBody>
+      </p:sp>
     </p:spTree>
   </p:cSld>
   <p:clrMapOvr>
     <a:masterClrMapping/>
   </p:clrMapOvr>
-  <p:timing>
-    <p:tnLst>
-      <p:par>
-        <p:cTn id="1" dur="indefinite" restart="never" nodeType="tmRoot"/>
-      </p:par>
-    </p:tnLst>
-  </p:timing>
 </p:sld>
 </file>
 
@@ -6016,14 +6113,14 @@
               <a:buNone/>
             </a:pPr>
             <a:r>
-              <a:rPr lang="en-US" b="1" dirty="0" smtClean="0">
+              <a:rPr lang="en-US" b="1" dirty="0">
                 <a:solidFill>
                   <a:srgbClr val="FFC000"/>
                 </a:solidFill>
               </a:rPr>
               <a:t>CHARACTERISTICS OF ENTREPRENEUR</a:t>
             </a:r>
-            <a:endParaRPr lang="en-US" dirty="0" smtClean="0">
+            <a:endParaRPr lang="en-US" dirty="0">
               <a:solidFill>
                 <a:srgbClr val="FFC000"/>
               </a:solidFill>
@@ -6034,11 +6131,11 @@
               <a:buNone/>
             </a:pPr>
             <a:r>
-              <a:rPr lang="en-US" b="1" dirty="0" smtClean="0"/>
+              <a:rPr lang="en-US" b="1" dirty="0"/>
               <a:t> </a:t>
             </a:r>
             <a:r>
-              <a:rPr lang="en-US" dirty="0" smtClean="0">
+              <a:rPr lang="en-US" dirty="0">
                 <a:solidFill>
                   <a:schemeClr val="accent6">
                     <a:lumMod val="40000"/>
@@ -6053,7 +6150,7 @@
             <a:pPr>
               <a:buNone/>
             </a:pPr>
-            <a:endParaRPr lang="en-US" dirty="0" smtClean="0">
+            <a:endParaRPr lang="en-US" dirty="0">
               <a:solidFill>
                 <a:schemeClr val="accent6">
                   <a:lumMod val="40000"/>
@@ -6066,7 +6163,7 @@
             <a:pPr>
               <a:buNone/>
             </a:pPr>
-            <a:endParaRPr lang="en-US" dirty="0" smtClean="0"/>
+            <a:endParaRPr lang="en-US" dirty="0"/>
           </a:p>
           <a:p>
             <a:pPr>
@@ -6095,9 +6192,27 @@
                 <a:tableStyleId>{5C22544A-7EE6-4342-B048-85BDC9FD1C3A}</a:tableStyleId>
               </a:tblPr>
               <a:tblGrid>
-                <a:gridCol w="533400"/>
-                <a:gridCol w="1524000"/>
-                <a:gridCol w="6172200"/>
+                <a:gridCol w="533400">
+                  <a:extLst>
+                    <a:ext uri="{9D8B030D-6E8A-4147-A177-3AD203B41FA5}">
+                      <a16:colId xmlns:a16="http://schemas.microsoft.com/office/drawing/2014/main" val="20000"/>
+                    </a:ext>
+                  </a:extLst>
+                </a:gridCol>
+                <a:gridCol w="1524000">
+                  <a:extLst>
+                    <a:ext uri="{9D8B030D-6E8A-4147-A177-3AD203B41FA5}">
+                      <a16:colId xmlns:a16="http://schemas.microsoft.com/office/drawing/2014/main" val="20001"/>
+                    </a:ext>
+                  </a:extLst>
+                </a:gridCol>
+                <a:gridCol w="6172200">
+                  <a:extLst>
+                    <a:ext uri="{9D8B030D-6E8A-4147-A177-3AD203B41FA5}">
+                      <a16:colId xmlns:a16="http://schemas.microsoft.com/office/drawing/2014/main" val="20002"/>
+                    </a:ext>
+                  </a:extLst>
+                </a:gridCol>
               </a:tblGrid>
               <a:tr h="753970">
                 <a:tc>
@@ -6142,7 +6257,7 @@
                         </a:spcAft>
                       </a:pPr>
                       <a:r>
-                        <a:rPr kumimoji="0" lang="en-US" sz="1600" b="1" kern="1200" baseline="0" dirty="0" smtClean="0">
+                        <a:rPr kumimoji="0" lang="en-US" sz="1600" b="1" kern="1200" baseline="0" dirty="0">
                           <a:solidFill>
                             <a:schemeClr val="lt1"/>
                           </a:solidFill>
@@ -6178,7 +6293,7 @@
                         </a:spcAft>
                       </a:pPr>
                       <a:r>
-                        <a:rPr kumimoji="0" lang="en-US" sz="1600" b="1" kern="1200" baseline="0" dirty="0" smtClean="0">
+                        <a:rPr kumimoji="0" lang="en-US" sz="1600" b="1" kern="1200" baseline="0" dirty="0">
                           <a:solidFill>
                             <a:schemeClr val="lt1"/>
                           </a:solidFill>
@@ -6197,6 +6312,11 @@
                   </a:txBody>
                   <a:tcPr marL="68580" marR="68580" marT="0" marB="0"/>
                 </a:tc>
+                <a:extLst>
+                  <a:ext uri="{0D108BD9-81ED-4DB2-BD59-A6C34878D82A}">
+                    <a16:rowId xmlns:a16="http://schemas.microsoft.com/office/drawing/2014/main" val="10000"/>
+                  </a:ext>
+                </a:extLst>
               </a:tr>
               <a:tr h="962086">
                 <a:tc>
@@ -6216,18 +6336,13 @@
                         </a:spcAft>
                       </a:pPr>
                       <a:r>
-                        <a:rPr lang="en-US" sz="2000" dirty="0" smtClean="0">
+                        <a:rPr lang="en-US" sz="2000" dirty="0">
                           <a:latin typeface="Calibri"/>
                           <a:ea typeface="Times New Roman"/>
                           <a:cs typeface="Times New Roman"/>
                         </a:rPr>
                         <a:t>1</a:t>
                       </a:r>
-                      <a:endParaRPr lang="en-US" sz="2000" dirty="0">
-                        <a:latin typeface="Calibri"/>
-                        <a:ea typeface="Times New Roman"/>
-                        <a:cs typeface="Times New Roman"/>
-                      </a:endParaRPr>
                     </a:p>
                   </a:txBody>
                   <a:tcPr marL="68580" marR="68580" marT="0" marB="0"/>
@@ -6249,7 +6364,7 @@
                         </a:spcAft>
                       </a:pPr>
                       <a:r>
-                        <a:rPr kumimoji="0" lang="en-US" sz="1600" kern="1200" baseline="0" dirty="0" smtClean="0">
+                        <a:rPr kumimoji="0" lang="en-US" sz="1600" kern="1200" baseline="0" dirty="0">
                           <a:solidFill>
                             <a:schemeClr val="dk1"/>
                           </a:solidFill>
@@ -6275,7 +6390,7 @@
                     <a:p>
                       <a:pPr algn="just"/>
                       <a:r>
-                        <a:rPr kumimoji="0" lang="en-US" sz="1600" kern="1200" baseline="0" dirty="0" smtClean="0">
+                        <a:rPr kumimoji="0" lang="en-US" sz="1600" kern="1200" baseline="0" dirty="0">
                           <a:solidFill>
                             <a:schemeClr val="dk1"/>
                           </a:solidFill>
@@ -6294,6 +6409,11 @@
                   </a:txBody>
                   <a:tcPr marL="68580" marR="68580" marT="0" marB="0"/>
                 </a:tc>
+                <a:extLst>
+                  <a:ext uri="{0D108BD9-81ED-4DB2-BD59-A6C34878D82A}">
+                    <a16:rowId xmlns:a16="http://schemas.microsoft.com/office/drawing/2014/main" val="10001"/>
+                  </a:ext>
+                </a:extLst>
               </a:tr>
               <a:tr h="696944">
                 <a:tc>
@@ -6313,18 +6433,13 @@
                         </a:spcAft>
                       </a:pPr>
                       <a:r>
-                        <a:rPr lang="en-US" sz="2000" dirty="0" smtClean="0">
+                        <a:rPr lang="en-US" sz="2000" dirty="0">
                           <a:latin typeface="Calibri"/>
                           <a:ea typeface="Times New Roman"/>
                           <a:cs typeface="Times New Roman"/>
                         </a:rPr>
                         <a:t>2</a:t>
                       </a:r>
-                      <a:endParaRPr lang="en-US" sz="2000" dirty="0">
-                        <a:latin typeface="Calibri"/>
-                        <a:ea typeface="Times New Roman"/>
-                        <a:cs typeface="Times New Roman"/>
-                      </a:endParaRPr>
                     </a:p>
                   </a:txBody>
                   <a:tcPr marL="68580" marR="68580" marT="0" marB="0"/>
@@ -6346,7 +6461,7 @@
                         </a:spcAft>
                       </a:pPr>
                       <a:r>
-                        <a:rPr kumimoji="0" lang="en-US" sz="1600" kern="1200" baseline="0" dirty="0" smtClean="0">
+                        <a:rPr kumimoji="0" lang="en-US" sz="1600" kern="1200" baseline="0" dirty="0">
                           <a:solidFill>
                             <a:schemeClr val="dk1"/>
                           </a:solidFill>
@@ -6372,7 +6487,7 @@
                     <a:p>
                       <a:pPr algn="just"/>
                       <a:r>
-                        <a:rPr kumimoji="0" lang="en-US" sz="1600" kern="1200" baseline="0" dirty="0" smtClean="0">
+                        <a:rPr kumimoji="0" lang="en-US" sz="1600" kern="1200" baseline="0" dirty="0">
                           <a:solidFill>
                             <a:schemeClr val="dk1"/>
                           </a:solidFill>
@@ -6391,6 +6506,11 @@
                   </a:txBody>
                   <a:tcPr marL="68580" marR="68580" marT="0" marB="0"/>
                 </a:tc>
+                <a:extLst>
+                  <a:ext uri="{0D108BD9-81ED-4DB2-BD59-A6C34878D82A}">
+                    <a16:rowId xmlns:a16="http://schemas.microsoft.com/office/drawing/2014/main" val="10002"/>
+                  </a:ext>
+                </a:extLst>
               </a:tr>
               <a:tr h="685800">
                 <a:tc>
@@ -6410,18 +6530,13 @@
                         </a:spcAft>
                       </a:pPr>
                       <a:r>
-                        <a:rPr lang="en-US" sz="2000" dirty="0" smtClean="0">
+                        <a:rPr lang="en-US" sz="2000" dirty="0">
                           <a:latin typeface="Calibri"/>
                           <a:ea typeface="Times New Roman"/>
                           <a:cs typeface="Times New Roman"/>
                         </a:rPr>
                         <a:t>3</a:t>
                       </a:r>
-                      <a:endParaRPr lang="en-US" sz="2000" dirty="0">
-                        <a:latin typeface="Calibri"/>
-                        <a:ea typeface="Times New Roman"/>
-                        <a:cs typeface="Times New Roman"/>
-                      </a:endParaRPr>
                     </a:p>
                   </a:txBody>
                   <a:tcPr marL="68580" marR="68580" marT="0" marB="0"/>
@@ -6443,7 +6558,7 @@
                         </a:spcAft>
                       </a:pPr>
                       <a:r>
-                        <a:rPr kumimoji="0" lang="en-US" sz="1600" kern="1200" baseline="0" dirty="0" smtClean="0">
+                        <a:rPr kumimoji="0" lang="en-US" sz="1600" kern="1200" baseline="0" dirty="0">
                           <a:solidFill>
                             <a:schemeClr val="dk1"/>
                           </a:solidFill>
@@ -6469,7 +6584,7 @@
                     <a:p>
                       <a:pPr algn="just"/>
                       <a:r>
-                        <a:rPr kumimoji="0" lang="en-US" sz="1600" kern="1200" baseline="0" dirty="0" smtClean="0">
+                        <a:rPr kumimoji="0" lang="en-US" sz="1600" kern="1200" baseline="0" dirty="0">
                           <a:solidFill>
                             <a:schemeClr val="dk1"/>
                           </a:solidFill>
@@ -6483,6 +6598,11 @@
                   </a:txBody>
                   <a:tcPr marL="68580" marR="68580" marT="0" marB="0"/>
                 </a:tc>
+                <a:extLst>
+                  <a:ext uri="{0D108BD9-81ED-4DB2-BD59-A6C34878D82A}">
+                    <a16:rowId xmlns:a16="http://schemas.microsoft.com/office/drawing/2014/main" val="10003"/>
+                  </a:ext>
+                </a:extLst>
               </a:tr>
               <a:tr h="962086">
                 <a:tc>
@@ -6502,18 +6622,13 @@
                         </a:spcAft>
                       </a:pPr>
                       <a:r>
-                        <a:rPr lang="en-US" sz="2000" dirty="0" smtClean="0">
+                        <a:rPr lang="en-US" sz="2000" dirty="0">
                           <a:latin typeface="Calibri"/>
                           <a:ea typeface="Times New Roman"/>
                           <a:cs typeface="Times New Roman"/>
                         </a:rPr>
                         <a:t>4</a:t>
                       </a:r>
-                      <a:endParaRPr lang="en-US" sz="2000" dirty="0">
-                        <a:latin typeface="Calibri"/>
-                        <a:ea typeface="Times New Roman"/>
-                        <a:cs typeface="Times New Roman"/>
-                      </a:endParaRPr>
                     </a:p>
                   </a:txBody>
                   <a:tcPr marL="68580" marR="68580" marT="0" marB="0"/>
@@ -6535,7 +6650,7 @@
                         </a:spcAft>
                       </a:pPr>
                       <a:r>
-                        <a:rPr kumimoji="0" lang="en-US" sz="1600" kern="1200" baseline="0" dirty="0" smtClean="0">
+                        <a:rPr kumimoji="0" lang="en-US" sz="1600" kern="1200" baseline="0" dirty="0">
                           <a:solidFill>
                             <a:schemeClr val="dk1"/>
                           </a:solidFill>
@@ -6561,7 +6676,7 @@
                     <a:p>
                       <a:pPr algn="just"/>
                       <a:r>
-                        <a:rPr kumimoji="0" lang="en-US" sz="1600" kern="1200" baseline="0" dirty="0" smtClean="0">
+                        <a:rPr kumimoji="0" lang="en-US" sz="1600" kern="1200" baseline="0" dirty="0">
                           <a:solidFill>
                             <a:schemeClr val="dk1"/>
                           </a:solidFill>
@@ -6580,6 +6695,11 @@
                   </a:txBody>
                   <a:tcPr marL="68580" marR="68580" marT="0" marB="0"/>
                 </a:tc>
+                <a:extLst>
+                  <a:ext uri="{0D108BD9-81ED-4DB2-BD59-A6C34878D82A}">
+                    <a16:rowId xmlns:a16="http://schemas.microsoft.com/office/drawing/2014/main" val="10004"/>
+                  </a:ext>
+                </a:extLst>
               </a:tr>
               <a:tr h="962086">
                 <a:tc>
@@ -6599,18 +6719,13 @@
                         </a:spcAft>
                       </a:pPr>
                       <a:r>
-                        <a:rPr lang="en-US" sz="2000" dirty="0" smtClean="0">
+                        <a:rPr lang="en-US" sz="2000" dirty="0">
                           <a:latin typeface="Calibri"/>
                           <a:ea typeface="Times New Roman"/>
                           <a:cs typeface="Times New Roman"/>
                         </a:rPr>
                         <a:t>5</a:t>
                       </a:r>
-                      <a:endParaRPr lang="en-US" sz="2000" dirty="0">
-                        <a:latin typeface="Calibri"/>
-                        <a:ea typeface="Times New Roman"/>
-                        <a:cs typeface="Times New Roman"/>
-                      </a:endParaRPr>
                     </a:p>
                   </a:txBody>
                   <a:tcPr marL="68580" marR="68580" marT="0" marB="0"/>
@@ -6621,7 +6736,7 @@
                     <a:lstStyle/>
                     <a:p>
                       <a:r>
-                        <a:rPr kumimoji="0" lang="en-US" sz="1600" kern="1200" baseline="0" dirty="0" smtClean="0">
+                        <a:rPr kumimoji="0" lang="en-US" sz="1600" kern="1200" baseline="0" dirty="0">
                           <a:solidFill>
                             <a:schemeClr val="dk1"/>
                           </a:solidFill>
@@ -6634,7 +6749,7 @@
                     </a:p>
                     <a:p>
                       <a:r>
-                        <a:rPr kumimoji="0" lang="en-US" sz="1600" kern="1200" baseline="0" dirty="0" smtClean="0">
+                        <a:rPr kumimoji="0" lang="en-US" sz="1600" kern="1200" baseline="0" dirty="0">
                           <a:solidFill>
                             <a:schemeClr val="dk1"/>
                           </a:solidFill>
@@ -6659,7 +6774,7 @@
                     <a:lstStyle/>
                     <a:p>
                       <a:r>
-                        <a:rPr kumimoji="0" lang="en-US" sz="1600" kern="1200" baseline="0" dirty="0" smtClean="0">
+                        <a:rPr kumimoji="0" lang="en-US" sz="1600" kern="1200" baseline="0" dirty="0">
                           <a:solidFill>
                             <a:schemeClr val="dk1"/>
                           </a:solidFill>
@@ -6672,7 +6787,7 @@
                     </a:p>
                     <a:p>
                       <a:r>
-                        <a:rPr kumimoji="0" lang="en-US" sz="1600" kern="1200" baseline="0" dirty="0" smtClean="0">
+                        <a:rPr kumimoji="0" lang="en-US" sz="1600" kern="1200" baseline="0" dirty="0">
                           <a:solidFill>
                             <a:schemeClr val="dk1"/>
                           </a:solidFill>
@@ -6691,23 +6806,51 @@
                   </a:txBody>
                   <a:tcPr marL="68580" marR="68580" marT="0" marB="0"/>
                 </a:tc>
+                <a:extLst>
+                  <a:ext uri="{0D108BD9-81ED-4DB2-BD59-A6C34878D82A}">
+                    <a16:rowId xmlns:a16="http://schemas.microsoft.com/office/drawing/2014/main" val="10005"/>
+                  </a:ext>
+                </a:extLst>
               </a:tr>
             </a:tbl>
           </a:graphicData>
         </a:graphic>
       </p:graphicFrame>
+      <p:sp>
+        <p:nvSpPr>
+          <p:cNvPr id="2" name="Slide Number Placeholder 1">
+            <a:extLst>
+              <a:ext uri="{FF2B5EF4-FFF2-40B4-BE49-F238E27FC236}">
+                <a16:creationId xmlns:a16="http://schemas.microsoft.com/office/drawing/2014/main" id="{E429E63C-EF48-1648-BAD3-45BECFA3F2F5}"/>
+              </a:ext>
+            </a:extLst>
+          </p:cNvPr>
+          <p:cNvSpPr>
+            <a:spLocks noGrp="1"/>
+          </p:cNvSpPr>
+          <p:nvPr>
+            <p:ph type="sldNum" sz="quarter" idx="12"/>
+          </p:nvPr>
+        </p:nvSpPr>
+        <p:spPr/>
+        <p:txBody>
+          <a:bodyPr/>
+          <a:lstStyle/>
+          <a:p>
+            <a:fld id="{B6F15528-21DE-4FAA-801E-634DDDAF4B2B}" type="slidenum">
+              <a:rPr lang="en-US" smtClean="0"/>
+              <a:pPr/>
+              <a:t>3</a:t>
+            </a:fld>
+            <a:endParaRPr lang="en-US"/>
+          </a:p>
+        </p:txBody>
+      </p:sp>
     </p:spTree>
   </p:cSld>
   <p:clrMapOvr>
     <a:masterClrMapping/>
   </p:clrMapOvr>
-  <p:timing>
-    <p:tnLst>
-      <p:par>
-        <p:cTn id="1" dur="indefinite" restart="never" nodeType="tmRoot"/>
-      </p:par>
-    </p:tnLst>
-  </p:timing>
 </p:sld>
 </file>
 
@@ -6738,7 +6881,7 @@
         </p:nvGraphicFramePr>
         <p:xfrm>
           <a:off x="381000" y="228600"/>
-          <a:ext cx="8229600" cy="5844950"/>
+          <a:ext cx="8229600" cy="5601110"/>
         </p:xfrm>
         <a:graphic>
           <a:graphicData uri="http://schemas.openxmlformats.org/drawingml/2006/table">
@@ -6747,9 +6890,27 @@
                 <a:tableStyleId>{5C22544A-7EE6-4342-B048-85BDC9FD1C3A}</a:tableStyleId>
               </a:tblPr>
               <a:tblGrid>
-                <a:gridCol w="533400"/>
-                <a:gridCol w="1524000"/>
-                <a:gridCol w="6172200"/>
+                <a:gridCol w="533400">
+                  <a:extLst>
+                    <a:ext uri="{9D8B030D-6E8A-4147-A177-3AD203B41FA5}">
+                      <a16:colId xmlns:a16="http://schemas.microsoft.com/office/drawing/2014/main" val="20000"/>
+                    </a:ext>
+                  </a:extLst>
+                </a:gridCol>
+                <a:gridCol w="1524000">
+                  <a:extLst>
+                    <a:ext uri="{9D8B030D-6E8A-4147-A177-3AD203B41FA5}">
+                      <a16:colId xmlns:a16="http://schemas.microsoft.com/office/drawing/2014/main" val="20001"/>
+                    </a:ext>
+                  </a:extLst>
+                </a:gridCol>
+                <a:gridCol w="6172200">
+                  <a:extLst>
+                    <a:ext uri="{9D8B030D-6E8A-4147-A177-3AD203B41FA5}">
+                      <a16:colId xmlns:a16="http://schemas.microsoft.com/office/drawing/2014/main" val="20002"/>
+                    </a:ext>
+                  </a:extLst>
+                </a:gridCol>
               </a:tblGrid>
               <a:tr h="609600">
                 <a:tc>
@@ -6794,7 +6955,7 @@
                         </a:spcAft>
                       </a:pPr>
                       <a:r>
-                        <a:rPr kumimoji="0" lang="en-US" sz="1600" b="1" kern="1200" baseline="0" dirty="0" smtClean="0">
+                        <a:rPr kumimoji="0" lang="en-US" sz="1600" b="1" kern="1200" baseline="0" dirty="0">
                           <a:solidFill>
                             <a:schemeClr val="lt1"/>
                           </a:solidFill>
@@ -6830,7 +6991,7 @@
                         </a:spcAft>
                       </a:pPr>
                       <a:r>
-                        <a:rPr kumimoji="0" lang="en-US" sz="1600" b="1" kern="1200" baseline="0" dirty="0" smtClean="0">
+                        <a:rPr kumimoji="0" lang="en-US" sz="1600" b="1" kern="1200" baseline="0" dirty="0">
                           <a:solidFill>
                             <a:schemeClr val="lt1"/>
                           </a:solidFill>
@@ -6849,6 +7010,11 @@
                   </a:txBody>
                   <a:tcPr marL="68580" marR="68580" marT="0" marB="0"/>
                 </a:tc>
+                <a:extLst>
+                  <a:ext uri="{0D108BD9-81ED-4DB2-BD59-A6C34878D82A}">
+                    <a16:rowId xmlns:a16="http://schemas.microsoft.com/office/drawing/2014/main" val="10000"/>
+                  </a:ext>
+                </a:extLst>
               </a:tr>
               <a:tr h="962086">
                 <a:tc>
@@ -6868,18 +7034,13 @@
                         </a:spcAft>
                       </a:pPr>
                       <a:r>
-                        <a:rPr lang="en-US" sz="1600" dirty="0" smtClean="0">
+                        <a:rPr lang="en-US" sz="1600" dirty="0">
                           <a:latin typeface="Calibri"/>
                           <a:ea typeface="Times New Roman"/>
                           <a:cs typeface="Times New Roman"/>
                         </a:rPr>
                         <a:t>6</a:t>
                       </a:r>
-                      <a:endParaRPr lang="en-US" sz="1600" dirty="0">
-                        <a:latin typeface="Calibri"/>
-                        <a:ea typeface="Times New Roman"/>
-                        <a:cs typeface="Times New Roman"/>
-                      </a:endParaRPr>
                     </a:p>
                   </a:txBody>
                   <a:tcPr marL="68580" marR="68580" marT="0" marB="0"/>
@@ -6890,7 +7051,7 @@
                     <a:lstStyle/>
                     <a:p>
                       <a:r>
-                        <a:rPr kumimoji="0" lang="en-US" sz="1600" kern="1200" baseline="0" dirty="0" smtClean="0">
+                        <a:rPr kumimoji="0" lang="en-US" sz="1600" kern="1200" baseline="0" dirty="0">
                           <a:solidFill>
                             <a:schemeClr val="dk1"/>
                           </a:solidFill>
@@ -6903,7 +7064,7 @@
                     </a:p>
                     <a:p>
                       <a:r>
-                        <a:rPr kumimoji="0" lang="en-US" sz="1600" kern="1200" baseline="0" dirty="0" smtClean="0">
+                        <a:rPr kumimoji="0" lang="en-US" sz="1600" kern="1200" baseline="0" dirty="0">
                           <a:solidFill>
                             <a:schemeClr val="dk1"/>
                           </a:solidFill>
@@ -6928,7 +7089,7 @@
                     <a:lstStyle/>
                     <a:p>
                       <a:r>
-                        <a:rPr kumimoji="0" lang="en-US" sz="1600" kern="1200" baseline="0" dirty="0" smtClean="0">
+                        <a:rPr kumimoji="0" lang="en-US" sz="1600" kern="1200" baseline="0" dirty="0">
                           <a:solidFill>
                             <a:schemeClr val="dk1"/>
                           </a:solidFill>
@@ -6947,6 +7108,11 @@
                   </a:txBody>
                   <a:tcPr marL="68580" marR="68580" marT="0" marB="0"/>
                 </a:tc>
+                <a:extLst>
+                  <a:ext uri="{0D108BD9-81ED-4DB2-BD59-A6C34878D82A}">
+                    <a16:rowId xmlns:a16="http://schemas.microsoft.com/office/drawing/2014/main" val="10001"/>
+                  </a:ext>
+                </a:extLst>
               </a:tr>
               <a:tr h="696944">
                 <a:tc>
@@ -6966,18 +7132,13 @@
                         </a:spcAft>
                       </a:pPr>
                       <a:r>
-                        <a:rPr lang="en-US" sz="1600" dirty="0" smtClean="0">
+                        <a:rPr lang="en-US" sz="1600" dirty="0">
                           <a:latin typeface="Calibri"/>
                           <a:ea typeface="Times New Roman"/>
                           <a:cs typeface="Times New Roman"/>
                         </a:rPr>
                         <a:t>7</a:t>
                       </a:r>
-                      <a:endParaRPr lang="en-US" sz="1600" dirty="0">
-                        <a:latin typeface="Calibri"/>
-                        <a:ea typeface="Times New Roman"/>
-                        <a:cs typeface="Times New Roman"/>
-                      </a:endParaRPr>
                     </a:p>
                   </a:txBody>
                   <a:tcPr marL="68580" marR="68580" marT="0" marB="0"/>
@@ -6999,7 +7160,7 @@
                         </a:spcAft>
                       </a:pPr>
                       <a:r>
-                        <a:rPr kumimoji="0" lang="en-US" sz="1600" kern="1200" baseline="0" dirty="0" smtClean="0">
+                        <a:rPr kumimoji="0" lang="en-US" sz="1600" kern="1200" baseline="0" dirty="0">
                           <a:solidFill>
                             <a:schemeClr val="dk1"/>
                           </a:solidFill>
@@ -7025,7 +7186,7 @@
                     <a:p>
                       <a:pPr algn="just"/>
                       <a:r>
-                        <a:rPr kumimoji="0" lang="en-US" sz="1600" kern="1200" baseline="0" dirty="0" smtClean="0">
+                        <a:rPr kumimoji="0" lang="en-US" sz="1600" kern="1200" baseline="0" dirty="0">
                           <a:solidFill>
                             <a:schemeClr val="dk1"/>
                           </a:solidFill>
@@ -7044,6 +7205,11 @@
                   </a:txBody>
                   <a:tcPr marL="68580" marR="68580" marT="0" marB="0"/>
                 </a:tc>
+                <a:extLst>
+                  <a:ext uri="{0D108BD9-81ED-4DB2-BD59-A6C34878D82A}">
+                    <a16:rowId xmlns:a16="http://schemas.microsoft.com/office/drawing/2014/main" val="10002"/>
+                  </a:ext>
+                </a:extLst>
               </a:tr>
               <a:tr h="454086">
                 <a:tc>
@@ -7063,18 +7229,13 @@
                         </a:spcAft>
                       </a:pPr>
                       <a:r>
-                        <a:rPr lang="en-US" sz="1600" dirty="0" smtClean="0">
+                        <a:rPr lang="en-US" sz="1600" dirty="0">
                           <a:latin typeface="Calibri"/>
                           <a:ea typeface="Times New Roman"/>
                           <a:cs typeface="Times New Roman"/>
                         </a:rPr>
                         <a:t>8</a:t>
                       </a:r>
-                      <a:endParaRPr lang="en-US" sz="1600" dirty="0">
-                        <a:latin typeface="Calibri"/>
-                        <a:ea typeface="Times New Roman"/>
-                        <a:cs typeface="Times New Roman"/>
-                      </a:endParaRPr>
                     </a:p>
                   </a:txBody>
                   <a:tcPr marL="68580" marR="68580" marT="0" marB="0"/>
@@ -7096,7 +7257,7 @@
                         </a:spcAft>
                       </a:pPr>
                       <a:r>
-                        <a:rPr kumimoji="0" lang="en-US" sz="1600" kern="1200" baseline="0" dirty="0" smtClean="0">
+                        <a:rPr kumimoji="0" lang="en-US" sz="1600" kern="1200" baseline="0" dirty="0">
                           <a:solidFill>
                             <a:schemeClr val="dk1"/>
                           </a:solidFill>
@@ -7122,7 +7283,7 @@
                     <a:p>
                       <a:pPr algn="just"/>
                       <a:r>
-                        <a:rPr kumimoji="0" lang="en-US" sz="1600" kern="1200" baseline="0" dirty="0" smtClean="0">
+                        <a:rPr kumimoji="0" lang="en-US" sz="1600" kern="1200" baseline="0" dirty="0">
                           <a:solidFill>
                             <a:schemeClr val="dk1"/>
                           </a:solidFill>
@@ -7136,6 +7297,11 @@
                   </a:txBody>
                   <a:tcPr marL="68580" marR="68580" marT="0" marB="0"/>
                 </a:tc>
+                <a:extLst>
+                  <a:ext uri="{0D108BD9-81ED-4DB2-BD59-A6C34878D82A}">
+                    <a16:rowId xmlns:a16="http://schemas.microsoft.com/office/drawing/2014/main" val="10003"/>
+                  </a:ext>
+                </a:extLst>
               </a:tr>
               <a:tr h="711200">
                 <a:tc>
@@ -7155,18 +7321,13 @@
                         </a:spcAft>
                       </a:pPr>
                       <a:r>
-                        <a:rPr lang="en-US" sz="1600" dirty="0" smtClean="0">
+                        <a:rPr lang="en-US" sz="1600" dirty="0">
                           <a:latin typeface="Calibri"/>
                           <a:ea typeface="Times New Roman"/>
                           <a:cs typeface="Times New Roman"/>
                         </a:rPr>
                         <a:t>9</a:t>
                       </a:r>
-                      <a:endParaRPr lang="en-US" sz="1600" dirty="0">
-                        <a:latin typeface="Calibri"/>
-                        <a:ea typeface="Times New Roman"/>
-                        <a:cs typeface="Times New Roman"/>
-                      </a:endParaRPr>
                     </a:p>
                   </a:txBody>
                   <a:tcPr marL="68580" marR="68580" marT="0" marB="0"/>
@@ -7188,7 +7349,7 @@
                         </a:spcAft>
                       </a:pPr>
                       <a:r>
-                        <a:rPr kumimoji="0" lang="en-US" sz="1600" kern="1200" baseline="0" dirty="0" smtClean="0">
+                        <a:rPr kumimoji="0" lang="en-US" sz="1600" kern="1200" baseline="0" dirty="0">
                           <a:solidFill>
                             <a:schemeClr val="dk1"/>
                           </a:solidFill>
@@ -7214,7 +7375,7 @@
                     <a:p>
                       <a:pPr algn="just"/>
                       <a:r>
-                        <a:rPr kumimoji="0" lang="en-US" sz="1600" kern="1200" baseline="0" dirty="0" smtClean="0">
+                        <a:rPr kumimoji="0" lang="en-US" sz="1600" kern="1200" baseline="0" dirty="0">
                           <a:solidFill>
                             <a:schemeClr val="dk1"/>
                           </a:solidFill>
@@ -7233,6 +7394,11 @@
                   </a:txBody>
                   <a:tcPr marL="68580" marR="68580" marT="0" marB="0"/>
                 </a:tc>
+                <a:extLst>
+                  <a:ext uri="{0D108BD9-81ED-4DB2-BD59-A6C34878D82A}">
+                    <a16:rowId xmlns:a16="http://schemas.microsoft.com/office/drawing/2014/main" val="10004"/>
+                  </a:ext>
+                </a:extLst>
               </a:tr>
               <a:tr h="711200">
                 <a:tc>
@@ -7252,18 +7418,13 @@
                         </a:spcAft>
                       </a:pPr>
                       <a:r>
-                        <a:rPr lang="en-US" sz="1600" dirty="0" smtClean="0">
+                        <a:rPr lang="en-US" sz="1600" dirty="0">
                           <a:latin typeface="Calibri"/>
                           <a:ea typeface="Times New Roman"/>
                           <a:cs typeface="Times New Roman"/>
                         </a:rPr>
                         <a:t>10</a:t>
                       </a:r>
-                      <a:endParaRPr lang="en-US" sz="1600" dirty="0">
-                        <a:latin typeface="Calibri"/>
-                        <a:ea typeface="Times New Roman"/>
-                        <a:cs typeface="Times New Roman"/>
-                      </a:endParaRPr>
                     </a:p>
                   </a:txBody>
                   <a:tcPr marL="68580" marR="68580" marT="0" marB="0"/>
@@ -7274,7 +7435,7 @@
                     <a:lstStyle/>
                     <a:p>
                       <a:r>
-                        <a:rPr kumimoji="0" lang="en-US" sz="1600" kern="1200" baseline="0" dirty="0" smtClean="0">
+                        <a:rPr kumimoji="0" lang="en-US" sz="1600" kern="1200" baseline="0" dirty="0">
                           <a:solidFill>
                             <a:schemeClr val="dk1"/>
                           </a:solidFill>
@@ -7299,7 +7460,7 @@
                     <a:lstStyle/>
                     <a:p>
                       <a:r>
-                        <a:rPr kumimoji="0" lang="en-US" sz="1600" kern="1200" baseline="0" dirty="0" smtClean="0">
+                        <a:rPr kumimoji="0" lang="en-US" sz="1600" kern="1200" baseline="0" dirty="0">
                           <a:solidFill>
                             <a:schemeClr val="dk1"/>
                           </a:solidFill>
@@ -7318,6 +7479,11 @@
                   </a:txBody>
                   <a:tcPr marL="68580" marR="68580" marT="0" marB="0"/>
                 </a:tc>
+                <a:extLst>
+                  <a:ext uri="{0D108BD9-81ED-4DB2-BD59-A6C34878D82A}">
+                    <a16:rowId xmlns:a16="http://schemas.microsoft.com/office/drawing/2014/main" val="10005"/>
+                  </a:ext>
+                </a:extLst>
               </a:tr>
               <a:tr h="711200">
                 <a:tc>
@@ -7337,18 +7503,13 @@
                         </a:spcAft>
                       </a:pPr>
                       <a:r>
-                        <a:rPr lang="en-US" sz="1600" dirty="0" smtClean="0">
+                        <a:rPr lang="en-US" sz="1600" dirty="0">
                           <a:latin typeface="Calibri"/>
                           <a:ea typeface="Times New Roman"/>
                           <a:cs typeface="Times New Roman"/>
                         </a:rPr>
                         <a:t>11</a:t>
                       </a:r>
-                      <a:endParaRPr lang="en-US" sz="1600" dirty="0">
-                        <a:latin typeface="Calibri"/>
-                        <a:ea typeface="Times New Roman"/>
-                        <a:cs typeface="Times New Roman"/>
-                      </a:endParaRPr>
                     </a:p>
                   </a:txBody>
                   <a:tcPr marL="68580" marR="68580" marT="0" marB="0"/>
@@ -7359,7 +7520,7 @@
                     <a:lstStyle/>
                     <a:p>
                       <a:r>
-                        <a:rPr kumimoji="0" lang="en-US" sz="1600" kern="1200" baseline="0" dirty="0" smtClean="0">
+                        <a:rPr kumimoji="0" lang="en-US" sz="1600" kern="1200" baseline="0" dirty="0">
                           <a:solidFill>
                             <a:schemeClr val="dk1"/>
                           </a:solidFill>
@@ -7384,7 +7545,7 @@
                     <a:lstStyle/>
                     <a:p>
                       <a:r>
-                        <a:rPr kumimoji="0" lang="en-US" sz="1600" kern="1200" baseline="0" dirty="0" smtClean="0">
+                        <a:rPr kumimoji="0" lang="en-US" sz="1600" kern="1200" baseline="0" dirty="0">
                           <a:solidFill>
                             <a:schemeClr val="dk1"/>
                           </a:solidFill>
@@ -7403,6 +7564,11 @@
                   </a:txBody>
                   <a:tcPr marL="68580" marR="68580" marT="0" marB="0"/>
                 </a:tc>
+                <a:extLst>
+                  <a:ext uri="{0D108BD9-81ED-4DB2-BD59-A6C34878D82A}">
+                    <a16:rowId xmlns:a16="http://schemas.microsoft.com/office/drawing/2014/main" val="10006"/>
+                  </a:ext>
+                </a:extLst>
               </a:tr>
               <a:tr h="711200">
                 <a:tc>
@@ -7422,18 +7588,13 @@
                         </a:spcAft>
                       </a:pPr>
                       <a:r>
-                        <a:rPr lang="en-US" sz="1600" dirty="0" smtClean="0">
+                        <a:rPr lang="en-US" sz="1600" dirty="0">
                           <a:latin typeface="Calibri"/>
                           <a:ea typeface="Times New Roman"/>
                           <a:cs typeface="Times New Roman"/>
                         </a:rPr>
                         <a:t>12</a:t>
                       </a:r>
-                      <a:endParaRPr lang="en-US" sz="1600" dirty="0">
-                        <a:latin typeface="Calibri"/>
-                        <a:ea typeface="Times New Roman"/>
-                        <a:cs typeface="Times New Roman"/>
-                      </a:endParaRPr>
                     </a:p>
                   </a:txBody>
                   <a:tcPr marL="68580" marR="68580" marT="0" marB="0"/>
@@ -7444,7 +7605,7 @@
                     <a:lstStyle/>
                     <a:p>
                       <a:r>
-                        <a:rPr kumimoji="0" lang="en-US" sz="1600" kern="1200" baseline="0" dirty="0" smtClean="0">
+                        <a:rPr kumimoji="0" lang="en-US" sz="1600" kern="1200" baseline="0" dirty="0">
                           <a:solidFill>
                             <a:schemeClr val="dk1"/>
                           </a:solidFill>
@@ -7469,7 +7630,7 @@
                     <a:lstStyle/>
                     <a:p>
                       <a:r>
-                        <a:rPr kumimoji="0" lang="en-US" sz="1600" kern="1200" baseline="0" dirty="0" smtClean="0">
+                        <a:rPr kumimoji="0" lang="en-US" sz="1600" kern="1200" baseline="0" dirty="0">
                           <a:solidFill>
                             <a:schemeClr val="dk1"/>
                           </a:solidFill>
@@ -7488,23 +7649,51 @@
                   </a:txBody>
                   <a:tcPr marL="68580" marR="68580" marT="0" marB="0"/>
                 </a:tc>
+                <a:extLst>
+                  <a:ext uri="{0D108BD9-81ED-4DB2-BD59-A6C34878D82A}">
+                    <a16:rowId xmlns:a16="http://schemas.microsoft.com/office/drawing/2014/main" val="10007"/>
+                  </a:ext>
+                </a:extLst>
               </a:tr>
             </a:tbl>
           </a:graphicData>
         </a:graphic>
       </p:graphicFrame>
+      <p:sp>
+        <p:nvSpPr>
+          <p:cNvPr id="2" name="Slide Number Placeholder 1">
+            <a:extLst>
+              <a:ext uri="{FF2B5EF4-FFF2-40B4-BE49-F238E27FC236}">
+                <a16:creationId xmlns:a16="http://schemas.microsoft.com/office/drawing/2014/main" id="{B9878D1A-F2E6-524D-90ED-F415D22DE763}"/>
+              </a:ext>
+            </a:extLst>
+          </p:cNvPr>
+          <p:cNvSpPr>
+            <a:spLocks noGrp="1"/>
+          </p:cNvSpPr>
+          <p:nvPr>
+            <p:ph type="sldNum" sz="quarter" idx="12"/>
+          </p:nvPr>
+        </p:nvSpPr>
+        <p:spPr/>
+        <p:txBody>
+          <a:bodyPr/>
+          <a:lstStyle/>
+          <a:p>
+            <a:fld id="{B6F15528-21DE-4FAA-801E-634DDDAF4B2B}" type="slidenum">
+              <a:rPr lang="en-US" smtClean="0"/>
+              <a:pPr/>
+              <a:t>4</a:t>
+            </a:fld>
+            <a:endParaRPr lang="en-US"/>
+          </a:p>
+        </p:txBody>
+      </p:sp>
     </p:spTree>
   </p:cSld>
   <p:clrMapOvr>
     <a:masterClrMapping/>
   </p:clrMapOvr>
-  <p:timing>
-    <p:tnLst>
-      <p:par>
-        <p:cTn id="1" dur="indefinite" restart="never" nodeType="tmRoot"/>
-      </p:par>
-    </p:tnLst>
-  </p:timing>
 </p:sld>
 </file>
 
@@ -7535,7 +7724,7 @@
         </p:nvGraphicFramePr>
         <p:xfrm>
           <a:off x="381000" y="228600"/>
-          <a:ext cx="8229600" cy="6050280"/>
+          <a:ext cx="8229600" cy="5771864"/>
         </p:xfrm>
         <a:graphic>
           <a:graphicData uri="http://schemas.openxmlformats.org/drawingml/2006/table">
@@ -7544,9 +7733,27 @@
                 <a:tableStyleId>{5C22544A-7EE6-4342-B048-85BDC9FD1C3A}</a:tableStyleId>
               </a:tblPr>
               <a:tblGrid>
-                <a:gridCol w="533400"/>
-                <a:gridCol w="1676400"/>
-                <a:gridCol w="6019800"/>
+                <a:gridCol w="533400">
+                  <a:extLst>
+                    <a:ext uri="{9D8B030D-6E8A-4147-A177-3AD203B41FA5}">
+                      <a16:colId xmlns:a16="http://schemas.microsoft.com/office/drawing/2014/main" val="20000"/>
+                    </a:ext>
+                  </a:extLst>
+                </a:gridCol>
+                <a:gridCol w="1676400">
+                  <a:extLst>
+                    <a:ext uri="{9D8B030D-6E8A-4147-A177-3AD203B41FA5}">
+                      <a16:colId xmlns:a16="http://schemas.microsoft.com/office/drawing/2014/main" val="20001"/>
+                    </a:ext>
+                  </a:extLst>
+                </a:gridCol>
+                <a:gridCol w="6019800">
+                  <a:extLst>
+                    <a:ext uri="{9D8B030D-6E8A-4147-A177-3AD203B41FA5}">
+                      <a16:colId xmlns:a16="http://schemas.microsoft.com/office/drawing/2014/main" val="20002"/>
+                    </a:ext>
+                  </a:extLst>
+                </a:gridCol>
               </a:tblGrid>
               <a:tr h="609600">
                 <a:tc>
@@ -7591,7 +7798,7 @@
                         </a:spcAft>
                       </a:pPr>
                       <a:r>
-                        <a:rPr kumimoji="0" lang="en-US" sz="1600" b="1" kern="1200" baseline="0" dirty="0" smtClean="0">
+                        <a:rPr kumimoji="0" lang="en-US" sz="1600" b="1" kern="1200" baseline="0" dirty="0">
                           <a:solidFill>
                             <a:schemeClr val="lt1"/>
                           </a:solidFill>
@@ -7627,7 +7834,7 @@
                         </a:spcAft>
                       </a:pPr>
                       <a:r>
-                        <a:rPr kumimoji="0" lang="en-US" sz="1600" b="1" kern="1200" baseline="0" dirty="0" smtClean="0">
+                        <a:rPr kumimoji="0" lang="en-US" sz="1600" b="1" kern="1200" baseline="0" dirty="0">
                           <a:solidFill>
                             <a:schemeClr val="lt1"/>
                           </a:solidFill>
@@ -7646,6 +7853,11 @@
                   </a:txBody>
                   <a:tcPr marL="68580" marR="68580" marT="0" marB="0"/>
                 </a:tc>
+                <a:extLst>
+                  <a:ext uri="{0D108BD9-81ED-4DB2-BD59-A6C34878D82A}">
+                    <a16:rowId xmlns:a16="http://schemas.microsoft.com/office/drawing/2014/main" val="10000"/>
+                  </a:ext>
+                </a:extLst>
               </a:tr>
               <a:tr h="389030">
                 <a:tc>
@@ -7665,18 +7877,13 @@
                         </a:spcAft>
                       </a:pPr>
                       <a:r>
-                        <a:rPr lang="en-US" sz="1600" dirty="0" smtClean="0">
+                        <a:rPr lang="en-US" sz="1600" dirty="0">
                           <a:latin typeface="Calibri"/>
                           <a:ea typeface="Times New Roman"/>
                           <a:cs typeface="Times New Roman"/>
                         </a:rPr>
                         <a:t>13</a:t>
                       </a:r>
-                      <a:endParaRPr lang="en-US" sz="1600" dirty="0">
-                        <a:latin typeface="Calibri"/>
-                        <a:ea typeface="Times New Roman"/>
-                        <a:cs typeface="Times New Roman"/>
-                      </a:endParaRPr>
                     </a:p>
                   </a:txBody>
                   <a:tcPr marL="68580" marR="68580" marT="0" marB="0"/>
@@ -7687,7 +7894,7 @@
                     <a:lstStyle/>
                     <a:p>
                       <a:r>
-                        <a:rPr kumimoji="0" lang="en-US" sz="1600" kern="1200" baseline="0" dirty="0" smtClean="0">
+                        <a:rPr kumimoji="0" lang="en-US" sz="1600" kern="1200" baseline="0" dirty="0">
                           <a:solidFill>
                             <a:schemeClr val="dk1"/>
                           </a:solidFill>
@@ -7712,7 +7919,7 @@
                     <a:lstStyle/>
                     <a:p>
                       <a:r>
-                        <a:rPr kumimoji="0" lang="en-US" sz="1600" kern="1200" baseline="0" dirty="0" smtClean="0">
+                        <a:rPr kumimoji="0" lang="en-US" sz="1600" kern="1200" baseline="0" dirty="0">
                           <a:solidFill>
                             <a:schemeClr val="dk1"/>
                           </a:solidFill>
@@ -7731,6 +7938,11 @@
                   </a:txBody>
                   <a:tcPr marL="68580" marR="68580" marT="0" marB="0"/>
                 </a:tc>
+                <a:extLst>
+                  <a:ext uri="{0D108BD9-81ED-4DB2-BD59-A6C34878D82A}">
+                    <a16:rowId xmlns:a16="http://schemas.microsoft.com/office/drawing/2014/main" val="10001"/>
+                  </a:ext>
+                </a:extLst>
               </a:tr>
               <a:tr h="696944">
                 <a:tc>
@@ -7750,18 +7962,13 @@
                         </a:spcAft>
                       </a:pPr>
                       <a:r>
-                        <a:rPr lang="en-US" sz="1600" dirty="0" smtClean="0">
+                        <a:rPr lang="en-US" sz="1600" dirty="0">
                           <a:latin typeface="Calibri"/>
                           <a:ea typeface="Times New Roman"/>
                           <a:cs typeface="Times New Roman"/>
                         </a:rPr>
                         <a:t>14</a:t>
                       </a:r>
-                      <a:endParaRPr lang="en-US" sz="1600" dirty="0">
-                        <a:latin typeface="Calibri"/>
-                        <a:ea typeface="Times New Roman"/>
-                        <a:cs typeface="Times New Roman"/>
-                      </a:endParaRPr>
                     </a:p>
                   </a:txBody>
                   <a:tcPr marL="68580" marR="68580" marT="0" marB="0"/>
@@ -7772,7 +7979,7 @@
                     <a:lstStyle/>
                     <a:p>
                       <a:r>
-                        <a:rPr kumimoji="0" lang="en-US" sz="1600" kern="1200" baseline="0" dirty="0" smtClean="0">
+                        <a:rPr kumimoji="0" lang="en-US" sz="1600" kern="1200" baseline="0" dirty="0">
                           <a:solidFill>
                             <a:schemeClr val="dk1"/>
                           </a:solidFill>
@@ -7785,7 +7992,7 @@
                     </a:p>
                     <a:p>
                       <a:r>
-                        <a:rPr kumimoji="0" lang="en-US" sz="1600" kern="1200" baseline="0" dirty="0" smtClean="0">
+                        <a:rPr kumimoji="0" lang="en-US" sz="1600" kern="1200" baseline="0" dirty="0">
                           <a:solidFill>
                             <a:schemeClr val="dk1"/>
                           </a:solidFill>
@@ -7810,7 +8017,7 @@
                     <a:lstStyle/>
                     <a:p>
                       <a:r>
-                        <a:rPr kumimoji="0" lang="en-US" sz="1600" kern="1200" baseline="0" dirty="0" smtClean="0">
+                        <a:rPr kumimoji="0" lang="en-US" sz="1600" kern="1200" baseline="0" dirty="0">
                           <a:solidFill>
                             <a:schemeClr val="dk1"/>
                           </a:solidFill>
@@ -7823,7 +8030,7 @@
                     </a:p>
                     <a:p>
                       <a:r>
-                        <a:rPr kumimoji="0" lang="en-US" sz="1600" kern="1200" baseline="0" dirty="0" smtClean="0">
+                        <a:rPr kumimoji="0" lang="en-US" sz="1600" kern="1200" baseline="0" dirty="0">
                           <a:solidFill>
                             <a:schemeClr val="dk1"/>
                           </a:solidFill>
@@ -7842,6 +8049,11 @@
                   </a:txBody>
                   <a:tcPr marL="68580" marR="68580" marT="0" marB="0"/>
                 </a:tc>
+                <a:extLst>
+                  <a:ext uri="{0D108BD9-81ED-4DB2-BD59-A6C34878D82A}">
+                    <a16:rowId xmlns:a16="http://schemas.microsoft.com/office/drawing/2014/main" val="10002"/>
+                  </a:ext>
+                </a:extLst>
               </a:tr>
               <a:tr h="320040">
                 <a:tc>
@@ -7861,18 +8073,13 @@
                         </a:spcAft>
                       </a:pPr>
                       <a:r>
-                        <a:rPr lang="en-US" sz="1600" dirty="0" smtClean="0">
+                        <a:rPr lang="en-US" sz="1600" dirty="0">
                           <a:latin typeface="Calibri"/>
                           <a:ea typeface="Times New Roman"/>
                           <a:cs typeface="Times New Roman"/>
                         </a:rPr>
                         <a:t>15</a:t>
                       </a:r>
-                      <a:endParaRPr lang="en-US" sz="1600" dirty="0">
-                        <a:latin typeface="Calibri"/>
-                        <a:ea typeface="Times New Roman"/>
-                        <a:cs typeface="Times New Roman"/>
-                      </a:endParaRPr>
                     </a:p>
                   </a:txBody>
                   <a:tcPr marL="68580" marR="68580" marT="0" marB="0"/>
@@ -7894,7 +8101,7 @@
                         </a:spcAft>
                       </a:pPr>
                       <a:r>
-                        <a:rPr kumimoji="0" lang="en-US" sz="1600" kern="1200" baseline="0" dirty="0" smtClean="0">
+                        <a:rPr kumimoji="0" lang="en-US" sz="1600" kern="1200" baseline="0" dirty="0">
                           <a:solidFill>
                             <a:schemeClr val="dk1"/>
                           </a:solidFill>
@@ -7920,7 +8127,7 @@
                     <a:p>
                       <a:pPr algn="just"/>
                       <a:r>
-                        <a:rPr kumimoji="0" lang="en-US" sz="1600" kern="1200" baseline="0" dirty="0" smtClean="0">
+                        <a:rPr kumimoji="0" lang="en-US" sz="1600" kern="1200" baseline="0" dirty="0">
                           <a:solidFill>
                             <a:schemeClr val="dk1"/>
                           </a:solidFill>
@@ -7934,6 +8141,11 @@
                   </a:txBody>
                   <a:tcPr marL="68580" marR="68580" marT="0" marB="0"/>
                 </a:tc>
+                <a:extLst>
+                  <a:ext uri="{0D108BD9-81ED-4DB2-BD59-A6C34878D82A}">
+                    <a16:rowId xmlns:a16="http://schemas.microsoft.com/office/drawing/2014/main" val="10003"/>
+                  </a:ext>
+                </a:extLst>
               </a:tr>
               <a:tr h="599694">
                 <a:tc>
@@ -7953,18 +8165,13 @@
                         </a:spcAft>
                       </a:pPr>
                       <a:r>
-                        <a:rPr lang="en-US" sz="1600" dirty="0" smtClean="0">
+                        <a:rPr lang="en-US" sz="1600" dirty="0">
                           <a:latin typeface="Calibri"/>
                           <a:ea typeface="Times New Roman"/>
                           <a:cs typeface="Times New Roman"/>
                         </a:rPr>
                         <a:t>16</a:t>
                       </a:r>
-                      <a:endParaRPr lang="en-US" sz="1600" dirty="0">
-                        <a:latin typeface="Calibri"/>
-                        <a:ea typeface="Times New Roman"/>
-                        <a:cs typeface="Times New Roman"/>
-                      </a:endParaRPr>
                     </a:p>
                   </a:txBody>
                   <a:tcPr marL="68580" marR="68580" marT="0" marB="0"/>
@@ -7986,7 +8193,7 @@
                         </a:spcAft>
                       </a:pPr>
                       <a:r>
-                        <a:rPr kumimoji="0" lang="en-US" sz="1600" kern="1200" baseline="0" dirty="0" smtClean="0">
+                        <a:rPr kumimoji="0" lang="en-US" sz="1600" kern="1200" baseline="0" dirty="0">
                           <a:solidFill>
                             <a:schemeClr val="dk1"/>
                           </a:solidFill>
@@ -8011,7 +8218,7 @@
                     <a:lstStyle/>
                     <a:p>
                       <a:r>
-                        <a:rPr kumimoji="0" lang="en-US" sz="1600" kern="1200" baseline="0" dirty="0" smtClean="0">
+                        <a:rPr kumimoji="0" lang="en-US" sz="1600" kern="1200" baseline="0" dirty="0">
                           <a:solidFill>
                             <a:schemeClr val="dk1"/>
                           </a:solidFill>
@@ -8030,6 +8237,11 @@
                   </a:txBody>
                   <a:tcPr marL="68580" marR="68580" marT="0" marB="0"/>
                 </a:tc>
+                <a:extLst>
+                  <a:ext uri="{0D108BD9-81ED-4DB2-BD59-A6C34878D82A}">
+                    <a16:rowId xmlns:a16="http://schemas.microsoft.com/office/drawing/2014/main" val="10004"/>
+                  </a:ext>
+                </a:extLst>
               </a:tr>
               <a:tr h="550516">
                 <a:tc>
@@ -8049,18 +8261,13 @@
                         </a:spcAft>
                       </a:pPr>
                       <a:r>
-                        <a:rPr lang="en-US" sz="1600" dirty="0" smtClean="0">
+                        <a:rPr lang="en-US" sz="1600" dirty="0">
                           <a:latin typeface="Calibri"/>
                           <a:ea typeface="Times New Roman"/>
                           <a:cs typeface="Times New Roman"/>
                         </a:rPr>
                         <a:t>17</a:t>
                       </a:r>
-                      <a:endParaRPr lang="en-US" sz="1600" dirty="0">
-                        <a:latin typeface="Calibri"/>
-                        <a:ea typeface="Times New Roman"/>
-                        <a:cs typeface="Times New Roman"/>
-                      </a:endParaRPr>
                     </a:p>
                   </a:txBody>
                   <a:tcPr marL="68580" marR="68580" marT="0" marB="0"/>
@@ -8071,7 +8278,7 @@
                     <a:lstStyle/>
                     <a:p>
                       <a:r>
-                        <a:rPr kumimoji="0" lang="en-US" sz="1600" kern="1200" baseline="0" dirty="0" smtClean="0">
+                        <a:rPr kumimoji="0" lang="en-US" sz="1600" kern="1200" baseline="0" dirty="0">
                           <a:solidFill>
                             <a:schemeClr val="dk1"/>
                           </a:solidFill>
@@ -8096,7 +8303,7 @@
                     <a:lstStyle/>
                     <a:p>
                       <a:r>
-                        <a:rPr kumimoji="0" lang="en-US" sz="1600" kern="1200" baseline="0" dirty="0" smtClean="0">
+                        <a:rPr kumimoji="0" lang="en-US" sz="1600" kern="1200" baseline="0" dirty="0">
                           <a:solidFill>
                             <a:schemeClr val="dk1"/>
                           </a:solidFill>
@@ -8115,6 +8322,11 @@
                   </a:txBody>
                   <a:tcPr marL="68580" marR="68580" marT="0" marB="0"/>
                 </a:tc>
+                <a:extLst>
+                  <a:ext uri="{0D108BD9-81ED-4DB2-BD59-A6C34878D82A}">
+                    <a16:rowId xmlns:a16="http://schemas.microsoft.com/office/drawing/2014/main" val="10005"/>
+                  </a:ext>
+                </a:extLst>
               </a:tr>
               <a:tr h="609600">
                 <a:tc>
@@ -8134,18 +8346,13 @@
                         </a:spcAft>
                       </a:pPr>
                       <a:r>
-                        <a:rPr lang="en-US" sz="1600" dirty="0" smtClean="0">
+                        <a:rPr lang="en-US" sz="1600" dirty="0">
                           <a:latin typeface="Calibri"/>
                           <a:ea typeface="Times New Roman"/>
                           <a:cs typeface="Times New Roman"/>
                         </a:rPr>
                         <a:t>18</a:t>
                       </a:r>
-                      <a:endParaRPr lang="en-US" sz="1600" dirty="0">
-                        <a:latin typeface="Calibri"/>
-                        <a:ea typeface="Times New Roman"/>
-                        <a:cs typeface="Times New Roman"/>
-                      </a:endParaRPr>
                     </a:p>
                   </a:txBody>
                   <a:tcPr marL="68580" marR="68580" marT="0" marB="0"/>
@@ -8156,7 +8363,7 @@
                     <a:lstStyle/>
                     <a:p>
                       <a:r>
-                        <a:rPr kumimoji="0" lang="en-US" sz="1600" kern="1200" baseline="0" dirty="0" smtClean="0">
+                        <a:rPr kumimoji="0" lang="en-US" sz="1600" kern="1200" baseline="0" dirty="0">
                           <a:solidFill>
                             <a:schemeClr val="dk1"/>
                           </a:solidFill>
@@ -8169,7 +8376,7 @@
                     </a:p>
                     <a:p>
                       <a:r>
-                        <a:rPr kumimoji="0" lang="en-US" sz="1600" kern="1200" baseline="0" dirty="0" smtClean="0">
+                        <a:rPr kumimoji="0" lang="en-US" sz="1600" kern="1200" baseline="0" dirty="0">
                           <a:solidFill>
                             <a:schemeClr val="dk1"/>
                           </a:solidFill>
@@ -8194,7 +8401,7 @@
                     <a:lstStyle/>
                     <a:p>
                       <a:r>
-                        <a:rPr kumimoji="0" lang="en-US" sz="1600" kern="1200" baseline="0" dirty="0" smtClean="0">
+                        <a:rPr kumimoji="0" lang="en-US" sz="1600" kern="1200" baseline="0" dirty="0">
                           <a:solidFill>
                             <a:schemeClr val="dk1"/>
                           </a:solidFill>
@@ -8213,6 +8420,11 @@
                   </a:txBody>
                   <a:tcPr marL="68580" marR="68580" marT="0" marB="0"/>
                 </a:tc>
+                <a:extLst>
+                  <a:ext uri="{0D108BD9-81ED-4DB2-BD59-A6C34878D82A}">
+                    <a16:rowId xmlns:a16="http://schemas.microsoft.com/office/drawing/2014/main" val="10006"/>
+                  </a:ext>
+                </a:extLst>
               </a:tr>
               <a:tr h="533400">
                 <a:tc>
@@ -8232,18 +8444,13 @@
                         </a:spcAft>
                       </a:pPr>
                       <a:r>
-                        <a:rPr lang="en-US" sz="1600" dirty="0" smtClean="0">
+                        <a:rPr lang="en-US" sz="1600" dirty="0">
                           <a:latin typeface="Calibri"/>
                           <a:ea typeface="Times New Roman"/>
                           <a:cs typeface="Times New Roman"/>
                         </a:rPr>
                         <a:t>19</a:t>
                       </a:r>
-                      <a:endParaRPr lang="en-US" sz="1600" dirty="0">
-                        <a:latin typeface="Calibri"/>
-                        <a:ea typeface="Times New Roman"/>
-                        <a:cs typeface="Times New Roman"/>
-                      </a:endParaRPr>
                     </a:p>
                   </a:txBody>
                   <a:tcPr marL="68580" marR="68580" marT="0" marB="0"/>
@@ -8254,7 +8461,7 @@
                     <a:lstStyle/>
                     <a:p>
                       <a:r>
-                        <a:rPr kumimoji="0" lang="en-US" sz="1600" kern="1200" baseline="0" dirty="0" smtClean="0">
+                        <a:rPr kumimoji="0" lang="en-US" sz="1600" kern="1200" baseline="0" dirty="0">
                           <a:solidFill>
                             <a:schemeClr val="dk1"/>
                           </a:solidFill>
@@ -8267,7 +8474,7 @@
                     </a:p>
                     <a:p>
                       <a:r>
-                        <a:rPr kumimoji="0" lang="en-US" sz="1600" kern="1200" baseline="0" dirty="0" smtClean="0">
+                        <a:rPr kumimoji="0" lang="en-US" sz="1600" kern="1200" baseline="0" dirty="0">
                           <a:solidFill>
                             <a:schemeClr val="dk1"/>
                           </a:solidFill>
@@ -8292,7 +8499,7 @@
                     <a:lstStyle/>
                     <a:p>
                       <a:r>
-                        <a:rPr kumimoji="0" lang="en-US" sz="1600" kern="1200" baseline="0" dirty="0" smtClean="0">
+                        <a:rPr kumimoji="0" lang="en-US" sz="1600" kern="1200" baseline="0" dirty="0">
                           <a:solidFill>
                             <a:schemeClr val="dk1"/>
                           </a:solidFill>
@@ -8311,6 +8518,11 @@
                   </a:txBody>
                   <a:tcPr marL="68580" marR="68580" marT="0" marB="0"/>
                 </a:tc>
+                <a:extLst>
+                  <a:ext uri="{0D108BD9-81ED-4DB2-BD59-A6C34878D82A}">
+                    <a16:rowId xmlns:a16="http://schemas.microsoft.com/office/drawing/2014/main" val="10007"/>
+                  </a:ext>
+                </a:extLst>
               </a:tr>
               <a:tr h="711200">
                 <a:tc>
@@ -8330,18 +8542,13 @@
                         </a:spcAft>
                       </a:pPr>
                       <a:r>
-                        <a:rPr lang="en-US" sz="1600" dirty="0" smtClean="0">
+                        <a:rPr lang="en-US" sz="1600" dirty="0">
                           <a:latin typeface="Calibri"/>
                           <a:ea typeface="Times New Roman"/>
                           <a:cs typeface="Times New Roman"/>
                         </a:rPr>
                         <a:t>20</a:t>
                       </a:r>
-                      <a:endParaRPr lang="en-US" sz="1600" dirty="0">
-                        <a:latin typeface="Calibri"/>
-                        <a:ea typeface="Times New Roman"/>
-                        <a:cs typeface="Times New Roman"/>
-                      </a:endParaRPr>
                     </a:p>
                   </a:txBody>
                   <a:tcPr marL="68580" marR="68580" marT="0" marB="0"/>
@@ -8352,7 +8559,7 @@
                     <a:lstStyle/>
                     <a:p>
                       <a:r>
-                        <a:rPr kumimoji="0" lang="en-US" sz="1600" kern="1200" baseline="0" dirty="0" smtClean="0">
+                        <a:rPr kumimoji="0" lang="en-US" sz="1600" kern="1200" baseline="0" dirty="0">
                           <a:solidFill>
                             <a:schemeClr val="dk1"/>
                           </a:solidFill>
@@ -8365,7 +8572,7 @@
                     </a:p>
                     <a:p>
                       <a:r>
-                        <a:rPr kumimoji="0" lang="en-US" sz="1600" kern="1200" baseline="0" dirty="0" smtClean="0">
+                        <a:rPr kumimoji="0" lang="en-US" sz="1600" kern="1200" baseline="0" dirty="0">
                           <a:solidFill>
                             <a:schemeClr val="dk1"/>
                           </a:solidFill>
@@ -8390,7 +8597,7 @@
                     <a:lstStyle/>
                     <a:p>
                       <a:r>
-                        <a:rPr kumimoji="0" lang="en-US" sz="1600" kern="1200" baseline="0" dirty="0" smtClean="0">
+                        <a:rPr kumimoji="0" lang="en-US" sz="1600" kern="1200" baseline="0" dirty="0">
                           <a:solidFill>
                             <a:schemeClr val="dk1"/>
                           </a:solidFill>
@@ -8409,6 +8616,11 @@
                   </a:txBody>
                   <a:tcPr marL="68580" marR="68580" marT="0" marB="0"/>
                 </a:tc>
+                <a:extLst>
+                  <a:ext uri="{0D108BD9-81ED-4DB2-BD59-A6C34878D82A}">
+                    <a16:rowId xmlns:a16="http://schemas.microsoft.com/office/drawing/2014/main" val="10008"/>
+                  </a:ext>
+                </a:extLst>
               </a:tr>
               <a:tr h="711200">
                 <a:tc>
@@ -8428,18 +8640,13 @@
                         </a:spcAft>
                       </a:pPr>
                       <a:r>
-                        <a:rPr lang="en-US" sz="1600" dirty="0" smtClean="0">
+                        <a:rPr lang="en-US" sz="1600" dirty="0">
                           <a:latin typeface="Calibri"/>
                           <a:ea typeface="Times New Roman"/>
                           <a:cs typeface="Times New Roman"/>
                         </a:rPr>
                         <a:t>21</a:t>
                       </a:r>
-                      <a:endParaRPr lang="en-US" sz="1600" dirty="0">
-                        <a:latin typeface="Calibri"/>
-                        <a:ea typeface="Times New Roman"/>
-                        <a:cs typeface="Times New Roman"/>
-                      </a:endParaRPr>
                     </a:p>
                   </a:txBody>
                   <a:tcPr marL="68580" marR="68580" marT="0" marB="0"/>
@@ -8450,7 +8657,7 @@
                     <a:lstStyle/>
                     <a:p>
                       <a:r>
-                        <a:rPr kumimoji="0" lang="en-US" sz="1600" kern="1200" baseline="0" dirty="0" smtClean="0">
+                        <a:rPr kumimoji="0" lang="en-US" sz="1600" kern="1200" baseline="0" dirty="0">
                           <a:solidFill>
                             <a:schemeClr val="dk1"/>
                           </a:solidFill>
@@ -8463,7 +8670,7 @@
                     </a:p>
                     <a:p>
                       <a:r>
-                        <a:rPr kumimoji="0" lang="en-US" sz="1600" kern="1200" baseline="0" dirty="0" smtClean="0">
+                        <a:rPr kumimoji="0" lang="en-US" sz="1600" kern="1200" baseline="0" dirty="0">
                           <a:solidFill>
                             <a:schemeClr val="dk1"/>
                           </a:solidFill>
@@ -8488,7 +8695,7 @@
                     <a:lstStyle/>
                     <a:p>
                       <a:r>
-                        <a:rPr kumimoji="0" lang="en-US" sz="1600" kern="1200" baseline="0" dirty="0" smtClean="0">
+                        <a:rPr kumimoji="0" lang="en-US" sz="1600" kern="1200" baseline="0" dirty="0">
                           <a:solidFill>
                             <a:schemeClr val="dk1"/>
                           </a:solidFill>
@@ -8501,7 +8708,7 @@
                     </a:p>
                     <a:p>
                       <a:r>
-                        <a:rPr kumimoji="0" lang="en-US" sz="1600" kern="1200" baseline="0" dirty="0" smtClean="0">
+                        <a:rPr kumimoji="0" lang="en-US" sz="1600" kern="1200" baseline="0" dirty="0">
                           <a:solidFill>
                             <a:schemeClr val="dk1"/>
                           </a:solidFill>
@@ -8520,23 +8727,51 @@
                   </a:txBody>
                   <a:tcPr marL="68580" marR="68580" marT="0" marB="0"/>
                 </a:tc>
+                <a:extLst>
+                  <a:ext uri="{0D108BD9-81ED-4DB2-BD59-A6C34878D82A}">
+                    <a16:rowId xmlns:a16="http://schemas.microsoft.com/office/drawing/2014/main" val="10009"/>
+                  </a:ext>
+                </a:extLst>
               </a:tr>
             </a:tbl>
           </a:graphicData>
         </a:graphic>
       </p:graphicFrame>
+      <p:sp>
+        <p:nvSpPr>
+          <p:cNvPr id="2" name="Slide Number Placeholder 1">
+            <a:extLst>
+              <a:ext uri="{FF2B5EF4-FFF2-40B4-BE49-F238E27FC236}">
+                <a16:creationId xmlns:a16="http://schemas.microsoft.com/office/drawing/2014/main" id="{A63ECA9A-DC43-6C41-B51A-F989663AFFD5}"/>
+              </a:ext>
+            </a:extLst>
+          </p:cNvPr>
+          <p:cNvSpPr>
+            <a:spLocks noGrp="1"/>
+          </p:cNvSpPr>
+          <p:nvPr>
+            <p:ph type="sldNum" sz="quarter" idx="12"/>
+          </p:nvPr>
+        </p:nvSpPr>
+        <p:spPr/>
+        <p:txBody>
+          <a:bodyPr/>
+          <a:lstStyle/>
+          <a:p>
+            <a:fld id="{B6F15528-21DE-4FAA-801E-634DDDAF4B2B}" type="slidenum">
+              <a:rPr lang="en-US" smtClean="0"/>
+              <a:pPr/>
+              <a:t>5</a:t>
+            </a:fld>
+            <a:endParaRPr lang="en-US"/>
+          </a:p>
+        </p:txBody>
+      </p:sp>
     </p:spTree>
   </p:cSld>
   <p:clrMapOvr>
     <a:masterClrMapping/>
   </p:clrMapOvr>
-  <p:timing>
-    <p:tnLst>
-      <p:par>
-        <p:cTn id="1" dur="indefinite" restart="never" nodeType="tmRoot"/>
-      </p:par>
-    </p:tnLst>
-  </p:timing>
 </p:sld>
 </file>
 
@@ -8579,7 +8814,7 @@
           <a:lstStyle/>
           <a:p>
             <a:r>
-              <a:rPr lang="en-US" sz="2200" b="1" dirty="0" smtClean="0">
+              <a:rPr lang="en-US" sz="2200" b="1" dirty="0">
                 <a:solidFill>
                   <a:schemeClr val="accent6">
                     <a:lumMod val="40000"/>
@@ -8625,18 +8860,41 @@
           <a:effectLst/>
         </p:spPr>
       </p:pic>
+      <p:sp>
+        <p:nvSpPr>
+          <p:cNvPr id="2" name="Slide Number Placeholder 1">
+            <a:extLst>
+              <a:ext uri="{FF2B5EF4-FFF2-40B4-BE49-F238E27FC236}">
+                <a16:creationId xmlns:a16="http://schemas.microsoft.com/office/drawing/2014/main" id="{10D0E1A1-4DA2-4A4D-A55F-9E3375718C58}"/>
+              </a:ext>
+            </a:extLst>
+          </p:cNvPr>
+          <p:cNvSpPr>
+            <a:spLocks noGrp="1"/>
+          </p:cNvSpPr>
+          <p:nvPr>
+            <p:ph type="sldNum" sz="quarter" idx="12"/>
+          </p:nvPr>
+        </p:nvSpPr>
+        <p:spPr/>
+        <p:txBody>
+          <a:bodyPr/>
+          <a:lstStyle/>
+          <a:p>
+            <a:fld id="{B6F15528-21DE-4FAA-801E-634DDDAF4B2B}" type="slidenum">
+              <a:rPr lang="en-US" smtClean="0"/>
+              <a:pPr/>
+              <a:t>6</a:t>
+            </a:fld>
+            <a:endParaRPr lang="en-US"/>
+          </a:p>
+        </p:txBody>
+      </p:sp>
     </p:spTree>
   </p:cSld>
   <p:clrMapOvr>
     <a:masterClrMapping/>
   </p:clrMapOvr>
-  <p:timing>
-    <p:tnLst>
-      <p:par>
-        <p:cTn id="1" dur="indefinite" restart="never" nodeType="tmRoot"/>
-      </p:par>
-    </p:tnLst>
-  </p:timing>
 </p:sld>
 </file>
 
@@ -8675,7 +8933,7 @@
         </p:spPr>
         <p:txBody>
           <a:bodyPr>
-            <a:normAutofit fontScale="77500" lnSpcReduction="20000"/>
+            <a:normAutofit fontScale="92500" lnSpcReduction="10000"/>
           </a:bodyPr>
           <a:lstStyle/>
           <a:p>
@@ -8683,7 +8941,7 @@
               <a:buNone/>
             </a:pPr>
             <a:r>
-              <a:rPr lang="en-US" b="1" dirty="0" smtClean="0">
+              <a:rPr lang="en-US" b="1" dirty="0">
                 <a:solidFill>
                   <a:schemeClr val="accent6">
                     <a:lumMod val="40000"/>
@@ -8693,7 +8951,7 @@
               </a:rPr>
               <a:t>TECHNICAL ENTREPRENEUR:</a:t>
             </a:r>
-            <a:endParaRPr lang="en-US" dirty="0" smtClean="0">
+            <a:endParaRPr lang="en-US" dirty="0">
               <a:solidFill>
                 <a:schemeClr val="accent6">
                   <a:lumMod val="40000"/>
@@ -8707,7 +8965,7 @@
               <a:buNone/>
             </a:pPr>
             <a:r>
-              <a:rPr lang="en-US" dirty="0" smtClean="0"/>
+              <a:rPr lang="en-US" dirty="0"/>
               <a:t>    There are large number of technical institutions at the degree and diploma level producing large number of technical personnel. The standard of our technical education is comparable with international standards.</a:t>
             </a:r>
           </a:p>
@@ -8716,7 +8974,7 @@
               <a:buNone/>
             </a:pPr>
             <a:r>
-              <a:rPr lang="en-US" b="1" dirty="0" smtClean="0">
+              <a:rPr lang="en-US" b="1" dirty="0">
                 <a:solidFill>
                   <a:schemeClr val="accent6">
                     <a:lumMod val="40000"/>
@@ -8726,7 +8984,7 @@
               </a:rPr>
               <a:t>Rewards for an Entrepreneur</a:t>
             </a:r>
-            <a:endParaRPr lang="en-US" dirty="0" smtClean="0">
+            <a:endParaRPr lang="en-US" dirty="0">
               <a:solidFill>
                 <a:schemeClr val="accent6">
                   <a:lumMod val="40000"/>
@@ -8737,31 +8995,31 @@
           </a:p>
           <a:p>
             <a:r>
-              <a:rPr lang="en-US" dirty="0" smtClean="0"/>
+              <a:rPr lang="en-US" dirty="0"/>
               <a:t>1. Freedom to work.</a:t>
             </a:r>
           </a:p>
           <a:p>
             <a:r>
-              <a:rPr lang="en-US" dirty="0" smtClean="0"/>
+              <a:rPr lang="en-US" dirty="0"/>
               <a:t>2. Satisfaction of being own boss.</a:t>
             </a:r>
           </a:p>
           <a:p>
             <a:r>
-              <a:rPr lang="en-US" dirty="0" smtClean="0"/>
+              <a:rPr lang="en-US" dirty="0"/>
               <a:t>3. Power to do things as he likes.</a:t>
             </a:r>
           </a:p>
           <a:p>
             <a:r>
-              <a:rPr lang="en-US" dirty="0" smtClean="0"/>
+              <a:rPr lang="en-US" dirty="0"/>
               <a:t>4. Rewards of ownership and retirement assurance.</a:t>
             </a:r>
           </a:p>
           <a:p>
             <a:r>
-              <a:rPr lang="en-US" dirty="0" smtClean="0"/>
+              <a:rPr lang="en-US" dirty="0"/>
               <a:t>5. Respect of family and friends.</a:t>
             </a:r>
           </a:p>
@@ -8770,7 +9028,7 @@
               <a:buNone/>
             </a:pPr>
             <a:r>
-              <a:rPr lang="en-US" b="1" dirty="0" smtClean="0">
+              <a:rPr lang="en-US" b="1" dirty="0">
                 <a:solidFill>
                   <a:schemeClr val="accent6">
                     <a:lumMod val="40000"/>
@@ -8780,7 +9038,7 @@
               </a:rPr>
               <a:t>Penalties for an Entrepreneur</a:t>
             </a:r>
-            <a:endParaRPr lang="en-US" dirty="0" smtClean="0">
+            <a:endParaRPr lang="en-US" dirty="0">
               <a:solidFill>
                 <a:schemeClr val="accent6">
                   <a:lumMod val="40000"/>
@@ -8791,31 +9049,31 @@
           </a:p>
           <a:p>
             <a:r>
-              <a:rPr lang="en-US" dirty="0" smtClean="0"/>
+              <a:rPr lang="en-US" dirty="0"/>
               <a:t>1. Constraints of financiers, laborers, customers, suppliers, and debtors curtail his freedom.</a:t>
             </a:r>
           </a:p>
           <a:p>
             <a:r>
-              <a:rPr lang="en-US" dirty="0" smtClean="0"/>
+              <a:rPr lang="en-US" dirty="0"/>
               <a:t>2. Frustration due to availability of limited capital and other resources.</a:t>
             </a:r>
           </a:p>
           <a:p>
             <a:r>
-              <a:rPr lang="en-US" dirty="0" smtClean="0"/>
+              <a:rPr lang="en-US" dirty="0"/>
               <a:t>3. Social and family life is affected due to hard long hours of working.</a:t>
             </a:r>
           </a:p>
           <a:p>
             <a:r>
-              <a:rPr lang="en-US" dirty="0" smtClean="0"/>
+              <a:rPr lang="en-US" dirty="0"/>
               <a:t>4. Frustration due to non-achievement of full objectives.</a:t>
             </a:r>
           </a:p>
           <a:p>
             <a:r>
-              <a:rPr lang="en-US" dirty="0" smtClean="0"/>
+              <a:rPr lang="en-US" dirty="0"/>
               <a:t>5. Risk of failure.</a:t>
             </a:r>
           </a:p>
@@ -8823,10 +9081,40 @@
             <a:pPr algn="just">
               <a:buNone/>
             </a:pPr>
-            <a:endParaRPr lang="en-US" dirty="0" smtClean="0"/>
-          </a:p>
-          <a:p>
             <a:endParaRPr lang="en-US" dirty="0"/>
+          </a:p>
+          <a:p>
+            <a:endParaRPr lang="en-US" dirty="0"/>
+          </a:p>
+        </p:txBody>
+      </p:sp>
+      <p:sp>
+        <p:nvSpPr>
+          <p:cNvPr id="2" name="Slide Number Placeholder 1">
+            <a:extLst>
+              <a:ext uri="{FF2B5EF4-FFF2-40B4-BE49-F238E27FC236}">
+                <a16:creationId xmlns:a16="http://schemas.microsoft.com/office/drawing/2014/main" id="{A0AB3EE7-FA86-B64F-9B13-202B824C2936}"/>
+              </a:ext>
+            </a:extLst>
+          </p:cNvPr>
+          <p:cNvSpPr>
+            <a:spLocks noGrp="1"/>
+          </p:cNvSpPr>
+          <p:nvPr>
+            <p:ph type="sldNum" sz="quarter" idx="12"/>
+          </p:nvPr>
+        </p:nvSpPr>
+        <p:spPr/>
+        <p:txBody>
+          <a:bodyPr/>
+          <a:lstStyle/>
+          <a:p>
+            <a:fld id="{B6F15528-21DE-4FAA-801E-634DDDAF4B2B}" type="slidenum">
+              <a:rPr lang="en-US" smtClean="0"/>
+              <a:pPr/>
+              <a:t>7</a:t>
+            </a:fld>
+            <a:endParaRPr lang="en-US"/>
           </a:p>
         </p:txBody>
       </p:sp>
@@ -8835,13 +9123,6 @@
   <p:clrMapOvr>
     <a:masterClrMapping/>
   </p:clrMapOvr>
-  <p:timing>
-    <p:tnLst>
-      <p:par>
-        <p:cTn id="1" dur="indefinite" restart="never" nodeType="tmRoot"/>
-      </p:par>
-    </p:tnLst>
-  </p:timing>
 </p:sld>
 </file>
 
@@ -8885,7 +9166,7 @@
           <a:lstStyle/>
           <a:p>
             <a:r>
-              <a:rPr lang="en-US" sz="4000" b="1" dirty="0" smtClean="0">
+              <a:rPr lang="en-US" sz="4000" b="1" dirty="0">
                 <a:solidFill>
                   <a:srgbClr val="FFC000"/>
                 </a:solidFill>
@@ -8918,7 +9199,7 @@
         </p:spPr>
         <p:txBody>
           <a:bodyPr>
-            <a:normAutofit fontScale="92500" lnSpcReduction="10000"/>
+            <a:normAutofit/>
           </a:bodyPr>
           <a:lstStyle/>
           <a:p>
@@ -8926,45 +9207,45 @@
               <a:buNone/>
             </a:pPr>
             <a:r>
-              <a:rPr lang="en-US" dirty="0" smtClean="0"/>
+              <a:rPr lang="en-US" dirty="0"/>
               <a:t>1. </a:t>
             </a:r>
             <a:r>
-              <a:rPr lang="en-US" b="1" i="1" dirty="0" smtClean="0"/>
+              <a:rPr lang="en-US" b="1" i="1" dirty="0"/>
               <a:t>Idea generation</a:t>
             </a:r>
             <a:r>
-              <a:rPr lang="en-US" b="1" dirty="0" smtClean="0"/>
+              <a:rPr lang="en-US" b="1" dirty="0"/>
               <a:t>:</a:t>
             </a:r>
             <a:r>
-              <a:rPr lang="en-US" dirty="0" smtClean="0"/>
+              <a:rPr lang="en-US" dirty="0"/>
               <a:t> The first and the most important function of an Entrepreneur is idea generation. Idea generation implies product selection and project  identification.</a:t>
             </a:r>
             <a:r>
-              <a:rPr lang="en-US" b="1" dirty="0" smtClean="0"/>
+              <a:rPr lang="en-US" b="1" dirty="0"/>
               <a:t> </a:t>
             </a:r>
-            <a:endParaRPr lang="en-US" dirty="0" smtClean="0"/>
+            <a:endParaRPr lang="en-US" dirty="0"/>
           </a:p>
           <a:p>
             <a:pPr>
               <a:buNone/>
             </a:pPr>
             <a:r>
-              <a:rPr lang="en-US" dirty="0" smtClean="0"/>
+              <a:rPr lang="en-US" dirty="0"/>
               <a:t>2. </a:t>
             </a:r>
             <a:r>
-              <a:rPr lang="en-US" b="1" i="1" dirty="0" smtClean="0"/>
+              <a:rPr lang="en-US" b="1" i="1" dirty="0"/>
               <a:t>Determination of business objectives</a:t>
             </a:r>
             <a:r>
-              <a:rPr lang="en-US" b="1" dirty="0" smtClean="0"/>
+              <a:rPr lang="en-US" b="1" dirty="0"/>
               <a:t>:</a:t>
             </a:r>
             <a:r>
-              <a:rPr lang="en-US" dirty="0" smtClean="0"/>
+              <a:rPr lang="en-US" dirty="0"/>
               <a:t> Entrepreneur has to state and lay down the business objectives. Objectives should be spelt out in clear terms</a:t>
             </a:r>
           </a:p>
@@ -8973,23 +9254,23 @@
               <a:buNone/>
             </a:pPr>
             <a:r>
-              <a:rPr lang="en-US" dirty="0" smtClean="0"/>
+              <a:rPr lang="en-US" dirty="0"/>
               <a:t>3. </a:t>
             </a:r>
             <a:r>
-              <a:rPr lang="en-US" b="1" i="1" dirty="0" smtClean="0"/>
+              <a:rPr lang="en-US" b="1" i="1" dirty="0"/>
               <a:t>Rising of funds </a:t>
             </a:r>
             <a:r>
-              <a:rPr lang="en-US" dirty="0" smtClean="0"/>
+              <a:rPr lang="en-US" dirty="0"/>
               <a:t>All the activities of the business depend upon the </a:t>
             </a:r>
             <a:r>
-              <a:rPr lang="en-US" dirty="0" err="1" smtClean="0"/>
+              <a:rPr lang="en-US" dirty="0" err="1"/>
               <a:t>financeand</a:t>
             </a:r>
             <a:r>
-              <a:rPr lang="en-US" dirty="0" smtClean="0"/>
+              <a:rPr lang="en-US" dirty="0"/>
               <a:t> hence fund rising is an important function of an Entrepreneur. </a:t>
             </a:r>
           </a:p>
@@ -8998,19 +9279,19 @@
               <a:buNone/>
             </a:pPr>
             <a:r>
-              <a:rPr lang="en-US" dirty="0" smtClean="0"/>
+              <a:rPr lang="en-US" dirty="0"/>
               <a:t>4. </a:t>
             </a:r>
             <a:r>
-              <a:rPr lang="en-US" b="1" i="1" dirty="0" smtClean="0"/>
+              <a:rPr lang="en-US" b="1" i="1" dirty="0"/>
               <a:t>Procurement of machines and materials</a:t>
             </a:r>
             <a:r>
-              <a:rPr lang="en-US" b="1" dirty="0" smtClean="0"/>
+              <a:rPr lang="en-US" b="1" dirty="0"/>
               <a:t>: </a:t>
             </a:r>
             <a:r>
-              <a:rPr lang="en-US" dirty="0" smtClean="0"/>
+              <a:rPr lang="en-US" dirty="0"/>
               <a:t>Another important function of an Entrepreneur is to procure raw materials and machines.</a:t>
             </a:r>
           </a:p>
@@ -9019,18 +9300,48 @@
               <a:buNone/>
             </a:pPr>
             <a:r>
-              <a:rPr lang="en-US" dirty="0" smtClean="0"/>
+              <a:rPr lang="en-US" dirty="0"/>
               <a:t>								Cont…..</a:t>
             </a:r>
           </a:p>
           <a:p>
             <a:r>
-              <a:rPr lang="en-US" dirty="0" smtClean="0"/>
+              <a:rPr lang="en-US" dirty="0"/>
               <a:t> </a:t>
             </a:r>
           </a:p>
           <a:p>
             <a:endParaRPr lang="en-US" dirty="0"/>
+          </a:p>
+        </p:txBody>
+      </p:sp>
+      <p:sp>
+        <p:nvSpPr>
+          <p:cNvPr id="4" name="Slide Number Placeholder 3">
+            <a:extLst>
+              <a:ext uri="{FF2B5EF4-FFF2-40B4-BE49-F238E27FC236}">
+                <a16:creationId xmlns:a16="http://schemas.microsoft.com/office/drawing/2014/main" id="{C35F37CF-5CAA-F047-9E55-4557EDC17CB6}"/>
+              </a:ext>
+            </a:extLst>
+          </p:cNvPr>
+          <p:cNvSpPr>
+            <a:spLocks noGrp="1"/>
+          </p:cNvSpPr>
+          <p:nvPr>
+            <p:ph type="sldNum" sz="quarter" idx="12"/>
+          </p:nvPr>
+        </p:nvSpPr>
+        <p:spPr/>
+        <p:txBody>
+          <a:bodyPr/>
+          <a:lstStyle/>
+          <a:p>
+            <a:fld id="{B6F15528-21DE-4FAA-801E-634DDDAF4B2B}" type="slidenum">
+              <a:rPr lang="en-US" smtClean="0"/>
+              <a:pPr/>
+              <a:t>8</a:t>
+            </a:fld>
+            <a:endParaRPr lang="en-US"/>
           </a:p>
         </p:txBody>
       </p:sp>
@@ -9039,13 +9350,6 @@
   <p:clrMapOvr>
     <a:masterClrMapping/>
   </p:clrMapOvr>
-  <p:timing>
-    <p:tnLst>
-      <p:par>
-        <p:cTn id="1" dur="indefinite" restart="never" nodeType="tmRoot"/>
-      </p:par>
-    </p:tnLst>
-  </p:timing>
 </p:sld>
 </file>
 
@@ -9084,7 +9388,7 @@
         </p:spPr>
         <p:txBody>
           <a:bodyPr>
-            <a:normAutofit fontScale="92500" lnSpcReduction="20000"/>
+            <a:normAutofit/>
           </a:bodyPr>
           <a:lstStyle/>
           <a:p>
@@ -9092,7 +9396,7 @@
               <a:buNone/>
             </a:pPr>
             <a:r>
-              <a:rPr lang="en-US" dirty="0" smtClean="0">
+              <a:rPr lang="en-US" dirty="0">
                 <a:solidFill>
                   <a:srgbClr val="FFC000"/>
                 </a:solidFill>
@@ -9100,7 +9404,7 @@
               <a:t>5. </a:t>
             </a:r>
             <a:r>
-              <a:rPr lang="en-US" b="1" i="1" dirty="0" smtClean="0">
+              <a:rPr lang="en-US" b="1" i="1" dirty="0">
                 <a:solidFill>
                   <a:srgbClr val="FFC000"/>
                 </a:solidFill>
@@ -9108,11 +9412,11 @@
               <a:t>Market research</a:t>
             </a:r>
             <a:r>
-              <a:rPr lang="en-US" b="1" dirty="0" smtClean="0"/>
+              <a:rPr lang="en-US" b="1" dirty="0"/>
               <a:t>: </a:t>
             </a:r>
             <a:r>
-              <a:rPr lang="en-US" dirty="0" smtClean="0"/>
+              <a:rPr lang="en-US" dirty="0"/>
               <a:t>Market research is the systematic collection of data regarding the product which the Entrepreneur wants to manufacture. </a:t>
             </a:r>
           </a:p>
@@ -9121,7 +9425,7 @@
               <a:buNone/>
             </a:pPr>
             <a:r>
-              <a:rPr lang="en-US" dirty="0" smtClean="0">
+              <a:rPr lang="en-US" dirty="0">
                 <a:solidFill>
                   <a:srgbClr val="FFC000"/>
                 </a:solidFill>
@@ -9129,7 +9433,7 @@
               <a:t>6. </a:t>
             </a:r>
             <a:r>
-              <a:rPr lang="en-US" b="1" i="1" dirty="0" smtClean="0">
+              <a:rPr lang="en-US" b="1" i="1" dirty="0">
                 <a:solidFill>
                   <a:srgbClr val="FFC000"/>
                 </a:solidFill>
@@ -9137,7 +9441,7 @@
               <a:t>Determining form of enterprise</a:t>
             </a:r>
             <a:r>
-              <a:rPr lang="en-US" b="1" dirty="0" smtClean="0">
+              <a:rPr lang="en-US" b="1" dirty="0">
                 <a:solidFill>
                   <a:srgbClr val="FFC000"/>
                 </a:solidFill>
@@ -9145,7 +9449,7 @@
               <a:t>: </a:t>
             </a:r>
             <a:r>
-              <a:rPr lang="en-US" dirty="0" smtClean="0"/>
+              <a:rPr lang="en-US" dirty="0"/>
               <a:t>Entrepreneur has to determine form of enterprise depending upon the nature of the product, volume of investment etc.</a:t>
             </a:r>
           </a:p>
@@ -9154,7 +9458,7 @@
               <a:buNone/>
             </a:pPr>
             <a:r>
-              <a:rPr lang="en-US" b="1" dirty="0" smtClean="0">
+              <a:rPr lang="en-US" b="1" dirty="0">
                 <a:solidFill>
                   <a:srgbClr val="FFC000"/>
                 </a:solidFill>
@@ -9162,7 +9466,7 @@
               <a:t>7. </a:t>
             </a:r>
             <a:r>
-              <a:rPr lang="en-US" b="1" i="1" dirty="0" smtClean="0">
+              <a:rPr lang="en-US" b="1" i="1" dirty="0">
                 <a:solidFill>
                   <a:srgbClr val="FFC000"/>
                 </a:solidFill>
@@ -9170,7 +9474,7 @@
               <a:t>Recruitment of manpower</a:t>
             </a:r>
             <a:r>
-              <a:rPr lang="en-US" b="1" dirty="0" smtClean="0">
+              <a:rPr lang="en-US" b="1" dirty="0">
                 <a:solidFill>
                   <a:srgbClr val="FFC000"/>
                 </a:solidFill>
@@ -9178,7 +9482,7 @@
               <a:t>: </a:t>
             </a:r>
             <a:r>
-              <a:rPr lang="en-US" dirty="0" smtClean="0"/>
+              <a:rPr lang="en-US" dirty="0"/>
               <a:t>To carry out this function an Entrepreneur has to perform the following activities.</a:t>
             </a:r>
           </a:p>
@@ -9187,7 +9491,7 @@
               <a:buNone/>
             </a:pPr>
             <a:r>
-              <a:rPr lang="en-US" dirty="0" smtClean="0"/>
+              <a:rPr lang="en-US" dirty="0"/>
               <a:t>(a) Estimating man power requirement for short term and long term.</a:t>
             </a:r>
           </a:p>
@@ -9196,7 +9500,7 @@
               <a:buNone/>
             </a:pPr>
             <a:r>
-              <a:rPr lang="en-US" dirty="0" smtClean="0"/>
+              <a:rPr lang="en-US" dirty="0"/>
               <a:t>(b) Laying down the selection procedure.</a:t>
             </a:r>
           </a:p>
@@ -9205,7 +9509,7 @@
               <a:buNone/>
             </a:pPr>
             <a:r>
-              <a:rPr lang="en-US" dirty="0" smtClean="0"/>
+              <a:rPr lang="en-US" dirty="0"/>
               <a:t>(c) Designing scheme of compensation.</a:t>
             </a:r>
           </a:p>
@@ -9214,7 +9518,7 @@
               <a:buNone/>
             </a:pPr>
             <a:r>
-              <a:rPr lang="en-US" dirty="0" smtClean="0"/>
+              <a:rPr lang="en-US" dirty="0"/>
               <a:t>(d) Laying down the service rules.</a:t>
             </a:r>
           </a:p>
@@ -9223,19 +9527,19 @@
               <a:buNone/>
             </a:pPr>
             <a:r>
-              <a:rPr lang="en-US" dirty="0" smtClean="0"/>
+              <a:rPr lang="en-US" dirty="0"/>
               <a:t>(e) Designing mechanism for training and development. </a:t>
             </a:r>
           </a:p>
           <a:p>
-            <a:endParaRPr lang="en-US" dirty="0" smtClean="0"/>
+            <a:endParaRPr lang="en-US" dirty="0"/>
           </a:p>
           <a:p>
             <a:pPr>
               <a:buNone/>
             </a:pPr>
             <a:r>
-              <a:rPr lang="en-US" b="1" dirty="0" smtClean="0">
+              <a:rPr lang="en-US" b="1" dirty="0">
                 <a:solidFill>
                   <a:srgbClr val="FFC000"/>
                 </a:solidFill>
@@ -9243,7 +9547,7 @@
               <a:t>8. </a:t>
             </a:r>
             <a:r>
-              <a:rPr lang="en-US" b="1" i="1" dirty="0" smtClean="0">
+              <a:rPr lang="en-US" b="1" i="1" dirty="0">
                 <a:solidFill>
                   <a:srgbClr val="FFC000"/>
                 </a:solidFill>
@@ -9251,7 +9555,7 @@
               <a:t>Implementation of the project</a:t>
             </a:r>
             <a:r>
-              <a:rPr lang="en-US" b="1" dirty="0" smtClean="0">
+              <a:rPr lang="en-US" b="1" dirty="0">
                 <a:solidFill>
                   <a:srgbClr val="FFC000"/>
                 </a:solidFill>
@@ -9259,7 +9563,7 @@
               <a:t>: </a:t>
             </a:r>
             <a:r>
-              <a:rPr lang="en-US" dirty="0" smtClean="0"/>
+              <a:rPr lang="en-US" dirty="0"/>
               <a:t>Entrepreneur has to develop schedule and action plan for the implementation of the project.</a:t>
             </a:r>
           </a:p>
@@ -9268,6 +9572,36 @@
               <a:buNone/>
             </a:pPr>
             <a:endParaRPr lang="en-US" dirty="0"/>
+          </a:p>
+        </p:txBody>
+      </p:sp>
+      <p:sp>
+        <p:nvSpPr>
+          <p:cNvPr id="2" name="Slide Number Placeholder 1">
+            <a:extLst>
+              <a:ext uri="{FF2B5EF4-FFF2-40B4-BE49-F238E27FC236}">
+                <a16:creationId xmlns:a16="http://schemas.microsoft.com/office/drawing/2014/main" id="{8E1DE4EA-0F2F-404F-9760-3C790CA698E5}"/>
+              </a:ext>
+            </a:extLst>
+          </p:cNvPr>
+          <p:cNvSpPr>
+            <a:spLocks noGrp="1"/>
+          </p:cNvSpPr>
+          <p:nvPr>
+            <p:ph type="sldNum" sz="quarter" idx="12"/>
+          </p:nvPr>
+        </p:nvSpPr>
+        <p:spPr/>
+        <p:txBody>
+          <a:bodyPr/>
+          <a:lstStyle/>
+          <a:p>
+            <a:fld id="{B6F15528-21DE-4FAA-801E-634DDDAF4B2B}" type="slidenum">
+              <a:rPr lang="en-US" smtClean="0"/>
+              <a:pPr/>
+              <a:t>9</a:t>
+            </a:fld>
+            <a:endParaRPr lang="en-US"/>
           </a:p>
         </p:txBody>
       </p:sp>
@@ -9276,18 +9610,11 @@
   <p:clrMapOvr>
     <a:masterClrMapping/>
   </p:clrMapOvr>
-  <p:timing>
-    <p:tnLst>
-      <p:par>
-        <p:cTn id="1" dur="indefinite" restart="never" nodeType="tmRoot"/>
-      </p:par>
-    </p:tnLst>
-  </p:timing>
 </p:sld>
 </file>
 
 <file path=ppt/theme/theme1.xml><?xml version="1.0" encoding="utf-8"?>
-<a:theme xmlns:a="http://schemas.openxmlformats.org/drawingml/2006/main" name="Flow">
+<a:theme xmlns:a="http://schemas.openxmlformats.org/drawingml/2006/main" name="Office Theme">
   <a:themeElements>
     <a:clrScheme name="Office">
       <a:dk1>
@@ -9297,46 +9624,98 @@
         <a:sysClr val="window" lastClr="FFFFFF"/>
       </a:lt1>
       <a:dk2>
-        <a:srgbClr val="1F497D"/>
+        <a:srgbClr val="44546A"/>
       </a:dk2>
       <a:lt2>
-        <a:srgbClr val="EEECE1"/>
+        <a:srgbClr val="E7E6E6"/>
       </a:lt2>
       <a:accent1>
-        <a:srgbClr val="4F81BD"/>
+        <a:srgbClr val="4472C4"/>
       </a:accent1>
       <a:accent2>
-        <a:srgbClr val="C0504D"/>
+        <a:srgbClr val="ED7D31"/>
       </a:accent2>
       <a:accent3>
-        <a:srgbClr val="9BBB59"/>
+        <a:srgbClr val="A5A5A5"/>
       </a:accent3>
       <a:accent4>
-        <a:srgbClr val="8064A2"/>
+        <a:srgbClr val="FFC000"/>
       </a:accent4>
       <a:accent5>
-        <a:srgbClr val="4BACC6"/>
+        <a:srgbClr val="5B9BD5"/>
       </a:accent5>
       <a:accent6>
-        <a:srgbClr val="F79646"/>
+        <a:srgbClr val="70AD47"/>
       </a:accent6>
       <a:hlink>
-        <a:srgbClr val="0000FF"/>
+        <a:srgbClr val="0563C1"/>
       </a:hlink>
       <a:folHlink>
-        <a:srgbClr val="800080"/>
+        <a:srgbClr val="954F72"/>
       </a:folHlink>
     </a:clrScheme>
-    <a:fontScheme name="Flow">
+    <a:fontScheme name="Office">
       <a:majorFont>
-        <a:latin typeface="Calibri"/>
+        <a:latin typeface="Calibri Light" panose="020F0302020204030204"/>
         <a:ea typeface=""/>
         <a:cs typeface=""/>
-        <a:font script="Jpan" typeface="ＭＳ Ｐゴシック"/>
-        <a:font script="Hang" typeface="HY중고딕"/>
-        <a:font script="Hans" typeface="隶书"/>
-        <a:font script="Hant" typeface="微軟正黑體"/>
-        <a:font script="Arab" typeface="Traditional Arabic"/>
+        <a:font script="Jpan" typeface="游ゴシック Light"/>
+        <a:font script="Hang" typeface="맑은 고딕"/>
+        <a:font script="Hans" typeface="等线 Light"/>
+        <a:font script="Hant" typeface="新細明體"/>
+        <a:font script="Arab" typeface="Times New Roman"/>
+        <a:font script="Hebr" typeface="Times New Roman"/>
+        <a:font script="Thai" typeface="Angsana New"/>
+        <a:font script="Ethi" typeface="Nyala"/>
+        <a:font script="Beng" typeface="Vrinda"/>
+        <a:font script="Gujr" typeface="Shruti"/>
+        <a:font script="Khmr" typeface="MoolBoran"/>
+        <a:font script="Knda" typeface="Tunga"/>
+        <a:font script="Guru" typeface="Raavi"/>
+        <a:font script="Cans" typeface="Euphemia"/>
+        <a:font script="Cher" typeface="Plantagenet Cherokee"/>
+        <a:font script="Yiii" typeface="Microsoft Yi Baiti"/>
+        <a:font script="Tibt" typeface="Microsoft Himalaya"/>
+        <a:font script="Thaa" typeface="MV Boli"/>
+        <a:font script="Deva" typeface="Mangal"/>
+        <a:font script="Telu" typeface="Gautami"/>
+        <a:font script="Taml" typeface="Latha"/>
+        <a:font script="Syrc" typeface="Estrangelo Edessa"/>
+        <a:font script="Orya" typeface="Kalinga"/>
+        <a:font script="Mlym" typeface="Kartika"/>
+        <a:font script="Laoo" typeface="DokChampa"/>
+        <a:font script="Sinh" typeface="Iskoola Pota"/>
+        <a:font script="Mong" typeface="Mongolian Baiti"/>
+        <a:font script="Viet" typeface="Times New Roman"/>
+        <a:font script="Uigh" typeface="Microsoft Uighur"/>
+        <a:font script="Geor" typeface="Sylfaen"/>
+        <a:font script="Armn" typeface="Arial"/>
+        <a:font script="Bugi" typeface="Leelawadee UI"/>
+        <a:font script="Bopo" typeface="Microsoft JhengHei"/>
+        <a:font script="Java" typeface="Javanese Text"/>
+        <a:font script="Lisu" typeface="Segoe UI"/>
+        <a:font script="Mymr" typeface="Myanmar Text"/>
+        <a:font script="Nkoo" typeface="Ebrima"/>
+        <a:font script="Olck" typeface="Nirmala UI"/>
+        <a:font script="Osma" typeface="Ebrima"/>
+        <a:font script="Phag" typeface="Phagspa"/>
+        <a:font script="Syrn" typeface="Estrangelo Edessa"/>
+        <a:font script="Syrj" typeface="Estrangelo Edessa"/>
+        <a:font script="Syre" typeface="Estrangelo Edessa"/>
+        <a:font script="Sora" typeface="Nirmala UI"/>
+        <a:font script="Tale" typeface="Microsoft Tai Le"/>
+        <a:font script="Talu" typeface="Microsoft New Tai Lue"/>
+        <a:font script="Tfng" typeface="Ebrima"/>
+      </a:majorFont>
+      <a:minorFont>
+        <a:latin typeface="Calibri" panose="020F0502020204030204"/>
+        <a:ea typeface=""/>
+        <a:cs typeface=""/>
+        <a:font script="Jpan" typeface="游ゴシック"/>
+        <a:font script="Hang" typeface="맑은 고딕"/>
+        <a:font script="Hans" typeface="等线"/>
+        <a:font script="Hant" typeface="新細明體"/>
+        <a:font script="Arab" typeface="Arial"/>
         <a:font script="Hebr" typeface="Arial"/>
         <a:font script="Thai" typeface="Cordia New"/>
         <a:font script="Ethi" typeface="Nyala"/>
@@ -9361,18 +9740,227 @@
         <a:font script="Mong" typeface="Mongolian Baiti"/>
         <a:font script="Viet" typeface="Arial"/>
         <a:font script="Uigh" typeface="Microsoft Uighur"/>
-      </a:majorFont>
-      <a:minorFont>
-        <a:latin typeface="Constantia"/>
+        <a:font script="Geor" typeface="Sylfaen"/>
+        <a:font script="Armn" typeface="Arial"/>
+        <a:font script="Bugi" typeface="Leelawadee UI"/>
+        <a:font script="Bopo" typeface="Microsoft JhengHei"/>
+        <a:font script="Java" typeface="Javanese Text"/>
+        <a:font script="Lisu" typeface="Segoe UI"/>
+        <a:font script="Mymr" typeface="Myanmar Text"/>
+        <a:font script="Nkoo" typeface="Ebrima"/>
+        <a:font script="Olck" typeface="Nirmala UI"/>
+        <a:font script="Osma" typeface="Ebrima"/>
+        <a:font script="Phag" typeface="Phagspa"/>
+        <a:font script="Syrn" typeface="Estrangelo Edessa"/>
+        <a:font script="Syrj" typeface="Estrangelo Edessa"/>
+        <a:font script="Syre" typeface="Estrangelo Edessa"/>
+        <a:font script="Sora" typeface="Nirmala UI"/>
+        <a:font script="Tale" typeface="Microsoft Tai Le"/>
+        <a:font script="Talu" typeface="Microsoft New Tai Lue"/>
+        <a:font script="Tfng" typeface="Ebrima"/>
+      </a:minorFont>
+    </a:fontScheme>
+    <a:fmtScheme name="Office">
+      <a:fillStyleLst>
+        <a:solidFill>
+          <a:schemeClr val="phClr"/>
+        </a:solidFill>
+        <a:gradFill rotWithShape="1">
+          <a:gsLst>
+            <a:gs pos="0">
+              <a:schemeClr val="phClr">
+                <a:lumMod val="110000"/>
+                <a:satMod val="105000"/>
+                <a:tint val="67000"/>
+              </a:schemeClr>
+            </a:gs>
+            <a:gs pos="50000">
+              <a:schemeClr val="phClr">
+                <a:lumMod val="105000"/>
+                <a:satMod val="103000"/>
+                <a:tint val="73000"/>
+              </a:schemeClr>
+            </a:gs>
+            <a:gs pos="100000">
+              <a:schemeClr val="phClr">
+                <a:lumMod val="105000"/>
+                <a:satMod val="109000"/>
+                <a:tint val="81000"/>
+              </a:schemeClr>
+            </a:gs>
+          </a:gsLst>
+          <a:lin ang="5400000" scaled="0"/>
+        </a:gradFill>
+        <a:gradFill rotWithShape="1">
+          <a:gsLst>
+            <a:gs pos="0">
+              <a:schemeClr val="phClr">
+                <a:satMod val="103000"/>
+                <a:lumMod val="102000"/>
+                <a:tint val="94000"/>
+              </a:schemeClr>
+            </a:gs>
+            <a:gs pos="50000">
+              <a:schemeClr val="phClr">
+                <a:satMod val="110000"/>
+                <a:lumMod val="100000"/>
+                <a:shade val="100000"/>
+              </a:schemeClr>
+            </a:gs>
+            <a:gs pos="100000">
+              <a:schemeClr val="phClr">
+                <a:lumMod val="99000"/>
+                <a:satMod val="120000"/>
+                <a:shade val="78000"/>
+              </a:schemeClr>
+            </a:gs>
+          </a:gsLst>
+          <a:lin ang="5400000" scaled="0"/>
+        </a:gradFill>
+      </a:fillStyleLst>
+      <a:lnStyleLst>
+        <a:ln w="6350" cap="flat" cmpd="sng" algn="ctr">
+          <a:solidFill>
+            <a:schemeClr val="phClr"/>
+          </a:solidFill>
+          <a:prstDash val="solid"/>
+          <a:miter lim="800000"/>
+        </a:ln>
+        <a:ln w="12700" cap="flat" cmpd="sng" algn="ctr">
+          <a:solidFill>
+            <a:schemeClr val="phClr"/>
+          </a:solidFill>
+          <a:prstDash val="solid"/>
+          <a:miter lim="800000"/>
+        </a:ln>
+        <a:ln w="19050" cap="flat" cmpd="sng" algn="ctr">
+          <a:solidFill>
+            <a:schemeClr val="phClr"/>
+          </a:solidFill>
+          <a:prstDash val="solid"/>
+          <a:miter lim="800000"/>
+        </a:ln>
+      </a:lnStyleLst>
+      <a:effectStyleLst>
+        <a:effectStyle>
+          <a:effectLst/>
+        </a:effectStyle>
+        <a:effectStyle>
+          <a:effectLst/>
+        </a:effectStyle>
+        <a:effectStyle>
+          <a:effectLst>
+            <a:outerShdw blurRad="57150" dist="19050" dir="5400000" algn="ctr" rotWithShape="0">
+              <a:srgbClr val="000000">
+                <a:alpha val="63000"/>
+              </a:srgbClr>
+            </a:outerShdw>
+          </a:effectLst>
+        </a:effectStyle>
+      </a:effectStyleLst>
+      <a:bgFillStyleLst>
+        <a:solidFill>
+          <a:schemeClr val="phClr"/>
+        </a:solidFill>
+        <a:solidFill>
+          <a:schemeClr val="phClr">
+            <a:tint val="95000"/>
+            <a:satMod val="170000"/>
+          </a:schemeClr>
+        </a:solidFill>
+        <a:gradFill rotWithShape="1">
+          <a:gsLst>
+            <a:gs pos="0">
+              <a:schemeClr val="phClr">
+                <a:tint val="93000"/>
+                <a:satMod val="150000"/>
+                <a:shade val="98000"/>
+                <a:lumMod val="102000"/>
+              </a:schemeClr>
+            </a:gs>
+            <a:gs pos="50000">
+              <a:schemeClr val="phClr">
+                <a:tint val="98000"/>
+                <a:satMod val="130000"/>
+                <a:shade val="90000"/>
+                <a:lumMod val="103000"/>
+              </a:schemeClr>
+            </a:gs>
+            <a:gs pos="100000">
+              <a:schemeClr val="phClr">
+                <a:shade val="63000"/>
+                <a:satMod val="120000"/>
+              </a:schemeClr>
+            </a:gs>
+          </a:gsLst>
+          <a:lin ang="5400000" scaled="0"/>
+        </a:gradFill>
+      </a:bgFillStyleLst>
+    </a:fmtScheme>
+  </a:themeElements>
+  <a:objectDefaults/>
+  <a:extraClrSchemeLst/>
+  <a:extLst>
+    <a:ext uri="{05A4C25C-085E-4340-85A3-A5531E510DB2}">
+      <thm15:themeFamily xmlns:thm15="http://schemas.microsoft.com/office/thememl/2012/main" name="Office Theme" id="{62F939B6-93AF-4DB8-9C6B-D6C7DFDC589F}" vid="{4A3C46E8-61CC-4603-A589-7422A47A8E4A}"/>
+    </a:ext>
+  </a:extLst>
+</a:theme>
+</file>
+
+<file path=ppt/theme/theme2.xml><?xml version="1.0" encoding="utf-8"?>
+<a:theme xmlns:a="http://schemas.openxmlformats.org/drawingml/2006/main" name="Office Theme">
+  <a:themeElements>
+    <a:clrScheme name="Office">
+      <a:dk1>
+        <a:sysClr val="windowText" lastClr="000000"/>
+      </a:dk1>
+      <a:lt1>
+        <a:sysClr val="window" lastClr="FFFFFF"/>
+      </a:lt1>
+      <a:dk2>
+        <a:srgbClr val="44546A"/>
+      </a:dk2>
+      <a:lt2>
+        <a:srgbClr val="E7E6E6"/>
+      </a:lt2>
+      <a:accent1>
+        <a:srgbClr val="4472C4"/>
+      </a:accent1>
+      <a:accent2>
+        <a:srgbClr val="ED7D31"/>
+      </a:accent2>
+      <a:accent3>
+        <a:srgbClr val="A5A5A5"/>
+      </a:accent3>
+      <a:accent4>
+        <a:srgbClr val="FFC000"/>
+      </a:accent4>
+      <a:accent5>
+        <a:srgbClr val="5B9BD5"/>
+      </a:accent5>
+      <a:accent6>
+        <a:srgbClr val="70AD47"/>
+      </a:accent6>
+      <a:hlink>
+        <a:srgbClr val="0563C1"/>
+      </a:hlink>
+      <a:folHlink>
+        <a:srgbClr val="954F72"/>
+      </a:folHlink>
+    </a:clrScheme>
+    <a:fontScheme name="Office">
+      <a:majorFont>
+        <a:latin typeface="Calibri Light" panose="020F0302020204030204"/>
         <a:ea typeface=""/>
         <a:cs typeface=""/>
-        <a:font script="Jpan" typeface="HGP明朝E"/>
-        <a:font script="Hang" typeface="HY신명조"/>
-        <a:font script="Hans" typeface="宋体"/>
+        <a:font script="Jpan" typeface="游ゴシック Light"/>
+        <a:font script="Hang" typeface="맑은 고딕"/>
+        <a:font script="Hans" typeface="等线 Light"/>
         <a:font script="Hant" typeface="新細明體"/>
-        <a:font script="Arab" typeface="Majalla UI"/>
-        <a:font script="Hebr" typeface="David"/>
-        <a:font script="Thai" typeface="Browallia New"/>
+        <a:font script="Arab" typeface="Times New Roman"/>
+        <a:font script="Hebr" typeface="Times New Roman"/>
+        <a:font script="Thai" typeface="Angsana New"/>
         <a:font script="Ethi" typeface="Nyala"/>
         <a:font script="Beng" typeface="Vrinda"/>
         <a:font script="Gujr" typeface="Shruti"/>
@@ -9395,9 +9983,79 @@
         <a:font script="Mong" typeface="Mongolian Baiti"/>
         <a:font script="Viet" typeface="Times New Roman"/>
         <a:font script="Uigh" typeface="Microsoft Uighur"/>
+        <a:font script="Geor" typeface="Sylfaen"/>
+        <a:font script="Armn" typeface="Arial"/>
+        <a:font script="Bugi" typeface="Leelawadee UI"/>
+        <a:font script="Bopo" typeface="Microsoft JhengHei"/>
+        <a:font script="Java" typeface="Javanese Text"/>
+        <a:font script="Lisu" typeface="Segoe UI"/>
+        <a:font script="Mymr" typeface="Myanmar Text"/>
+        <a:font script="Nkoo" typeface="Ebrima"/>
+        <a:font script="Olck" typeface="Nirmala UI"/>
+        <a:font script="Osma" typeface="Ebrima"/>
+        <a:font script="Phag" typeface="Phagspa"/>
+        <a:font script="Syrn" typeface="Estrangelo Edessa"/>
+        <a:font script="Syrj" typeface="Estrangelo Edessa"/>
+        <a:font script="Syre" typeface="Estrangelo Edessa"/>
+        <a:font script="Sora" typeface="Nirmala UI"/>
+        <a:font script="Tale" typeface="Microsoft Tai Le"/>
+        <a:font script="Talu" typeface="Microsoft New Tai Lue"/>
+        <a:font script="Tfng" typeface="Ebrima"/>
+      </a:majorFont>
+      <a:minorFont>
+        <a:latin typeface="Calibri" panose="020F0502020204030204"/>
+        <a:ea typeface=""/>
+        <a:cs typeface=""/>
+        <a:font script="Jpan" typeface="游ゴシック"/>
+        <a:font script="Hang" typeface="맑은 고딕"/>
+        <a:font script="Hans" typeface="等线"/>
+        <a:font script="Hant" typeface="新細明體"/>
+        <a:font script="Arab" typeface="Arial"/>
+        <a:font script="Hebr" typeface="Arial"/>
+        <a:font script="Thai" typeface="Cordia New"/>
+        <a:font script="Ethi" typeface="Nyala"/>
+        <a:font script="Beng" typeface="Vrinda"/>
+        <a:font script="Gujr" typeface="Shruti"/>
+        <a:font script="Khmr" typeface="DaunPenh"/>
+        <a:font script="Knda" typeface="Tunga"/>
+        <a:font script="Guru" typeface="Raavi"/>
+        <a:font script="Cans" typeface="Euphemia"/>
+        <a:font script="Cher" typeface="Plantagenet Cherokee"/>
+        <a:font script="Yiii" typeface="Microsoft Yi Baiti"/>
+        <a:font script="Tibt" typeface="Microsoft Himalaya"/>
+        <a:font script="Thaa" typeface="MV Boli"/>
+        <a:font script="Deva" typeface="Mangal"/>
+        <a:font script="Telu" typeface="Gautami"/>
+        <a:font script="Taml" typeface="Latha"/>
+        <a:font script="Syrc" typeface="Estrangelo Edessa"/>
+        <a:font script="Orya" typeface="Kalinga"/>
+        <a:font script="Mlym" typeface="Kartika"/>
+        <a:font script="Laoo" typeface="DokChampa"/>
+        <a:font script="Sinh" typeface="Iskoola Pota"/>
+        <a:font script="Mong" typeface="Mongolian Baiti"/>
+        <a:font script="Viet" typeface="Arial"/>
+        <a:font script="Uigh" typeface="Microsoft Uighur"/>
+        <a:font script="Geor" typeface="Sylfaen"/>
+        <a:font script="Armn" typeface="Arial"/>
+        <a:font script="Bugi" typeface="Leelawadee UI"/>
+        <a:font script="Bopo" typeface="Microsoft JhengHei"/>
+        <a:font script="Java" typeface="Javanese Text"/>
+        <a:font script="Lisu" typeface="Segoe UI"/>
+        <a:font script="Mymr" typeface="Myanmar Text"/>
+        <a:font script="Nkoo" typeface="Ebrima"/>
+        <a:font script="Olck" typeface="Nirmala UI"/>
+        <a:font script="Osma" typeface="Ebrima"/>
+        <a:font script="Phag" typeface="Phagspa"/>
+        <a:font script="Syrn" typeface="Estrangelo Edessa"/>
+        <a:font script="Syrj" typeface="Estrangelo Edessa"/>
+        <a:font script="Syre" typeface="Estrangelo Edessa"/>
+        <a:font script="Sora" typeface="Nirmala UI"/>
+        <a:font script="Tale" typeface="Microsoft Tai Le"/>
+        <a:font script="Talu" typeface="Microsoft New Tai Lue"/>
+        <a:font script="Tfng" typeface="Ebrima"/>
       </a:minorFont>
     </a:fontScheme>
-    <a:fmtScheme name="Flow">
+    <a:fmtScheme name="Office">
       <a:fillStyleLst>
         <a:solidFill>
           <a:schemeClr val="phClr"/>
@@ -9406,177 +10064,141 @@
           <a:gsLst>
             <a:gs pos="0">
               <a:schemeClr val="phClr">
-                <a:tint val="70000"/>
-                <a:satMod val="130000"/>
+                <a:lumMod val="110000"/>
+                <a:satMod val="105000"/>
+                <a:tint val="67000"/>
               </a:schemeClr>
             </a:gs>
-            <a:gs pos="43000">
+            <a:gs pos="50000">
               <a:schemeClr val="phClr">
-                <a:tint val="44000"/>
-                <a:satMod val="165000"/>
-              </a:schemeClr>
-            </a:gs>
-            <a:gs pos="93000">
-              <a:schemeClr val="phClr">
-                <a:tint val="15000"/>
-                <a:satMod val="165000"/>
+                <a:lumMod val="105000"/>
+                <a:satMod val="103000"/>
+                <a:tint val="73000"/>
               </a:schemeClr>
             </a:gs>
             <a:gs pos="100000">
               <a:schemeClr val="phClr">
-                <a:tint val="5000"/>
-                <a:satMod val="250000"/>
+                <a:lumMod val="105000"/>
+                <a:satMod val="109000"/>
+                <a:tint val="81000"/>
               </a:schemeClr>
             </a:gs>
           </a:gsLst>
-          <a:path path="circle">
-            <a:fillToRect l="50000" t="130000" r="50000" b="-30000"/>
-          </a:path>
+          <a:lin ang="5400000" scaled="0"/>
         </a:gradFill>
         <a:gradFill rotWithShape="1">
           <a:gsLst>
             <a:gs pos="0">
               <a:schemeClr val="phClr">
-                <a:tint val="98000"/>
-                <a:shade val="25000"/>
-                <a:satMod val="250000"/>
+                <a:satMod val="103000"/>
+                <a:lumMod val="102000"/>
+                <a:tint val="94000"/>
               </a:schemeClr>
             </a:gs>
-            <a:gs pos="68000">
+            <a:gs pos="50000">
               <a:schemeClr val="phClr">
-                <a:tint val="86000"/>
-                <a:satMod val="115000"/>
+                <a:satMod val="110000"/>
+                <a:lumMod val="100000"/>
+                <a:shade val="100000"/>
               </a:schemeClr>
             </a:gs>
             <a:gs pos="100000">
               <a:schemeClr val="phClr">
-                <a:tint val="50000"/>
-                <a:satMod val="150000"/>
+                <a:lumMod val="99000"/>
+                <a:satMod val="120000"/>
+                <a:shade val="78000"/>
               </a:schemeClr>
             </a:gs>
           </a:gsLst>
-          <a:path path="circle">
-            <a:fillToRect l="50000" t="130000" r="50000" b="-30000"/>
-          </a:path>
+          <a:lin ang="5400000" scaled="0"/>
         </a:gradFill>
       </a:fillStyleLst>
       <a:lnStyleLst>
-        <a:ln w="9525" cap="flat" cmpd="sng" algn="ctr">
-          <a:solidFill>
-            <a:schemeClr val="phClr">
-              <a:shade val="50000"/>
-              <a:satMod val="103000"/>
-            </a:schemeClr>
-          </a:solidFill>
-          <a:prstDash val="solid"/>
-        </a:ln>
-        <a:ln w="25400" cap="flat" cmpd="sng" algn="ctr">
+        <a:ln w="6350" cap="flat" cmpd="sng" algn="ctr">
           <a:solidFill>
             <a:schemeClr val="phClr"/>
           </a:solidFill>
           <a:prstDash val="solid"/>
+          <a:miter lim="800000"/>
         </a:ln>
-        <a:ln w="38100" cap="flat" cmpd="sng" algn="ctr">
+        <a:ln w="12700" cap="flat" cmpd="sng" algn="ctr">
           <a:solidFill>
             <a:schemeClr val="phClr"/>
           </a:solidFill>
           <a:prstDash val="solid"/>
+          <a:miter lim="800000"/>
+        </a:ln>
+        <a:ln w="19050" cap="flat" cmpd="sng" algn="ctr">
+          <a:solidFill>
+            <a:schemeClr val="phClr"/>
+          </a:solidFill>
+          <a:prstDash val="solid"/>
+          <a:miter lim="800000"/>
         </a:ln>
       </a:lnStyleLst>
       <a:effectStyleLst>
         <a:effectStyle>
-          <a:effectLst>
-            <a:outerShdw blurRad="57150" dist="38100" dir="5400000" algn="ctr" rotWithShape="0">
-              <a:schemeClr val="phClr">
-                <a:shade val="9000"/>
-                <a:satMod val="105000"/>
-                <a:alpha val="48000"/>
-              </a:schemeClr>
-            </a:outerShdw>
-          </a:effectLst>
+          <a:effectLst/>
+        </a:effectStyle>
+        <a:effectStyle>
+          <a:effectLst/>
         </a:effectStyle>
         <a:effectStyle>
           <a:effectLst>
-            <a:outerShdw blurRad="57150" dist="38100" dir="5400000" algn="ctr" rotWithShape="0">
-              <a:schemeClr val="phClr">
-                <a:shade val="9000"/>
-                <a:satMod val="105000"/>
-                <a:alpha val="48000"/>
-              </a:schemeClr>
+            <a:outerShdw blurRad="57150" dist="19050" dir="5400000" algn="ctr" rotWithShape="0">
+              <a:srgbClr val="000000">
+                <a:alpha val="63000"/>
+              </a:srgbClr>
             </a:outerShdw>
           </a:effectLst>
-        </a:effectStyle>
-        <a:effectStyle>
-          <a:effectLst>
-            <a:outerShdw blurRad="57150" dist="38100" dir="5400000" algn="ctr" rotWithShape="0">
-              <a:schemeClr val="phClr">
-                <a:shade val="9000"/>
-                <a:satMod val="105000"/>
-                <a:alpha val="48000"/>
-              </a:schemeClr>
-            </a:outerShdw>
-          </a:effectLst>
-          <a:scene3d>
-            <a:camera prst="orthographicFront" fov="0">
-              <a:rot lat="0" lon="0" rev="0"/>
-            </a:camera>
-            <a:lightRig rig="glow" dir="tl">
-              <a:rot lat="0" lon="0" rev="900000"/>
-            </a:lightRig>
-          </a:scene3d>
-          <a:sp3d prstMaterial="powder">
-            <a:bevelT w="25400" h="38100"/>
-          </a:sp3d>
         </a:effectStyle>
       </a:effectStyleLst>
       <a:bgFillStyleLst>
         <a:solidFill>
           <a:schemeClr val="phClr"/>
         </a:solidFill>
+        <a:solidFill>
+          <a:schemeClr val="phClr">
+            <a:tint val="95000"/>
+            <a:satMod val="170000"/>
+          </a:schemeClr>
+        </a:solidFill>
         <a:gradFill rotWithShape="1">
           <a:gsLst>
             <a:gs pos="0">
               <a:schemeClr val="phClr">
-                <a:tint val="80000"/>
-                <a:satMod val="400000"/>
+                <a:tint val="93000"/>
+                <a:satMod val="150000"/>
+                <a:shade val="98000"/>
+                <a:lumMod val="102000"/>
               </a:schemeClr>
             </a:gs>
-            <a:gs pos="25000">
+            <a:gs pos="50000">
               <a:schemeClr val="phClr">
-                <a:tint val="83000"/>
-                <a:satMod val="320000"/>
+                <a:tint val="98000"/>
+                <a:satMod val="130000"/>
+                <a:shade val="90000"/>
+                <a:lumMod val="103000"/>
               </a:schemeClr>
             </a:gs>
             <a:gs pos="100000">
               <a:schemeClr val="phClr">
-                <a:shade val="15000"/>
-                <a:satMod val="320000"/>
+                <a:shade val="63000"/>
+                <a:satMod val="120000"/>
               </a:schemeClr>
             </a:gs>
           </a:gsLst>
-          <a:path path="circle">
-            <a:fillToRect l="10000" t="110000" r="10000" b="100000"/>
-          </a:path>
+          <a:lin ang="5400000" scaled="0"/>
         </a:gradFill>
-        <a:blipFill>
-          <a:blip xmlns:r="http://schemas.openxmlformats.org/officeDocument/2006/relationships" r:embed="rId1">
-            <a:duotone>
-              <a:schemeClr val="phClr">
-                <a:shade val="90000"/>
-                <a:satMod val="150000"/>
-              </a:schemeClr>
-              <a:schemeClr val="phClr">
-                <a:tint val="88000"/>
-                <a:satMod val="150000"/>
-              </a:schemeClr>
-            </a:duotone>
-          </a:blip>
-          <a:tile tx="0" ty="0" sx="65000" sy="65000" flip="none" algn="tl"/>
-        </a:blipFill>
       </a:bgFillStyleLst>
     </a:fmtScheme>
   </a:themeElements>
   <a:objectDefaults/>
   <a:extraClrSchemeLst/>
+  <a:extLst>
+    <a:ext uri="{05A4C25C-085E-4340-85A3-A5531E510DB2}">
+      <thm15:themeFamily xmlns:thm15="http://schemas.microsoft.com/office/thememl/2012/main" name="Office Theme" id="{62F939B6-93AF-4DB8-9C6B-D6C7DFDC589F}" vid="{4A3C46E8-61CC-4603-A589-7422A47A8E4A}"/>
+    </a:ext>
+  </a:extLst>
 </a:theme>
 </file>